--- a/design-resource.pptx
+++ b/design-resource.pptx
@@ -5,11 +5,12 @@
     <p:sldMasterId id="2147483648" r:id="rId1"/>
   </p:sldMasterIdLst>
   <p:notesMasterIdLst>
-    <p:notesMasterId r:id="rId4"/>
+    <p:notesMasterId r:id="rId5"/>
   </p:notesMasterIdLst>
   <p:sldIdLst>
     <p:sldId id="470" r:id="rId2"/>
     <p:sldId id="471" r:id="rId3"/>
+    <p:sldId id="472" r:id="rId4"/>
   </p:sldIdLst>
   <p:sldSz cx="9144000" cy="5143500" type="screen16x9"/>
   <p:notesSz cx="6858000" cy="9144000"/>
@@ -768,6 +769,93 @@
 </p:notes>
 </file>
 
+<file path=ppt/notesSlides/notesSlide3.xml><?xml version="1.0" encoding="utf-8"?>
+<p:notes xmlns:a="http://schemas.openxmlformats.org/drawingml/2006/main" xmlns:r="http://schemas.openxmlformats.org/officeDocument/2006/relationships" xmlns:p="http://schemas.openxmlformats.org/presentationml/2006/main">
+  <p:cSld>
+    <p:spTree>
+      <p:nvGrpSpPr>
+        <p:cNvPr id="1" name=""/>
+        <p:cNvGrpSpPr/>
+        <p:nvPr/>
+      </p:nvGrpSpPr>
+      <p:grpSpPr>
+        <a:xfrm>
+          <a:off x="0" y="0"/>
+          <a:ext cx="0" cy="0"/>
+          <a:chOff x="0" y="0"/>
+          <a:chExt cx="0" cy="0"/>
+        </a:xfrm>
+      </p:grpSpPr>
+      <p:sp>
+        <p:nvSpPr>
+          <p:cNvPr id="2" name="幻灯片图像占位符 1"/>
+          <p:cNvSpPr>
+            <a:spLocks noGrp="1" noRot="1" noChangeAspect="1"/>
+          </p:cNvSpPr>
+          <p:nvPr>
+            <p:ph type="sldImg"/>
+          </p:nvPr>
+        </p:nvSpPr>
+        <p:spPr/>
+      </p:sp>
+      <p:sp>
+        <p:nvSpPr>
+          <p:cNvPr id="3" name="备注占位符 2"/>
+          <p:cNvSpPr>
+            <a:spLocks noGrp="1"/>
+          </p:cNvSpPr>
+          <p:nvPr>
+            <p:ph type="body" idx="1"/>
+          </p:nvPr>
+        </p:nvSpPr>
+        <p:spPr/>
+        <p:txBody>
+          <a:bodyPr>
+            <a:normAutofit/>
+          </a:bodyPr>
+          <a:lstStyle/>
+          <a:p>
+            <a:endParaRPr lang="zh-CN" altLang="en-US" dirty="0"/>
+          </a:p>
+        </p:txBody>
+      </p:sp>
+      <p:sp>
+        <p:nvSpPr>
+          <p:cNvPr id="4" name="灯片编号占位符 3"/>
+          <p:cNvSpPr>
+            <a:spLocks noGrp="1"/>
+          </p:cNvSpPr>
+          <p:nvPr>
+            <p:ph type="sldNum" sz="quarter" idx="10"/>
+          </p:nvPr>
+        </p:nvSpPr>
+        <p:spPr/>
+        <p:txBody>
+          <a:bodyPr/>
+          <a:lstStyle/>
+          <a:p>
+            <a:fld id="{92923D5F-5682-A04B-9F73-DDB0662CB578}" type="slidenum">
+              <a:rPr kumimoji="1" lang="zh-CN" altLang="en-US" smtClean="0"/>
+              <a:pPr/>
+              <a:t>3</a:t>
+            </a:fld>
+            <a:endParaRPr kumimoji="1" lang="zh-CN" altLang="en-US"/>
+          </a:p>
+        </p:txBody>
+      </p:sp>
+    </p:spTree>
+    <p:extLst>
+      <p:ext uri="{BB962C8B-B14F-4D97-AF65-F5344CB8AC3E}">
+        <p14:creationId xmlns:p14="http://schemas.microsoft.com/office/powerpoint/2010/main" val="3619854247"/>
+      </p:ext>
+    </p:extLst>
+  </p:cSld>
+  <p:clrMapOvr>
+    <a:masterClrMapping/>
+  </p:clrMapOvr>
+</p:notes>
+</file>
+
 <file path=ppt/slideLayouts/slideLayout1.xml><?xml version="1.0" encoding="utf-8"?>
 <p:sldLayout xmlns:a="http://schemas.openxmlformats.org/drawingml/2006/main" xmlns:r="http://schemas.openxmlformats.org/officeDocument/2006/relationships" xmlns:p="http://schemas.openxmlformats.org/presentationml/2006/main" type="title" preserve="1">
   <p:cSld name="标题幻灯片">
@@ -820,14 +908,14 @@
           </a:ln>
           <a:extLst>
             <a:ext uri="{909E8E84-426E-40dd-AFC4-6F175D3DCCD1}">
-              <a14:hiddenFill xmlns="" xmlns:a14="http://schemas.microsoft.com/office/drawing/2010/main">
+              <a14:hiddenFill xmlns:a14="http://schemas.microsoft.com/office/drawing/2010/main" xmlns="">
                 <a:solidFill>
                   <a:srgbClr val="FFFFFF"/>
                 </a:solidFill>
               </a14:hiddenFill>
             </a:ext>
             <a:ext uri="{91240B29-F687-4f45-9708-019B960494DF}">
-              <a14:hiddenLine xmlns="" xmlns:a14="http://schemas.microsoft.com/office/drawing/2010/main" w="9525">
+              <a14:hiddenLine xmlns:a14="http://schemas.microsoft.com/office/drawing/2010/main" xmlns="" w="9525">
                 <a:solidFill>
                   <a:srgbClr val="000000"/>
                 </a:solidFill>
@@ -3618,14 +3706,14 @@
           </a:ln>
           <a:extLst>
             <a:ext uri="{909E8E84-426E-40dd-AFC4-6F175D3DCCD1}">
-              <a14:hiddenFill xmlns="" xmlns:a14="http://schemas.microsoft.com/office/drawing/2010/main">
+              <a14:hiddenFill xmlns:a14="http://schemas.microsoft.com/office/drawing/2010/main" xmlns="">
                 <a:solidFill>
                   <a:srgbClr val="FFFFFF"/>
                 </a:solidFill>
               </a14:hiddenFill>
             </a:ext>
             <a:ext uri="{91240B29-F687-4f45-9708-019B960494DF}">
-              <a14:hiddenLine xmlns="" xmlns:a14="http://schemas.microsoft.com/office/drawing/2010/main" w="9525">
+              <a14:hiddenLine xmlns:a14="http://schemas.microsoft.com/office/drawing/2010/main" xmlns="" w="9525">
                 <a:solidFill>
                   <a:srgbClr val="000000"/>
                 </a:solidFill>
@@ -3676,14 +3764,14 @@
           </a:ln>
           <a:extLst>
             <a:ext uri="{909E8E84-426E-40dd-AFC4-6F175D3DCCD1}">
-              <a14:hiddenFill xmlns="" xmlns:a14="http://schemas.microsoft.com/office/drawing/2010/main">
+              <a14:hiddenFill xmlns:a14="http://schemas.microsoft.com/office/drawing/2010/main" xmlns="">
                 <a:solidFill>
                   <a:srgbClr val="FFFFFF"/>
                 </a:solidFill>
               </a14:hiddenFill>
             </a:ext>
             <a:ext uri="{91240B29-F687-4f45-9708-019B960494DF}">
-              <a14:hiddenLine xmlns="" xmlns:a14="http://schemas.microsoft.com/office/drawing/2010/main" w="9525">
+              <a14:hiddenLine xmlns:a14="http://schemas.microsoft.com/office/drawing/2010/main" xmlns="" w="9525">
                 <a:solidFill>
                   <a:srgbClr val="000000"/>
                 </a:solidFill>
@@ -3931,14 +4019,14 @@
           </a:ln>
           <a:extLst>
             <a:ext uri="{909E8E84-426E-40dd-AFC4-6F175D3DCCD1}">
-              <a14:hiddenFill xmlns="" xmlns:a14="http://schemas.microsoft.com/office/drawing/2010/main">
+              <a14:hiddenFill xmlns:a14="http://schemas.microsoft.com/office/drawing/2010/main" xmlns="">
                 <a:solidFill>
                   <a:srgbClr val="FFFFFF"/>
                 </a:solidFill>
               </a14:hiddenFill>
             </a:ext>
             <a:ext uri="{91240B29-F687-4f45-9708-019B960494DF}">
-              <a14:hiddenLine xmlns="" xmlns:a14="http://schemas.microsoft.com/office/drawing/2010/main" w="9525">
+              <a14:hiddenLine xmlns:a14="http://schemas.microsoft.com/office/drawing/2010/main" xmlns="" w="9525">
                 <a:solidFill>
                   <a:srgbClr val="000000"/>
                 </a:solidFill>
@@ -5185,8 +5273,8 @@
         </p:nvSpPr>
         <p:spPr>
           <a:xfrm>
-            <a:off x="3078916" y="2651107"/>
-            <a:ext cx="646331" cy="230832"/>
+            <a:off x="3078916" y="2547202"/>
+            <a:ext cx="646331" cy="369332"/>
           </a:xfrm>
           <a:prstGeom prst="rect">
             <a:avLst/>
@@ -5203,7 +5291,27 @@
                 <a:latin typeface="微软雅黑" panose="020B0503020204020204" pitchFamily="34" charset="-122"/>
                 <a:ea typeface="微软雅黑" panose="020B0503020204020204" pitchFamily="34" charset="-122"/>
               </a:rPr>
-              <a:t>产品入驻</a:t>
+              <a:t>商家入驻</a:t>
+            </a:r>
+            <a:endParaRPr lang="en-US" altLang="zh-CN" sz="900" dirty="0" smtClean="0">
+              <a:latin typeface="微软雅黑" panose="020B0503020204020204" pitchFamily="34" charset="-122"/>
+              <a:ea typeface="微软雅黑" panose="020B0503020204020204" pitchFamily="34" charset="-122"/>
+            </a:endParaRPr>
+          </a:p>
+          <a:p>
+            <a:r>
+              <a:rPr lang="zh-CN" altLang="en-US" sz="900" dirty="0" smtClean="0">
+                <a:latin typeface="微软雅黑" panose="020B0503020204020204" pitchFamily="34" charset="-122"/>
+                <a:ea typeface="微软雅黑" panose="020B0503020204020204" pitchFamily="34" charset="-122"/>
+              </a:rPr>
+              <a:t>产品</a:t>
+            </a:r>
+            <a:r>
+              <a:rPr lang="zh-CN" altLang="en-US" sz="900" dirty="0" smtClean="0">
+                <a:latin typeface="微软雅黑" panose="020B0503020204020204" pitchFamily="34" charset="-122"/>
+                <a:ea typeface="微软雅黑" panose="020B0503020204020204" pitchFamily="34" charset="-122"/>
+              </a:rPr>
+              <a:t>入驻</a:t>
             </a:r>
             <a:endParaRPr lang="zh-CN" altLang="en-US" sz="900" dirty="0">
               <a:latin typeface="微软雅黑" panose="020B0503020204020204" pitchFamily="34" charset="-122"/>
@@ -5651,14 +5759,7 @@
                 <a:latin typeface="微软雅黑" panose="020B0503020204020204" pitchFamily="34" charset="-122"/>
                 <a:ea typeface="微软雅黑" panose="020B0503020204020204" pitchFamily="34" charset="-122"/>
               </a:rPr>
-              <a:t>直</a:t>
-            </a:r>
-            <a:r>
-              <a:rPr lang="zh-CN" altLang="en-US" sz="900" dirty="0" smtClean="0">
-                <a:latin typeface="微软雅黑" panose="020B0503020204020204" pitchFamily="34" charset="-122"/>
-                <a:ea typeface="微软雅黑" panose="020B0503020204020204" pitchFamily="34" charset="-122"/>
-              </a:rPr>
-              <a:t>营模式</a:t>
+              <a:t>直营模式</a:t>
             </a:r>
             <a:endParaRPr lang="zh-CN" altLang="en-US" sz="900" dirty="0">
               <a:latin typeface="微软雅黑" panose="020B0503020204020204" pitchFamily="34" charset="-122"/>
@@ -13214,18 +13315,7 @@
                 <a:ea typeface="Verdana" panose="020B0604030504040204" pitchFamily="34" charset="0"/>
                 <a:cs typeface="Verdana" panose="020B0604030504040204" pitchFamily="34" charset="0"/>
               </a:rPr>
-              <a:t>商家</a:t>
-            </a:r>
-            <a:r>
-              <a:rPr lang="zh-CN" altLang="en-US" sz="800" dirty="0">
-                <a:solidFill>
-                  <a:srgbClr val="FF0000"/>
-                </a:solidFill>
-                <a:latin typeface="Verdana" panose="020B0604030504040204" pitchFamily="34" charset="0"/>
-                <a:ea typeface="Verdana" panose="020B0604030504040204" pitchFamily="34" charset="0"/>
-                <a:cs typeface="Verdana" panose="020B0604030504040204" pitchFamily="34" charset="0"/>
-              </a:rPr>
-              <a:t>产品</a:t>
+              <a:t>商家产品</a:t>
             </a:r>
             <a:r>
               <a:rPr lang="en-US" altLang="zh-CN" sz="800" dirty="0">
@@ -13440,6 +13530,1139 @@
     <p:extLst>
       <p:ext uri="{BB962C8B-B14F-4D97-AF65-F5344CB8AC3E}">
         <p14:creationId xmlns:p14="http://schemas.microsoft.com/office/powerpoint/2010/main" val="280211321"/>
+      </p:ext>
+    </p:extLst>
+  </p:cSld>
+  <p:clrMapOvr>
+    <a:masterClrMapping/>
+  </p:clrMapOvr>
+  <p:timing>
+    <p:tnLst>
+      <p:par>
+        <p:cTn id="1" dur="indefinite" restart="never" nodeType="tmRoot"/>
+      </p:par>
+    </p:tnLst>
+  </p:timing>
+</p:sld>
+</file>
+
+<file path=ppt/slides/slide3.xml><?xml version="1.0" encoding="utf-8"?>
+<p:sld xmlns:a="http://schemas.openxmlformats.org/drawingml/2006/main" xmlns:r="http://schemas.openxmlformats.org/officeDocument/2006/relationships" xmlns:p="http://schemas.openxmlformats.org/presentationml/2006/main">
+  <p:cSld>
+    <p:spTree>
+      <p:nvGrpSpPr>
+        <p:cNvPr id="1" name=""/>
+        <p:cNvGrpSpPr/>
+        <p:nvPr/>
+      </p:nvGrpSpPr>
+      <p:grpSpPr>
+        <a:xfrm>
+          <a:off x="0" y="0"/>
+          <a:ext cx="0" cy="0"/>
+          <a:chOff x="0" y="0"/>
+          <a:chExt cx="0" cy="0"/>
+        </a:xfrm>
+      </p:grpSpPr>
+      <p:sp>
+        <p:nvSpPr>
+          <p:cNvPr id="2" name="TextBox 1"/>
+          <p:cNvSpPr txBox="1"/>
+          <p:nvPr/>
+        </p:nvSpPr>
+        <p:spPr>
+          <a:xfrm>
+            <a:off x="179512" y="118456"/>
+            <a:ext cx="3580689" cy="461665"/>
+          </a:xfrm>
+          <a:prstGeom prst="rect">
+            <a:avLst/>
+          </a:prstGeom>
+        </p:spPr>
+        <p:txBody>
+          <a:bodyPr wrap="square">
+            <a:spAutoFit/>
+          </a:bodyPr>
+          <a:lstStyle>
+            <a:defPPr>
+              <a:defRPr lang="zh-CN"/>
+            </a:defPPr>
+            <a:lvl1pPr>
+              <a:defRPr sz="800">
+                <a:latin typeface="微软雅黑" panose="020B0503020204020204" pitchFamily="34" charset="-122"/>
+                <a:ea typeface="微软雅黑" panose="020B0503020204020204" pitchFamily="34" charset="-122"/>
+              </a:defRPr>
+            </a:lvl1pPr>
+          </a:lstStyle>
+          <a:p>
+            <a:pPr fontAlgn="ctr"/>
+            <a:r>
+              <a:rPr lang="zh-CN" altLang="en-US" sz="2400" b="1" dirty="0"/>
+              <a:t>基本</a:t>
+            </a:r>
+            <a:r>
+              <a:rPr lang="zh-CN" altLang="en-US" sz="2400" b="1" dirty="0" smtClean="0"/>
+              <a:t>订单流程</a:t>
+            </a:r>
+            <a:r>
+              <a:rPr lang="en-US" altLang="zh-CN" sz="2400" b="1" dirty="0" smtClean="0"/>
+              <a:t>(</a:t>
+            </a:r>
+            <a:r>
+              <a:rPr lang="zh-CN" altLang="en-US" sz="2400" b="1" dirty="0" smtClean="0"/>
+              <a:t>正向</a:t>
+            </a:r>
+            <a:r>
+              <a:rPr lang="en-US" altLang="zh-CN" sz="2400" b="1" dirty="0" smtClean="0"/>
+              <a:t>)</a:t>
+            </a:r>
+            <a:endParaRPr lang="en-US" sz="1200" b="1" dirty="0"/>
+          </a:p>
+        </p:txBody>
+      </p:sp>
+      <p:pic>
+        <p:nvPicPr>
+          <p:cNvPr id="4" name="图片 3"/>
+          <p:cNvPicPr>
+            <a:picLocks noChangeAspect="1"/>
+          </p:cNvPicPr>
+          <p:nvPr/>
+        </p:nvPicPr>
+        <p:blipFill>
+          <a:blip r:embed="rId3" cstate="print">
+            <a:extLst>
+              <a:ext uri="{28A0092B-C50C-407E-A947-70E740481C1C}">
+                <a14:useLocalDpi xmlns:a14="http://schemas.microsoft.com/office/drawing/2010/main" val="0"/>
+              </a:ext>
+            </a:extLst>
+          </a:blip>
+          <a:stretch>
+            <a:fillRect/>
+          </a:stretch>
+        </p:blipFill>
+        <p:spPr>
+          <a:xfrm>
+            <a:off x="2681459" y="2459593"/>
+            <a:ext cx="542408" cy="504056"/>
+          </a:xfrm>
+          <a:prstGeom prst="rect">
+            <a:avLst/>
+          </a:prstGeom>
+        </p:spPr>
+      </p:pic>
+      <p:sp>
+        <p:nvSpPr>
+          <p:cNvPr id="124" name="矩形 123"/>
+          <p:cNvSpPr/>
+          <p:nvPr/>
+        </p:nvSpPr>
+        <p:spPr>
+          <a:xfrm>
+            <a:off x="2731424" y="2230253"/>
+            <a:ext cx="492443" cy="276999"/>
+          </a:xfrm>
+          <a:prstGeom prst="rect">
+            <a:avLst/>
+          </a:prstGeom>
+        </p:spPr>
+        <p:txBody>
+          <a:bodyPr wrap="none">
+            <a:spAutoFit/>
+          </a:bodyPr>
+          <a:lstStyle/>
+          <a:p>
+            <a:pPr fontAlgn="ctr"/>
+            <a:r>
+              <a:rPr lang="zh-CN" altLang="en-US" sz="1200" b="1" dirty="0" smtClean="0">
+                <a:latin typeface="Verdana" panose="020B0604030504040204" pitchFamily="34" charset="0"/>
+                <a:ea typeface="微软雅黑" panose="020B0503020204020204" pitchFamily="34" charset="-122"/>
+                <a:cs typeface="Verdana" panose="020B0604030504040204" pitchFamily="34" charset="0"/>
+              </a:rPr>
+              <a:t>用户</a:t>
+            </a:r>
+            <a:endParaRPr lang="zh-CN" altLang="en-US" sz="1200" b="1" dirty="0">
+              <a:latin typeface="Verdana" panose="020B0604030504040204" pitchFamily="34" charset="0"/>
+              <a:ea typeface="微软雅黑" panose="020B0503020204020204" pitchFamily="34" charset="-122"/>
+              <a:cs typeface="Verdana" panose="020B0604030504040204" pitchFamily="34" charset="0"/>
+            </a:endParaRPr>
+          </a:p>
+        </p:txBody>
+      </p:sp>
+      <p:cxnSp>
+        <p:nvCxnSpPr>
+          <p:cNvPr id="126" name="直接箭头连接符 9"/>
+          <p:cNvCxnSpPr>
+            <a:stCxn id="4" idx="2"/>
+            <a:endCxn id="12" idx="0"/>
+          </p:cNvCxnSpPr>
+          <p:nvPr/>
+        </p:nvCxnSpPr>
+        <p:spPr>
+          <a:xfrm rot="5400000">
+            <a:off x="2521648" y="2942188"/>
+            <a:ext cx="409555" cy="452476"/>
+          </a:xfrm>
+          <a:prstGeom prst="bentConnector3">
+            <a:avLst>
+              <a:gd name="adj1" fmla="val 50000"/>
+            </a:avLst>
+          </a:prstGeom>
+          <a:ln w="6350">
+            <a:solidFill>
+              <a:srgbClr val="0066FF"/>
+            </a:solidFill>
+            <a:prstDash val="dash"/>
+            <a:tailEnd type="arrow"/>
+          </a:ln>
+        </p:spPr>
+        <p:style>
+          <a:lnRef idx="1">
+            <a:schemeClr val="accent1"/>
+          </a:lnRef>
+          <a:fillRef idx="0">
+            <a:schemeClr val="accent1"/>
+          </a:fillRef>
+          <a:effectRef idx="0">
+            <a:schemeClr val="accent1"/>
+          </a:effectRef>
+          <a:fontRef idx="minor">
+            <a:schemeClr val="tx1"/>
+          </a:fontRef>
+        </p:style>
+      </p:cxnSp>
+      <p:sp>
+        <p:nvSpPr>
+          <p:cNvPr id="12" name="圆角矩形 11"/>
+          <p:cNvSpPr/>
+          <p:nvPr/>
+        </p:nvSpPr>
+        <p:spPr>
+          <a:xfrm>
+            <a:off x="2143747" y="3373204"/>
+            <a:ext cx="712879" cy="278666"/>
+          </a:xfrm>
+          <a:prstGeom prst="roundRect">
+            <a:avLst/>
+          </a:prstGeom>
+        </p:spPr>
+        <p:style>
+          <a:lnRef idx="1">
+            <a:schemeClr val="accent1"/>
+          </a:lnRef>
+          <a:fillRef idx="3">
+            <a:schemeClr val="accent1"/>
+          </a:fillRef>
+          <a:effectRef idx="2">
+            <a:schemeClr val="accent1"/>
+          </a:effectRef>
+          <a:fontRef idx="minor">
+            <a:schemeClr val="lt1"/>
+          </a:fontRef>
+        </p:style>
+        <p:txBody>
+          <a:bodyPr rot="0" spcFirstLastPara="0" vertOverflow="overflow" horzOverflow="overflow" vert="horz" wrap="square" lIns="0" tIns="0" rIns="0" bIns="0" numCol="1" spcCol="0" rtlCol="0" fromWordArt="0" anchor="ctr" anchorCtr="0" forceAA="0" compatLnSpc="1">
+            <a:prstTxWarp prst="textNoShape">
+              <a:avLst/>
+            </a:prstTxWarp>
+            <a:noAutofit/>
+          </a:bodyPr>
+          <a:lstStyle/>
+          <a:p>
+            <a:pPr algn="ctr"/>
+            <a:r>
+              <a:rPr lang="zh-CN" altLang="en-US" sz="1000" b="1" dirty="0">
+                <a:latin typeface="微软雅黑" panose="020B0503020204020204" pitchFamily="34" charset="-122"/>
+                <a:ea typeface="微软雅黑" panose="020B0503020204020204" pitchFamily="34" charset="-122"/>
+              </a:rPr>
+              <a:t>下单</a:t>
+            </a:r>
+          </a:p>
+        </p:txBody>
+      </p:sp>
+      <p:sp>
+        <p:nvSpPr>
+          <p:cNvPr id="132" name="圆角矩形 131"/>
+          <p:cNvSpPr/>
+          <p:nvPr/>
+        </p:nvSpPr>
+        <p:spPr>
+          <a:xfrm>
+            <a:off x="3112254" y="3372499"/>
+            <a:ext cx="712879" cy="278666"/>
+          </a:xfrm>
+          <a:prstGeom prst="roundRect">
+            <a:avLst/>
+          </a:prstGeom>
+        </p:spPr>
+        <p:style>
+          <a:lnRef idx="1">
+            <a:schemeClr val="accent1"/>
+          </a:lnRef>
+          <a:fillRef idx="3">
+            <a:schemeClr val="accent1"/>
+          </a:fillRef>
+          <a:effectRef idx="2">
+            <a:schemeClr val="accent1"/>
+          </a:effectRef>
+          <a:fontRef idx="minor">
+            <a:schemeClr val="lt1"/>
+          </a:fontRef>
+        </p:style>
+        <p:txBody>
+          <a:bodyPr rot="0" spcFirstLastPara="0" vertOverflow="overflow" horzOverflow="overflow" vert="horz" wrap="square" lIns="0" tIns="0" rIns="0" bIns="0" numCol="1" spcCol="0" rtlCol="0" fromWordArt="0" anchor="ctr" anchorCtr="0" forceAA="0" compatLnSpc="1">
+            <a:prstTxWarp prst="textNoShape">
+              <a:avLst/>
+            </a:prstTxWarp>
+            <a:noAutofit/>
+          </a:bodyPr>
+          <a:lstStyle/>
+          <a:p>
+            <a:pPr algn="ctr"/>
+            <a:r>
+              <a:rPr lang="zh-CN" altLang="en-US" sz="1000" b="1" dirty="0">
+                <a:latin typeface="微软雅黑" panose="020B0503020204020204" pitchFamily="34" charset="-122"/>
+                <a:ea typeface="微软雅黑" panose="020B0503020204020204" pitchFamily="34" charset="-122"/>
+              </a:rPr>
+              <a:t>支付</a:t>
+            </a:r>
+          </a:p>
+        </p:txBody>
+      </p:sp>
+      <p:cxnSp>
+        <p:nvCxnSpPr>
+          <p:cNvPr id="133" name="直接箭头连接符 9"/>
+          <p:cNvCxnSpPr>
+            <a:stCxn id="12" idx="3"/>
+            <a:endCxn id="132" idx="1"/>
+          </p:cNvCxnSpPr>
+          <p:nvPr/>
+        </p:nvCxnSpPr>
+        <p:spPr>
+          <a:xfrm flipV="1">
+            <a:off x="2856626" y="3511832"/>
+            <a:ext cx="255628" cy="705"/>
+          </a:xfrm>
+          <a:prstGeom prst="bentConnector3">
+            <a:avLst>
+              <a:gd name="adj1" fmla="val 50000"/>
+            </a:avLst>
+          </a:prstGeom>
+          <a:ln w="6350">
+            <a:solidFill>
+              <a:srgbClr val="FF0000"/>
+            </a:solidFill>
+            <a:tailEnd type="arrow"/>
+          </a:ln>
+        </p:spPr>
+        <p:style>
+          <a:lnRef idx="1">
+            <a:schemeClr val="accent1"/>
+          </a:lnRef>
+          <a:fillRef idx="0">
+            <a:schemeClr val="accent1"/>
+          </a:fillRef>
+          <a:effectRef idx="0">
+            <a:schemeClr val="accent1"/>
+          </a:effectRef>
+          <a:fontRef idx="minor">
+            <a:schemeClr val="tx1"/>
+          </a:fontRef>
+        </p:style>
+      </p:cxnSp>
+      <p:cxnSp>
+        <p:nvCxnSpPr>
+          <p:cNvPr id="139" name="直接箭头连接符 9"/>
+          <p:cNvCxnSpPr>
+            <a:stCxn id="4" idx="2"/>
+            <a:endCxn id="132" idx="0"/>
+          </p:cNvCxnSpPr>
+          <p:nvPr/>
+        </p:nvCxnSpPr>
+        <p:spPr>
+          <a:xfrm rot="16200000" flipH="1">
+            <a:off x="3006253" y="2910058"/>
+            <a:ext cx="408850" cy="516031"/>
+          </a:xfrm>
+          <a:prstGeom prst="bentConnector3">
+            <a:avLst>
+              <a:gd name="adj1" fmla="val 50000"/>
+            </a:avLst>
+          </a:prstGeom>
+          <a:ln w="6350">
+            <a:solidFill>
+              <a:srgbClr val="0066FF"/>
+            </a:solidFill>
+            <a:prstDash val="dash"/>
+            <a:tailEnd type="arrow"/>
+          </a:ln>
+        </p:spPr>
+        <p:style>
+          <a:lnRef idx="1">
+            <a:schemeClr val="accent1"/>
+          </a:lnRef>
+          <a:fillRef idx="0">
+            <a:schemeClr val="accent1"/>
+          </a:fillRef>
+          <a:effectRef idx="0">
+            <a:schemeClr val="accent1"/>
+          </a:effectRef>
+          <a:fontRef idx="minor">
+            <a:schemeClr val="tx1"/>
+          </a:fontRef>
+        </p:style>
+      </p:cxnSp>
+      <p:sp>
+        <p:nvSpPr>
+          <p:cNvPr id="142" name="圆角矩形 141"/>
+          <p:cNvSpPr/>
+          <p:nvPr/>
+        </p:nvSpPr>
+        <p:spPr>
+          <a:xfrm>
+            <a:off x="4107658" y="3372828"/>
+            <a:ext cx="706026" cy="278666"/>
+          </a:xfrm>
+          <a:prstGeom prst="roundRect">
+            <a:avLst/>
+          </a:prstGeom>
+        </p:spPr>
+        <p:style>
+          <a:lnRef idx="1">
+            <a:schemeClr val="accent1"/>
+          </a:lnRef>
+          <a:fillRef idx="3">
+            <a:schemeClr val="accent1"/>
+          </a:fillRef>
+          <a:effectRef idx="2">
+            <a:schemeClr val="accent1"/>
+          </a:effectRef>
+          <a:fontRef idx="minor">
+            <a:schemeClr val="lt1"/>
+          </a:fontRef>
+        </p:style>
+        <p:txBody>
+          <a:bodyPr lIns="0" tIns="0" rIns="0" bIns="0" rtlCol="0" anchor="ctr"/>
+          <a:lstStyle/>
+          <a:p>
+            <a:pPr algn="ctr"/>
+            <a:r>
+              <a:rPr lang="zh-CN" altLang="en-US" sz="1000" b="1" dirty="0" smtClean="0">
+                <a:latin typeface="微软雅黑" panose="020B0503020204020204" pitchFamily="34" charset="-122"/>
+                <a:ea typeface="微软雅黑" panose="020B0503020204020204" pitchFamily="34" charset="-122"/>
+              </a:rPr>
+              <a:t>确认订单</a:t>
+            </a:r>
+            <a:endParaRPr lang="zh-CN" altLang="en-US" sz="1000" b="1" dirty="0">
+              <a:latin typeface="微软雅黑" panose="020B0503020204020204" pitchFamily="34" charset="-122"/>
+              <a:ea typeface="微软雅黑" panose="020B0503020204020204" pitchFamily="34" charset="-122"/>
+            </a:endParaRPr>
+          </a:p>
+        </p:txBody>
+      </p:sp>
+      <p:pic>
+        <p:nvPicPr>
+          <p:cNvPr id="144" name="图片 143"/>
+          <p:cNvPicPr>
+            <a:picLocks noChangeAspect="1"/>
+          </p:cNvPicPr>
+          <p:nvPr/>
+        </p:nvPicPr>
+        <p:blipFill>
+          <a:blip r:embed="rId3" cstate="print">
+            <a:extLst>
+              <a:ext uri="{28A0092B-C50C-407E-A947-70E740481C1C}">
+                <a14:useLocalDpi xmlns:a14="http://schemas.microsoft.com/office/drawing/2010/main" val="0"/>
+              </a:ext>
+            </a:extLst>
+          </a:blip>
+          <a:stretch>
+            <a:fillRect/>
+          </a:stretch>
+        </p:blipFill>
+        <p:spPr>
+          <a:xfrm>
+            <a:off x="4189467" y="4022943"/>
+            <a:ext cx="542408" cy="504056"/>
+          </a:xfrm>
+          <a:prstGeom prst="rect">
+            <a:avLst/>
+          </a:prstGeom>
+        </p:spPr>
+      </p:pic>
+      <p:sp>
+        <p:nvSpPr>
+          <p:cNvPr id="145" name="矩形 144"/>
+          <p:cNvSpPr/>
+          <p:nvPr/>
+        </p:nvSpPr>
+        <p:spPr>
+          <a:xfrm>
+            <a:off x="4229197" y="4526999"/>
+            <a:ext cx="492443" cy="276999"/>
+          </a:xfrm>
+          <a:prstGeom prst="rect">
+            <a:avLst/>
+          </a:prstGeom>
+        </p:spPr>
+        <p:txBody>
+          <a:bodyPr wrap="none">
+            <a:spAutoFit/>
+          </a:bodyPr>
+          <a:lstStyle/>
+          <a:p>
+            <a:pPr fontAlgn="ctr"/>
+            <a:r>
+              <a:rPr lang="zh-CN" altLang="en-US" sz="1200" b="1" dirty="0">
+                <a:latin typeface="Verdana" panose="020B0604030504040204" pitchFamily="34" charset="0"/>
+                <a:ea typeface="微软雅黑" panose="020B0503020204020204" pitchFamily="34" charset="-122"/>
+                <a:cs typeface="Verdana" panose="020B0604030504040204" pitchFamily="34" charset="0"/>
+              </a:rPr>
+              <a:t>店铺</a:t>
+            </a:r>
+            <a:endParaRPr lang="zh-CN" altLang="en-US" sz="1200" b="1" dirty="0">
+              <a:latin typeface="Verdana" panose="020B0604030504040204" pitchFamily="34" charset="0"/>
+              <a:ea typeface="微软雅黑" panose="020B0503020204020204" pitchFamily="34" charset="-122"/>
+              <a:cs typeface="Verdana" panose="020B0604030504040204" pitchFamily="34" charset="0"/>
+            </a:endParaRPr>
+          </a:p>
+        </p:txBody>
+      </p:sp>
+      <p:cxnSp>
+        <p:nvCxnSpPr>
+          <p:cNvPr id="146" name="直接箭头连接符 9"/>
+          <p:cNvCxnSpPr>
+            <a:stCxn id="144" idx="0"/>
+            <a:endCxn id="142" idx="2"/>
+          </p:cNvCxnSpPr>
+          <p:nvPr/>
+        </p:nvCxnSpPr>
+        <p:spPr>
+          <a:xfrm flipV="1">
+            <a:off x="4460671" y="3651494"/>
+            <a:ext cx="0" cy="371449"/>
+          </a:xfrm>
+          <a:prstGeom prst="straightConnector1">
+            <a:avLst/>
+          </a:prstGeom>
+          <a:ln w="6350">
+            <a:solidFill>
+              <a:srgbClr val="0066FF"/>
+            </a:solidFill>
+            <a:prstDash val="dash"/>
+            <a:tailEnd type="arrow"/>
+          </a:ln>
+        </p:spPr>
+        <p:style>
+          <a:lnRef idx="1">
+            <a:schemeClr val="accent1"/>
+          </a:lnRef>
+          <a:fillRef idx="0">
+            <a:schemeClr val="accent1"/>
+          </a:fillRef>
+          <a:effectRef idx="0">
+            <a:schemeClr val="accent1"/>
+          </a:effectRef>
+          <a:fontRef idx="minor">
+            <a:schemeClr val="tx1"/>
+          </a:fontRef>
+        </p:style>
+      </p:cxnSp>
+      <p:cxnSp>
+        <p:nvCxnSpPr>
+          <p:cNvPr id="148" name="直接箭头连接符 9"/>
+          <p:cNvCxnSpPr>
+            <a:stCxn id="132" idx="3"/>
+            <a:endCxn id="142" idx="1"/>
+          </p:cNvCxnSpPr>
+          <p:nvPr/>
+        </p:nvCxnSpPr>
+        <p:spPr>
+          <a:xfrm>
+            <a:off x="3825133" y="3511832"/>
+            <a:ext cx="282525" cy="329"/>
+          </a:xfrm>
+          <a:prstGeom prst="bentConnector3">
+            <a:avLst>
+              <a:gd name="adj1" fmla="val 50000"/>
+            </a:avLst>
+          </a:prstGeom>
+          <a:ln w="6350">
+            <a:solidFill>
+              <a:srgbClr val="FF0000"/>
+            </a:solidFill>
+            <a:tailEnd type="arrow"/>
+          </a:ln>
+        </p:spPr>
+        <p:style>
+          <a:lnRef idx="1">
+            <a:schemeClr val="accent1"/>
+          </a:lnRef>
+          <a:fillRef idx="0">
+            <a:schemeClr val="accent1"/>
+          </a:fillRef>
+          <a:effectRef idx="0">
+            <a:schemeClr val="accent1"/>
+          </a:effectRef>
+          <a:fontRef idx="minor">
+            <a:schemeClr val="tx1"/>
+          </a:fontRef>
+        </p:style>
+      </p:cxnSp>
+      <p:sp>
+        <p:nvSpPr>
+          <p:cNvPr id="166" name="圆角矩形 165"/>
+          <p:cNvSpPr/>
+          <p:nvPr/>
+        </p:nvSpPr>
+        <p:spPr>
+          <a:xfrm>
+            <a:off x="5166697" y="3372499"/>
+            <a:ext cx="706026" cy="278666"/>
+          </a:xfrm>
+          <a:prstGeom prst="roundRect">
+            <a:avLst/>
+          </a:prstGeom>
+        </p:spPr>
+        <p:style>
+          <a:lnRef idx="1">
+            <a:schemeClr val="accent1"/>
+          </a:lnRef>
+          <a:fillRef idx="3">
+            <a:schemeClr val="accent1"/>
+          </a:fillRef>
+          <a:effectRef idx="2">
+            <a:schemeClr val="accent1"/>
+          </a:effectRef>
+          <a:fontRef idx="minor">
+            <a:schemeClr val="lt1"/>
+          </a:fontRef>
+        </p:style>
+        <p:txBody>
+          <a:bodyPr lIns="0" tIns="0" rIns="0" bIns="0" rtlCol="0" anchor="ctr"/>
+          <a:lstStyle/>
+          <a:p>
+            <a:pPr algn="ctr"/>
+            <a:r>
+              <a:rPr lang="zh-CN" altLang="en-US" sz="1000" b="1" dirty="0">
+                <a:latin typeface="微软雅黑" panose="020B0503020204020204" pitchFamily="34" charset="-122"/>
+                <a:ea typeface="微软雅黑" panose="020B0503020204020204" pitchFamily="34" charset="-122"/>
+              </a:rPr>
+              <a:t>发货</a:t>
+            </a:r>
+          </a:p>
+        </p:txBody>
+      </p:sp>
+      <p:cxnSp>
+        <p:nvCxnSpPr>
+          <p:cNvPr id="167" name="直接箭头连接符 9"/>
+          <p:cNvCxnSpPr>
+            <a:stCxn id="142" idx="3"/>
+            <a:endCxn id="166" idx="1"/>
+          </p:cNvCxnSpPr>
+          <p:nvPr/>
+        </p:nvCxnSpPr>
+        <p:spPr>
+          <a:xfrm flipV="1">
+            <a:off x="4813684" y="3511832"/>
+            <a:ext cx="353013" cy="329"/>
+          </a:xfrm>
+          <a:prstGeom prst="bentConnector3">
+            <a:avLst>
+              <a:gd name="adj1" fmla="val 50000"/>
+            </a:avLst>
+          </a:prstGeom>
+          <a:ln w="6350">
+            <a:solidFill>
+              <a:srgbClr val="FF0000"/>
+            </a:solidFill>
+            <a:tailEnd type="arrow"/>
+          </a:ln>
+        </p:spPr>
+        <p:style>
+          <a:lnRef idx="1">
+            <a:schemeClr val="accent1"/>
+          </a:lnRef>
+          <a:fillRef idx="0">
+            <a:schemeClr val="accent1"/>
+          </a:fillRef>
+          <a:effectRef idx="0">
+            <a:schemeClr val="accent1"/>
+          </a:effectRef>
+          <a:fontRef idx="minor">
+            <a:schemeClr val="tx1"/>
+          </a:fontRef>
+        </p:style>
+      </p:cxnSp>
+      <p:sp>
+        <p:nvSpPr>
+          <p:cNvPr id="168" name="圆角矩形 167"/>
+          <p:cNvSpPr/>
+          <p:nvPr/>
+        </p:nvSpPr>
+        <p:spPr>
+          <a:xfrm>
+            <a:off x="6242238" y="3371942"/>
+            <a:ext cx="706026" cy="278666"/>
+          </a:xfrm>
+          <a:prstGeom prst="roundRect">
+            <a:avLst/>
+          </a:prstGeom>
+        </p:spPr>
+        <p:style>
+          <a:lnRef idx="1">
+            <a:schemeClr val="accent1"/>
+          </a:lnRef>
+          <a:fillRef idx="3">
+            <a:schemeClr val="accent1"/>
+          </a:fillRef>
+          <a:effectRef idx="2">
+            <a:schemeClr val="accent1"/>
+          </a:effectRef>
+          <a:fontRef idx="minor">
+            <a:schemeClr val="lt1"/>
+          </a:fontRef>
+        </p:style>
+        <p:txBody>
+          <a:bodyPr lIns="0" tIns="0" rIns="0" bIns="0" rtlCol="0" anchor="ctr"/>
+          <a:lstStyle/>
+          <a:p>
+            <a:pPr algn="ctr"/>
+            <a:r>
+              <a:rPr lang="zh-CN" altLang="en-US" sz="1000" b="1" dirty="0">
+                <a:latin typeface="微软雅黑" panose="020B0503020204020204" pitchFamily="34" charset="-122"/>
+                <a:ea typeface="微软雅黑" panose="020B0503020204020204" pitchFamily="34" charset="-122"/>
+              </a:rPr>
+              <a:t>签收</a:t>
+            </a:r>
+          </a:p>
+        </p:txBody>
+      </p:sp>
+      <p:cxnSp>
+        <p:nvCxnSpPr>
+          <p:cNvPr id="169" name="直接箭头连接符 9"/>
+          <p:cNvCxnSpPr>
+            <a:stCxn id="166" idx="3"/>
+            <a:endCxn id="168" idx="1"/>
+          </p:cNvCxnSpPr>
+          <p:nvPr/>
+        </p:nvCxnSpPr>
+        <p:spPr>
+          <a:xfrm flipV="1">
+            <a:off x="5872723" y="3511275"/>
+            <a:ext cx="369515" cy="557"/>
+          </a:xfrm>
+          <a:prstGeom prst="bentConnector3">
+            <a:avLst>
+              <a:gd name="adj1" fmla="val 50000"/>
+            </a:avLst>
+          </a:prstGeom>
+          <a:ln w="6350">
+            <a:solidFill>
+              <a:srgbClr val="FF0000"/>
+            </a:solidFill>
+            <a:tailEnd type="arrow"/>
+          </a:ln>
+        </p:spPr>
+        <p:style>
+          <a:lnRef idx="1">
+            <a:schemeClr val="accent1"/>
+          </a:lnRef>
+          <a:fillRef idx="0">
+            <a:schemeClr val="accent1"/>
+          </a:fillRef>
+          <a:effectRef idx="0">
+            <a:schemeClr val="accent1"/>
+          </a:effectRef>
+          <a:fontRef idx="minor">
+            <a:schemeClr val="tx1"/>
+          </a:fontRef>
+        </p:style>
+      </p:cxnSp>
+      <p:pic>
+        <p:nvPicPr>
+          <p:cNvPr id="175" name="图片 174"/>
+          <p:cNvPicPr>
+            <a:picLocks noChangeAspect="1"/>
+          </p:cNvPicPr>
+          <p:nvPr/>
+        </p:nvPicPr>
+        <p:blipFill>
+          <a:blip r:embed="rId3" cstate="print">
+            <a:extLst>
+              <a:ext uri="{28A0092B-C50C-407E-A947-70E740481C1C}">
+                <a14:useLocalDpi xmlns:a14="http://schemas.microsoft.com/office/drawing/2010/main" val="0"/>
+              </a:ext>
+            </a:extLst>
+          </a:blip>
+          <a:stretch>
+            <a:fillRect/>
+          </a:stretch>
+        </p:blipFill>
+        <p:spPr>
+          <a:xfrm>
+            <a:off x="5770427" y="4022943"/>
+            <a:ext cx="542408" cy="504056"/>
+          </a:xfrm>
+          <a:prstGeom prst="rect">
+            <a:avLst/>
+          </a:prstGeom>
+        </p:spPr>
+      </p:pic>
+      <p:sp>
+        <p:nvSpPr>
+          <p:cNvPr id="176" name="矩形 175"/>
+          <p:cNvSpPr/>
+          <p:nvPr/>
+        </p:nvSpPr>
+        <p:spPr>
+          <a:xfrm>
+            <a:off x="5810157" y="4526999"/>
+            <a:ext cx="492443" cy="276999"/>
+          </a:xfrm>
+          <a:prstGeom prst="rect">
+            <a:avLst/>
+          </a:prstGeom>
+        </p:spPr>
+        <p:txBody>
+          <a:bodyPr wrap="none">
+            <a:spAutoFit/>
+          </a:bodyPr>
+          <a:lstStyle/>
+          <a:p>
+            <a:pPr fontAlgn="ctr"/>
+            <a:r>
+              <a:rPr lang="zh-CN" altLang="en-US" sz="1200" b="1" dirty="0">
+                <a:latin typeface="Verdana" panose="020B0604030504040204" pitchFamily="34" charset="0"/>
+                <a:ea typeface="微软雅黑" panose="020B0503020204020204" pitchFamily="34" charset="-122"/>
+                <a:cs typeface="Verdana" panose="020B0604030504040204" pitchFamily="34" charset="0"/>
+              </a:rPr>
+              <a:t>商家</a:t>
+            </a:r>
+            <a:endParaRPr lang="zh-CN" altLang="en-US" sz="1200" b="1" dirty="0">
+              <a:latin typeface="Verdana" panose="020B0604030504040204" pitchFamily="34" charset="0"/>
+              <a:ea typeface="微软雅黑" panose="020B0503020204020204" pitchFamily="34" charset="-122"/>
+              <a:cs typeface="Verdana" panose="020B0604030504040204" pitchFamily="34" charset="0"/>
+            </a:endParaRPr>
+          </a:p>
+        </p:txBody>
+      </p:sp>
+      <p:cxnSp>
+        <p:nvCxnSpPr>
+          <p:cNvPr id="178" name="直接箭头连接符 9"/>
+          <p:cNvCxnSpPr>
+            <a:stCxn id="175" idx="0"/>
+            <a:endCxn id="166" idx="2"/>
+          </p:cNvCxnSpPr>
+          <p:nvPr/>
+        </p:nvCxnSpPr>
+        <p:spPr>
+          <a:xfrm rot="16200000" flipV="1">
+            <a:off x="5594782" y="3576093"/>
+            <a:ext cx="371778" cy="521921"/>
+          </a:xfrm>
+          <a:prstGeom prst="bentConnector3">
+            <a:avLst>
+              <a:gd name="adj1" fmla="val 50000"/>
+            </a:avLst>
+          </a:prstGeom>
+          <a:ln w="6350">
+            <a:solidFill>
+              <a:srgbClr val="0066FF"/>
+            </a:solidFill>
+            <a:prstDash val="dash"/>
+            <a:tailEnd type="arrow"/>
+          </a:ln>
+        </p:spPr>
+        <p:style>
+          <a:lnRef idx="1">
+            <a:schemeClr val="accent1"/>
+          </a:lnRef>
+          <a:fillRef idx="0">
+            <a:schemeClr val="accent1"/>
+          </a:fillRef>
+          <a:effectRef idx="0">
+            <a:schemeClr val="accent1"/>
+          </a:effectRef>
+          <a:fontRef idx="minor">
+            <a:schemeClr val="tx1"/>
+          </a:fontRef>
+        </p:style>
+      </p:cxnSp>
+      <p:cxnSp>
+        <p:nvCxnSpPr>
+          <p:cNvPr id="179" name="直接箭头连接符 9"/>
+          <p:cNvCxnSpPr>
+            <a:stCxn id="175" idx="0"/>
+            <a:endCxn id="168" idx="2"/>
+          </p:cNvCxnSpPr>
+          <p:nvPr/>
+        </p:nvCxnSpPr>
+        <p:spPr>
+          <a:xfrm rot="5400000" flipH="1" flipV="1">
+            <a:off x="6132274" y="3559966"/>
+            <a:ext cx="372335" cy="553620"/>
+          </a:xfrm>
+          <a:prstGeom prst="bentConnector3">
+            <a:avLst>
+              <a:gd name="adj1" fmla="val 50000"/>
+            </a:avLst>
+          </a:prstGeom>
+          <a:ln w="6350">
+            <a:solidFill>
+              <a:srgbClr val="0066FF"/>
+            </a:solidFill>
+            <a:prstDash val="dash"/>
+            <a:tailEnd type="arrow"/>
+          </a:ln>
+        </p:spPr>
+        <p:style>
+          <a:lnRef idx="1">
+            <a:schemeClr val="accent1"/>
+          </a:lnRef>
+          <a:fillRef idx="0">
+            <a:schemeClr val="accent1"/>
+          </a:fillRef>
+          <a:effectRef idx="0">
+            <a:schemeClr val="accent1"/>
+          </a:effectRef>
+          <a:fontRef idx="minor">
+            <a:schemeClr val="tx1"/>
+          </a:fontRef>
+        </p:style>
+      </p:cxnSp>
+      <p:cxnSp>
+        <p:nvCxnSpPr>
+          <p:cNvPr id="181" name="直接箭头连接符 9"/>
+          <p:cNvCxnSpPr>
+            <a:stCxn id="4" idx="2"/>
+            <a:endCxn id="168" idx="0"/>
+          </p:cNvCxnSpPr>
+          <p:nvPr/>
+        </p:nvCxnSpPr>
+        <p:spPr>
+          <a:xfrm rot="16200000" flipH="1">
+            <a:off x="4569811" y="1346501"/>
+            <a:ext cx="408293" cy="3642588"/>
+          </a:xfrm>
+          <a:prstGeom prst="bentConnector3">
+            <a:avLst>
+              <a:gd name="adj1" fmla="val 50000"/>
+            </a:avLst>
+          </a:prstGeom>
+          <a:ln w="6350">
+            <a:solidFill>
+              <a:srgbClr val="0066FF"/>
+            </a:solidFill>
+            <a:prstDash val="dash"/>
+            <a:tailEnd type="arrow"/>
+          </a:ln>
+        </p:spPr>
+        <p:style>
+          <a:lnRef idx="1">
+            <a:schemeClr val="accent1"/>
+          </a:lnRef>
+          <a:fillRef idx="0">
+            <a:schemeClr val="accent1"/>
+          </a:fillRef>
+          <a:effectRef idx="0">
+            <a:schemeClr val="accent1"/>
+          </a:effectRef>
+          <a:fontRef idx="minor">
+            <a:schemeClr val="tx1"/>
+          </a:fontRef>
+        </p:style>
+      </p:cxnSp>
+      <p:sp>
+        <p:nvSpPr>
+          <p:cNvPr id="236" name="矩形 235"/>
+          <p:cNvSpPr/>
+          <p:nvPr/>
+        </p:nvSpPr>
+        <p:spPr>
+          <a:xfrm>
+            <a:off x="3939355" y="1323907"/>
+            <a:ext cx="1190472" cy="360040"/>
+          </a:xfrm>
+          <a:prstGeom prst="rect">
+            <a:avLst/>
+          </a:prstGeom>
+        </p:spPr>
+        <p:style>
+          <a:lnRef idx="1">
+            <a:schemeClr val="accent6"/>
+          </a:lnRef>
+          <a:fillRef idx="3">
+            <a:schemeClr val="accent6"/>
+          </a:fillRef>
+          <a:effectRef idx="2">
+            <a:schemeClr val="accent6"/>
+          </a:effectRef>
+          <a:fontRef idx="minor">
+            <a:schemeClr val="lt1"/>
+          </a:fontRef>
+        </p:style>
+        <p:txBody>
+          <a:bodyPr rtlCol="0" anchor="ctr"/>
+          <a:lstStyle/>
+          <a:p>
+            <a:pPr algn="ctr"/>
+            <a:r>
+              <a:rPr lang="zh-CN" altLang="en-US" sz="1200" b="1" dirty="0" smtClean="0">
+                <a:latin typeface="微软雅黑" panose="020B0503020204020204" pitchFamily="34" charset="-122"/>
+                <a:ea typeface="微软雅黑" panose="020B0503020204020204" pitchFamily="34" charset="-122"/>
+              </a:rPr>
+              <a:t>平台</a:t>
+            </a:r>
+            <a:endParaRPr lang="zh-CN" altLang="en-US" sz="1200" b="1" dirty="0">
+              <a:latin typeface="微软雅黑" panose="020B0503020204020204" pitchFamily="34" charset="-122"/>
+              <a:ea typeface="微软雅黑" panose="020B0503020204020204" pitchFamily="34" charset="-122"/>
+            </a:endParaRPr>
+          </a:p>
+        </p:txBody>
+      </p:sp>
+      <p:sp>
+        <p:nvSpPr>
+          <p:cNvPr id="237" name="矩形 236"/>
+          <p:cNvSpPr/>
+          <p:nvPr/>
+        </p:nvSpPr>
+        <p:spPr>
+          <a:xfrm>
+            <a:off x="1979712" y="2211710"/>
+            <a:ext cx="5112568" cy="2592288"/>
+          </a:xfrm>
+          <a:prstGeom prst="rect">
+            <a:avLst/>
+          </a:prstGeom>
+          <a:noFill/>
+          <a:ln w="6350">
+            <a:prstDash val="dash"/>
+          </a:ln>
+        </p:spPr>
+        <p:style>
+          <a:lnRef idx="2">
+            <a:schemeClr val="accent1">
+              <a:shade val="50000"/>
+            </a:schemeClr>
+          </a:lnRef>
+          <a:fillRef idx="1">
+            <a:schemeClr val="accent1"/>
+          </a:fillRef>
+          <a:effectRef idx="0">
+            <a:schemeClr val="accent1"/>
+          </a:effectRef>
+          <a:fontRef idx="minor">
+            <a:schemeClr val="lt1"/>
+          </a:fontRef>
+        </p:style>
+        <p:txBody>
+          <a:bodyPr rtlCol="0" anchor="ctr"/>
+          <a:lstStyle/>
+          <a:p>
+            <a:pPr algn="ctr"/>
+            <a:endParaRPr lang="zh-CN" altLang="en-US"/>
+          </a:p>
+        </p:txBody>
+      </p:sp>
+      <p:cxnSp>
+        <p:nvCxnSpPr>
+          <p:cNvPr id="182" name="直接箭头连接符 9"/>
+          <p:cNvCxnSpPr>
+            <a:stCxn id="236" idx="2"/>
+            <a:endCxn id="237" idx="0"/>
+          </p:cNvCxnSpPr>
+          <p:nvPr/>
+        </p:nvCxnSpPr>
+        <p:spPr>
+          <a:xfrm rot="16200000" flipH="1">
+            <a:off x="4271412" y="1947125"/>
+            <a:ext cx="527763" cy="1405"/>
+          </a:xfrm>
+          <a:prstGeom prst="bentConnector3">
+            <a:avLst>
+              <a:gd name="adj1" fmla="val 50000"/>
+            </a:avLst>
+          </a:prstGeom>
+          <a:ln w="6350">
+            <a:solidFill>
+              <a:srgbClr val="0066FF"/>
+            </a:solidFill>
+            <a:prstDash val="dash"/>
+            <a:tailEnd type="arrow"/>
+          </a:ln>
+        </p:spPr>
+        <p:style>
+          <a:lnRef idx="1">
+            <a:schemeClr val="accent1"/>
+          </a:lnRef>
+          <a:fillRef idx="0">
+            <a:schemeClr val="accent1"/>
+          </a:fillRef>
+          <a:effectRef idx="0">
+            <a:schemeClr val="accent1"/>
+          </a:effectRef>
+          <a:fontRef idx="minor">
+            <a:schemeClr val="tx1"/>
+          </a:fontRef>
+        </p:style>
+      </p:cxnSp>
+      <p:sp>
+        <p:nvSpPr>
+          <p:cNvPr id="184" name="矩形 183"/>
+          <p:cNvSpPr/>
+          <p:nvPr/>
+        </p:nvSpPr>
+        <p:spPr>
+          <a:xfrm>
+            <a:off x="4539355" y="1750141"/>
+            <a:ext cx="1928733" cy="338554"/>
+          </a:xfrm>
+          <a:prstGeom prst="rect">
+            <a:avLst/>
+          </a:prstGeom>
+        </p:spPr>
+        <p:txBody>
+          <a:bodyPr wrap="none">
+            <a:spAutoFit/>
+          </a:bodyPr>
+          <a:lstStyle/>
+          <a:p>
+            <a:pPr fontAlgn="ctr"/>
+            <a:r>
+              <a:rPr lang="zh-CN" altLang="en-US" sz="800" dirty="0" smtClean="0">
+                <a:latin typeface="Verdana" panose="020B0604030504040204" pitchFamily="34" charset="0"/>
+                <a:ea typeface="微软雅黑" panose="020B0503020204020204" pitchFamily="34" charset="-122"/>
+                <a:cs typeface="Verdana" panose="020B0604030504040204" pitchFamily="34" charset="0"/>
+              </a:rPr>
+              <a:t>查看全部订单列表、详情、处理状态；</a:t>
+            </a:r>
+            <a:endParaRPr lang="en-US" altLang="zh-CN" sz="800" dirty="0" smtClean="0">
+              <a:latin typeface="Verdana" panose="020B0604030504040204" pitchFamily="34" charset="0"/>
+              <a:ea typeface="微软雅黑" panose="020B0503020204020204" pitchFamily="34" charset="-122"/>
+              <a:cs typeface="Verdana" panose="020B0604030504040204" pitchFamily="34" charset="0"/>
+            </a:endParaRPr>
+          </a:p>
+          <a:p>
+            <a:pPr fontAlgn="ctr"/>
+            <a:r>
+              <a:rPr lang="zh-CN" altLang="en-US" sz="800" dirty="0" smtClean="0">
+                <a:latin typeface="Verdana" panose="020B0604030504040204" pitchFamily="34" charset="0"/>
+                <a:ea typeface="微软雅黑" panose="020B0503020204020204" pitchFamily="34" charset="-122"/>
+                <a:cs typeface="Verdana" panose="020B0604030504040204" pitchFamily="34" charset="0"/>
+              </a:rPr>
+              <a:t>客服帮用户申请退货、退款？</a:t>
+            </a:r>
+            <a:endParaRPr lang="en-US" altLang="zh-CN" sz="800" dirty="0" smtClean="0">
+              <a:latin typeface="Verdana" panose="020B0604030504040204" pitchFamily="34" charset="0"/>
+              <a:ea typeface="微软雅黑" panose="020B0503020204020204" pitchFamily="34" charset="-122"/>
+              <a:cs typeface="Verdana" panose="020B0604030504040204" pitchFamily="34" charset="0"/>
+            </a:endParaRPr>
+          </a:p>
+        </p:txBody>
+      </p:sp>
+    </p:spTree>
+    <p:extLst>
+      <p:ext uri="{BB962C8B-B14F-4D97-AF65-F5344CB8AC3E}">
+        <p14:creationId xmlns:p14="http://schemas.microsoft.com/office/powerpoint/2010/main" val="2816084389"/>
       </p:ext>
     </p:extLst>
   </p:cSld>

--- a/design-resource.pptx
+++ b/design-resource.pptx
@@ -5,12 +5,14 @@
     <p:sldMasterId id="2147483648" r:id="rId1"/>
   </p:sldMasterIdLst>
   <p:notesMasterIdLst>
-    <p:notesMasterId r:id="rId5"/>
+    <p:notesMasterId r:id="rId7"/>
   </p:notesMasterIdLst>
   <p:sldIdLst>
     <p:sldId id="470" r:id="rId2"/>
     <p:sldId id="471" r:id="rId3"/>
     <p:sldId id="472" r:id="rId4"/>
+    <p:sldId id="473" r:id="rId5"/>
+    <p:sldId id="474" r:id="rId6"/>
   </p:sldIdLst>
   <p:sldSz cx="9144000" cy="5143500" type="screen16x9"/>
   <p:notesSz cx="6858000" cy="9144000"/>
@@ -847,6 +849,188 @@
     <p:extLst>
       <p:ext uri="{BB962C8B-B14F-4D97-AF65-F5344CB8AC3E}">
         <p14:creationId xmlns:p14="http://schemas.microsoft.com/office/powerpoint/2010/main" val="3619854247"/>
+      </p:ext>
+    </p:extLst>
+  </p:cSld>
+  <p:clrMapOvr>
+    <a:masterClrMapping/>
+  </p:clrMapOvr>
+</p:notes>
+</file>
+
+<file path=ppt/notesSlides/notesSlide4.xml><?xml version="1.0" encoding="utf-8"?>
+<p:notes xmlns:a="http://schemas.openxmlformats.org/drawingml/2006/main" xmlns:r="http://schemas.openxmlformats.org/officeDocument/2006/relationships" xmlns:p="http://schemas.openxmlformats.org/presentationml/2006/main">
+  <p:cSld>
+    <p:spTree>
+      <p:nvGrpSpPr>
+        <p:cNvPr id="1" name=""/>
+        <p:cNvGrpSpPr/>
+        <p:nvPr/>
+      </p:nvGrpSpPr>
+      <p:grpSpPr>
+        <a:xfrm>
+          <a:off x="0" y="0"/>
+          <a:ext cx="0" cy="0"/>
+          <a:chOff x="0" y="0"/>
+          <a:chExt cx="0" cy="0"/>
+        </a:xfrm>
+      </p:grpSpPr>
+      <p:sp>
+        <p:nvSpPr>
+          <p:cNvPr id="2" name="幻灯片图像占位符 1"/>
+          <p:cNvSpPr>
+            <a:spLocks noGrp="1" noRot="1" noChangeAspect="1"/>
+          </p:cNvSpPr>
+          <p:nvPr>
+            <p:ph type="sldImg"/>
+          </p:nvPr>
+        </p:nvSpPr>
+        <p:spPr/>
+      </p:sp>
+      <p:sp>
+        <p:nvSpPr>
+          <p:cNvPr id="3" name="备注占位符 2"/>
+          <p:cNvSpPr>
+            <a:spLocks noGrp="1"/>
+          </p:cNvSpPr>
+          <p:nvPr>
+            <p:ph type="body" idx="1"/>
+          </p:nvPr>
+        </p:nvSpPr>
+        <p:spPr/>
+        <p:txBody>
+          <a:bodyPr>
+            <a:normAutofit/>
+          </a:bodyPr>
+          <a:lstStyle/>
+          <a:p>
+            <a:endParaRPr lang="zh-CN" altLang="en-US" dirty="0"/>
+          </a:p>
+        </p:txBody>
+      </p:sp>
+      <p:sp>
+        <p:nvSpPr>
+          <p:cNvPr id="4" name="灯片编号占位符 3"/>
+          <p:cNvSpPr>
+            <a:spLocks noGrp="1"/>
+          </p:cNvSpPr>
+          <p:nvPr>
+            <p:ph type="sldNum" sz="quarter" idx="10"/>
+          </p:nvPr>
+        </p:nvSpPr>
+        <p:spPr/>
+        <p:txBody>
+          <a:bodyPr/>
+          <a:lstStyle/>
+          <a:p>
+            <a:fld id="{92923D5F-5682-A04B-9F73-DDB0662CB578}" type="slidenum">
+              <a:rPr kumimoji="1" lang="zh-CN" altLang="en-US" smtClean="0"/>
+              <a:pPr/>
+              <a:t>4</a:t>
+            </a:fld>
+            <a:endParaRPr kumimoji="1" lang="zh-CN" altLang="en-US"/>
+          </a:p>
+        </p:txBody>
+      </p:sp>
+    </p:spTree>
+    <p:extLst>
+      <p:ext uri="{BB962C8B-B14F-4D97-AF65-F5344CB8AC3E}">
+        <p14:creationId xmlns:p14="http://schemas.microsoft.com/office/powerpoint/2010/main" val="2785027934"/>
+      </p:ext>
+    </p:extLst>
+  </p:cSld>
+  <p:clrMapOvr>
+    <a:masterClrMapping/>
+  </p:clrMapOvr>
+</p:notes>
+</file>
+
+<file path=ppt/notesSlides/notesSlide5.xml><?xml version="1.0" encoding="utf-8"?>
+<p:notes xmlns:a="http://schemas.openxmlformats.org/drawingml/2006/main" xmlns:r="http://schemas.openxmlformats.org/officeDocument/2006/relationships" xmlns:p="http://schemas.openxmlformats.org/presentationml/2006/main">
+  <p:cSld>
+    <p:spTree>
+      <p:nvGrpSpPr>
+        <p:cNvPr id="1" name=""/>
+        <p:cNvGrpSpPr/>
+        <p:nvPr/>
+      </p:nvGrpSpPr>
+      <p:grpSpPr>
+        <a:xfrm>
+          <a:off x="0" y="0"/>
+          <a:ext cx="0" cy="0"/>
+          <a:chOff x="0" y="0"/>
+          <a:chExt cx="0" cy="0"/>
+        </a:xfrm>
+      </p:grpSpPr>
+      <p:sp>
+        <p:nvSpPr>
+          <p:cNvPr id="2" name="幻灯片图像占位符 1"/>
+          <p:cNvSpPr>
+            <a:spLocks noGrp="1" noRot="1" noChangeAspect="1"/>
+          </p:cNvSpPr>
+          <p:nvPr>
+            <p:ph type="sldImg"/>
+          </p:nvPr>
+        </p:nvSpPr>
+        <p:spPr/>
+      </p:sp>
+      <p:sp>
+        <p:nvSpPr>
+          <p:cNvPr id="3" name="备注占位符 2"/>
+          <p:cNvSpPr>
+            <a:spLocks noGrp="1"/>
+          </p:cNvSpPr>
+          <p:nvPr>
+            <p:ph type="body" idx="1"/>
+          </p:nvPr>
+        </p:nvSpPr>
+        <p:spPr/>
+        <p:txBody>
+          <a:bodyPr>
+            <a:normAutofit/>
+          </a:bodyPr>
+          <a:lstStyle/>
+          <a:p>
+            <a:endParaRPr lang="zh-CN" altLang="en-US" dirty="0"/>
+          </a:p>
+        </p:txBody>
+      </p:sp>
+      <p:sp>
+        <p:nvSpPr>
+          <p:cNvPr id="4" name="灯片编号占位符 3"/>
+          <p:cNvSpPr>
+            <a:spLocks noGrp="1"/>
+          </p:cNvSpPr>
+          <p:nvPr>
+            <p:ph type="sldNum" sz="quarter" idx="10"/>
+          </p:nvPr>
+        </p:nvSpPr>
+        <p:spPr/>
+        <p:txBody>
+          <a:bodyPr/>
+          <a:lstStyle/>
+          <a:p>
+            <a:fld id="{92923D5F-5682-A04B-9F73-DDB0662CB578}" type="slidenum">
+              <a:rPr kumimoji="1" lang="zh-CN" altLang="en-US">
+                <a:solidFill>
+                  <a:prstClr val="black"/>
+                </a:solidFill>
+              </a:rPr>
+              <a:pPr/>
+              <a:t>5</a:t>
+            </a:fld>
+            <a:endParaRPr kumimoji="1" lang="zh-CN" altLang="en-US">
+              <a:solidFill>
+                <a:prstClr val="black"/>
+              </a:solidFill>
+            </a:endParaRPr>
+          </a:p>
+        </p:txBody>
+      </p:sp>
+    </p:spTree>
+    <p:extLst>
+      <p:ext uri="{BB962C8B-B14F-4D97-AF65-F5344CB8AC3E}">
+        <p14:creationId xmlns:p14="http://schemas.microsoft.com/office/powerpoint/2010/main" val="1944246008"/>
       </p:ext>
     </p:extLst>
   </p:cSld>
@@ -14299,7 +14483,7 @@
         </p:blipFill>
         <p:spPr>
           <a:xfrm>
-            <a:off x="5770427" y="4022943"/>
+            <a:off x="5247836" y="4022943"/>
             <a:ext cx="542408" cy="504056"/>
           </a:xfrm>
           <a:prstGeom prst="rect">
@@ -14315,7 +14499,7 @@
         </p:nvSpPr>
         <p:spPr>
           <a:xfrm>
-            <a:off x="5810157" y="4526999"/>
+            <a:off x="5287566" y="4526999"/>
             <a:ext cx="492443" cy="276999"/>
           </a:xfrm>
           <a:prstGeom prst="rect">
@@ -14355,51 +14539,9 @@
           <p:nvPr/>
         </p:nvCxnSpPr>
         <p:spPr>
-          <a:xfrm rot="16200000" flipV="1">
-            <a:off x="5594782" y="3576093"/>
-            <a:ext cx="371778" cy="521921"/>
-          </a:xfrm>
-          <a:prstGeom prst="bentConnector3">
-            <a:avLst>
-              <a:gd name="adj1" fmla="val 50000"/>
-            </a:avLst>
-          </a:prstGeom>
-          <a:ln w="6350">
-            <a:solidFill>
-              <a:srgbClr val="0066FF"/>
-            </a:solidFill>
-            <a:prstDash val="dash"/>
-            <a:tailEnd type="arrow"/>
-          </a:ln>
-        </p:spPr>
-        <p:style>
-          <a:lnRef idx="1">
-            <a:schemeClr val="accent1"/>
-          </a:lnRef>
-          <a:fillRef idx="0">
-            <a:schemeClr val="accent1"/>
-          </a:fillRef>
-          <a:effectRef idx="0">
-            <a:schemeClr val="accent1"/>
-          </a:effectRef>
-          <a:fontRef idx="minor">
-            <a:schemeClr val="tx1"/>
-          </a:fontRef>
-        </p:style>
-      </p:cxnSp>
-      <p:cxnSp>
-        <p:nvCxnSpPr>
-          <p:cNvPr id="179" name="直接箭头连接符 9"/>
-          <p:cNvCxnSpPr>
-            <a:stCxn id="175" idx="0"/>
-            <a:endCxn id="168" idx="2"/>
-          </p:cNvCxnSpPr>
-          <p:nvPr/>
-        </p:nvCxnSpPr>
-        <p:spPr>
           <a:xfrm rot="5400000" flipH="1" flipV="1">
-            <a:off x="6132274" y="3559966"/>
-            <a:ext cx="372335" cy="553620"/>
+            <a:off x="5333486" y="3836719"/>
+            <a:ext cx="371778" cy="670"/>
           </a:xfrm>
           <a:prstGeom prst="bentConnector3">
             <a:avLst>
@@ -14663,6 +14805,9583 @@
     <p:extLst>
       <p:ext uri="{BB962C8B-B14F-4D97-AF65-F5344CB8AC3E}">
         <p14:creationId xmlns:p14="http://schemas.microsoft.com/office/powerpoint/2010/main" val="2816084389"/>
+      </p:ext>
+    </p:extLst>
+  </p:cSld>
+  <p:clrMapOvr>
+    <a:masterClrMapping/>
+  </p:clrMapOvr>
+  <p:timing>
+    <p:tnLst>
+      <p:par>
+        <p:cTn id="1" dur="indefinite" restart="never" nodeType="tmRoot"/>
+      </p:par>
+    </p:tnLst>
+  </p:timing>
+</p:sld>
+</file>
+
+<file path=ppt/slides/slide4.xml><?xml version="1.0" encoding="utf-8"?>
+<p:sld xmlns:a="http://schemas.openxmlformats.org/drawingml/2006/main" xmlns:r="http://schemas.openxmlformats.org/officeDocument/2006/relationships" xmlns:p="http://schemas.openxmlformats.org/presentationml/2006/main">
+  <p:cSld>
+    <p:spTree>
+      <p:nvGrpSpPr>
+        <p:cNvPr id="1" name=""/>
+        <p:cNvGrpSpPr/>
+        <p:nvPr/>
+      </p:nvGrpSpPr>
+      <p:grpSpPr>
+        <a:xfrm>
+          <a:off x="0" y="0"/>
+          <a:ext cx="0" cy="0"/>
+          <a:chOff x="0" y="0"/>
+          <a:chExt cx="0" cy="0"/>
+        </a:xfrm>
+      </p:grpSpPr>
+      <p:sp>
+        <p:nvSpPr>
+          <p:cNvPr id="3" name="圆角矩形 2"/>
+          <p:cNvSpPr/>
+          <p:nvPr/>
+        </p:nvSpPr>
+        <p:spPr>
+          <a:xfrm>
+            <a:off x="614866" y="1059582"/>
+            <a:ext cx="3655081" cy="3744416"/>
+          </a:xfrm>
+          <a:prstGeom prst="roundRect">
+            <a:avLst>
+              <a:gd name="adj" fmla="val 3866"/>
+            </a:avLst>
+          </a:prstGeom>
+          <a:solidFill>
+            <a:srgbClr val="FFC000">
+              <a:alpha val="10000"/>
+            </a:srgbClr>
+          </a:solidFill>
+          <a:ln w="6350">
+            <a:solidFill>
+              <a:schemeClr val="bg1">
+                <a:lumMod val="75000"/>
+              </a:schemeClr>
+            </a:solidFill>
+            <a:prstDash val="solid"/>
+          </a:ln>
+        </p:spPr>
+        <p:style>
+          <a:lnRef idx="2">
+            <a:schemeClr val="accent1">
+              <a:shade val="50000"/>
+            </a:schemeClr>
+          </a:lnRef>
+          <a:fillRef idx="1">
+            <a:schemeClr val="accent1"/>
+          </a:fillRef>
+          <a:effectRef idx="0">
+            <a:schemeClr val="accent1"/>
+          </a:effectRef>
+          <a:fontRef idx="minor">
+            <a:schemeClr val="lt1"/>
+          </a:fontRef>
+        </p:style>
+        <p:txBody>
+          <a:bodyPr lIns="0" tIns="0" rIns="0" bIns="0" rtlCol="0" anchor="t"/>
+          <a:lstStyle/>
+          <a:p>
+            <a:pPr algn="ctr"/>
+            <a:endParaRPr lang="zh-CN" altLang="en-US" sz="1000" b="1">
+              <a:solidFill>
+                <a:prstClr val="black"/>
+              </a:solidFill>
+              <a:latin typeface="微软雅黑" panose="020B0503020204020204" pitchFamily="34" charset="-122"/>
+              <a:ea typeface="微软雅黑" panose="020B0503020204020204" pitchFamily="34" charset="-122"/>
+            </a:endParaRPr>
+          </a:p>
+        </p:txBody>
+      </p:sp>
+      <p:sp>
+        <p:nvSpPr>
+          <p:cNvPr id="95" name="圆角矩形 94"/>
+          <p:cNvSpPr/>
+          <p:nvPr/>
+        </p:nvSpPr>
+        <p:spPr>
+          <a:xfrm>
+            <a:off x="2284378" y="3169950"/>
+            <a:ext cx="711053" cy="824695"/>
+          </a:xfrm>
+          <a:prstGeom prst="roundRect">
+            <a:avLst/>
+          </a:prstGeom>
+          <a:solidFill>
+            <a:srgbClr val="3399FF">
+              <a:alpha val="40000"/>
+            </a:srgbClr>
+          </a:solidFill>
+          <a:ln w="6350">
+            <a:solidFill>
+              <a:schemeClr val="bg1">
+                <a:lumMod val="75000"/>
+              </a:schemeClr>
+            </a:solidFill>
+            <a:prstDash val="solid"/>
+          </a:ln>
+        </p:spPr>
+        <p:style>
+          <a:lnRef idx="2">
+            <a:schemeClr val="accent1">
+              <a:shade val="50000"/>
+            </a:schemeClr>
+          </a:lnRef>
+          <a:fillRef idx="1">
+            <a:schemeClr val="accent1"/>
+          </a:fillRef>
+          <a:effectRef idx="0">
+            <a:schemeClr val="accent1"/>
+          </a:effectRef>
+          <a:fontRef idx="minor">
+            <a:schemeClr val="lt1"/>
+          </a:fontRef>
+        </p:style>
+        <p:txBody>
+          <a:bodyPr lIns="0" tIns="0" rIns="0" bIns="0" rtlCol="0" anchor="ctr"/>
+          <a:lstStyle/>
+          <a:p>
+            <a:pPr algn="ctr"/>
+            <a:endParaRPr lang="zh-CN" altLang="en-US" sz="900">
+              <a:solidFill>
+                <a:prstClr val="white"/>
+              </a:solidFill>
+              <a:latin typeface="微软雅黑" panose="020B0503020204020204" pitchFamily="34" charset="-122"/>
+              <a:ea typeface="微软雅黑" panose="020B0503020204020204" pitchFamily="34" charset="-122"/>
+            </a:endParaRPr>
+          </a:p>
+        </p:txBody>
+      </p:sp>
+      <p:sp>
+        <p:nvSpPr>
+          <p:cNvPr id="28" name="圆角矩形 27"/>
+          <p:cNvSpPr/>
+          <p:nvPr/>
+        </p:nvSpPr>
+        <p:spPr>
+          <a:xfrm>
+            <a:off x="720768" y="1533111"/>
+            <a:ext cx="3384376" cy="1440160"/>
+          </a:xfrm>
+          <a:prstGeom prst="roundRect">
+            <a:avLst>
+              <a:gd name="adj" fmla="val 4409"/>
+            </a:avLst>
+          </a:prstGeom>
+          <a:noFill/>
+          <a:ln w="6350">
+            <a:solidFill>
+              <a:schemeClr val="bg1">
+                <a:lumMod val="75000"/>
+              </a:schemeClr>
+            </a:solidFill>
+            <a:prstDash val="solid"/>
+          </a:ln>
+        </p:spPr>
+        <p:style>
+          <a:lnRef idx="2">
+            <a:schemeClr val="accent1">
+              <a:shade val="50000"/>
+            </a:schemeClr>
+          </a:lnRef>
+          <a:fillRef idx="1">
+            <a:schemeClr val="accent1"/>
+          </a:fillRef>
+          <a:effectRef idx="0">
+            <a:schemeClr val="accent1"/>
+          </a:effectRef>
+          <a:fontRef idx="minor">
+            <a:schemeClr val="lt1"/>
+          </a:fontRef>
+        </p:style>
+        <p:txBody>
+          <a:bodyPr lIns="0" tIns="0" rIns="0" bIns="0" rtlCol="0" anchor="t"/>
+          <a:lstStyle/>
+          <a:p>
+            <a:pPr algn="ctr"/>
+            <a:endParaRPr lang="zh-CN" altLang="en-US" sz="1000" b="1" dirty="0">
+              <a:solidFill>
+                <a:prstClr val="black"/>
+              </a:solidFill>
+              <a:latin typeface="微软雅黑" panose="020B0503020204020204" pitchFamily="34" charset="-122"/>
+              <a:ea typeface="微软雅黑" panose="020B0503020204020204" pitchFamily="34" charset="-122"/>
+            </a:endParaRPr>
+          </a:p>
+        </p:txBody>
+      </p:sp>
+      <p:sp>
+        <p:nvSpPr>
+          <p:cNvPr id="41" name="矩形 40"/>
+          <p:cNvSpPr/>
+          <p:nvPr/>
+        </p:nvSpPr>
+        <p:spPr>
+          <a:xfrm>
+            <a:off x="1245611" y="2283718"/>
+            <a:ext cx="2781843" cy="582454"/>
+          </a:xfrm>
+          <a:prstGeom prst="rect">
+            <a:avLst/>
+          </a:prstGeom>
+          <a:solidFill>
+            <a:schemeClr val="tx1">
+              <a:alpha val="30000"/>
+            </a:schemeClr>
+          </a:solidFill>
+          <a:ln w="6350">
+            <a:solidFill>
+              <a:schemeClr val="tx1">
+                <a:lumMod val="50000"/>
+                <a:lumOff val="50000"/>
+              </a:schemeClr>
+            </a:solidFill>
+            <a:prstDash val="dash"/>
+          </a:ln>
+        </p:spPr>
+        <p:style>
+          <a:lnRef idx="2">
+            <a:schemeClr val="accent1">
+              <a:shade val="50000"/>
+            </a:schemeClr>
+          </a:lnRef>
+          <a:fillRef idx="1">
+            <a:schemeClr val="accent1"/>
+          </a:fillRef>
+          <a:effectRef idx="0">
+            <a:schemeClr val="accent1"/>
+          </a:effectRef>
+          <a:fontRef idx="minor">
+            <a:schemeClr val="lt1"/>
+          </a:fontRef>
+        </p:style>
+        <p:txBody>
+          <a:bodyPr rtlCol="0" anchor="ctr"/>
+          <a:lstStyle/>
+          <a:p>
+            <a:pPr algn="ctr"/>
+            <a:endParaRPr lang="zh-CN" altLang="en-US">
+              <a:solidFill>
+                <a:prstClr val="white"/>
+              </a:solidFill>
+            </a:endParaRPr>
+          </a:p>
+        </p:txBody>
+      </p:sp>
+      <p:sp>
+        <p:nvSpPr>
+          <p:cNvPr id="2" name="TextBox 1"/>
+          <p:cNvSpPr txBox="1"/>
+          <p:nvPr/>
+        </p:nvSpPr>
+        <p:spPr>
+          <a:xfrm>
+            <a:off x="179512" y="118456"/>
+            <a:ext cx="3580689" cy="461665"/>
+          </a:xfrm>
+          <a:prstGeom prst="rect">
+            <a:avLst/>
+          </a:prstGeom>
+        </p:spPr>
+        <p:txBody>
+          <a:bodyPr wrap="square">
+            <a:spAutoFit/>
+          </a:bodyPr>
+          <a:lstStyle>
+            <a:defPPr>
+              <a:defRPr lang="zh-CN"/>
+            </a:defPPr>
+            <a:lvl1pPr>
+              <a:defRPr sz="800">
+                <a:latin typeface="微软雅黑" panose="020B0503020204020204" pitchFamily="34" charset="-122"/>
+                <a:ea typeface="微软雅黑" panose="020B0503020204020204" pitchFamily="34" charset="-122"/>
+              </a:defRPr>
+            </a:lvl1pPr>
+          </a:lstStyle>
+          <a:p>
+            <a:pPr fontAlgn="ctr"/>
+            <a:r>
+              <a:rPr lang="zh-CN" altLang="en-US" sz="2400" b="1" dirty="0" smtClean="0"/>
+              <a:t>部署架构</a:t>
+            </a:r>
+            <a:endParaRPr lang="en-US" sz="1200" b="1" dirty="0"/>
+          </a:p>
+        </p:txBody>
+      </p:sp>
+      <p:sp>
+        <p:nvSpPr>
+          <p:cNvPr id="29" name="矩形 28"/>
+          <p:cNvSpPr/>
+          <p:nvPr/>
+        </p:nvSpPr>
+        <p:spPr>
+          <a:xfrm>
+            <a:off x="1245612" y="1638893"/>
+            <a:ext cx="2781843" cy="582454"/>
+          </a:xfrm>
+          <a:prstGeom prst="rect">
+            <a:avLst/>
+          </a:prstGeom>
+          <a:solidFill>
+            <a:srgbClr val="75FFB3">
+              <a:alpha val="50000"/>
+            </a:srgbClr>
+          </a:solidFill>
+          <a:ln w="6350">
+            <a:solidFill>
+              <a:schemeClr val="tx1">
+                <a:lumMod val="50000"/>
+                <a:lumOff val="50000"/>
+              </a:schemeClr>
+            </a:solidFill>
+            <a:prstDash val="dash"/>
+          </a:ln>
+        </p:spPr>
+        <p:style>
+          <a:lnRef idx="2">
+            <a:schemeClr val="accent1">
+              <a:shade val="50000"/>
+            </a:schemeClr>
+          </a:lnRef>
+          <a:fillRef idx="1">
+            <a:schemeClr val="accent1"/>
+          </a:fillRef>
+          <a:effectRef idx="0">
+            <a:schemeClr val="accent1"/>
+          </a:effectRef>
+          <a:fontRef idx="minor">
+            <a:schemeClr val="lt1"/>
+          </a:fontRef>
+        </p:style>
+        <p:txBody>
+          <a:bodyPr rtlCol="0" anchor="ctr"/>
+          <a:lstStyle/>
+          <a:p>
+            <a:pPr algn="ctr"/>
+            <a:endParaRPr lang="zh-CN" altLang="en-US">
+              <a:solidFill>
+                <a:prstClr val="white"/>
+              </a:solidFill>
+            </a:endParaRPr>
+          </a:p>
+        </p:txBody>
+      </p:sp>
+      <p:sp>
+        <p:nvSpPr>
+          <p:cNvPr id="30" name="矩形 29"/>
+          <p:cNvSpPr/>
+          <p:nvPr/>
+        </p:nvSpPr>
+        <p:spPr>
+          <a:xfrm>
+            <a:off x="614866" y="2207392"/>
+            <a:ext cx="706224" cy="153888"/>
+          </a:xfrm>
+          <a:prstGeom prst="rect">
+            <a:avLst/>
+          </a:prstGeom>
+        </p:spPr>
+        <p:txBody>
+          <a:bodyPr wrap="square" lIns="36000" tIns="0" rIns="36000" bIns="0">
+            <a:spAutoFit/>
+          </a:bodyPr>
+          <a:lstStyle/>
+          <a:p>
+            <a:pPr algn="ctr"/>
+            <a:r>
+              <a:rPr lang="en-US" altLang="zh-CN" sz="1000" b="1" dirty="0" err="1" smtClean="0">
+                <a:solidFill>
+                  <a:prstClr val="black"/>
+                </a:solidFill>
+                <a:latin typeface="微软雅黑" panose="020B0503020204020204" pitchFamily="34" charset="-122"/>
+                <a:ea typeface="微软雅黑" panose="020B0503020204020204" pitchFamily="34" charset="-122"/>
+              </a:rPr>
+              <a:t>Nginx</a:t>
+            </a:r>
+            <a:endParaRPr lang="en-US" altLang="zh-CN" sz="1000" b="1" dirty="0" smtClean="0">
+              <a:solidFill>
+                <a:prstClr val="black"/>
+              </a:solidFill>
+              <a:latin typeface="微软雅黑" panose="020B0503020204020204" pitchFamily="34" charset="-122"/>
+              <a:ea typeface="微软雅黑" panose="020B0503020204020204" pitchFamily="34" charset="-122"/>
+            </a:endParaRPr>
+          </a:p>
+        </p:txBody>
+      </p:sp>
+      <p:sp>
+        <p:nvSpPr>
+          <p:cNvPr id="31" name="圆角矩形 30"/>
+          <p:cNvSpPr/>
+          <p:nvPr/>
+        </p:nvSpPr>
+        <p:spPr>
+          <a:xfrm>
+            <a:off x="2227906" y="2410122"/>
+            <a:ext cx="689468" cy="329646"/>
+          </a:xfrm>
+          <a:prstGeom prst="roundRect">
+            <a:avLst>
+              <a:gd name="adj" fmla="val 7771"/>
+            </a:avLst>
+          </a:prstGeom>
+          <a:solidFill>
+            <a:schemeClr val="tx1">
+              <a:lumMod val="65000"/>
+              <a:lumOff val="35000"/>
+            </a:schemeClr>
+          </a:solidFill>
+          <a:ln w="6350">
+            <a:solidFill>
+              <a:schemeClr val="bg1"/>
+            </a:solidFill>
+          </a:ln>
+        </p:spPr>
+        <p:style>
+          <a:lnRef idx="2">
+            <a:schemeClr val="accent1">
+              <a:shade val="50000"/>
+            </a:schemeClr>
+          </a:lnRef>
+          <a:fillRef idx="1">
+            <a:schemeClr val="accent1"/>
+          </a:fillRef>
+          <a:effectRef idx="0">
+            <a:schemeClr val="accent1"/>
+          </a:effectRef>
+          <a:fontRef idx="minor">
+            <a:schemeClr val="lt1"/>
+          </a:fontRef>
+        </p:style>
+        <p:txBody>
+          <a:bodyPr lIns="0" tIns="0" rIns="0" bIns="0" rtlCol="0" anchor="ctr"/>
+          <a:lstStyle/>
+          <a:p>
+            <a:pPr algn="ctr"/>
+            <a:r>
+              <a:rPr lang="en-US" altLang="zh-CN" sz="800" b="1" dirty="0" err="1">
+                <a:solidFill>
+                  <a:prstClr val="white"/>
+                </a:solidFill>
+                <a:latin typeface="微软雅黑" panose="020B0503020204020204" pitchFamily="34" charset="-122"/>
+                <a:ea typeface="微软雅黑" panose="020B0503020204020204" pitchFamily="34" charset="-122"/>
+              </a:rPr>
+              <a:t>ReactJS</a:t>
+            </a:r>
+            <a:endParaRPr lang="en-US" altLang="zh-CN" sz="800" b="1" dirty="0">
+              <a:solidFill>
+                <a:prstClr val="white"/>
+              </a:solidFill>
+              <a:latin typeface="微软雅黑" panose="020B0503020204020204" pitchFamily="34" charset="-122"/>
+              <a:ea typeface="微软雅黑" panose="020B0503020204020204" pitchFamily="34" charset="-122"/>
+            </a:endParaRPr>
+          </a:p>
+          <a:p>
+            <a:pPr algn="ctr"/>
+            <a:r>
+              <a:rPr lang="en-US" altLang="zh-CN" sz="800" b="1" dirty="0">
+                <a:solidFill>
+                  <a:prstClr val="white"/>
+                </a:solidFill>
+                <a:latin typeface="微软雅黑" panose="020B0503020204020204" pitchFamily="34" charset="-122"/>
+                <a:ea typeface="微软雅黑" panose="020B0503020204020204" pitchFamily="34" charset="-122"/>
+              </a:rPr>
+              <a:t>API </a:t>
+            </a:r>
+            <a:r>
+              <a:rPr lang="zh-CN" altLang="en-US" sz="800" b="1" dirty="0">
+                <a:solidFill>
+                  <a:prstClr val="white"/>
+                </a:solidFill>
+                <a:latin typeface="微软雅黑" panose="020B0503020204020204" pitchFamily="34" charset="-122"/>
+                <a:ea typeface="微软雅黑" panose="020B0503020204020204" pitchFamily="34" charset="-122"/>
+              </a:rPr>
+              <a:t>代理</a:t>
+            </a:r>
+            <a:endParaRPr lang="en-US" altLang="zh-CN" sz="800" b="1" dirty="0">
+              <a:solidFill>
+                <a:prstClr val="white"/>
+              </a:solidFill>
+              <a:latin typeface="微软雅黑" panose="020B0503020204020204" pitchFamily="34" charset="-122"/>
+              <a:ea typeface="微软雅黑" panose="020B0503020204020204" pitchFamily="34" charset="-122"/>
+            </a:endParaRPr>
+          </a:p>
+        </p:txBody>
+      </p:sp>
+      <p:sp>
+        <p:nvSpPr>
+          <p:cNvPr id="34" name="圆角矩形 33"/>
+          <p:cNvSpPr/>
+          <p:nvPr/>
+        </p:nvSpPr>
+        <p:spPr>
+          <a:xfrm>
+            <a:off x="3165963" y="2410122"/>
+            <a:ext cx="689468" cy="329646"/>
+          </a:xfrm>
+          <a:prstGeom prst="roundRect">
+            <a:avLst>
+              <a:gd name="adj" fmla="val 7771"/>
+            </a:avLst>
+          </a:prstGeom>
+          <a:solidFill>
+            <a:schemeClr val="tx1">
+              <a:lumMod val="65000"/>
+              <a:lumOff val="35000"/>
+            </a:schemeClr>
+          </a:solidFill>
+          <a:ln w="6350">
+            <a:solidFill>
+              <a:schemeClr val="bg1"/>
+            </a:solidFill>
+          </a:ln>
+        </p:spPr>
+        <p:style>
+          <a:lnRef idx="2">
+            <a:schemeClr val="accent1">
+              <a:shade val="50000"/>
+            </a:schemeClr>
+          </a:lnRef>
+          <a:fillRef idx="1">
+            <a:schemeClr val="accent1"/>
+          </a:fillRef>
+          <a:effectRef idx="0">
+            <a:schemeClr val="accent1"/>
+          </a:effectRef>
+          <a:fontRef idx="minor">
+            <a:schemeClr val="lt1"/>
+          </a:fontRef>
+        </p:style>
+        <p:txBody>
+          <a:bodyPr lIns="0" tIns="0" rIns="0" bIns="0" rtlCol="0" anchor="ctr"/>
+          <a:lstStyle/>
+          <a:p>
+            <a:pPr algn="ctr"/>
+            <a:r>
+              <a:rPr lang="zh-CN" altLang="en-US" sz="800" b="1" dirty="0" smtClean="0">
+                <a:solidFill>
+                  <a:prstClr val="white"/>
+                </a:solidFill>
+                <a:latin typeface="微软雅黑" panose="020B0503020204020204" pitchFamily="34" charset="-122"/>
+                <a:ea typeface="微软雅黑" panose="020B0503020204020204" pitchFamily="34" charset="-122"/>
+              </a:rPr>
+              <a:t>商城服务</a:t>
+            </a:r>
+            <a:endParaRPr lang="en-US" altLang="zh-CN" sz="800" b="1" dirty="0">
+              <a:solidFill>
+                <a:prstClr val="white"/>
+              </a:solidFill>
+              <a:latin typeface="微软雅黑" panose="020B0503020204020204" pitchFamily="34" charset="-122"/>
+              <a:ea typeface="微软雅黑" panose="020B0503020204020204" pitchFamily="34" charset="-122"/>
+            </a:endParaRPr>
+          </a:p>
+          <a:p>
+            <a:pPr algn="ctr"/>
+            <a:r>
+              <a:rPr lang="en-US" altLang="zh-CN" sz="800" b="1" dirty="0">
+                <a:solidFill>
+                  <a:prstClr val="white"/>
+                </a:solidFill>
+                <a:latin typeface="微软雅黑" panose="020B0503020204020204" pitchFamily="34" charset="-122"/>
+                <a:ea typeface="微软雅黑" panose="020B0503020204020204" pitchFamily="34" charset="-122"/>
+              </a:rPr>
+              <a:t>API </a:t>
+            </a:r>
+            <a:r>
+              <a:rPr lang="zh-CN" altLang="en-US" sz="800" b="1" dirty="0">
+                <a:solidFill>
+                  <a:prstClr val="white"/>
+                </a:solidFill>
+                <a:latin typeface="微软雅黑" panose="020B0503020204020204" pitchFamily="34" charset="-122"/>
+                <a:ea typeface="微软雅黑" panose="020B0503020204020204" pitchFamily="34" charset="-122"/>
+              </a:rPr>
+              <a:t>代理</a:t>
+            </a:r>
+            <a:endParaRPr lang="en-US" altLang="zh-CN" sz="800" b="1" dirty="0">
+              <a:solidFill>
+                <a:prstClr val="white"/>
+              </a:solidFill>
+              <a:latin typeface="微软雅黑" panose="020B0503020204020204" pitchFamily="34" charset="-122"/>
+              <a:ea typeface="微软雅黑" panose="020B0503020204020204" pitchFamily="34" charset="-122"/>
+            </a:endParaRPr>
+          </a:p>
+        </p:txBody>
+      </p:sp>
+      <p:sp>
+        <p:nvSpPr>
+          <p:cNvPr id="35" name="流程图: 多文档 34"/>
+          <p:cNvSpPr/>
+          <p:nvPr/>
+        </p:nvSpPr>
+        <p:spPr>
+          <a:xfrm>
+            <a:off x="2278598" y="1747787"/>
+            <a:ext cx="701681" cy="317219"/>
+          </a:xfrm>
+          <a:prstGeom prst="flowChartMultidocument">
+            <a:avLst/>
+          </a:prstGeom>
+          <a:solidFill>
+            <a:srgbClr val="3399FF"/>
+          </a:solidFill>
+          <a:ln w="6350">
+            <a:solidFill>
+              <a:schemeClr val="bg1"/>
+            </a:solidFill>
+          </a:ln>
+        </p:spPr>
+        <p:style>
+          <a:lnRef idx="2">
+            <a:schemeClr val="accent1">
+              <a:shade val="50000"/>
+            </a:schemeClr>
+          </a:lnRef>
+          <a:fillRef idx="1">
+            <a:schemeClr val="accent1"/>
+          </a:fillRef>
+          <a:effectRef idx="0">
+            <a:schemeClr val="accent1"/>
+          </a:effectRef>
+          <a:fontRef idx="minor">
+            <a:schemeClr val="lt1"/>
+          </a:fontRef>
+        </p:style>
+        <p:txBody>
+          <a:bodyPr lIns="0" tIns="0" rIns="0" bIns="0" rtlCol="0" anchor="ctr"/>
+          <a:lstStyle/>
+          <a:p>
+            <a:pPr algn="ctr"/>
+            <a:r>
+              <a:rPr lang="en-US" altLang="zh-CN" sz="800" b="1" dirty="0" smtClean="0">
+                <a:solidFill>
+                  <a:prstClr val="white"/>
+                </a:solidFill>
+                <a:latin typeface="微软雅黑" panose="020B0503020204020204" pitchFamily="34" charset="-122"/>
+                <a:ea typeface="微软雅黑" panose="020B0503020204020204" pitchFamily="34" charset="-122"/>
+              </a:rPr>
+              <a:t>/front</a:t>
+            </a:r>
+            <a:endParaRPr lang="zh-CN" altLang="en-US" sz="800" b="1" dirty="0">
+              <a:solidFill>
+                <a:prstClr val="white"/>
+              </a:solidFill>
+              <a:latin typeface="微软雅黑" panose="020B0503020204020204" pitchFamily="34" charset="-122"/>
+              <a:ea typeface="微软雅黑" panose="020B0503020204020204" pitchFamily="34" charset="-122"/>
+            </a:endParaRPr>
+          </a:p>
+        </p:txBody>
+      </p:sp>
+      <p:sp>
+        <p:nvSpPr>
+          <p:cNvPr id="36" name="流程图: 多文档 35"/>
+          <p:cNvSpPr/>
+          <p:nvPr/>
+        </p:nvSpPr>
+        <p:spPr>
+          <a:xfrm>
+            <a:off x="3153750" y="1745021"/>
+            <a:ext cx="701681" cy="317219"/>
+          </a:xfrm>
+          <a:prstGeom prst="flowChartMultidocument">
+            <a:avLst/>
+          </a:prstGeom>
+          <a:solidFill>
+            <a:srgbClr val="3399FF"/>
+          </a:solidFill>
+          <a:ln w="6350">
+            <a:solidFill>
+              <a:schemeClr val="bg1"/>
+            </a:solidFill>
+          </a:ln>
+        </p:spPr>
+        <p:style>
+          <a:lnRef idx="2">
+            <a:schemeClr val="accent1">
+              <a:shade val="50000"/>
+            </a:schemeClr>
+          </a:lnRef>
+          <a:fillRef idx="1">
+            <a:schemeClr val="accent1"/>
+          </a:fillRef>
+          <a:effectRef idx="0">
+            <a:schemeClr val="accent1"/>
+          </a:effectRef>
+          <a:fontRef idx="minor">
+            <a:schemeClr val="lt1"/>
+          </a:fontRef>
+        </p:style>
+        <p:txBody>
+          <a:bodyPr lIns="0" tIns="0" rIns="0" bIns="0" rtlCol="0" anchor="ctr"/>
+          <a:lstStyle/>
+          <a:p>
+            <a:pPr algn="ctr"/>
+            <a:r>
+              <a:rPr lang="en-US" altLang="zh-CN" sz="800" b="1" dirty="0" smtClean="0">
+                <a:solidFill>
+                  <a:prstClr val="white"/>
+                </a:solidFill>
+                <a:latin typeface="微软雅黑" panose="020B0503020204020204" pitchFamily="34" charset="-122"/>
+                <a:ea typeface="微软雅黑" panose="020B0503020204020204" pitchFamily="34" charset="-122"/>
+              </a:rPr>
+              <a:t>/manager</a:t>
+            </a:r>
+            <a:endParaRPr lang="zh-CN" altLang="en-US" sz="800" b="1" dirty="0">
+              <a:solidFill>
+                <a:prstClr val="white"/>
+              </a:solidFill>
+              <a:latin typeface="微软雅黑" panose="020B0503020204020204" pitchFamily="34" charset="-122"/>
+              <a:ea typeface="微软雅黑" panose="020B0503020204020204" pitchFamily="34" charset="-122"/>
+            </a:endParaRPr>
+          </a:p>
+        </p:txBody>
+      </p:sp>
+      <p:sp>
+        <p:nvSpPr>
+          <p:cNvPr id="37" name="矩形 36"/>
+          <p:cNvSpPr/>
+          <p:nvPr/>
+        </p:nvSpPr>
+        <p:spPr>
+          <a:xfrm>
+            <a:off x="2236173" y="2088007"/>
+            <a:ext cx="701681" cy="123111"/>
+          </a:xfrm>
+          <a:prstGeom prst="rect">
+            <a:avLst/>
+          </a:prstGeom>
+        </p:spPr>
+        <p:txBody>
+          <a:bodyPr wrap="square" lIns="36000" tIns="0" rIns="36000" bIns="0">
+            <a:spAutoFit/>
+          </a:bodyPr>
+          <a:lstStyle/>
+          <a:p>
+            <a:r>
+              <a:rPr lang="zh-CN" altLang="en-US" sz="800" b="1" dirty="0" smtClean="0">
+                <a:solidFill>
+                  <a:prstClr val="black"/>
+                </a:solidFill>
+                <a:latin typeface="微软雅黑" panose="020B0503020204020204" pitchFamily="34" charset="-122"/>
+                <a:ea typeface="微软雅黑" panose="020B0503020204020204" pitchFamily="34" charset="-122"/>
+              </a:rPr>
+              <a:t>用户前台页面</a:t>
+            </a:r>
+            <a:endParaRPr lang="en-US" altLang="zh-CN" sz="800" b="1" dirty="0" smtClean="0">
+              <a:solidFill>
+                <a:prstClr val="black"/>
+              </a:solidFill>
+              <a:latin typeface="微软雅黑" panose="020B0503020204020204" pitchFamily="34" charset="-122"/>
+              <a:ea typeface="微软雅黑" panose="020B0503020204020204" pitchFamily="34" charset="-122"/>
+            </a:endParaRPr>
+          </a:p>
+        </p:txBody>
+      </p:sp>
+      <p:sp>
+        <p:nvSpPr>
+          <p:cNvPr id="38" name="矩形 37"/>
+          <p:cNvSpPr/>
+          <p:nvPr/>
+        </p:nvSpPr>
+        <p:spPr>
+          <a:xfrm>
+            <a:off x="3075778" y="2088028"/>
+            <a:ext cx="914806" cy="123111"/>
+          </a:xfrm>
+          <a:prstGeom prst="rect">
+            <a:avLst/>
+          </a:prstGeom>
+        </p:spPr>
+        <p:txBody>
+          <a:bodyPr wrap="square" lIns="36000" tIns="0" rIns="36000" bIns="0">
+            <a:spAutoFit/>
+          </a:bodyPr>
+          <a:lstStyle/>
+          <a:p>
+            <a:r>
+              <a:rPr lang="zh-CN" altLang="en-US" sz="800" b="1" dirty="0" smtClean="0">
+                <a:solidFill>
+                  <a:prstClr val="black"/>
+                </a:solidFill>
+                <a:latin typeface="微软雅黑" panose="020B0503020204020204" pitchFamily="34" charset="-122"/>
+                <a:ea typeface="微软雅黑" panose="020B0503020204020204" pitchFamily="34" charset="-122"/>
+              </a:rPr>
+              <a:t>创客微店后台</a:t>
+            </a:r>
+            <a:r>
+              <a:rPr lang="zh-CN" altLang="en-US" sz="800" b="1" dirty="0" smtClean="0">
+                <a:solidFill>
+                  <a:prstClr val="black"/>
+                </a:solidFill>
+                <a:latin typeface="微软雅黑" panose="020B0503020204020204" pitchFamily="34" charset="-122"/>
+                <a:ea typeface="微软雅黑" panose="020B0503020204020204" pitchFamily="34" charset="-122"/>
+              </a:rPr>
+              <a:t>页面</a:t>
+            </a:r>
+            <a:endParaRPr lang="en-US" altLang="zh-CN" sz="800" b="1" dirty="0" smtClean="0">
+              <a:solidFill>
+                <a:prstClr val="black"/>
+              </a:solidFill>
+              <a:latin typeface="微软雅黑" panose="020B0503020204020204" pitchFamily="34" charset="-122"/>
+              <a:ea typeface="微软雅黑" panose="020B0503020204020204" pitchFamily="34" charset="-122"/>
+            </a:endParaRPr>
+          </a:p>
+        </p:txBody>
+      </p:sp>
+      <p:sp>
+        <p:nvSpPr>
+          <p:cNvPr id="39" name="矩形 38"/>
+          <p:cNvSpPr/>
+          <p:nvPr/>
+        </p:nvSpPr>
+        <p:spPr>
+          <a:xfrm>
+            <a:off x="1450675" y="1785241"/>
+            <a:ext cx="583656" cy="276999"/>
+          </a:xfrm>
+          <a:prstGeom prst="rect">
+            <a:avLst/>
+          </a:prstGeom>
+        </p:spPr>
+        <p:txBody>
+          <a:bodyPr wrap="square" lIns="36000" tIns="0" rIns="36000" bIns="0">
+            <a:spAutoFit/>
+          </a:bodyPr>
+          <a:lstStyle/>
+          <a:p>
+            <a:pPr algn="ctr"/>
+            <a:r>
+              <a:rPr lang="en-US" altLang="zh-CN" sz="900" b="1" dirty="0" err="1" smtClean="0">
+                <a:solidFill>
+                  <a:prstClr val="black"/>
+                </a:solidFill>
+                <a:latin typeface="微软雅黑" panose="020B0503020204020204" pitchFamily="34" charset="-122"/>
+                <a:ea typeface="微软雅黑" panose="020B0503020204020204" pitchFamily="34" charset="-122"/>
+              </a:rPr>
+              <a:t>ReactJS</a:t>
+            </a:r>
+            <a:endParaRPr lang="en-US" altLang="zh-CN" sz="900" b="1" dirty="0" smtClean="0">
+              <a:solidFill>
+                <a:prstClr val="black"/>
+              </a:solidFill>
+              <a:latin typeface="微软雅黑" panose="020B0503020204020204" pitchFamily="34" charset="-122"/>
+              <a:ea typeface="微软雅黑" panose="020B0503020204020204" pitchFamily="34" charset="-122"/>
+            </a:endParaRPr>
+          </a:p>
+          <a:p>
+            <a:pPr algn="ctr"/>
+            <a:r>
+              <a:rPr lang="zh-CN" altLang="en-US" sz="900" b="1" dirty="0" smtClean="0">
+                <a:solidFill>
+                  <a:prstClr val="black"/>
+                </a:solidFill>
+                <a:latin typeface="微软雅黑" panose="020B0503020204020204" pitchFamily="34" charset="-122"/>
+                <a:ea typeface="微软雅黑" panose="020B0503020204020204" pitchFamily="34" charset="-122"/>
+              </a:rPr>
+              <a:t>静态资源</a:t>
+            </a:r>
+            <a:endParaRPr lang="en-US" altLang="zh-CN" sz="900" b="1" dirty="0" smtClean="0">
+              <a:solidFill>
+                <a:prstClr val="black"/>
+              </a:solidFill>
+              <a:latin typeface="微软雅黑" panose="020B0503020204020204" pitchFamily="34" charset="-122"/>
+              <a:ea typeface="微软雅黑" panose="020B0503020204020204" pitchFamily="34" charset="-122"/>
+            </a:endParaRPr>
+          </a:p>
+        </p:txBody>
+      </p:sp>
+      <p:sp>
+        <p:nvSpPr>
+          <p:cNvPr id="42" name="矩形 41"/>
+          <p:cNvSpPr/>
+          <p:nvPr/>
+        </p:nvSpPr>
+        <p:spPr>
+          <a:xfrm>
+            <a:off x="1456413" y="2410122"/>
+            <a:ext cx="583656" cy="276999"/>
+          </a:xfrm>
+          <a:prstGeom prst="rect">
+            <a:avLst/>
+          </a:prstGeom>
+        </p:spPr>
+        <p:txBody>
+          <a:bodyPr wrap="square" lIns="36000" tIns="0" rIns="36000" bIns="0">
+            <a:spAutoFit/>
+          </a:bodyPr>
+          <a:lstStyle/>
+          <a:p>
+            <a:pPr algn="ctr"/>
+            <a:r>
+              <a:rPr lang="en-US" altLang="zh-CN" sz="900" b="1" dirty="0" err="1" smtClean="0">
+                <a:solidFill>
+                  <a:prstClr val="black"/>
+                </a:solidFill>
+                <a:latin typeface="微软雅黑" panose="020B0503020204020204" pitchFamily="34" charset="-122"/>
+                <a:ea typeface="微软雅黑" panose="020B0503020204020204" pitchFamily="34" charset="-122"/>
+              </a:rPr>
+              <a:t>Nginx</a:t>
+            </a:r>
+            <a:endParaRPr lang="en-US" altLang="zh-CN" sz="900" b="1" dirty="0" smtClean="0">
+              <a:solidFill>
+                <a:prstClr val="black"/>
+              </a:solidFill>
+              <a:latin typeface="微软雅黑" panose="020B0503020204020204" pitchFamily="34" charset="-122"/>
+              <a:ea typeface="微软雅黑" panose="020B0503020204020204" pitchFamily="34" charset="-122"/>
+            </a:endParaRPr>
+          </a:p>
+          <a:p>
+            <a:pPr algn="ctr"/>
+            <a:r>
+              <a:rPr lang="zh-CN" altLang="en-US" sz="900" b="1" dirty="0" smtClean="0">
+                <a:solidFill>
+                  <a:prstClr val="black"/>
+                </a:solidFill>
+                <a:latin typeface="微软雅黑" panose="020B0503020204020204" pitchFamily="34" charset="-122"/>
+                <a:ea typeface="微软雅黑" panose="020B0503020204020204" pitchFamily="34" charset="-122"/>
+              </a:rPr>
+              <a:t>代理</a:t>
+            </a:r>
+            <a:endParaRPr lang="en-US" altLang="zh-CN" sz="900" b="1" dirty="0" smtClean="0">
+              <a:solidFill>
+                <a:prstClr val="black"/>
+              </a:solidFill>
+              <a:latin typeface="微软雅黑" panose="020B0503020204020204" pitchFamily="34" charset="-122"/>
+              <a:ea typeface="微软雅黑" panose="020B0503020204020204" pitchFamily="34" charset="-122"/>
+            </a:endParaRPr>
+          </a:p>
+        </p:txBody>
+      </p:sp>
+      <p:sp>
+        <p:nvSpPr>
+          <p:cNvPr id="43" name="圆角矩形 42"/>
+          <p:cNvSpPr/>
+          <p:nvPr/>
+        </p:nvSpPr>
+        <p:spPr>
+          <a:xfrm>
+            <a:off x="720768" y="3070773"/>
+            <a:ext cx="3384376" cy="983649"/>
+          </a:xfrm>
+          <a:prstGeom prst="roundRect">
+            <a:avLst>
+              <a:gd name="adj" fmla="val 4409"/>
+            </a:avLst>
+          </a:prstGeom>
+          <a:noFill/>
+          <a:ln w="6350">
+            <a:solidFill>
+              <a:schemeClr val="bg1">
+                <a:lumMod val="75000"/>
+              </a:schemeClr>
+            </a:solidFill>
+            <a:prstDash val="solid"/>
+          </a:ln>
+        </p:spPr>
+        <p:style>
+          <a:lnRef idx="2">
+            <a:schemeClr val="accent1">
+              <a:shade val="50000"/>
+            </a:schemeClr>
+          </a:lnRef>
+          <a:fillRef idx="1">
+            <a:schemeClr val="accent1"/>
+          </a:fillRef>
+          <a:effectRef idx="0">
+            <a:schemeClr val="accent1"/>
+          </a:effectRef>
+          <a:fontRef idx="minor">
+            <a:schemeClr val="lt1"/>
+          </a:fontRef>
+        </p:style>
+        <p:txBody>
+          <a:bodyPr lIns="0" tIns="0" rIns="0" bIns="0" rtlCol="0" anchor="t"/>
+          <a:lstStyle/>
+          <a:p>
+            <a:pPr algn="ctr"/>
+            <a:endParaRPr lang="zh-CN" altLang="en-US" sz="1000" b="1" dirty="0">
+              <a:solidFill>
+                <a:prstClr val="black"/>
+              </a:solidFill>
+              <a:latin typeface="微软雅黑" panose="020B0503020204020204" pitchFamily="34" charset="-122"/>
+              <a:ea typeface="微软雅黑" panose="020B0503020204020204" pitchFamily="34" charset="-122"/>
+            </a:endParaRPr>
+          </a:p>
+        </p:txBody>
+      </p:sp>
+      <p:sp>
+        <p:nvSpPr>
+          <p:cNvPr id="44" name="矩形 43"/>
+          <p:cNvSpPr/>
+          <p:nvPr/>
+        </p:nvSpPr>
+        <p:spPr>
+          <a:xfrm>
+            <a:off x="614866" y="3418581"/>
+            <a:ext cx="706224" cy="307777"/>
+          </a:xfrm>
+          <a:prstGeom prst="rect">
+            <a:avLst/>
+          </a:prstGeom>
+        </p:spPr>
+        <p:txBody>
+          <a:bodyPr wrap="square" lIns="36000" tIns="0" rIns="36000" bIns="0">
+            <a:spAutoFit/>
+          </a:bodyPr>
+          <a:lstStyle/>
+          <a:p>
+            <a:pPr algn="ctr"/>
+            <a:r>
+              <a:rPr lang="en-US" altLang="zh-CN" sz="1000" b="1" dirty="0" smtClean="0">
+                <a:solidFill>
+                  <a:prstClr val="black"/>
+                </a:solidFill>
+                <a:latin typeface="微软雅黑" panose="020B0503020204020204" pitchFamily="34" charset="-122"/>
+                <a:ea typeface="微软雅黑" panose="020B0503020204020204" pitchFamily="34" charset="-122"/>
+              </a:rPr>
+              <a:t>Spring</a:t>
+            </a:r>
+          </a:p>
+          <a:p>
+            <a:pPr algn="ctr"/>
+            <a:r>
+              <a:rPr lang="en-US" altLang="zh-CN" sz="1000" b="1" dirty="0" smtClean="0">
+                <a:solidFill>
+                  <a:prstClr val="black"/>
+                </a:solidFill>
+                <a:latin typeface="微软雅黑" panose="020B0503020204020204" pitchFamily="34" charset="-122"/>
+                <a:ea typeface="微软雅黑" panose="020B0503020204020204" pitchFamily="34" charset="-122"/>
+              </a:rPr>
+              <a:t>Boot</a:t>
+            </a:r>
+            <a:endParaRPr lang="en-US" altLang="zh-CN" sz="1000" b="1" dirty="0" smtClean="0">
+              <a:solidFill>
+                <a:prstClr val="black"/>
+              </a:solidFill>
+              <a:latin typeface="微软雅黑" panose="020B0503020204020204" pitchFamily="34" charset="-122"/>
+              <a:ea typeface="微软雅黑" panose="020B0503020204020204" pitchFamily="34" charset="-122"/>
+            </a:endParaRPr>
+          </a:p>
+        </p:txBody>
+      </p:sp>
+      <p:sp>
+        <p:nvSpPr>
+          <p:cNvPr id="65" name="圆角矩形 64"/>
+          <p:cNvSpPr/>
+          <p:nvPr/>
+        </p:nvSpPr>
+        <p:spPr>
+          <a:xfrm>
+            <a:off x="1413843" y="3163868"/>
+            <a:ext cx="711053" cy="730669"/>
+          </a:xfrm>
+          <a:prstGeom prst="roundRect">
+            <a:avLst/>
+          </a:prstGeom>
+          <a:solidFill>
+            <a:srgbClr val="3399FF">
+              <a:alpha val="40000"/>
+            </a:srgbClr>
+          </a:solidFill>
+          <a:ln w="6350">
+            <a:solidFill>
+              <a:schemeClr val="bg1">
+                <a:lumMod val="75000"/>
+              </a:schemeClr>
+            </a:solidFill>
+            <a:prstDash val="solid"/>
+          </a:ln>
+        </p:spPr>
+        <p:style>
+          <a:lnRef idx="2">
+            <a:schemeClr val="accent1">
+              <a:shade val="50000"/>
+            </a:schemeClr>
+          </a:lnRef>
+          <a:fillRef idx="1">
+            <a:schemeClr val="accent1"/>
+          </a:fillRef>
+          <a:effectRef idx="0">
+            <a:schemeClr val="accent1"/>
+          </a:effectRef>
+          <a:fontRef idx="minor">
+            <a:schemeClr val="lt1"/>
+          </a:fontRef>
+        </p:style>
+        <p:txBody>
+          <a:bodyPr lIns="0" tIns="0" rIns="0" bIns="0" rtlCol="0" anchor="ctr"/>
+          <a:lstStyle/>
+          <a:p>
+            <a:pPr algn="ctr"/>
+            <a:endParaRPr lang="zh-CN" altLang="en-US" sz="900">
+              <a:solidFill>
+                <a:prstClr val="white"/>
+              </a:solidFill>
+              <a:latin typeface="微软雅黑" panose="020B0503020204020204" pitchFamily="34" charset="-122"/>
+              <a:ea typeface="微软雅黑" panose="020B0503020204020204" pitchFamily="34" charset="-122"/>
+            </a:endParaRPr>
+          </a:p>
+        </p:txBody>
+      </p:sp>
+      <p:grpSp>
+        <p:nvGrpSpPr>
+          <p:cNvPr id="66" name="组合 65"/>
+          <p:cNvGrpSpPr/>
+          <p:nvPr/>
+        </p:nvGrpSpPr>
+        <p:grpSpPr>
+          <a:xfrm>
+            <a:off x="1485216" y="3274565"/>
+            <a:ext cx="600178" cy="577432"/>
+            <a:chOff x="4497328" y="4398221"/>
+            <a:chExt cx="600178" cy="577432"/>
+          </a:xfrm>
+        </p:grpSpPr>
+        <p:sp>
+          <p:nvSpPr>
+            <p:cNvPr id="67" name="圆角矩形 66"/>
+            <p:cNvSpPr/>
+            <p:nvPr/>
+          </p:nvSpPr>
+          <p:spPr>
+            <a:xfrm>
+              <a:off x="4504701" y="4398221"/>
+              <a:ext cx="568398" cy="288000"/>
+            </a:xfrm>
+            <a:prstGeom prst="roundRect">
+              <a:avLst/>
+            </a:prstGeom>
+            <a:solidFill>
+              <a:srgbClr val="FF6600">
+                <a:alpha val="40000"/>
+              </a:srgbClr>
+            </a:solidFill>
+            <a:ln w="6350">
+              <a:solidFill>
+                <a:schemeClr val="tx1">
+                  <a:lumMod val="50000"/>
+                  <a:lumOff val="50000"/>
+                </a:schemeClr>
+              </a:solidFill>
+              <a:prstDash val="dash"/>
+            </a:ln>
+          </p:spPr>
+          <p:style>
+            <a:lnRef idx="2">
+              <a:schemeClr val="accent1">
+                <a:shade val="50000"/>
+              </a:schemeClr>
+            </a:lnRef>
+            <a:fillRef idx="1">
+              <a:schemeClr val="accent1"/>
+            </a:fillRef>
+            <a:effectRef idx="0">
+              <a:schemeClr val="accent1"/>
+            </a:effectRef>
+            <a:fontRef idx="minor">
+              <a:schemeClr val="lt1"/>
+            </a:fontRef>
+          </p:style>
+          <p:txBody>
+            <a:bodyPr rtlCol="0" anchor="ctr"/>
+            <a:lstStyle/>
+            <a:p>
+              <a:pPr algn="ctr"/>
+              <a:endParaRPr lang="zh-CN" altLang="en-US">
+                <a:solidFill>
+                  <a:prstClr val="white"/>
+                </a:solidFill>
+                <a:latin typeface="微软雅黑" panose="020B0503020204020204" pitchFamily="34" charset="-122"/>
+                <a:ea typeface="微软雅黑" panose="020B0503020204020204" pitchFamily="34" charset="-122"/>
+              </a:endParaRPr>
+            </a:p>
+          </p:txBody>
+        </p:sp>
+        <p:sp>
+          <p:nvSpPr>
+            <p:cNvPr id="68" name="矩形 67"/>
+            <p:cNvSpPr/>
+            <p:nvPr/>
+          </p:nvSpPr>
+          <p:spPr>
+            <a:xfrm>
+              <a:off x="4581349" y="4450544"/>
+              <a:ext cx="180000" cy="180000"/>
+            </a:xfrm>
+            <a:prstGeom prst="rect">
+              <a:avLst/>
+            </a:prstGeom>
+            <a:solidFill>
+              <a:srgbClr val="FFC000"/>
+            </a:solidFill>
+            <a:ln w="6350">
+              <a:solidFill>
+                <a:schemeClr val="bg1">
+                  <a:lumMod val="50000"/>
+                </a:schemeClr>
+              </a:solidFill>
+            </a:ln>
+          </p:spPr>
+          <p:style>
+            <a:lnRef idx="2">
+              <a:schemeClr val="accent1">
+                <a:shade val="50000"/>
+              </a:schemeClr>
+            </a:lnRef>
+            <a:fillRef idx="1">
+              <a:schemeClr val="accent1"/>
+            </a:fillRef>
+            <a:effectRef idx="0">
+              <a:schemeClr val="accent1"/>
+            </a:effectRef>
+            <a:fontRef idx="minor">
+              <a:schemeClr val="lt1"/>
+            </a:fontRef>
+          </p:style>
+          <p:txBody>
+            <a:bodyPr rtlCol="0" anchor="ctr"/>
+            <a:lstStyle/>
+            <a:p>
+              <a:pPr algn="ctr"/>
+              <a:endParaRPr lang="zh-CN" altLang="en-US">
+                <a:solidFill>
+                  <a:prstClr val="white"/>
+                </a:solidFill>
+                <a:latin typeface="微软雅黑" panose="020B0503020204020204" pitchFamily="34" charset="-122"/>
+                <a:ea typeface="微软雅黑" panose="020B0503020204020204" pitchFamily="34" charset="-122"/>
+              </a:endParaRPr>
+            </a:p>
+          </p:txBody>
+        </p:sp>
+        <p:sp>
+          <p:nvSpPr>
+            <p:cNvPr id="69" name="矩形 68"/>
+            <p:cNvSpPr/>
+            <p:nvPr/>
+          </p:nvSpPr>
+          <p:spPr>
+            <a:xfrm>
+              <a:off x="4832617" y="4450544"/>
+              <a:ext cx="180000" cy="180000"/>
+            </a:xfrm>
+            <a:prstGeom prst="rect">
+              <a:avLst/>
+            </a:prstGeom>
+            <a:solidFill>
+              <a:srgbClr val="FFC000"/>
+            </a:solidFill>
+            <a:ln w="6350">
+              <a:solidFill>
+                <a:schemeClr val="bg1">
+                  <a:lumMod val="50000"/>
+                </a:schemeClr>
+              </a:solidFill>
+            </a:ln>
+          </p:spPr>
+          <p:style>
+            <a:lnRef idx="2">
+              <a:schemeClr val="accent1">
+                <a:shade val="50000"/>
+              </a:schemeClr>
+            </a:lnRef>
+            <a:fillRef idx="1">
+              <a:schemeClr val="accent1"/>
+            </a:fillRef>
+            <a:effectRef idx="0">
+              <a:schemeClr val="accent1"/>
+            </a:effectRef>
+            <a:fontRef idx="minor">
+              <a:schemeClr val="lt1"/>
+            </a:fontRef>
+          </p:style>
+          <p:txBody>
+            <a:bodyPr rtlCol="0" anchor="ctr"/>
+            <a:lstStyle/>
+            <a:p>
+              <a:pPr algn="ctr"/>
+              <a:endParaRPr lang="zh-CN" altLang="en-US">
+                <a:solidFill>
+                  <a:prstClr val="white"/>
+                </a:solidFill>
+                <a:latin typeface="微软雅黑" panose="020B0503020204020204" pitchFamily="34" charset="-122"/>
+                <a:ea typeface="微软雅黑" panose="020B0503020204020204" pitchFamily="34" charset="-122"/>
+              </a:endParaRPr>
+            </a:p>
+          </p:txBody>
+        </p:sp>
+        <p:sp>
+          <p:nvSpPr>
+            <p:cNvPr id="70" name="矩形 69"/>
+            <p:cNvSpPr/>
+            <p:nvPr/>
+          </p:nvSpPr>
+          <p:spPr>
+            <a:xfrm>
+              <a:off x="4497328" y="4729432"/>
+              <a:ext cx="600178" cy="246221"/>
+            </a:xfrm>
+            <a:prstGeom prst="rect">
+              <a:avLst/>
+            </a:prstGeom>
+          </p:spPr>
+          <p:txBody>
+            <a:bodyPr wrap="square" lIns="36000" tIns="0" rIns="36000" bIns="0">
+              <a:spAutoFit/>
+            </a:bodyPr>
+            <a:lstStyle/>
+            <a:p>
+              <a:pPr algn="ctr"/>
+              <a:r>
+                <a:rPr lang="zh-CN" altLang="en-US" sz="800" dirty="0">
+                  <a:solidFill>
+                    <a:prstClr val="black"/>
+                  </a:solidFill>
+                  <a:latin typeface="微软雅黑" panose="020B0503020204020204" pitchFamily="34" charset="-122"/>
+                  <a:ea typeface="微软雅黑" panose="020B0503020204020204" pitchFamily="34" charset="-122"/>
+                </a:rPr>
+                <a:t>店铺</a:t>
+              </a:r>
+              <a:r>
+                <a:rPr lang="zh-CN" altLang="en-US" sz="800" dirty="0" smtClean="0">
+                  <a:solidFill>
+                    <a:prstClr val="black"/>
+                  </a:solidFill>
+                  <a:latin typeface="微软雅黑" panose="020B0503020204020204" pitchFamily="34" charset="-122"/>
+                  <a:ea typeface="微软雅黑" panose="020B0503020204020204" pitchFamily="34" charset="-122"/>
+                </a:rPr>
+                <a:t>服务 </a:t>
+              </a:r>
+              <a:r>
+                <a:rPr lang="en-US" altLang="zh-CN" sz="800" dirty="0" smtClean="0">
+                  <a:solidFill>
+                    <a:prstClr val="black"/>
+                  </a:solidFill>
+                  <a:latin typeface="微软雅黑" panose="020B0503020204020204" pitchFamily="34" charset="-122"/>
+                  <a:ea typeface="微软雅黑" panose="020B0503020204020204" pitchFamily="34" charset="-122"/>
+                </a:rPr>
+                <a:t>:8013</a:t>
+              </a:r>
+            </a:p>
+          </p:txBody>
+        </p:sp>
+      </p:grpSp>
+      <p:grpSp>
+        <p:nvGrpSpPr>
+          <p:cNvPr id="71" name="组合 70"/>
+          <p:cNvGrpSpPr/>
+          <p:nvPr/>
+        </p:nvGrpSpPr>
+        <p:grpSpPr>
+          <a:xfrm>
+            <a:off x="2325629" y="3274565"/>
+            <a:ext cx="600178" cy="700543"/>
+            <a:chOff x="5842827" y="3395303"/>
+            <a:chExt cx="600178" cy="700543"/>
+          </a:xfrm>
+        </p:grpSpPr>
+        <p:sp>
+          <p:nvSpPr>
+            <p:cNvPr id="72" name="圆角矩形 71"/>
+            <p:cNvSpPr/>
+            <p:nvPr/>
+          </p:nvSpPr>
+          <p:spPr>
+            <a:xfrm>
+              <a:off x="5850200" y="3395303"/>
+              <a:ext cx="568398" cy="288000"/>
+            </a:xfrm>
+            <a:prstGeom prst="roundRect">
+              <a:avLst/>
+            </a:prstGeom>
+            <a:solidFill>
+              <a:srgbClr val="FF6600">
+                <a:alpha val="40000"/>
+              </a:srgbClr>
+            </a:solidFill>
+            <a:ln w="6350">
+              <a:solidFill>
+                <a:schemeClr val="tx1">
+                  <a:lumMod val="50000"/>
+                  <a:lumOff val="50000"/>
+                </a:schemeClr>
+              </a:solidFill>
+              <a:prstDash val="dash"/>
+            </a:ln>
+          </p:spPr>
+          <p:style>
+            <a:lnRef idx="2">
+              <a:schemeClr val="accent1">
+                <a:shade val="50000"/>
+              </a:schemeClr>
+            </a:lnRef>
+            <a:fillRef idx="1">
+              <a:schemeClr val="accent1"/>
+            </a:fillRef>
+            <a:effectRef idx="0">
+              <a:schemeClr val="accent1"/>
+            </a:effectRef>
+            <a:fontRef idx="minor">
+              <a:schemeClr val="lt1"/>
+            </a:fontRef>
+          </p:style>
+          <p:txBody>
+            <a:bodyPr rtlCol="0" anchor="ctr"/>
+            <a:lstStyle/>
+            <a:p>
+              <a:pPr algn="ctr"/>
+              <a:endParaRPr lang="zh-CN" altLang="en-US">
+                <a:solidFill>
+                  <a:prstClr val="white"/>
+                </a:solidFill>
+                <a:latin typeface="微软雅黑" panose="020B0503020204020204" pitchFamily="34" charset="-122"/>
+                <a:ea typeface="微软雅黑" panose="020B0503020204020204" pitchFamily="34" charset="-122"/>
+              </a:endParaRPr>
+            </a:p>
+          </p:txBody>
+        </p:sp>
+        <p:sp>
+          <p:nvSpPr>
+            <p:cNvPr id="73" name="矩形 72"/>
+            <p:cNvSpPr/>
+            <p:nvPr/>
+          </p:nvSpPr>
+          <p:spPr>
+            <a:xfrm>
+              <a:off x="5926848" y="3447626"/>
+              <a:ext cx="180000" cy="180000"/>
+            </a:xfrm>
+            <a:prstGeom prst="rect">
+              <a:avLst/>
+            </a:prstGeom>
+            <a:solidFill>
+              <a:srgbClr val="FFC000"/>
+            </a:solidFill>
+            <a:ln w="6350">
+              <a:solidFill>
+                <a:schemeClr val="bg1">
+                  <a:lumMod val="50000"/>
+                </a:schemeClr>
+              </a:solidFill>
+            </a:ln>
+          </p:spPr>
+          <p:style>
+            <a:lnRef idx="2">
+              <a:schemeClr val="accent1">
+                <a:shade val="50000"/>
+              </a:schemeClr>
+            </a:lnRef>
+            <a:fillRef idx="1">
+              <a:schemeClr val="accent1"/>
+            </a:fillRef>
+            <a:effectRef idx="0">
+              <a:schemeClr val="accent1"/>
+            </a:effectRef>
+            <a:fontRef idx="minor">
+              <a:schemeClr val="lt1"/>
+            </a:fontRef>
+          </p:style>
+          <p:txBody>
+            <a:bodyPr rtlCol="0" anchor="ctr"/>
+            <a:lstStyle/>
+            <a:p>
+              <a:pPr algn="ctr"/>
+              <a:endParaRPr lang="zh-CN" altLang="en-US">
+                <a:solidFill>
+                  <a:prstClr val="white"/>
+                </a:solidFill>
+                <a:latin typeface="微软雅黑" panose="020B0503020204020204" pitchFamily="34" charset="-122"/>
+                <a:ea typeface="微软雅黑" panose="020B0503020204020204" pitchFamily="34" charset="-122"/>
+              </a:endParaRPr>
+            </a:p>
+          </p:txBody>
+        </p:sp>
+        <p:sp>
+          <p:nvSpPr>
+            <p:cNvPr id="74" name="矩形 73"/>
+            <p:cNvSpPr/>
+            <p:nvPr/>
+          </p:nvSpPr>
+          <p:spPr>
+            <a:xfrm>
+              <a:off x="6178116" y="3447626"/>
+              <a:ext cx="180000" cy="180000"/>
+            </a:xfrm>
+            <a:prstGeom prst="rect">
+              <a:avLst/>
+            </a:prstGeom>
+            <a:solidFill>
+              <a:srgbClr val="FFC000"/>
+            </a:solidFill>
+            <a:ln w="6350">
+              <a:solidFill>
+                <a:schemeClr val="bg1">
+                  <a:lumMod val="50000"/>
+                </a:schemeClr>
+              </a:solidFill>
+            </a:ln>
+          </p:spPr>
+          <p:style>
+            <a:lnRef idx="2">
+              <a:schemeClr val="accent1">
+                <a:shade val="50000"/>
+              </a:schemeClr>
+            </a:lnRef>
+            <a:fillRef idx="1">
+              <a:schemeClr val="accent1"/>
+            </a:fillRef>
+            <a:effectRef idx="0">
+              <a:schemeClr val="accent1"/>
+            </a:effectRef>
+            <a:fontRef idx="minor">
+              <a:schemeClr val="lt1"/>
+            </a:fontRef>
+          </p:style>
+          <p:txBody>
+            <a:bodyPr rtlCol="0" anchor="ctr"/>
+            <a:lstStyle/>
+            <a:p>
+              <a:pPr algn="ctr"/>
+              <a:endParaRPr lang="zh-CN" altLang="en-US">
+                <a:solidFill>
+                  <a:prstClr val="white"/>
+                </a:solidFill>
+                <a:latin typeface="微软雅黑" panose="020B0503020204020204" pitchFamily="34" charset="-122"/>
+                <a:ea typeface="微软雅黑" panose="020B0503020204020204" pitchFamily="34" charset="-122"/>
+              </a:endParaRPr>
+            </a:p>
+          </p:txBody>
+        </p:sp>
+        <p:sp>
+          <p:nvSpPr>
+            <p:cNvPr id="75" name="矩形 74"/>
+            <p:cNvSpPr/>
+            <p:nvPr/>
+          </p:nvSpPr>
+          <p:spPr>
+            <a:xfrm>
+              <a:off x="5842827" y="3726514"/>
+              <a:ext cx="600178" cy="369332"/>
+            </a:xfrm>
+            <a:prstGeom prst="rect">
+              <a:avLst/>
+            </a:prstGeom>
+          </p:spPr>
+          <p:txBody>
+            <a:bodyPr wrap="square" lIns="36000" tIns="0" rIns="36000" bIns="0">
+              <a:spAutoFit/>
+            </a:bodyPr>
+            <a:lstStyle/>
+            <a:p>
+              <a:pPr algn="ctr"/>
+              <a:r>
+                <a:rPr lang="zh-CN" altLang="en-US" sz="800" dirty="0" smtClean="0">
+                  <a:solidFill>
+                    <a:prstClr val="black"/>
+                  </a:solidFill>
+                  <a:latin typeface="微软雅黑" panose="020B0503020204020204" pitchFamily="34" charset="-122"/>
+                  <a:ea typeface="微软雅黑" panose="020B0503020204020204" pitchFamily="34" charset="-122"/>
+                </a:rPr>
+                <a:t>购物车</a:t>
+              </a:r>
+              <a:r>
+                <a:rPr lang="zh-CN" altLang="en-US" sz="800" dirty="0" smtClean="0">
+                  <a:solidFill>
+                    <a:prstClr val="black"/>
+                  </a:solidFill>
+                  <a:latin typeface="微软雅黑" panose="020B0503020204020204" pitchFamily="34" charset="-122"/>
+                  <a:ea typeface="微软雅黑" panose="020B0503020204020204" pitchFamily="34" charset="-122"/>
+                </a:rPr>
+                <a:t>服务</a:t>
+              </a:r>
+              <a:endParaRPr lang="en-US" altLang="zh-CN" sz="800" dirty="0" smtClean="0">
+                <a:solidFill>
+                  <a:prstClr val="black"/>
+                </a:solidFill>
+                <a:latin typeface="微软雅黑" panose="020B0503020204020204" pitchFamily="34" charset="-122"/>
+                <a:ea typeface="微软雅黑" panose="020B0503020204020204" pitchFamily="34" charset="-122"/>
+              </a:endParaRPr>
+            </a:p>
+            <a:p>
+              <a:pPr algn="ctr"/>
+              <a:r>
+                <a:rPr lang="zh-CN" altLang="en-US" sz="800" dirty="0" smtClean="0">
+                  <a:solidFill>
+                    <a:prstClr val="black"/>
+                  </a:solidFill>
+                  <a:latin typeface="微软雅黑" panose="020B0503020204020204" pitchFamily="34" charset="-122"/>
+                  <a:ea typeface="微软雅黑" panose="020B0503020204020204" pitchFamily="34" charset="-122"/>
+                </a:rPr>
+                <a:t>订单服务</a:t>
+              </a:r>
+              <a:endParaRPr lang="en-US" altLang="zh-CN" sz="800" dirty="0" smtClean="0">
+                <a:solidFill>
+                  <a:prstClr val="black"/>
+                </a:solidFill>
+                <a:latin typeface="微软雅黑" panose="020B0503020204020204" pitchFamily="34" charset="-122"/>
+                <a:ea typeface="微软雅黑" panose="020B0503020204020204" pitchFamily="34" charset="-122"/>
+              </a:endParaRPr>
+            </a:p>
+            <a:p>
+              <a:pPr algn="ctr"/>
+              <a:r>
+                <a:rPr lang="en-US" altLang="zh-CN" sz="800" dirty="0" smtClean="0">
+                  <a:solidFill>
+                    <a:prstClr val="black"/>
+                  </a:solidFill>
+                  <a:latin typeface="微软雅黑" panose="020B0503020204020204" pitchFamily="34" charset="-122"/>
+                  <a:ea typeface="微软雅黑" panose="020B0503020204020204" pitchFamily="34" charset="-122"/>
+                </a:rPr>
+                <a:t>:</a:t>
+              </a:r>
+              <a:r>
+                <a:rPr lang="en-US" altLang="zh-CN" sz="800" dirty="0" smtClean="0">
+                  <a:solidFill>
+                    <a:prstClr val="black"/>
+                  </a:solidFill>
+                  <a:latin typeface="微软雅黑" panose="020B0503020204020204" pitchFamily="34" charset="-122"/>
+                  <a:ea typeface="微软雅黑" panose="020B0503020204020204" pitchFamily="34" charset="-122"/>
+                </a:rPr>
+                <a:t>8011</a:t>
+              </a:r>
+            </a:p>
+          </p:txBody>
+        </p:sp>
+      </p:grpSp>
+      <p:sp>
+        <p:nvSpPr>
+          <p:cNvPr id="87" name="椭圆 86"/>
+          <p:cNvSpPr/>
+          <p:nvPr/>
+        </p:nvSpPr>
+        <p:spPr>
+          <a:xfrm>
+            <a:off x="1580394" y="3290356"/>
+            <a:ext cx="84602" cy="81804"/>
+          </a:xfrm>
+          <a:prstGeom prst="ellipse">
+            <a:avLst/>
+          </a:prstGeom>
+          <a:noFill/>
+          <a:ln>
+            <a:noFill/>
+          </a:ln>
+        </p:spPr>
+        <p:style>
+          <a:lnRef idx="2">
+            <a:schemeClr val="accent1">
+              <a:shade val="50000"/>
+            </a:schemeClr>
+          </a:lnRef>
+          <a:fillRef idx="1">
+            <a:schemeClr val="accent1"/>
+          </a:fillRef>
+          <a:effectRef idx="0">
+            <a:schemeClr val="accent1"/>
+          </a:effectRef>
+          <a:fontRef idx="minor">
+            <a:schemeClr val="lt1"/>
+          </a:fontRef>
+        </p:style>
+        <p:txBody>
+          <a:bodyPr rtlCol="0" anchor="ctr"/>
+          <a:lstStyle/>
+          <a:p>
+            <a:pPr algn="ctr"/>
+            <a:endParaRPr lang="zh-CN" altLang="en-US">
+              <a:solidFill>
+                <a:prstClr val="white"/>
+              </a:solidFill>
+            </a:endParaRPr>
+          </a:p>
+        </p:txBody>
+      </p:sp>
+      <p:sp>
+        <p:nvSpPr>
+          <p:cNvPr id="88" name="椭圆 87"/>
+          <p:cNvSpPr/>
+          <p:nvPr/>
+        </p:nvSpPr>
+        <p:spPr>
+          <a:xfrm>
+            <a:off x="2181715" y="3291541"/>
+            <a:ext cx="84602" cy="81804"/>
+          </a:xfrm>
+          <a:prstGeom prst="ellipse">
+            <a:avLst/>
+          </a:prstGeom>
+          <a:noFill/>
+          <a:ln>
+            <a:noFill/>
+          </a:ln>
+        </p:spPr>
+        <p:style>
+          <a:lnRef idx="2">
+            <a:schemeClr val="accent1">
+              <a:shade val="50000"/>
+            </a:schemeClr>
+          </a:lnRef>
+          <a:fillRef idx="1">
+            <a:schemeClr val="accent1"/>
+          </a:fillRef>
+          <a:effectRef idx="0">
+            <a:schemeClr val="accent1"/>
+          </a:effectRef>
+          <a:fontRef idx="minor">
+            <a:schemeClr val="lt1"/>
+          </a:fontRef>
+        </p:style>
+        <p:txBody>
+          <a:bodyPr rtlCol="0" anchor="ctr"/>
+          <a:lstStyle/>
+          <a:p>
+            <a:pPr algn="ctr"/>
+            <a:endParaRPr lang="zh-CN" altLang="en-US">
+              <a:solidFill>
+                <a:prstClr val="white"/>
+              </a:solidFill>
+            </a:endParaRPr>
+          </a:p>
+        </p:txBody>
+      </p:sp>
+      <p:sp>
+        <p:nvSpPr>
+          <p:cNvPr id="89" name="椭圆 88"/>
+          <p:cNvSpPr/>
+          <p:nvPr/>
+        </p:nvSpPr>
+        <p:spPr>
+          <a:xfrm>
+            <a:off x="2966019" y="3286754"/>
+            <a:ext cx="84602" cy="81804"/>
+          </a:xfrm>
+          <a:prstGeom prst="ellipse">
+            <a:avLst/>
+          </a:prstGeom>
+          <a:noFill/>
+          <a:ln>
+            <a:noFill/>
+          </a:ln>
+        </p:spPr>
+        <p:style>
+          <a:lnRef idx="2">
+            <a:schemeClr val="accent1">
+              <a:shade val="50000"/>
+            </a:schemeClr>
+          </a:lnRef>
+          <a:fillRef idx="1">
+            <a:schemeClr val="accent1"/>
+          </a:fillRef>
+          <a:effectRef idx="0">
+            <a:schemeClr val="accent1"/>
+          </a:effectRef>
+          <a:fontRef idx="minor">
+            <a:schemeClr val="lt1"/>
+          </a:fontRef>
+        </p:style>
+        <p:txBody>
+          <a:bodyPr rtlCol="0" anchor="ctr"/>
+          <a:lstStyle/>
+          <a:p>
+            <a:pPr algn="ctr"/>
+            <a:endParaRPr lang="zh-CN" altLang="en-US">
+              <a:solidFill>
+                <a:prstClr val="white"/>
+              </a:solidFill>
+            </a:endParaRPr>
+          </a:p>
+        </p:txBody>
+      </p:sp>
+      <p:sp>
+        <p:nvSpPr>
+          <p:cNvPr id="90" name="椭圆 89"/>
+          <p:cNvSpPr/>
+          <p:nvPr/>
+        </p:nvSpPr>
+        <p:spPr>
+          <a:xfrm>
+            <a:off x="3537846" y="3292374"/>
+            <a:ext cx="84602" cy="81804"/>
+          </a:xfrm>
+          <a:prstGeom prst="ellipse">
+            <a:avLst/>
+          </a:prstGeom>
+          <a:noFill/>
+          <a:ln>
+            <a:noFill/>
+          </a:ln>
+        </p:spPr>
+        <p:style>
+          <a:lnRef idx="2">
+            <a:schemeClr val="accent1">
+              <a:shade val="50000"/>
+            </a:schemeClr>
+          </a:lnRef>
+          <a:fillRef idx="1">
+            <a:schemeClr val="accent1"/>
+          </a:fillRef>
+          <a:effectRef idx="0">
+            <a:schemeClr val="accent1"/>
+          </a:effectRef>
+          <a:fontRef idx="minor">
+            <a:schemeClr val="lt1"/>
+          </a:fontRef>
+        </p:style>
+        <p:txBody>
+          <a:bodyPr rtlCol="0" anchor="ctr"/>
+          <a:lstStyle/>
+          <a:p>
+            <a:pPr algn="ctr"/>
+            <a:endParaRPr lang="zh-CN" altLang="en-US">
+              <a:solidFill>
+                <a:prstClr val="white"/>
+              </a:solidFill>
+            </a:endParaRPr>
+          </a:p>
+        </p:txBody>
+      </p:sp>
+      <p:sp>
+        <p:nvSpPr>
+          <p:cNvPr id="91" name="椭圆 90"/>
+          <p:cNvSpPr/>
+          <p:nvPr/>
+        </p:nvSpPr>
+        <p:spPr>
+          <a:xfrm>
+            <a:off x="1903696" y="3289074"/>
+            <a:ext cx="84602" cy="81804"/>
+          </a:xfrm>
+          <a:prstGeom prst="ellipse">
+            <a:avLst/>
+          </a:prstGeom>
+          <a:noFill/>
+          <a:ln>
+            <a:noFill/>
+          </a:ln>
+        </p:spPr>
+        <p:style>
+          <a:lnRef idx="2">
+            <a:schemeClr val="accent1">
+              <a:shade val="50000"/>
+            </a:schemeClr>
+          </a:lnRef>
+          <a:fillRef idx="1">
+            <a:schemeClr val="accent1"/>
+          </a:fillRef>
+          <a:effectRef idx="0">
+            <a:schemeClr val="accent1"/>
+          </a:effectRef>
+          <a:fontRef idx="minor">
+            <a:schemeClr val="lt1"/>
+          </a:fontRef>
+        </p:style>
+        <p:txBody>
+          <a:bodyPr rtlCol="0" anchor="ctr"/>
+          <a:lstStyle/>
+          <a:p>
+            <a:pPr algn="ctr"/>
+            <a:endParaRPr lang="zh-CN" altLang="en-US">
+              <a:solidFill>
+                <a:prstClr val="white"/>
+              </a:solidFill>
+            </a:endParaRPr>
+          </a:p>
+        </p:txBody>
+      </p:sp>
+      <p:sp>
+        <p:nvSpPr>
+          <p:cNvPr id="92" name="椭圆 91"/>
+          <p:cNvSpPr/>
+          <p:nvPr/>
+        </p:nvSpPr>
+        <p:spPr>
+          <a:xfrm>
+            <a:off x="2505017" y="3290259"/>
+            <a:ext cx="84602" cy="81804"/>
+          </a:xfrm>
+          <a:prstGeom prst="ellipse">
+            <a:avLst/>
+          </a:prstGeom>
+          <a:noFill/>
+          <a:ln>
+            <a:noFill/>
+          </a:ln>
+        </p:spPr>
+        <p:style>
+          <a:lnRef idx="2">
+            <a:schemeClr val="accent1">
+              <a:shade val="50000"/>
+            </a:schemeClr>
+          </a:lnRef>
+          <a:fillRef idx="1">
+            <a:schemeClr val="accent1"/>
+          </a:fillRef>
+          <a:effectRef idx="0">
+            <a:schemeClr val="accent1"/>
+          </a:effectRef>
+          <a:fontRef idx="minor">
+            <a:schemeClr val="lt1"/>
+          </a:fontRef>
+        </p:style>
+        <p:txBody>
+          <a:bodyPr rtlCol="0" anchor="ctr"/>
+          <a:lstStyle/>
+          <a:p>
+            <a:pPr algn="ctr"/>
+            <a:endParaRPr lang="zh-CN" altLang="en-US">
+              <a:solidFill>
+                <a:prstClr val="white"/>
+              </a:solidFill>
+            </a:endParaRPr>
+          </a:p>
+        </p:txBody>
+      </p:sp>
+      <p:sp>
+        <p:nvSpPr>
+          <p:cNvPr id="93" name="椭圆 92"/>
+          <p:cNvSpPr/>
+          <p:nvPr/>
+        </p:nvSpPr>
+        <p:spPr>
+          <a:xfrm>
+            <a:off x="3237703" y="3285472"/>
+            <a:ext cx="84602" cy="81804"/>
+          </a:xfrm>
+          <a:prstGeom prst="ellipse">
+            <a:avLst/>
+          </a:prstGeom>
+          <a:noFill/>
+          <a:ln>
+            <a:noFill/>
+          </a:ln>
+        </p:spPr>
+        <p:style>
+          <a:lnRef idx="2">
+            <a:schemeClr val="accent1">
+              <a:shade val="50000"/>
+            </a:schemeClr>
+          </a:lnRef>
+          <a:fillRef idx="1">
+            <a:schemeClr val="accent1"/>
+          </a:fillRef>
+          <a:effectRef idx="0">
+            <a:schemeClr val="accent1"/>
+          </a:effectRef>
+          <a:fontRef idx="minor">
+            <a:schemeClr val="lt1"/>
+          </a:fontRef>
+        </p:style>
+        <p:txBody>
+          <a:bodyPr rtlCol="0" anchor="ctr"/>
+          <a:lstStyle/>
+          <a:p>
+            <a:pPr algn="ctr"/>
+            <a:endParaRPr lang="zh-CN" altLang="en-US">
+              <a:solidFill>
+                <a:prstClr val="white"/>
+              </a:solidFill>
+            </a:endParaRPr>
+          </a:p>
+        </p:txBody>
+      </p:sp>
+      <p:sp>
+        <p:nvSpPr>
+          <p:cNvPr id="94" name="椭圆 93"/>
+          <p:cNvSpPr/>
+          <p:nvPr/>
+        </p:nvSpPr>
+        <p:spPr>
+          <a:xfrm>
+            <a:off x="3861148" y="3291092"/>
+            <a:ext cx="84602" cy="81804"/>
+          </a:xfrm>
+          <a:prstGeom prst="ellipse">
+            <a:avLst/>
+          </a:prstGeom>
+          <a:noFill/>
+          <a:ln>
+            <a:noFill/>
+          </a:ln>
+        </p:spPr>
+        <p:style>
+          <a:lnRef idx="2">
+            <a:schemeClr val="accent1">
+              <a:shade val="50000"/>
+            </a:schemeClr>
+          </a:lnRef>
+          <a:fillRef idx="1">
+            <a:schemeClr val="accent1"/>
+          </a:fillRef>
+          <a:effectRef idx="0">
+            <a:schemeClr val="accent1"/>
+          </a:effectRef>
+          <a:fontRef idx="minor">
+            <a:schemeClr val="lt1"/>
+          </a:fontRef>
+        </p:style>
+        <p:txBody>
+          <a:bodyPr rtlCol="0" anchor="ctr"/>
+          <a:lstStyle/>
+          <a:p>
+            <a:pPr algn="ctr"/>
+            <a:endParaRPr lang="zh-CN" altLang="en-US">
+              <a:solidFill>
+                <a:prstClr val="white"/>
+              </a:solidFill>
+            </a:endParaRPr>
+          </a:p>
+        </p:txBody>
+      </p:sp>
+      <p:sp>
+        <p:nvSpPr>
+          <p:cNvPr id="96" name="圆角矩形 95"/>
+          <p:cNvSpPr/>
+          <p:nvPr/>
+        </p:nvSpPr>
+        <p:spPr>
+          <a:xfrm>
+            <a:off x="3117819" y="3163868"/>
+            <a:ext cx="711053" cy="730669"/>
+          </a:xfrm>
+          <a:prstGeom prst="roundRect">
+            <a:avLst/>
+          </a:prstGeom>
+          <a:solidFill>
+            <a:srgbClr val="3399FF">
+              <a:alpha val="40000"/>
+            </a:srgbClr>
+          </a:solidFill>
+          <a:ln w="6350">
+            <a:solidFill>
+              <a:schemeClr val="bg1">
+                <a:lumMod val="75000"/>
+              </a:schemeClr>
+            </a:solidFill>
+            <a:prstDash val="solid"/>
+          </a:ln>
+        </p:spPr>
+        <p:style>
+          <a:lnRef idx="2">
+            <a:schemeClr val="accent1">
+              <a:shade val="50000"/>
+            </a:schemeClr>
+          </a:lnRef>
+          <a:fillRef idx="1">
+            <a:schemeClr val="accent1"/>
+          </a:fillRef>
+          <a:effectRef idx="0">
+            <a:schemeClr val="accent1"/>
+          </a:effectRef>
+          <a:fontRef idx="minor">
+            <a:schemeClr val="lt1"/>
+          </a:fontRef>
+        </p:style>
+        <p:txBody>
+          <a:bodyPr lIns="0" tIns="0" rIns="0" bIns="0" rtlCol="0" anchor="ctr"/>
+          <a:lstStyle/>
+          <a:p>
+            <a:pPr algn="ctr"/>
+            <a:endParaRPr lang="zh-CN" altLang="en-US" sz="900">
+              <a:solidFill>
+                <a:prstClr val="white"/>
+              </a:solidFill>
+              <a:latin typeface="微软雅黑" panose="020B0503020204020204" pitchFamily="34" charset="-122"/>
+              <a:ea typeface="微软雅黑" panose="020B0503020204020204" pitchFamily="34" charset="-122"/>
+            </a:endParaRPr>
+          </a:p>
+        </p:txBody>
+      </p:sp>
+      <p:grpSp>
+        <p:nvGrpSpPr>
+          <p:cNvPr id="81" name="组合 80"/>
+          <p:cNvGrpSpPr/>
+          <p:nvPr/>
+        </p:nvGrpSpPr>
+        <p:grpSpPr>
+          <a:xfrm>
+            <a:off x="3186803" y="3273849"/>
+            <a:ext cx="600178" cy="577432"/>
+            <a:chOff x="7125788" y="3398824"/>
+            <a:chExt cx="600178" cy="577432"/>
+          </a:xfrm>
+        </p:grpSpPr>
+        <p:sp>
+          <p:nvSpPr>
+            <p:cNvPr id="82" name="圆角矩形 81"/>
+            <p:cNvSpPr/>
+            <p:nvPr/>
+          </p:nvSpPr>
+          <p:spPr>
+            <a:xfrm>
+              <a:off x="7133161" y="3398824"/>
+              <a:ext cx="568398" cy="288000"/>
+            </a:xfrm>
+            <a:prstGeom prst="roundRect">
+              <a:avLst/>
+            </a:prstGeom>
+            <a:solidFill>
+              <a:srgbClr val="FF6600">
+                <a:alpha val="40000"/>
+              </a:srgbClr>
+            </a:solidFill>
+            <a:ln w="6350">
+              <a:solidFill>
+                <a:schemeClr val="tx1">
+                  <a:lumMod val="50000"/>
+                  <a:lumOff val="50000"/>
+                </a:schemeClr>
+              </a:solidFill>
+              <a:prstDash val="dash"/>
+            </a:ln>
+          </p:spPr>
+          <p:style>
+            <a:lnRef idx="2">
+              <a:schemeClr val="accent1">
+                <a:shade val="50000"/>
+              </a:schemeClr>
+            </a:lnRef>
+            <a:fillRef idx="1">
+              <a:schemeClr val="accent1"/>
+            </a:fillRef>
+            <a:effectRef idx="0">
+              <a:schemeClr val="accent1"/>
+            </a:effectRef>
+            <a:fontRef idx="minor">
+              <a:schemeClr val="lt1"/>
+            </a:fontRef>
+          </p:style>
+          <p:txBody>
+            <a:bodyPr rtlCol="0" anchor="ctr"/>
+            <a:lstStyle/>
+            <a:p>
+              <a:pPr algn="ctr"/>
+              <a:endParaRPr lang="zh-CN" altLang="en-US">
+                <a:solidFill>
+                  <a:prstClr val="white"/>
+                </a:solidFill>
+                <a:latin typeface="微软雅黑" panose="020B0503020204020204" pitchFamily="34" charset="-122"/>
+                <a:ea typeface="微软雅黑" panose="020B0503020204020204" pitchFamily="34" charset="-122"/>
+              </a:endParaRPr>
+            </a:p>
+          </p:txBody>
+        </p:sp>
+        <p:sp>
+          <p:nvSpPr>
+            <p:cNvPr id="83" name="矩形 82"/>
+            <p:cNvSpPr/>
+            <p:nvPr/>
+          </p:nvSpPr>
+          <p:spPr>
+            <a:xfrm>
+              <a:off x="7209809" y="3451147"/>
+              <a:ext cx="180000" cy="180000"/>
+            </a:xfrm>
+            <a:prstGeom prst="rect">
+              <a:avLst/>
+            </a:prstGeom>
+            <a:solidFill>
+              <a:srgbClr val="FFC000"/>
+            </a:solidFill>
+            <a:ln w="6350">
+              <a:solidFill>
+                <a:schemeClr val="bg1">
+                  <a:lumMod val="50000"/>
+                </a:schemeClr>
+              </a:solidFill>
+            </a:ln>
+          </p:spPr>
+          <p:style>
+            <a:lnRef idx="2">
+              <a:schemeClr val="accent1">
+                <a:shade val="50000"/>
+              </a:schemeClr>
+            </a:lnRef>
+            <a:fillRef idx="1">
+              <a:schemeClr val="accent1"/>
+            </a:fillRef>
+            <a:effectRef idx="0">
+              <a:schemeClr val="accent1"/>
+            </a:effectRef>
+            <a:fontRef idx="minor">
+              <a:schemeClr val="lt1"/>
+            </a:fontRef>
+          </p:style>
+          <p:txBody>
+            <a:bodyPr rtlCol="0" anchor="ctr"/>
+            <a:lstStyle/>
+            <a:p>
+              <a:pPr algn="ctr"/>
+              <a:endParaRPr lang="zh-CN" altLang="en-US">
+                <a:solidFill>
+                  <a:prstClr val="white"/>
+                </a:solidFill>
+                <a:latin typeface="微软雅黑" panose="020B0503020204020204" pitchFamily="34" charset="-122"/>
+                <a:ea typeface="微软雅黑" panose="020B0503020204020204" pitchFamily="34" charset="-122"/>
+              </a:endParaRPr>
+            </a:p>
+          </p:txBody>
+        </p:sp>
+        <p:sp>
+          <p:nvSpPr>
+            <p:cNvPr id="84" name="矩形 83"/>
+            <p:cNvSpPr/>
+            <p:nvPr/>
+          </p:nvSpPr>
+          <p:spPr>
+            <a:xfrm>
+              <a:off x="7456743" y="3451147"/>
+              <a:ext cx="180000" cy="180000"/>
+            </a:xfrm>
+            <a:prstGeom prst="rect">
+              <a:avLst/>
+            </a:prstGeom>
+            <a:solidFill>
+              <a:srgbClr val="FFC000"/>
+            </a:solidFill>
+            <a:ln w="6350">
+              <a:solidFill>
+                <a:schemeClr val="bg1">
+                  <a:lumMod val="50000"/>
+                </a:schemeClr>
+              </a:solidFill>
+            </a:ln>
+          </p:spPr>
+          <p:style>
+            <a:lnRef idx="2">
+              <a:schemeClr val="accent1">
+                <a:shade val="50000"/>
+              </a:schemeClr>
+            </a:lnRef>
+            <a:fillRef idx="1">
+              <a:schemeClr val="accent1"/>
+            </a:fillRef>
+            <a:effectRef idx="0">
+              <a:schemeClr val="accent1"/>
+            </a:effectRef>
+            <a:fontRef idx="minor">
+              <a:schemeClr val="lt1"/>
+            </a:fontRef>
+          </p:style>
+          <p:txBody>
+            <a:bodyPr rtlCol="0" anchor="ctr"/>
+            <a:lstStyle/>
+            <a:p>
+              <a:pPr algn="ctr"/>
+              <a:endParaRPr lang="zh-CN" altLang="en-US">
+                <a:solidFill>
+                  <a:prstClr val="white"/>
+                </a:solidFill>
+                <a:latin typeface="微软雅黑" panose="020B0503020204020204" pitchFamily="34" charset="-122"/>
+                <a:ea typeface="微软雅黑" panose="020B0503020204020204" pitchFamily="34" charset="-122"/>
+              </a:endParaRPr>
+            </a:p>
+          </p:txBody>
+        </p:sp>
+        <p:sp>
+          <p:nvSpPr>
+            <p:cNvPr id="85" name="矩形 84"/>
+            <p:cNvSpPr/>
+            <p:nvPr/>
+          </p:nvSpPr>
+          <p:spPr>
+            <a:xfrm>
+              <a:off x="7125788" y="3730035"/>
+              <a:ext cx="600178" cy="246221"/>
+            </a:xfrm>
+            <a:prstGeom prst="rect">
+              <a:avLst/>
+            </a:prstGeom>
+          </p:spPr>
+          <p:txBody>
+            <a:bodyPr wrap="square" lIns="36000" tIns="0" rIns="36000" bIns="0">
+              <a:spAutoFit/>
+            </a:bodyPr>
+            <a:lstStyle/>
+            <a:p>
+              <a:pPr algn="ctr"/>
+              <a:r>
+                <a:rPr lang="zh-CN" altLang="en-US" sz="800" dirty="0">
+                  <a:solidFill>
+                    <a:prstClr val="black"/>
+                  </a:solidFill>
+                  <a:latin typeface="微软雅黑" panose="020B0503020204020204" pitchFamily="34" charset="-122"/>
+                  <a:ea typeface="微软雅黑" panose="020B0503020204020204" pitchFamily="34" charset="-122"/>
+                </a:rPr>
+                <a:t>商品</a:t>
+              </a:r>
+              <a:r>
+                <a:rPr lang="zh-CN" altLang="en-US" sz="800" dirty="0" smtClean="0">
+                  <a:solidFill>
+                    <a:prstClr val="black"/>
+                  </a:solidFill>
+                  <a:latin typeface="微软雅黑" panose="020B0503020204020204" pitchFamily="34" charset="-122"/>
+                  <a:ea typeface="微软雅黑" panose="020B0503020204020204" pitchFamily="34" charset="-122"/>
+                </a:rPr>
+                <a:t>服务</a:t>
+              </a:r>
+              <a:r>
+                <a:rPr lang="en-US" altLang="zh-CN" sz="800" dirty="0" smtClean="0">
+                  <a:solidFill>
+                    <a:prstClr val="black"/>
+                  </a:solidFill>
+                  <a:latin typeface="微软雅黑" panose="020B0503020204020204" pitchFamily="34" charset="-122"/>
+                  <a:ea typeface="微软雅黑" panose="020B0503020204020204" pitchFamily="34" charset="-122"/>
+                </a:rPr>
+                <a:t>:8012</a:t>
+              </a:r>
+            </a:p>
+          </p:txBody>
+        </p:sp>
+      </p:grpSp>
+      <p:sp>
+        <p:nvSpPr>
+          <p:cNvPr id="98" name="矩形 97"/>
+          <p:cNvSpPr/>
+          <p:nvPr/>
+        </p:nvSpPr>
+        <p:spPr>
+          <a:xfrm>
+            <a:off x="1454261" y="1131590"/>
+            <a:ext cx="2205219" cy="184666"/>
+          </a:xfrm>
+          <a:prstGeom prst="rect">
+            <a:avLst/>
+          </a:prstGeom>
+        </p:spPr>
+        <p:txBody>
+          <a:bodyPr wrap="square" lIns="36000" tIns="0" rIns="36000" bIns="0">
+            <a:spAutoFit/>
+          </a:bodyPr>
+          <a:lstStyle/>
+          <a:p>
+            <a:pPr algn="ctr"/>
+            <a:r>
+              <a:rPr lang="zh-CN" altLang="en-US" sz="1200" b="1" dirty="0" smtClean="0">
+                <a:solidFill>
+                  <a:prstClr val="black"/>
+                </a:solidFill>
+                <a:latin typeface="微软雅黑" panose="020B0503020204020204" pitchFamily="34" charset="-122"/>
+                <a:ea typeface="微软雅黑" panose="020B0503020204020204" pitchFamily="34" charset="-122"/>
+              </a:rPr>
+              <a:t>测试环境</a:t>
+            </a:r>
+            <a:r>
+              <a:rPr lang="zh-CN" altLang="en-US" sz="1000" b="1" dirty="0" smtClean="0">
+                <a:solidFill>
+                  <a:prstClr val="black"/>
+                </a:solidFill>
+                <a:latin typeface="微软雅黑" panose="020B0503020204020204" pitchFamily="34" charset="-122"/>
+                <a:ea typeface="微软雅黑" panose="020B0503020204020204" pitchFamily="34" charset="-122"/>
+              </a:rPr>
+              <a:t> </a:t>
+            </a:r>
+            <a:r>
+              <a:rPr lang="en-US" altLang="zh-CN" sz="1000" dirty="0">
+                <a:solidFill>
+                  <a:srgbClr val="FF0000"/>
+                </a:solidFill>
+              </a:rPr>
+              <a:t>182.61.39.60</a:t>
+            </a:r>
+            <a:r>
+              <a:rPr lang="en-US" altLang="zh-CN" sz="1000" b="1" dirty="0" smtClean="0">
+                <a:solidFill>
+                  <a:srgbClr val="FF0000"/>
+                </a:solidFill>
+                <a:latin typeface="微软雅黑" panose="020B0503020204020204" pitchFamily="34" charset="-122"/>
+                <a:ea typeface="微软雅黑" panose="020B0503020204020204" pitchFamily="34" charset="-122"/>
+              </a:rPr>
+              <a:t> </a:t>
+            </a:r>
+            <a:endParaRPr lang="en-US" altLang="zh-CN" sz="1000" b="1" dirty="0" smtClean="0">
+              <a:solidFill>
+                <a:srgbClr val="FF0000"/>
+              </a:solidFill>
+              <a:latin typeface="微软雅黑" panose="020B0503020204020204" pitchFamily="34" charset="-122"/>
+              <a:ea typeface="微软雅黑" panose="020B0503020204020204" pitchFamily="34" charset="-122"/>
+            </a:endParaRPr>
+          </a:p>
+        </p:txBody>
+      </p:sp>
+      <p:sp>
+        <p:nvSpPr>
+          <p:cNvPr id="99" name="圆角矩形 98"/>
+          <p:cNvSpPr/>
+          <p:nvPr/>
+        </p:nvSpPr>
+        <p:spPr>
+          <a:xfrm>
+            <a:off x="717462" y="4147841"/>
+            <a:ext cx="3384376" cy="504767"/>
+          </a:xfrm>
+          <a:prstGeom prst="roundRect">
+            <a:avLst>
+              <a:gd name="adj" fmla="val 4409"/>
+            </a:avLst>
+          </a:prstGeom>
+          <a:noFill/>
+          <a:ln w="6350">
+            <a:solidFill>
+              <a:schemeClr val="bg1">
+                <a:lumMod val="75000"/>
+              </a:schemeClr>
+            </a:solidFill>
+            <a:prstDash val="solid"/>
+          </a:ln>
+        </p:spPr>
+        <p:style>
+          <a:lnRef idx="2">
+            <a:schemeClr val="accent1">
+              <a:shade val="50000"/>
+            </a:schemeClr>
+          </a:lnRef>
+          <a:fillRef idx="1">
+            <a:schemeClr val="accent1"/>
+          </a:fillRef>
+          <a:effectRef idx="0">
+            <a:schemeClr val="accent1"/>
+          </a:effectRef>
+          <a:fontRef idx="minor">
+            <a:schemeClr val="lt1"/>
+          </a:fontRef>
+        </p:style>
+        <p:txBody>
+          <a:bodyPr lIns="0" tIns="0" rIns="0" bIns="0" rtlCol="0" anchor="t"/>
+          <a:lstStyle/>
+          <a:p>
+            <a:pPr algn="ctr"/>
+            <a:endParaRPr lang="zh-CN" altLang="en-US" sz="1000" b="1" dirty="0">
+              <a:solidFill>
+                <a:prstClr val="black"/>
+              </a:solidFill>
+              <a:latin typeface="微软雅黑" panose="020B0503020204020204" pitchFamily="34" charset="-122"/>
+              <a:ea typeface="微软雅黑" panose="020B0503020204020204" pitchFamily="34" charset="-122"/>
+            </a:endParaRPr>
+          </a:p>
+        </p:txBody>
+      </p:sp>
+      <p:sp>
+        <p:nvSpPr>
+          <p:cNvPr id="100" name="矩形 99"/>
+          <p:cNvSpPr/>
+          <p:nvPr/>
+        </p:nvSpPr>
+        <p:spPr>
+          <a:xfrm>
+            <a:off x="611560" y="4322574"/>
+            <a:ext cx="706224" cy="153888"/>
+          </a:xfrm>
+          <a:prstGeom prst="rect">
+            <a:avLst/>
+          </a:prstGeom>
+        </p:spPr>
+        <p:txBody>
+          <a:bodyPr wrap="square" lIns="36000" tIns="0" rIns="36000" bIns="0">
+            <a:spAutoFit/>
+          </a:bodyPr>
+          <a:lstStyle/>
+          <a:p>
+            <a:pPr algn="ctr"/>
+            <a:r>
+              <a:rPr lang="en-US" altLang="zh-CN" sz="1000" b="1" dirty="0" err="1" smtClean="0">
+                <a:solidFill>
+                  <a:prstClr val="black"/>
+                </a:solidFill>
+                <a:latin typeface="微软雅黑" panose="020B0503020204020204" pitchFamily="34" charset="-122"/>
+                <a:ea typeface="微软雅黑" panose="020B0503020204020204" pitchFamily="34" charset="-122"/>
+              </a:rPr>
+              <a:t>MysQL</a:t>
+            </a:r>
+            <a:endParaRPr lang="en-US" altLang="zh-CN" sz="1000" b="1" dirty="0" smtClean="0">
+              <a:solidFill>
+                <a:prstClr val="black"/>
+              </a:solidFill>
+              <a:latin typeface="微软雅黑" panose="020B0503020204020204" pitchFamily="34" charset="-122"/>
+              <a:ea typeface="微软雅黑" panose="020B0503020204020204" pitchFamily="34" charset="-122"/>
+            </a:endParaRPr>
+          </a:p>
+        </p:txBody>
+      </p:sp>
+      <p:sp>
+        <p:nvSpPr>
+          <p:cNvPr id="5" name="圆柱形 4"/>
+          <p:cNvSpPr/>
+          <p:nvPr/>
+        </p:nvSpPr>
+        <p:spPr>
+          <a:xfrm>
+            <a:off x="2302814" y="4263891"/>
+            <a:ext cx="568398" cy="265400"/>
+          </a:xfrm>
+          <a:prstGeom prst="can">
+            <a:avLst/>
+          </a:prstGeom>
+          <a:solidFill>
+            <a:srgbClr val="3399FF"/>
+          </a:solidFill>
+          <a:ln w="6350">
+            <a:solidFill>
+              <a:schemeClr val="bg1"/>
+            </a:solidFill>
+          </a:ln>
+        </p:spPr>
+        <p:style>
+          <a:lnRef idx="2">
+            <a:schemeClr val="accent1">
+              <a:shade val="50000"/>
+            </a:schemeClr>
+          </a:lnRef>
+          <a:fillRef idx="1">
+            <a:schemeClr val="accent1"/>
+          </a:fillRef>
+          <a:effectRef idx="0">
+            <a:schemeClr val="accent1"/>
+          </a:effectRef>
+          <a:fontRef idx="minor">
+            <a:schemeClr val="lt1"/>
+          </a:fontRef>
+        </p:style>
+        <p:txBody>
+          <a:bodyPr lIns="0" tIns="0" rIns="0" bIns="0" rtlCol="0" anchor="ctr"/>
+          <a:lstStyle/>
+          <a:p>
+            <a:pPr algn="ctr"/>
+            <a:endParaRPr lang="zh-CN" altLang="en-US" sz="800" b="1">
+              <a:solidFill>
+                <a:prstClr val="white"/>
+              </a:solidFill>
+              <a:latin typeface="微软雅黑" panose="020B0503020204020204" pitchFamily="34" charset="-122"/>
+              <a:ea typeface="微软雅黑" panose="020B0503020204020204" pitchFamily="34" charset="-122"/>
+            </a:endParaRPr>
+          </a:p>
+        </p:txBody>
+      </p:sp>
+      <p:sp>
+        <p:nvSpPr>
+          <p:cNvPr id="102" name="矩形 101"/>
+          <p:cNvSpPr/>
+          <p:nvPr/>
+        </p:nvSpPr>
+        <p:spPr>
+          <a:xfrm>
+            <a:off x="1459380" y="1321135"/>
+            <a:ext cx="2205219" cy="153888"/>
+          </a:xfrm>
+          <a:prstGeom prst="rect">
+            <a:avLst/>
+          </a:prstGeom>
+        </p:spPr>
+        <p:txBody>
+          <a:bodyPr wrap="square" lIns="36000" tIns="0" rIns="36000" bIns="0">
+            <a:spAutoFit/>
+          </a:bodyPr>
+          <a:lstStyle/>
+          <a:p>
+            <a:pPr algn="ctr"/>
+            <a:r>
+              <a:rPr lang="en-US" altLang="zh-CN" sz="1000" dirty="0">
+                <a:solidFill>
+                  <a:srgbClr val="FF0000"/>
+                </a:solidFill>
+                <a:latin typeface="+mj-lt"/>
+                <a:ea typeface="微软雅黑" panose="020B0503020204020204" pitchFamily="34" charset="-122"/>
+              </a:rPr>
+              <a:t>https://usershoptest.rrs.com</a:t>
+            </a:r>
+          </a:p>
+        </p:txBody>
+      </p:sp>
+      <p:sp>
+        <p:nvSpPr>
+          <p:cNvPr id="103" name="圆角矩形 102"/>
+          <p:cNvSpPr/>
+          <p:nvPr/>
+        </p:nvSpPr>
+        <p:spPr>
+          <a:xfrm>
+            <a:off x="4647314" y="1059582"/>
+            <a:ext cx="3655081" cy="3088259"/>
+          </a:xfrm>
+          <a:prstGeom prst="roundRect">
+            <a:avLst>
+              <a:gd name="adj" fmla="val 3866"/>
+            </a:avLst>
+          </a:prstGeom>
+          <a:solidFill>
+            <a:srgbClr val="FF0000">
+              <a:alpha val="10000"/>
+            </a:srgbClr>
+          </a:solidFill>
+          <a:ln w="6350">
+            <a:solidFill>
+              <a:schemeClr val="bg1">
+                <a:lumMod val="75000"/>
+              </a:schemeClr>
+            </a:solidFill>
+            <a:prstDash val="solid"/>
+          </a:ln>
+        </p:spPr>
+        <p:style>
+          <a:lnRef idx="2">
+            <a:schemeClr val="accent1">
+              <a:shade val="50000"/>
+            </a:schemeClr>
+          </a:lnRef>
+          <a:fillRef idx="1">
+            <a:schemeClr val="accent1"/>
+          </a:fillRef>
+          <a:effectRef idx="0">
+            <a:schemeClr val="accent1"/>
+          </a:effectRef>
+          <a:fontRef idx="minor">
+            <a:schemeClr val="lt1"/>
+          </a:fontRef>
+        </p:style>
+        <p:txBody>
+          <a:bodyPr lIns="0" tIns="0" rIns="0" bIns="0" rtlCol="0" anchor="t"/>
+          <a:lstStyle/>
+          <a:p>
+            <a:pPr algn="ctr"/>
+            <a:endParaRPr lang="zh-CN" altLang="en-US" sz="1000" b="1">
+              <a:solidFill>
+                <a:prstClr val="black"/>
+              </a:solidFill>
+              <a:latin typeface="微软雅黑" panose="020B0503020204020204" pitchFamily="34" charset="-122"/>
+              <a:ea typeface="微软雅黑" panose="020B0503020204020204" pitchFamily="34" charset="-122"/>
+            </a:endParaRPr>
+          </a:p>
+        </p:txBody>
+      </p:sp>
+      <p:sp>
+        <p:nvSpPr>
+          <p:cNvPr id="104" name="圆角矩形 103"/>
+          <p:cNvSpPr/>
+          <p:nvPr/>
+        </p:nvSpPr>
+        <p:spPr>
+          <a:xfrm>
+            <a:off x="6316826" y="3169950"/>
+            <a:ext cx="711053" cy="824695"/>
+          </a:xfrm>
+          <a:prstGeom prst="roundRect">
+            <a:avLst/>
+          </a:prstGeom>
+          <a:solidFill>
+            <a:srgbClr val="3399FF">
+              <a:alpha val="40000"/>
+            </a:srgbClr>
+          </a:solidFill>
+          <a:ln w="6350">
+            <a:solidFill>
+              <a:schemeClr val="bg1">
+                <a:lumMod val="75000"/>
+              </a:schemeClr>
+            </a:solidFill>
+            <a:prstDash val="solid"/>
+          </a:ln>
+        </p:spPr>
+        <p:style>
+          <a:lnRef idx="2">
+            <a:schemeClr val="accent1">
+              <a:shade val="50000"/>
+            </a:schemeClr>
+          </a:lnRef>
+          <a:fillRef idx="1">
+            <a:schemeClr val="accent1"/>
+          </a:fillRef>
+          <a:effectRef idx="0">
+            <a:schemeClr val="accent1"/>
+          </a:effectRef>
+          <a:fontRef idx="minor">
+            <a:schemeClr val="lt1"/>
+          </a:fontRef>
+        </p:style>
+        <p:txBody>
+          <a:bodyPr lIns="0" tIns="0" rIns="0" bIns="0" rtlCol="0" anchor="ctr"/>
+          <a:lstStyle/>
+          <a:p>
+            <a:pPr algn="ctr"/>
+            <a:endParaRPr lang="zh-CN" altLang="en-US" sz="900">
+              <a:solidFill>
+                <a:prstClr val="white"/>
+              </a:solidFill>
+              <a:latin typeface="微软雅黑" panose="020B0503020204020204" pitchFamily="34" charset="-122"/>
+              <a:ea typeface="微软雅黑" panose="020B0503020204020204" pitchFamily="34" charset="-122"/>
+            </a:endParaRPr>
+          </a:p>
+        </p:txBody>
+      </p:sp>
+      <p:sp>
+        <p:nvSpPr>
+          <p:cNvPr id="105" name="圆角矩形 104"/>
+          <p:cNvSpPr/>
+          <p:nvPr/>
+        </p:nvSpPr>
+        <p:spPr>
+          <a:xfrm>
+            <a:off x="4753216" y="1533111"/>
+            <a:ext cx="3384376" cy="1440160"/>
+          </a:xfrm>
+          <a:prstGeom prst="roundRect">
+            <a:avLst>
+              <a:gd name="adj" fmla="val 4409"/>
+            </a:avLst>
+          </a:prstGeom>
+          <a:noFill/>
+          <a:ln w="6350">
+            <a:solidFill>
+              <a:schemeClr val="bg1">
+                <a:lumMod val="75000"/>
+              </a:schemeClr>
+            </a:solidFill>
+            <a:prstDash val="solid"/>
+          </a:ln>
+        </p:spPr>
+        <p:style>
+          <a:lnRef idx="2">
+            <a:schemeClr val="accent1">
+              <a:shade val="50000"/>
+            </a:schemeClr>
+          </a:lnRef>
+          <a:fillRef idx="1">
+            <a:schemeClr val="accent1"/>
+          </a:fillRef>
+          <a:effectRef idx="0">
+            <a:schemeClr val="accent1"/>
+          </a:effectRef>
+          <a:fontRef idx="minor">
+            <a:schemeClr val="lt1"/>
+          </a:fontRef>
+        </p:style>
+        <p:txBody>
+          <a:bodyPr lIns="0" tIns="0" rIns="0" bIns="0" rtlCol="0" anchor="t"/>
+          <a:lstStyle/>
+          <a:p>
+            <a:pPr algn="ctr"/>
+            <a:endParaRPr lang="zh-CN" altLang="en-US" sz="1000" b="1" dirty="0">
+              <a:solidFill>
+                <a:prstClr val="black"/>
+              </a:solidFill>
+              <a:latin typeface="微软雅黑" panose="020B0503020204020204" pitchFamily="34" charset="-122"/>
+              <a:ea typeface="微软雅黑" panose="020B0503020204020204" pitchFamily="34" charset="-122"/>
+            </a:endParaRPr>
+          </a:p>
+        </p:txBody>
+      </p:sp>
+      <p:sp>
+        <p:nvSpPr>
+          <p:cNvPr id="106" name="矩形 105"/>
+          <p:cNvSpPr/>
+          <p:nvPr/>
+        </p:nvSpPr>
+        <p:spPr>
+          <a:xfrm>
+            <a:off x="5278059" y="2283718"/>
+            <a:ext cx="2781843" cy="582454"/>
+          </a:xfrm>
+          <a:prstGeom prst="rect">
+            <a:avLst/>
+          </a:prstGeom>
+          <a:solidFill>
+            <a:schemeClr val="tx1">
+              <a:alpha val="30000"/>
+            </a:schemeClr>
+          </a:solidFill>
+          <a:ln w="6350">
+            <a:solidFill>
+              <a:schemeClr val="tx1">
+                <a:lumMod val="50000"/>
+                <a:lumOff val="50000"/>
+              </a:schemeClr>
+            </a:solidFill>
+            <a:prstDash val="dash"/>
+          </a:ln>
+        </p:spPr>
+        <p:style>
+          <a:lnRef idx="2">
+            <a:schemeClr val="accent1">
+              <a:shade val="50000"/>
+            </a:schemeClr>
+          </a:lnRef>
+          <a:fillRef idx="1">
+            <a:schemeClr val="accent1"/>
+          </a:fillRef>
+          <a:effectRef idx="0">
+            <a:schemeClr val="accent1"/>
+          </a:effectRef>
+          <a:fontRef idx="minor">
+            <a:schemeClr val="lt1"/>
+          </a:fontRef>
+        </p:style>
+        <p:txBody>
+          <a:bodyPr rtlCol="0" anchor="ctr"/>
+          <a:lstStyle/>
+          <a:p>
+            <a:pPr algn="ctr"/>
+            <a:endParaRPr lang="zh-CN" altLang="en-US">
+              <a:solidFill>
+                <a:prstClr val="white"/>
+              </a:solidFill>
+            </a:endParaRPr>
+          </a:p>
+        </p:txBody>
+      </p:sp>
+      <p:sp>
+        <p:nvSpPr>
+          <p:cNvPr id="107" name="矩形 106"/>
+          <p:cNvSpPr/>
+          <p:nvPr/>
+        </p:nvSpPr>
+        <p:spPr>
+          <a:xfrm>
+            <a:off x="5278060" y="1638893"/>
+            <a:ext cx="2781843" cy="582454"/>
+          </a:xfrm>
+          <a:prstGeom prst="rect">
+            <a:avLst/>
+          </a:prstGeom>
+          <a:solidFill>
+            <a:srgbClr val="75FFB3">
+              <a:alpha val="50000"/>
+            </a:srgbClr>
+          </a:solidFill>
+          <a:ln w="6350">
+            <a:solidFill>
+              <a:schemeClr val="tx1">
+                <a:lumMod val="50000"/>
+                <a:lumOff val="50000"/>
+              </a:schemeClr>
+            </a:solidFill>
+            <a:prstDash val="dash"/>
+          </a:ln>
+        </p:spPr>
+        <p:style>
+          <a:lnRef idx="2">
+            <a:schemeClr val="accent1">
+              <a:shade val="50000"/>
+            </a:schemeClr>
+          </a:lnRef>
+          <a:fillRef idx="1">
+            <a:schemeClr val="accent1"/>
+          </a:fillRef>
+          <a:effectRef idx="0">
+            <a:schemeClr val="accent1"/>
+          </a:effectRef>
+          <a:fontRef idx="minor">
+            <a:schemeClr val="lt1"/>
+          </a:fontRef>
+        </p:style>
+        <p:txBody>
+          <a:bodyPr rtlCol="0" anchor="ctr"/>
+          <a:lstStyle/>
+          <a:p>
+            <a:pPr algn="ctr"/>
+            <a:endParaRPr lang="zh-CN" altLang="en-US">
+              <a:solidFill>
+                <a:prstClr val="white"/>
+              </a:solidFill>
+            </a:endParaRPr>
+          </a:p>
+        </p:txBody>
+      </p:sp>
+      <p:sp>
+        <p:nvSpPr>
+          <p:cNvPr id="108" name="矩形 107"/>
+          <p:cNvSpPr/>
+          <p:nvPr/>
+        </p:nvSpPr>
+        <p:spPr>
+          <a:xfrm>
+            <a:off x="4647314" y="2207392"/>
+            <a:ext cx="706224" cy="153888"/>
+          </a:xfrm>
+          <a:prstGeom prst="rect">
+            <a:avLst/>
+          </a:prstGeom>
+        </p:spPr>
+        <p:txBody>
+          <a:bodyPr wrap="square" lIns="36000" tIns="0" rIns="36000" bIns="0">
+            <a:spAutoFit/>
+          </a:bodyPr>
+          <a:lstStyle/>
+          <a:p>
+            <a:pPr algn="ctr"/>
+            <a:r>
+              <a:rPr lang="en-US" altLang="zh-CN" sz="1000" b="1" dirty="0" err="1" smtClean="0">
+                <a:solidFill>
+                  <a:prstClr val="black"/>
+                </a:solidFill>
+                <a:latin typeface="微软雅黑" panose="020B0503020204020204" pitchFamily="34" charset="-122"/>
+                <a:ea typeface="微软雅黑" panose="020B0503020204020204" pitchFamily="34" charset="-122"/>
+              </a:rPr>
+              <a:t>Nginx</a:t>
+            </a:r>
+            <a:endParaRPr lang="en-US" altLang="zh-CN" sz="1000" b="1" dirty="0" smtClean="0">
+              <a:solidFill>
+                <a:prstClr val="black"/>
+              </a:solidFill>
+              <a:latin typeface="微软雅黑" panose="020B0503020204020204" pitchFamily="34" charset="-122"/>
+              <a:ea typeface="微软雅黑" panose="020B0503020204020204" pitchFamily="34" charset="-122"/>
+            </a:endParaRPr>
+          </a:p>
+        </p:txBody>
+      </p:sp>
+      <p:sp>
+        <p:nvSpPr>
+          <p:cNvPr id="109" name="圆角矩形 108"/>
+          <p:cNvSpPr/>
+          <p:nvPr/>
+        </p:nvSpPr>
+        <p:spPr>
+          <a:xfrm>
+            <a:off x="6260354" y="2410122"/>
+            <a:ext cx="689468" cy="329646"/>
+          </a:xfrm>
+          <a:prstGeom prst="roundRect">
+            <a:avLst>
+              <a:gd name="adj" fmla="val 7771"/>
+            </a:avLst>
+          </a:prstGeom>
+          <a:solidFill>
+            <a:schemeClr val="tx1">
+              <a:lumMod val="65000"/>
+              <a:lumOff val="35000"/>
+            </a:schemeClr>
+          </a:solidFill>
+          <a:ln w="6350">
+            <a:solidFill>
+              <a:schemeClr val="bg1"/>
+            </a:solidFill>
+          </a:ln>
+        </p:spPr>
+        <p:style>
+          <a:lnRef idx="2">
+            <a:schemeClr val="accent1">
+              <a:shade val="50000"/>
+            </a:schemeClr>
+          </a:lnRef>
+          <a:fillRef idx="1">
+            <a:schemeClr val="accent1"/>
+          </a:fillRef>
+          <a:effectRef idx="0">
+            <a:schemeClr val="accent1"/>
+          </a:effectRef>
+          <a:fontRef idx="minor">
+            <a:schemeClr val="lt1"/>
+          </a:fontRef>
+        </p:style>
+        <p:txBody>
+          <a:bodyPr lIns="0" tIns="0" rIns="0" bIns="0" rtlCol="0" anchor="ctr"/>
+          <a:lstStyle/>
+          <a:p>
+            <a:pPr algn="ctr"/>
+            <a:r>
+              <a:rPr lang="en-US" altLang="zh-CN" sz="800" b="1" dirty="0" err="1">
+                <a:solidFill>
+                  <a:prstClr val="white"/>
+                </a:solidFill>
+                <a:latin typeface="微软雅黑" panose="020B0503020204020204" pitchFamily="34" charset="-122"/>
+                <a:ea typeface="微软雅黑" panose="020B0503020204020204" pitchFamily="34" charset="-122"/>
+              </a:rPr>
+              <a:t>ReactJS</a:t>
+            </a:r>
+            <a:endParaRPr lang="en-US" altLang="zh-CN" sz="800" b="1" dirty="0">
+              <a:solidFill>
+                <a:prstClr val="white"/>
+              </a:solidFill>
+              <a:latin typeface="微软雅黑" panose="020B0503020204020204" pitchFamily="34" charset="-122"/>
+              <a:ea typeface="微软雅黑" panose="020B0503020204020204" pitchFamily="34" charset="-122"/>
+            </a:endParaRPr>
+          </a:p>
+          <a:p>
+            <a:pPr algn="ctr"/>
+            <a:r>
+              <a:rPr lang="en-US" altLang="zh-CN" sz="800" b="1" dirty="0">
+                <a:solidFill>
+                  <a:prstClr val="white"/>
+                </a:solidFill>
+                <a:latin typeface="微软雅黑" panose="020B0503020204020204" pitchFamily="34" charset="-122"/>
+                <a:ea typeface="微软雅黑" panose="020B0503020204020204" pitchFamily="34" charset="-122"/>
+              </a:rPr>
+              <a:t>API </a:t>
+            </a:r>
+            <a:r>
+              <a:rPr lang="zh-CN" altLang="en-US" sz="800" b="1" dirty="0">
+                <a:solidFill>
+                  <a:prstClr val="white"/>
+                </a:solidFill>
+                <a:latin typeface="微软雅黑" panose="020B0503020204020204" pitchFamily="34" charset="-122"/>
+                <a:ea typeface="微软雅黑" panose="020B0503020204020204" pitchFamily="34" charset="-122"/>
+              </a:rPr>
+              <a:t>代理</a:t>
+            </a:r>
+            <a:endParaRPr lang="en-US" altLang="zh-CN" sz="800" b="1" dirty="0">
+              <a:solidFill>
+                <a:prstClr val="white"/>
+              </a:solidFill>
+              <a:latin typeface="微软雅黑" panose="020B0503020204020204" pitchFamily="34" charset="-122"/>
+              <a:ea typeface="微软雅黑" panose="020B0503020204020204" pitchFamily="34" charset="-122"/>
+            </a:endParaRPr>
+          </a:p>
+        </p:txBody>
+      </p:sp>
+      <p:sp>
+        <p:nvSpPr>
+          <p:cNvPr id="110" name="圆角矩形 109"/>
+          <p:cNvSpPr/>
+          <p:nvPr/>
+        </p:nvSpPr>
+        <p:spPr>
+          <a:xfrm>
+            <a:off x="7198411" y="2410122"/>
+            <a:ext cx="689468" cy="329646"/>
+          </a:xfrm>
+          <a:prstGeom prst="roundRect">
+            <a:avLst>
+              <a:gd name="adj" fmla="val 7771"/>
+            </a:avLst>
+          </a:prstGeom>
+          <a:solidFill>
+            <a:schemeClr val="tx1">
+              <a:lumMod val="65000"/>
+              <a:lumOff val="35000"/>
+            </a:schemeClr>
+          </a:solidFill>
+          <a:ln w="6350">
+            <a:solidFill>
+              <a:schemeClr val="bg1"/>
+            </a:solidFill>
+          </a:ln>
+        </p:spPr>
+        <p:style>
+          <a:lnRef idx="2">
+            <a:schemeClr val="accent1">
+              <a:shade val="50000"/>
+            </a:schemeClr>
+          </a:lnRef>
+          <a:fillRef idx="1">
+            <a:schemeClr val="accent1"/>
+          </a:fillRef>
+          <a:effectRef idx="0">
+            <a:schemeClr val="accent1"/>
+          </a:effectRef>
+          <a:fontRef idx="minor">
+            <a:schemeClr val="lt1"/>
+          </a:fontRef>
+        </p:style>
+        <p:txBody>
+          <a:bodyPr lIns="0" tIns="0" rIns="0" bIns="0" rtlCol="0" anchor="ctr"/>
+          <a:lstStyle/>
+          <a:p>
+            <a:pPr algn="ctr"/>
+            <a:r>
+              <a:rPr lang="zh-CN" altLang="en-US" sz="800" b="1" dirty="0" smtClean="0">
+                <a:solidFill>
+                  <a:prstClr val="white"/>
+                </a:solidFill>
+                <a:latin typeface="微软雅黑" panose="020B0503020204020204" pitchFamily="34" charset="-122"/>
+                <a:ea typeface="微软雅黑" panose="020B0503020204020204" pitchFamily="34" charset="-122"/>
+              </a:rPr>
+              <a:t>商城服务</a:t>
+            </a:r>
+            <a:endParaRPr lang="en-US" altLang="zh-CN" sz="800" b="1" dirty="0">
+              <a:solidFill>
+                <a:prstClr val="white"/>
+              </a:solidFill>
+              <a:latin typeface="微软雅黑" panose="020B0503020204020204" pitchFamily="34" charset="-122"/>
+              <a:ea typeface="微软雅黑" panose="020B0503020204020204" pitchFamily="34" charset="-122"/>
+            </a:endParaRPr>
+          </a:p>
+          <a:p>
+            <a:pPr algn="ctr"/>
+            <a:r>
+              <a:rPr lang="en-US" altLang="zh-CN" sz="800" b="1" dirty="0">
+                <a:solidFill>
+                  <a:prstClr val="white"/>
+                </a:solidFill>
+                <a:latin typeface="微软雅黑" panose="020B0503020204020204" pitchFamily="34" charset="-122"/>
+                <a:ea typeface="微软雅黑" panose="020B0503020204020204" pitchFamily="34" charset="-122"/>
+              </a:rPr>
+              <a:t>API </a:t>
+            </a:r>
+            <a:r>
+              <a:rPr lang="zh-CN" altLang="en-US" sz="800" b="1" dirty="0">
+                <a:solidFill>
+                  <a:prstClr val="white"/>
+                </a:solidFill>
+                <a:latin typeface="微软雅黑" panose="020B0503020204020204" pitchFamily="34" charset="-122"/>
+                <a:ea typeface="微软雅黑" panose="020B0503020204020204" pitchFamily="34" charset="-122"/>
+              </a:rPr>
+              <a:t>代理</a:t>
+            </a:r>
+            <a:endParaRPr lang="en-US" altLang="zh-CN" sz="800" b="1" dirty="0">
+              <a:solidFill>
+                <a:prstClr val="white"/>
+              </a:solidFill>
+              <a:latin typeface="微软雅黑" panose="020B0503020204020204" pitchFamily="34" charset="-122"/>
+              <a:ea typeface="微软雅黑" panose="020B0503020204020204" pitchFamily="34" charset="-122"/>
+            </a:endParaRPr>
+          </a:p>
+        </p:txBody>
+      </p:sp>
+      <p:sp>
+        <p:nvSpPr>
+          <p:cNvPr id="111" name="流程图: 多文档 110"/>
+          <p:cNvSpPr/>
+          <p:nvPr/>
+        </p:nvSpPr>
+        <p:spPr>
+          <a:xfrm>
+            <a:off x="6311046" y="1747787"/>
+            <a:ext cx="701681" cy="317219"/>
+          </a:xfrm>
+          <a:prstGeom prst="flowChartMultidocument">
+            <a:avLst/>
+          </a:prstGeom>
+          <a:solidFill>
+            <a:srgbClr val="3399FF"/>
+          </a:solidFill>
+          <a:ln w="6350">
+            <a:solidFill>
+              <a:schemeClr val="bg1"/>
+            </a:solidFill>
+          </a:ln>
+        </p:spPr>
+        <p:style>
+          <a:lnRef idx="2">
+            <a:schemeClr val="accent1">
+              <a:shade val="50000"/>
+            </a:schemeClr>
+          </a:lnRef>
+          <a:fillRef idx="1">
+            <a:schemeClr val="accent1"/>
+          </a:fillRef>
+          <a:effectRef idx="0">
+            <a:schemeClr val="accent1"/>
+          </a:effectRef>
+          <a:fontRef idx="minor">
+            <a:schemeClr val="lt1"/>
+          </a:fontRef>
+        </p:style>
+        <p:txBody>
+          <a:bodyPr lIns="0" tIns="0" rIns="0" bIns="0" rtlCol="0" anchor="ctr"/>
+          <a:lstStyle/>
+          <a:p>
+            <a:pPr algn="ctr"/>
+            <a:r>
+              <a:rPr lang="en-US" altLang="zh-CN" sz="800" b="1" dirty="0" smtClean="0">
+                <a:solidFill>
+                  <a:prstClr val="white"/>
+                </a:solidFill>
+                <a:latin typeface="微软雅黑" panose="020B0503020204020204" pitchFamily="34" charset="-122"/>
+                <a:ea typeface="微软雅黑" panose="020B0503020204020204" pitchFamily="34" charset="-122"/>
+              </a:rPr>
+              <a:t>/front</a:t>
+            </a:r>
+            <a:endParaRPr lang="zh-CN" altLang="en-US" sz="800" b="1" dirty="0">
+              <a:solidFill>
+                <a:prstClr val="white"/>
+              </a:solidFill>
+              <a:latin typeface="微软雅黑" panose="020B0503020204020204" pitchFamily="34" charset="-122"/>
+              <a:ea typeface="微软雅黑" panose="020B0503020204020204" pitchFamily="34" charset="-122"/>
+            </a:endParaRPr>
+          </a:p>
+        </p:txBody>
+      </p:sp>
+      <p:sp>
+        <p:nvSpPr>
+          <p:cNvPr id="112" name="流程图: 多文档 111"/>
+          <p:cNvSpPr/>
+          <p:nvPr/>
+        </p:nvSpPr>
+        <p:spPr>
+          <a:xfrm>
+            <a:off x="7186198" y="1745021"/>
+            <a:ext cx="701681" cy="317219"/>
+          </a:xfrm>
+          <a:prstGeom prst="flowChartMultidocument">
+            <a:avLst/>
+          </a:prstGeom>
+          <a:solidFill>
+            <a:srgbClr val="3399FF"/>
+          </a:solidFill>
+          <a:ln w="6350">
+            <a:solidFill>
+              <a:schemeClr val="bg1"/>
+            </a:solidFill>
+          </a:ln>
+        </p:spPr>
+        <p:style>
+          <a:lnRef idx="2">
+            <a:schemeClr val="accent1">
+              <a:shade val="50000"/>
+            </a:schemeClr>
+          </a:lnRef>
+          <a:fillRef idx="1">
+            <a:schemeClr val="accent1"/>
+          </a:fillRef>
+          <a:effectRef idx="0">
+            <a:schemeClr val="accent1"/>
+          </a:effectRef>
+          <a:fontRef idx="minor">
+            <a:schemeClr val="lt1"/>
+          </a:fontRef>
+        </p:style>
+        <p:txBody>
+          <a:bodyPr lIns="0" tIns="0" rIns="0" bIns="0" rtlCol="0" anchor="ctr"/>
+          <a:lstStyle/>
+          <a:p>
+            <a:pPr algn="ctr"/>
+            <a:r>
+              <a:rPr lang="en-US" altLang="zh-CN" sz="800" b="1" dirty="0" smtClean="0">
+                <a:solidFill>
+                  <a:prstClr val="white"/>
+                </a:solidFill>
+                <a:latin typeface="微软雅黑" panose="020B0503020204020204" pitchFamily="34" charset="-122"/>
+                <a:ea typeface="微软雅黑" panose="020B0503020204020204" pitchFamily="34" charset="-122"/>
+              </a:rPr>
+              <a:t>/manager</a:t>
+            </a:r>
+            <a:endParaRPr lang="zh-CN" altLang="en-US" sz="800" b="1" dirty="0">
+              <a:solidFill>
+                <a:prstClr val="white"/>
+              </a:solidFill>
+              <a:latin typeface="微软雅黑" panose="020B0503020204020204" pitchFamily="34" charset="-122"/>
+              <a:ea typeface="微软雅黑" panose="020B0503020204020204" pitchFamily="34" charset="-122"/>
+            </a:endParaRPr>
+          </a:p>
+        </p:txBody>
+      </p:sp>
+      <p:sp>
+        <p:nvSpPr>
+          <p:cNvPr id="113" name="矩形 112"/>
+          <p:cNvSpPr/>
+          <p:nvPr/>
+        </p:nvSpPr>
+        <p:spPr>
+          <a:xfrm>
+            <a:off x="6268621" y="2088007"/>
+            <a:ext cx="701681" cy="123111"/>
+          </a:xfrm>
+          <a:prstGeom prst="rect">
+            <a:avLst/>
+          </a:prstGeom>
+        </p:spPr>
+        <p:txBody>
+          <a:bodyPr wrap="square" lIns="36000" tIns="0" rIns="36000" bIns="0">
+            <a:spAutoFit/>
+          </a:bodyPr>
+          <a:lstStyle/>
+          <a:p>
+            <a:r>
+              <a:rPr lang="zh-CN" altLang="en-US" sz="800" b="1" dirty="0" smtClean="0">
+                <a:solidFill>
+                  <a:prstClr val="black"/>
+                </a:solidFill>
+                <a:latin typeface="微软雅黑" panose="020B0503020204020204" pitchFamily="34" charset="-122"/>
+                <a:ea typeface="微软雅黑" panose="020B0503020204020204" pitchFamily="34" charset="-122"/>
+              </a:rPr>
+              <a:t>用户前台页面</a:t>
+            </a:r>
+            <a:endParaRPr lang="en-US" altLang="zh-CN" sz="800" b="1" dirty="0" smtClean="0">
+              <a:solidFill>
+                <a:prstClr val="black"/>
+              </a:solidFill>
+              <a:latin typeface="微软雅黑" panose="020B0503020204020204" pitchFamily="34" charset="-122"/>
+              <a:ea typeface="微软雅黑" panose="020B0503020204020204" pitchFamily="34" charset="-122"/>
+            </a:endParaRPr>
+          </a:p>
+        </p:txBody>
+      </p:sp>
+      <p:sp>
+        <p:nvSpPr>
+          <p:cNvPr id="114" name="矩形 113"/>
+          <p:cNvSpPr/>
+          <p:nvPr/>
+        </p:nvSpPr>
+        <p:spPr>
+          <a:xfrm>
+            <a:off x="7108226" y="2088028"/>
+            <a:ext cx="914806" cy="123111"/>
+          </a:xfrm>
+          <a:prstGeom prst="rect">
+            <a:avLst/>
+          </a:prstGeom>
+        </p:spPr>
+        <p:txBody>
+          <a:bodyPr wrap="square" lIns="36000" tIns="0" rIns="36000" bIns="0">
+            <a:spAutoFit/>
+          </a:bodyPr>
+          <a:lstStyle/>
+          <a:p>
+            <a:r>
+              <a:rPr lang="zh-CN" altLang="en-US" sz="800" b="1" dirty="0" smtClean="0">
+                <a:solidFill>
+                  <a:prstClr val="black"/>
+                </a:solidFill>
+                <a:latin typeface="微软雅黑" panose="020B0503020204020204" pitchFamily="34" charset="-122"/>
+                <a:ea typeface="微软雅黑" panose="020B0503020204020204" pitchFamily="34" charset="-122"/>
+              </a:rPr>
+              <a:t>创客微店后台</a:t>
+            </a:r>
+            <a:r>
+              <a:rPr lang="zh-CN" altLang="en-US" sz="800" b="1" dirty="0" smtClean="0">
+                <a:solidFill>
+                  <a:prstClr val="black"/>
+                </a:solidFill>
+                <a:latin typeface="微软雅黑" panose="020B0503020204020204" pitchFamily="34" charset="-122"/>
+                <a:ea typeface="微软雅黑" panose="020B0503020204020204" pitchFamily="34" charset="-122"/>
+              </a:rPr>
+              <a:t>页面</a:t>
+            </a:r>
+            <a:endParaRPr lang="en-US" altLang="zh-CN" sz="800" b="1" dirty="0" smtClean="0">
+              <a:solidFill>
+                <a:prstClr val="black"/>
+              </a:solidFill>
+              <a:latin typeface="微软雅黑" panose="020B0503020204020204" pitchFamily="34" charset="-122"/>
+              <a:ea typeface="微软雅黑" panose="020B0503020204020204" pitchFamily="34" charset="-122"/>
+            </a:endParaRPr>
+          </a:p>
+        </p:txBody>
+      </p:sp>
+      <p:sp>
+        <p:nvSpPr>
+          <p:cNvPr id="115" name="矩形 114"/>
+          <p:cNvSpPr/>
+          <p:nvPr/>
+        </p:nvSpPr>
+        <p:spPr>
+          <a:xfrm>
+            <a:off x="5483123" y="1785241"/>
+            <a:ext cx="583656" cy="276999"/>
+          </a:xfrm>
+          <a:prstGeom prst="rect">
+            <a:avLst/>
+          </a:prstGeom>
+        </p:spPr>
+        <p:txBody>
+          <a:bodyPr wrap="square" lIns="36000" tIns="0" rIns="36000" bIns="0">
+            <a:spAutoFit/>
+          </a:bodyPr>
+          <a:lstStyle/>
+          <a:p>
+            <a:pPr algn="ctr"/>
+            <a:r>
+              <a:rPr lang="en-US" altLang="zh-CN" sz="900" b="1" dirty="0" err="1" smtClean="0">
+                <a:solidFill>
+                  <a:prstClr val="black"/>
+                </a:solidFill>
+                <a:latin typeface="微软雅黑" panose="020B0503020204020204" pitchFamily="34" charset="-122"/>
+                <a:ea typeface="微软雅黑" panose="020B0503020204020204" pitchFamily="34" charset="-122"/>
+              </a:rPr>
+              <a:t>ReactJS</a:t>
+            </a:r>
+            <a:endParaRPr lang="en-US" altLang="zh-CN" sz="900" b="1" dirty="0" smtClean="0">
+              <a:solidFill>
+                <a:prstClr val="black"/>
+              </a:solidFill>
+              <a:latin typeface="微软雅黑" panose="020B0503020204020204" pitchFamily="34" charset="-122"/>
+              <a:ea typeface="微软雅黑" panose="020B0503020204020204" pitchFamily="34" charset="-122"/>
+            </a:endParaRPr>
+          </a:p>
+          <a:p>
+            <a:pPr algn="ctr"/>
+            <a:r>
+              <a:rPr lang="zh-CN" altLang="en-US" sz="900" b="1" dirty="0" smtClean="0">
+                <a:solidFill>
+                  <a:prstClr val="black"/>
+                </a:solidFill>
+                <a:latin typeface="微软雅黑" panose="020B0503020204020204" pitchFamily="34" charset="-122"/>
+                <a:ea typeface="微软雅黑" panose="020B0503020204020204" pitchFamily="34" charset="-122"/>
+              </a:rPr>
+              <a:t>静态资源</a:t>
+            </a:r>
+            <a:endParaRPr lang="en-US" altLang="zh-CN" sz="900" b="1" dirty="0" smtClean="0">
+              <a:solidFill>
+                <a:prstClr val="black"/>
+              </a:solidFill>
+              <a:latin typeface="微软雅黑" panose="020B0503020204020204" pitchFamily="34" charset="-122"/>
+              <a:ea typeface="微软雅黑" panose="020B0503020204020204" pitchFamily="34" charset="-122"/>
+            </a:endParaRPr>
+          </a:p>
+        </p:txBody>
+      </p:sp>
+      <p:sp>
+        <p:nvSpPr>
+          <p:cNvPr id="116" name="矩形 115"/>
+          <p:cNvSpPr/>
+          <p:nvPr/>
+        </p:nvSpPr>
+        <p:spPr>
+          <a:xfrm>
+            <a:off x="5488861" y="2410122"/>
+            <a:ext cx="583656" cy="276999"/>
+          </a:xfrm>
+          <a:prstGeom prst="rect">
+            <a:avLst/>
+          </a:prstGeom>
+        </p:spPr>
+        <p:txBody>
+          <a:bodyPr wrap="square" lIns="36000" tIns="0" rIns="36000" bIns="0">
+            <a:spAutoFit/>
+          </a:bodyPr>
+          <a:lstStyle/>
+          <a:p>
+            <a:pPr algn="ctr"/>
+            <a:r>
+              <a:rPr lang="en-US" altLang="zh-CN" sz="900" b="1" dirty="0" err="1" smtClean="0">
+                <a:solidFill>
+                  <a:prstClr val="black"/>
+                </a:solidFill>
+                <a:latin typeface="微软雅黑" panose="020B0503020204020204" pitchFamily="34" charset="-122"/>
+                <a:ea typeface="微软雅黑" panose="020B0503020204020204" pitchFamily="34" charset="-122"/>
+              </a:rPr>
+              <a:t>Nginx</a:t>
+            </a:r>
+            <a:endParaRPr lang="en-US" altLang="zh-CN" sz="900" b="1" dirty="0" smtClean="0">
+              <a:solidFill>
+                <a:prstClr val="black"/>
+              </a:solidFill>
+              <a:latin typeface="微软雅黑" panose="020B0503020204020204" pitchFamily="34" charset="-122"/>
+              <a:ea typeface="微软雅黑" panose="020B0503020204020204" pitchFamily="34" charset="-122"/>
+            </a:endParaRPr>
+          </a:p>
+          <a:p>
+            <a:pPr algn="ctr"/>
+            <a:r>
+              <a:rPr lang="zh-CN" altLang="en-US" sz="900" b="1" dirty="0" smtClean="0">
+                <a:solidFill>
+                  <a:prstClr val="black"/>
+                </a:solidFill>
+                <a:latin typeface="微软雅黑" panose="020B0503020204020204" pitchFamily="34" charset="-122"/>
+                <a:ea typeface="微软雅黑" panose="020B0503020204020204" pitchFamily="34" charset="-122"/>
+              </a:rPr>
+              <a:t>代理</a:t>
+            </a:r>
+            <a:endParaRPr lang="en-US" altLang="zh-CN" sz="900" b="1" dirty="0" smtClean="0">
+              <a:solidFill>
+                <a:prstClr val="black"/>
+              </a:solidFill>
+              <a:latin typeface="微软雅黑" panose="020B0503020204020204" pitchFamily="34" charset="-122"/>
+              <a:ea typeface="微软雅黑" panose="020B0503020204020204" pitchFamily="34" charset="-122"/>
+            </a:endParaRPr>
+          </a:p>
+        </p:txBody>
+      </p:sp>
+      <p:sp>
+        <p:nvSpPr>
+          <p:cNvPr id="117" name="圆角矩形 116"/>
+          <p:cNvSpPr/>
+          <p:nvPr/>
+        </p:nvSpPr>
+        <p:spPr>
+          <a:xfrm>
+            <a:off x="4753216" y="3070773"/>
+            <a:ext cx="3384376" cy="983649"/>
+          </a:xfrm>
+          <a:prstGeom prst="roundRect">
+            <a:avLst>
+              <a:gd name="adj" fmla="val 4409"/>
+            </a:avLst>
+          </a:prstGeom>
+          <a:noFill/>
+          <a:ln w="6350">
+            <a:solidFill>
+              <a:schemeClr val="bg1">
+                <a:lumMod val="75000"/>
+              </a:schemeClr>
+            </a:solidFill>
+            <a:prstDash val="solid"/>
+          </a:ln>
+        </p:spPr>
+        <p:style>
+          <a:lnRef idx="2">
+            <a:schemeClr val="accent1">
+              <a:shade val="50000"/>
+            </a:schemeClr>
+          </a:lnRef>
+          <a:fillRef idx="1">
+            <a:schemeClr val="accent1"/>
+          </a:fillRef>
+          <a:effectRef idx="0">
+            <a:schemeClr val="accent1"/>
+          </a:effectRef>
+          <a:fontRef idx="minor">
+            <a:schemeClr val="lt1"/>
+          </a:fontRef>
+        </p:style>
+        <p:txBody>
+          <a:bodyPr lIns="0" tIns="0" rIns="0" bIns="0" rtlCol="0" anchor="t"/>
+          <a:lstStyle/>
+          <a:p>
+            <a:pPr algn="ctr"/>
+            <a:endParaRPr lang="zh-CN" altLang="en-US" sz="1000" b="1" dirty="0">
+              <a:solidFill>
+                <a:prstClr val="black"/>
+              </a:solidFill>
+              <a:latin typeface="微软雅黑" panose="020B0503020204020204" pitchFamily="34" charset="-122"/>
+              <a:ea typeface="微软雅黑" panose="020B0503020204020204" pitchFamily="34" charset="-122"/>
+            </a:endParaRPr>
+          </a:p>
+        </p:txBody>
+      </p:sp>
+      <p:sp>
+        <p:nvSpPr>
+          <p:cNvPr id="118" name="矩形 117"/>
+          <p:cNvSpPr/>
+          <p:nvPr/>
+        </p:nvSpPr>
+        <p:spPr>
+          <a:xfrm>
+            <a:off x="4647314" y="3418581"/>
+            <a:ext cx="706224" cy="307777"/>
+          </a:xfrm>
+          <a:prstGeom prst="rect">
+            <a:avLst/>
+          </a:prstGeom>
+        </p:spPr>
+        <p:txBody>
+          <a:bodyPr wrap="square" lIns="36000" tIns="0" rIns="36000" bIns="0">
+            <a:spAutoFit/>
+          </a:bodyPr>
+          <a:lstStyle/>
+          <a:p>
+            <a:pPr algn="ctr"/>
+            <a:r>
+              <a:rPr lang="en-US" altLang="zh-CN" sz="1000" b="1" dirty="0" smtClean="0">
+                <a:solidFill>
+                  <a:prstClr val="black"/>
+                </a:solidFill>
+                <a:latin typeface="微软雅黑" panose="020B0503020204020204" pitchFamily="34" charset="-122"/>
+                <a:ea typeface="微软雅黑" panose="020B0503020204020204" pitchFamily="34" charset="-122"/>
+              </a:rPr>
+              <a:t>Spring</a:t>
+            </a:r>
+          </a:p>
+          <a:p>
+            <a:pPr algn="ctr"/>
+            <a:r>
+              <a:rPr lang="en-US" altLang="zh-CN" sz="1000" b="1" dirty="0" smtClean="0">
+                <a:solidFill>
+                  <a:prstClr val="black"/>
+                </a:solidFill>
+                <a:latin typeface="微软雅黑" panose="020B0503020204020204" pitchFamily="34" charset="-122"/>
+                <a:ea typeface="微软雅黑" panose="020B0503020204020204" pitchFamily="34" charset="-122"/>
+              </a:rPr>
+              <a:t>Boot</a:t>
+            </a:r>
+            <a:endParaRPr lang="en-US" altLang="zh-CN" sz="1000" b="1" dirty="0" smtClean="0">
+              <a:solidFill>
+                <a:prstClr val="black"/>
+              </a:solidFill>
+              <a:latin typeface="微软雅黑" panose="020B0503020204020204" pitchFamily="34" charset="-122"/>
+              <a:ea typeface="微软雅黑" panose="020B0503020204020204" pitchFamily="34" charset="-122"/>
+            </a:endParaRPr>
+          </a:p>
+        </p:txBody>
+      </p:sp>
+      <p:sp>
+        <p:nvSpPr>
+          <p:cNvPr id="119" name="圆角矩形 118"/>
+          <p:cNvSpPr/>
+          <p:nvPr/>
+        </p:nvSpPr>
+        <p:spPr>
+          <a:xfrm>
+            <a:off x="5446291" y="3163868"/>
+            <a:ext cx="711053" cy="730669"/>
+          </a:xfrm>
+          <a:prstGeom prst="roundRect">
+            <a:avLst/>
+          </a:prstGeom>
+          <a:solidFill>
+            <a:srgbClr val="3399FF">
+              <a:alpha val="40000"/>
+            </a:srgbClr>
+          </a:solidFill>
+          <a:ln w="6350">
+            <a:solidFill>
+              <a:schemeClr val="bg1">
+                <a:lumMod val="75000"/>
+              </a:schemeClr>
+            </a:solidFill>
+            <a:prstDash val="solid"/>
+          </a:ln>
+        </p:spPr>
+        <p:style>
+          <a:lnRef idx="2">
+            <a:schemeClr val="accent1">
+              <a:shade val="50000"/>
+            </a:schemeClr>
+          </a:lnRef>
+          <a:fillRef idx="1">
+            <a:schemeClr val="accent1"/>
+          </a:fillRef>
+          <a:effectRef idx="0">
+            <a:schemeClr val="accent1"/>
+          </a:effectRef>
+          <a:fontRef idx="minor">
+            <a:schemeClr val="lt1"/>
+          </a:fontRef>
+        </p:style>
+        <p:txBody>
+          <a:bodyPr lIns="0" tIns="0" rIns="0" bIns="0" rtlCol="0" anchor="ctr"/>
+          <a:lstStyle/>
+          <a:p>
+            <a:pPr algn="ctr"/>
+            <a:endParaRPr lang="zh-CN" altLang="en-US" sz="900">
+              <a:solidFill>
+                <a:prstClr val="white"/>
+              </a:solidFill>
+              <a:latin typeface="微软雅黑" panose="020B0503020204020204" pitchFamily="34" charset="-122"/>
+              <a:ea typeface="微软雅黑" panose="020B0503020204020204" pitchFamily="34" charset="-122"/>
+            </a:endParaRPr>
+          </a:p>
+        </p:txBody>
+      </p:sp>
+      <p:grpSp>
+        <p:nvGrpSpPr>
+          <p:cNvPr id="120" name="组合 119"/>
+          <p:cNvGrpSpPr/>
+          <p:nvPr/>
+        </p:nvGrpSpPr>
+        <p:grpSpPr>
+          <a:xfrm>
+            <a:off x="5517664" y="3274565"/>
+            <a:ext cx="600178" cy="577432"/>
+            <a:chOff x="4497328" y="4398221"/>
+            <a:chExt cx="600178" cy="577432"/>
+          </a:xfrm>
+        </p:grpSpPr>
+        <p:sp>
+          <p:nvSpPr>
+            <p:cNvPr id="121" name="圆角矩形 120"/>
+            <p:cNvSpPr/>
+            <p:nvPr/>
+          </p:nvSpPr>
+          <p:spPr>
+            <a:xfrm>
+              <a:off x="4504701" y="4398221"/>
+              <a:ext cx="568398" cy="288000"/>
+            </a:xfrm>
+            <a:prstGeom prst="roundRect">
+              <a:avLst/>
+            </a:prstGeom>
+            <a:solidFill>
+              <a:srgbClr val="FF6600">
+                <a:alpha val="40000"/>
+              </a:srgbClr>
+            </a:solidFill>
+            <a:ln w="6350">
+              <a:solidFill>
+                <a:schemeClr val="tx1">
+                  <a:lumMod val="50000"/>
+                  <a:lumOff val="50000"/>
+                </a:schemeClr>
+              </a:solidFill>
+              <a:prstDash val="dash"/>
+            </a:ln>
+          </p:spPr>
+          <p:style>
+            <a:lnRef idx="2">
+              <a:schemeClr val="accent1">
+                <a:shade val="50000"/>
+              </a:schemeClr>
+            </a:lnRef>
+            <a:fillRef idx="1">
+              <a:schemeClr val="accent1"/>
+            </a:fillRef>
+            <a:effectRef idx="0">
+              <a:schemeClr val="accent1"/>
+            </a:effectRef>
+            <a:fontRef idx="minor">
+              <a:schemeClr val="lt1"/>
+            </a:fontRef>
+          </p:style>
+          <p:txBody>
+            <a:bodyPr rtlCol="0" anchor="ctr"/>
+            <a:lstStyle/>
+            <a:p>
+              <a:pPr algn="ctr"/>
+              <a:endParaRPr lang="zh-CN" altLang="en-US">
+                <a:solidFill>
+                  <a:prstClr val="white"/>
+                </a:solidFill>
+                <a:latin typeface="微软雅黑" panose="020B0503020204020204" pitchFamily="34" charset="-122"/>
+                <a:ea typeface="微软雅黑" panose="020B0503020204020204" pitchFamily="34" charset="-122"/>
+              </a:endParaRPr>
+            </a:p>
+          </p:txBody>
+        </p:sp>
+        <p:sp>
+          <p:nvSpPr>
+            <p:cNvPr id="122" name="矩形 121"/>
+            <p:cNvSpPr/>
+            <p:nvPr/>
+          </p:nvSpPr>
+          <p:spPr>
+            <a:xfrm>
+              <a:off x="4581349" y="4450544"/>
+              <a:ext cx="180000" cy="180000"/>
+            </a:xfrm>
+            <a:prstGeom prst="rect">
+              <a:avLst/>
+            </a:prstGeom>
+            <a:solidFill>
+              <a:srgbClr val="FFC000"/>
+            </a:solidFill>
+            <a:ln w="6350">
+              <a:solidFill>
+                <a:schemeClr val="bg1">
+                  <a:lumMod val="50000"/>
+                </a:schemeClr>
+              </a:solidFill>
+            </a:ln>
+          </p:spPr>
+          <p:style>
+            <a:lnRef idx="2">
+              <a:schemeClr val="accent1">
+                <a:shade val="50000"/>
+              </a:schemeClr>
+            </a:lnRef>
+            <a:fillRef idx="1">
+              <a:schemeClr val="accent1"/>
+            </a:fillRef>
+            <a:effectRef idx="0">
+              <a:schemeClr val="accent1"/>
+            </a:effectRef>
+            <a:fontRef idx="minor">
+              <a:schemeClr val="lt1"/>
+            </a:fontRef>
+          </p:style>
+          <p:txBody>
+            <a:bodyPr rtlCol="0" anchor="ctr"/>
+            <a:lstStyle/>
+            <a:p>
+              <a:pPr algn="ctr"/>
+              <a:endParaRPr lang="zh-CN" altLang="en-US">
+                <a:solidFill>
+                  <a:prstClr val="white"/>
+                </a:solidFill>
+                <a:latin typeface="微软雅黑" panose="020B0503020204020204" pitchFamily="34" charset="-122"/>
+                <a:ea typeface="微软雅黑" panose="020B0503020204020204" pitchFamily="34" charset="-122"/>
+              </a:endParaRPr>
+            </a:p>
+          </p:txBody>
+        </p:sp>
+        <p:sp>
+          <p:nvSpPr>
+            <p:cNvPr id="123" name="矩形 122"/>
+            <p:cNvSpPr/>
+            <p:nvPr/>
+          </p:nvSpPr>
+          <p:spPr>
+            <a:xfrm>
+              <a:off x="4832617" y="4450544"/>
+              <a:ext cx="180000" cy="180000"/>
+            </a:xfrm>
+            <a:prstGeom prst="rect">
+              <a:avLst/>
+            </a:prstGeom>
+            <a:solidFill>
+              <a:srgbClr val="FFC000"/>
+            </a:solidFill>
+            <a:ln w="6350">
+              <a:solidFill>
+                <a:schemeClr val="bg1">
+                  <a:lumMod val="50000"/>
+                </a:schemeClr>
+              </a:solidFill>
+            </a:ln>
+          </p:spPr>
+          <p:style>
+            <a:lnRef idx="2">
+              <a:schemeClr val="accent1">
+                <a:shade val="50000"/>
+              </a:schemeClr>
+            </a:lnRef>
+            <a:fillRef idx="1">
+              <a:schemeClr val="accent1"/>
+            </a:fillRef>
+            <a:effectRef idx="0">
+              <a:schemeClr val="accent1"/>
+            </a:effectRef>
+            <a:fontRef idx="minor">
+              <a:schemeClr val="lt1"/>
+            </a:fontRef>
+          </p:style>
+          <p:txBody>
+            <a:bodyPr rtlCol="0" anchor="ctr"/>
+            <a:lstStyle/>
+            <a:p>
+              <a:pPr algn="ctr"/>
+              <a:endParaRPr lang="zh-CN" altLang="en-US">
+                <a:solidFill>
+                  <a:prstClr val="white"/>
+                </a:solidFill>
+                <a:latin typeface="微软雅黑" panose="020B0503020204020204" pitchFamily="34" charset="-122"/>
+                <a:ea typeface="微软雅黑" panose="020B0503020204020204" pitchFamily="34" charset="-122"/>
+              </a:endParaRPr>
+            </a:p>
+          </p:txBody>
+        </p:sp>
+        <p:sp>
+          <p:nvSpPr>
+            <p:cNvPr id="125" name="矩形 124"/>
+            <p:cNvSpPr/>
+            <p:nvPr/>
+          </p:nvSpPr>
+          <p:spPr>
+            <a:xfrm>
+              <a:off x="4497328" y="4729432"/>
+              <a:ext cx="600178" cy="246221"/>
+            </a:xfrm>
+            <a:prstGeom prst="rect">
+              <a:avLst/>
+            </a:prstGeom>
+          </p:spPr>
+          <p:txBody>
+            <a:bodyPr wrap="square" lIns="36000" tIns="0" rIns="36000" bIns="0">
+              <a:spAutoFit/>
+            </a:bodyPr>
+            <a:lstStyle/>
+            <a:p>
+              <a:pPr algn="ctr"/>
+              <a:r>
+                <a:rPr lang="zh-CN" altLang="en-US" sz="800" dirty="0">
+                  <a:solidFill>
+                    <a:prstClr val="black"/>
+                  </a:solidFill>
+                  <a:latin typeface="微软雅黑" panose="020B0503020204020204" pitchFamily="34" charset="-122"/>
+                  <a:ea typeface="微软雅黑" panose="020B0503020204020204" pitchFamily="34" charset="-122"/>
+                </a:rPr>
+                <a:t>店铺</a:t>
+              </a:r>
+              <a:r>
+                <a:rPr lang="zh-CN" altLang="en-US" sz="800" dirty="0" smtClean="0">
+                  <a:solidFill>
+                    <a:prstClr val="black"/>
+                  </a:solidFill>
+                  <a:latin typeface="微软雅黑" panose="020B0503020204020204" pitchFamily="34" charset="-122"/>
+                  <a:ea typeface="微软雅黑" panose="020B0503020204020204" pitchFamily="34" charset="-122"/>
+                </a:rPr>
+                <a:t>服务 </a:t>
+              </a:r>
+              <a:r>
+                <a:rPr lang="en-US" altLang="zh-CN" sz="800" dirty="0" smtClean="0">
+                  <a:solidFill>
+                    <a:prstClr val="black"/>
+                  </a:solidFill>
+                  <a:latin typeface="微软雅黑" panose="020B0503020204020204" pitchFamily="34" charset="-122"/>
+                  <a:ea typeface="微软雅黑" panose="020B0503020204020204" pitchFamily="34" charset="-122"/>
+                </a:rPr>
+                <a:t>:8013</a:t>
+              </a:r>
+            </a:p>
+          </p:txBody>
+        </p:sp>
+      </p:grpSp>
+      <p:grpSp>
+        <p:nvGrpSpPr>
+          <p:cNvPr id="127" name="组合 126"/>
+          <p:cNvGrpSpPr/>
+          <p:nvPr/>
+        </p:nvGrpSpPr>
+        <p:grpSpPr>
+          <a:xfrm>
+            <a:off x="6358077" y="3274565"/>
+            <a:ext cx="600178" cy="700543"/>
+            <a:chOff x="5842827" y="3395303"/>
+            <a:chExt cx="600178" cy="700543"/>
+          </a:xfrm>
+        </p:grpSpPr>
+        <p:sp>
+          <p:nvSpPr>
+            <p:cNvPr id="128" name="圆角矩形 127"/>
+            <p:cNvSpPr/>
+            <p:nvPr/>
+          </p:nvSpPr>
+          <p:spPr>
+            <a:xfrm>
+              <a:off x="5850200" y="3395303"/>
+              <a:ext cx="568398" cy="288000"/>
+            </a:xfrm>
+            <a:prstGeom prst="roundRect">
+              <a:avLst/>
+            </a:prstGeom>
+            <a:solidFill>
+              <a:srgbClr val="FF6600">
+                <a:alpha val="40000"/>
+              </a:srgbClr>
+            </a:solidFill>
+            <a:ln w="6350">
+              <a:solidFill>
+                <a:schemeClr val="tx1">
+                  <a:lumMod val="50000"/>
+                  <a:lumOff val="50000"/>
+                </a:schemeClr>
+              </a:solidFill>
+              <a:prstDash val="dash"/>
+            </a:ln>
+          </p:spPr>
+          <p:style>
+            <a:lnRef idx="2">
+              <a:schemeClr val="accent1">
+                <a:shade val="50000"/>
+              </a:schemeClr>
+            </a:lnRef>
+            <a:fillRef idx="1">
+              <a:schemeClr val="accent1"/>
+            </a:fillRef>
+            <a:effectRef idx="0">
+              <a:schemeClr val="accent1"/>
+            </a:effectRef>
+            <a:fontRef idx="minor">
+              <a:schemeClr val="lt1"/>
+            </a:fontRef>
+          </p:style>
+          <p:txBody>
+            <a:bodyPr rtlCol="0" anchor="ctr"/>
+            <a:lstStyle/>
+            <a:p>
+              <a:pPr algn="ctr"/>
+              <a:endParaRPr lang="zh-CN" altLang="en-US">
+                <a:solidFill>
+                  <a:prstClr val="white"/>
+                </a:solidFill>
+                <a:latin typeface="微软雅黑" panose="020B0503020204020204" pitchFamily="34" charset="-122"/>
+                <a:ea typeface="微软雅黑" panose="020B0503020204020204" pitchFamily="34" charset="-122"/>
+              </a:endParaRPr>
+            </a:p>
+          </p:txBody>
+        </p:sp>
+        <p:sp>
+          <p:nvSpPr>
+            <p:cNvPr id="129" name="矩形 128"/>
+            <p:cNvSpPr/>
+            <p:nvPr/>
+          </p:nvSpPr>
+          <p:spPr>
+            <a:xfrm>
+              <a:off x="5926848" y="3447626"/>
+              <a:ext cx="180000" cy="180000"/>
+            </a:xfrm>
+            <a:prstGeom prst="rect">
+              <a:avLst/>
+            </a:prstGeom>
+            <a:solidFill>
+              <a:srgbClr val="FFC000"/>
+            </a:solidFill>
+            <a:ln w="6350">
+              <a:solidFill>
+                <a:schemeClr val="bg1">
+                  <a:lumMod val="50000"/>
+                </a:schemeClr>
+              </a:solidFill>
+            </a:ln>
+          </p:spPr>
+          <p:style>
+            <a:lnRef idx="2">
+              <a:schemeClr val="accent1">
+                <a:shade val="50000"/>
+              </a:schemeClr>
+            </a:lnRef>
+            <a:fillRef idx="1">
+              <a:schemeClr val="accent1"/>
+            </a:fillRef>
+            <a:effectRef idx="0">
+              <a:schemeClr val="accent1"/>
+            </a:effectRef>
+            <a:fontRef idx="minor">
+              <a:schemeClr val="lt1"/>
+            </a:fontRef>
+          </p:style>
+          <p:txBody>
+            <a:bodyPr rtlCol="0" anchor="ctr"/>
+            <a:lstStyle/>
+            <a:p>
+              <a:pPr algn="ctr"/>
+              <a:endParaRPr lang="zh-CN" altLang="en-US">
+                <a:solidFill>
+                  <a:prstClr val="white"/>
+                </a:solidFill>
+                <a:latin typeface="微软雅黑" panose="020B0503020204020204" pitchFamily="34" charset="-122"/>
+                <a:ea typeface="微软雅黑" panose="020B0503020204020204" pitchFamily="34" charset="-122"/>
+              </a:endParaRPr>
+            </a:p>
+          </p:txBody>
+        </p:sp>
+        <p:sp>
+          <p:nvSpPr>
+            <p:cNvPr id="130" name="矩形 129"/>
+            <p:cNvSpPr/>
+            <p:nvPr/>
+          </p:nvSpPr>
+          <p:spPr>
+            <a:xfrm>
+              <a:off x="6178116" y="3447626"/>
+              <a:ext cx="180000" cy="180000"/>
+            </a:xfrm>
+            <a:prstGeom prst="rect">
+              <a:avLst/>
+            </a:prstGeom>
+            <a:solidFill>
+              <a:srgbClr val="FFC000"/>
+            </a:solidFill>
+            <a:ln w="6350">
+              <a:solidFill>
+                <a:schemeClr val="bg1">
+                  <a:lumMod val="50000"/>
+                </a:schemeClr>
+              </a:solidFill>
+            </a:ln>
+          </p:spPr>
+          <p:style>
+            <a:lnRef idx="2">
+              <a:schemeClr val="accent1">
+                <a:shade val="50000"/>
+              </a:schemeClr>
+            </a:lnRef>
+            <a:fillRef idx="1">
+              <a:schemeClr val="accent1"/>
+            </a:fillRef>
+            <a:effectRef idx="0">
+              <a:schemeClr val="accent1"/>
+            </a:effectRef>
+            <a:fontRef idx="minor">
+              <a:schemeClr val="lt1"/>
+            </a:fontRef>
+          </p:style>
+          <p:txBody>
+            <a:bodyPr rtlCol="0" anchor="ctr"/>
+            <a:lstStyle/>
+            <a:p>
+              <a:pPr algn="ctr"/>
+              <a:endParaRPr lang="zh-CN" altLang="en-US">
+                <a:solidFill>
+                  <a:prstClr val="white"/>
+                </a:solidFill>
+                <a:latin typeface="微软雅黑" panose="020B0503020204020204" pitchFamily="34" charset="-122"/>
+                <a:ea typeface="微软雅黑" panose="020B0503020204020204" pitchFamily="34" charset="-122"/>
+              </a:endParaRPr>
+            </a:p>
+          </p:txBody>
+        </p:sp>
+        <p:sp>
+          <p:nvSpPr>
+            <p:cNvPr id="131" name="矩形 130"/>
+            <p:cNvSpPr/>
+            <p:nvPr/>
+          </p:nvSpPr>
+          <p:spPr>
+            <a:xfrm>
+              <a:off x="5842827" y="3726514"/>
+              <a:ext cx="600178" cy="369332"/>
+            </a:xfrm>
+            <a:prstGeom prst="rect">
+              <a:avLst/>
+            </a:prstGeom>
+          </p:spPr>
+          <p:txBody>
+            <a:bodyPr wrap="square" lIns="36000" tIns="0" rIns="36000" bIns="0">
+              <a:spAutoFit/>
+            </a:bodyPr>
+            <a:lstStyle/>
+            <a:p>
+              <a:pPr algn="ctr"/>
+              <a:r>
+                <a:rPr lang="zh-CN" altLang="en-US" sz="800" dirty="0" smtClean="0">
+                  <a:solidFill>
+                    <a:prstClr val="black"/>
+                  </a:solidFill>
+                  <a:latin typeface="微软雅黑" panose="020B0503020204020204" pitchFamily="34" charset="-122"/>
+                  <a:ea typeface="微软雅黑" panose="020B0503020204020204" pitchFamily="34" charset="-122"/>
+                </a:rPr>
+                <a:t>购物车</a:t>
+              </a:r>
+              <a:r>
+                <a:rPr lang="zh-CN" altLang="en-US" sz="800" dirty="0" smtClean="0">
+                  <a:solidFill>
+                    <a:prstClr val="black"/>
+                  </a:solidFill>
+                  <a:latin typeface="微软雅黑" panose="020B0503020204020204" pitchFamily="34" charset="-122"/>
+                  <a:ea typeface="微软雅黑" panose="020B0503020204020204" pitchFamily="34" charset="-122"/>
+                </a:rPr>
+                <a:t>服务</a:t>
+              </a:r>
+              <a:endParaRPr lang="en-US" altLang="zh-CN" sz="800" dirty="0" smtClean="0">
+                <a:solidFill>
+                  <a:prstClr val="black"/>
+                </a:solidFill>
+                <a:latin typeface="微软雅黑" panose="020B0503020204020204" pitchFamily="34" charset="-122"/>
+                <a:ea typeface="微软雅黑" panose="020B0503020204020204" pitchFamily="34" charset="-122"/>
+              </a:endParaRPr>
+            </a:p>
+            <a:p>
+              <a:pPr algn="ctr"/>
+              <a:r>
+                <a:rPr lang="zh-CN" altLang="en-US" sz="800" dirty="0" smtClean="0">
+                  <a:solidFill>
+                    <a:prstClr val="black"/>
+                  </a:solidFill>
+                  <a:latin typeface="微软雅黑" panose="020B0503020204020204" pitchFamily="34" charset="-122"/>
+                  <a:ea typeface="微软雅黑" panose="020B0503020204020204" pitchFamily="34" charset="-122"/>
+                </a:rPr>
+                <a:t>订单服务</a:t>
+              </a:r>
+              <a:endParaRPr lang="en-US" altLang="zh-CN" sz="800" dirty="0" smtClean="0">
+                <a:solidFill>
+                  <a:prstClr val="black"/>
+                </a:solidFill>
+                <a:latin typeface="微软雅黑" panose="020B0503020204020204" pitchFamily="34" charset="-122"/>
+                <a:ea typeface="微软雅黑" panose="020B0503020204020204" pitchFamily="34" charset="-122"/>
+              </a:endParaRPr>
+            </a:p>
+            <a:p>
+              <a:pPr algn="ctr"/>
+              <a:r>
+                <a:rPr lang="en-US" altLang="zh-CN" sz="800" dirty="0" smtClean="0">
+                  <a:solidFill>
+                    <a:prstClr val="black"/>
+                  </a:solidFill>
+                  <a:latin typeface="微软雅黑" panose="020B0503020204020204" pitchFamily="34" charset="-122"/>
+                  <a:ea typeface="微软雅黑" panose="020B0503020204020204" pitchFamily="34" charset="-122"/>
+                </a:rPr>
+                <a:t>:</a:t>
+              </a:r>
+              <a:r>
+                <a:rPr lang="en-US" altLang="zh-CN" sz="800" dirty="0" smtClean="0">
+                  <a:solidFill>
+                    <a:prstClr val="black"/>
+                  </a:solidFill>
+                  <a:latin typeface="微软雅黑" panose="020B0503020204020204" pitchFamily="34" charset="-122"/>
+                  <a:ea typeface="微软雅黑" panose="020B0503020204020204" pitchFamily="34" charset="-122"/>
+                </a:rPr>
+                <a:t>8011</a:t>
+              </a:r>
+            </a:p>
+          </p:txBody>
+        </p:sp>
+      </p:grpSp>
+      <p:sp>
+        <p:nvSpPr>
+          <p:cNvPr id="134" name="椭圆 133"/>
+          <p:cNvSpPr/>
+          <p:nvPr/>
+        </p:nvSpPr>
+        <p:spPr>
+          <a:xfrm>
+            <a:off x="5612842" y="3290356"/>
+            <a:ext cx="84602" cy="81804"/>
+          </a:xfrm>
+          <a:prstGeom prst="ellipse">
+            <a:avLst/>
+          </a:prstGeom>
+          <a:noFill/>
+          <a:ln>
+            <a:noFill/>
+          </a:ln>
+        </p:spPr>
+        <p:style>
+          <a:lnRef idx="2">
+            <a:schemeClr val="accent1">
+              <a:shade val="50000"/>
+            </a:schemeClr>
+          </a:lnRef>
+          <a:fillRef idx="1">
+            <a:schemeClr val="accent1"/>
+          </a:fillRef>
+          <a:effectRef idx="0">
+            <a:schemeClr val="accent1"/>
+          </a:effectRef>
+          <a:fontRef idx="minor">
+            <a:schemeClr val="lt1"/>
+          </a:fontRef>
+        </p:style>
+        <p:txBody>
+          <a:bodyPr rtlCol="0" anchor="ctr"/>
+          <a:lstStyle/>
+          <a:p>
+            <a:pPr algn="ctr"/>
+            <a:endParaRPr lang="zh-CN" altLang="en-US">
+              <a:solidFill>
+                <a:prstClr val="white"/>
+              </a:solidFill>
+            </a:endParaRPr>
+          </a:p>
+        </p:txBody>
+      </p:sp>
+      <p:sp>
+        <p:nvSpPr>
+          <p:cNvPr id="135" name="椭圆 134"/>
+          <p:cNvSpPr/>
+          <p:nvPr/>
+        </p:nvSpPr>
+        <p:spPr>
+          <a:xfrm>
+            <a:off x="6214163" y="3291541"/>
+            <a:ext cx="84602" cy="81804"/>
+          </a:xfrm>
+          <a:prstGeom prst="ellipse">
+            <a:avLst/>
+          </a:prstGeom>
+          <a:noFill/>
+          <a:ln>
+            <a:noFill/>
+          </a:ln>
+        </p:spPr>
+        <p:style>
+          <a:lnRef idx="2">
+            <a:schemeClr val="accent1">
+              <a:shade val="50000"/>
+            </a:schemeClr>
+          </a:lnRef>
+          <a:fillRef idx="1">
+            <a:schemeClr val="accent1"/>
+          </a:fillRef>
+          <a:effectRef idx="0">
+            <a:schemeClr val="accent1"/>
+          </a:effectRef>
+          <a:fontRef idx="minor">
+            <a:schemeClr val="lt1"/>
+          </a:fontRef>
+        </p:style>
+        <p:txBody>
+          <a:bodyPr rtlCol="0" anchor="ctr"/>
+          <a:lstStyle/>
+          <a:p>
+            <a:pPr algn="ctr"/>
+            <a:endParaRPr lang="zh-CN" altLang="en-US">
+              <a:solidFill>
+                <a:prstClr val="white"/>
+              </a:solidFill>
+            </a:endParaRPr>
+          </a:p>
+        </p:txBody>
+      </p:sp>
+      <p:sp>
+        <p:nvSpPr>
+          <p:cNvPr id="136" name="椭圆 135"/>
+          <p:cNvSpPr/>
+          <p:nvPr/>
+        </p:nvSpPr>
+        <p:spPr>
+          <a:xfrm>
+            <a:off x="6998467" y="3286754"/>
+            <a:ext cx="84602" cy="81804"/>
+          </a:xfrm>
+          <a:prstGeom prst="ellipse">
+            <a:avLst/>
+          </a:prstGeom>
+          <a:noFill/>
+          <a:ln>
+            <a:noFill/>
+          </a:ln>
+        </p:spPr>
+        <p:style>
+          <a:lnRef idx="2">
+            <a:schemeClr val="accent1">
+              <a:shade val="50000"/>
+            </a:schemeClr>
+          </a:lnRef>
+          <a:fillRef idx="1">
+            <a:schemeClr val="accent1"/>
+          </a:fillRef>
+          <a:effectRef idx="0">
+            <a:schemeClr val="accent1"/>
+          </a:effectRef>
+          <a:fontRef idx="minor">
+            <a:schemeClr val="lt1"/>
+          </a:fontRef>
+        </p:style>
+        <p:txBody>
+          <a:bodyPr rtlCol="0" anchor="ctr"/>
+          <a:lstStyle/>
+          <a:p>
+            <a:pPr algn="ctr"/>
+            <a:endParaRPr lang="zh-CN" altLang="en-US">
+              <a:solidFill>
+                <a:prstClr val="white"/>
+              </a:solidFill>
+            </a:endParaRPr>
+          </a:p>
+        </p:txBody>
+      </p:sp>
+      <p:sp>
+        <p:nvSpPr>
+          <p:cNvPr id="137" name="椭圆 136"/>
+          <p:cNvSpPr/>
+          <p:nvPr/>
+        </p:nvSpPr>
+        <p:spPr>
+          <a:xfrm>
+            <a:off x="7570294" y="3292374"/>
+            <a:ext cx="84602" cy="81804"/>
+          </a:xfrm>
+          <a:prstGeom prst="ellipse">
+            <a:avLst/>
+          </a:prstGeom>
+          <a:noFill/>
+          <a:ln>
+            <a:noFill/>
+          </a:ln>
+        </p:spPr>
+        <p:style>
+          <a:lnRef idx="2">
+            <a:schemeClr val="accent1">
+              <a:shade val="50000"/>
+            </a:schemeClr>
+          </a:lnRef>
+          <a:fillRef idx="1">
+            <a:schemeClr val="accent1"/>
+          </a:fillRef>
+          <a:effectRef idx="0">
+            <a:schemeClr val="accent1"/>
+          </a:effectRef>
+          <a:fontRef idx="minor">
+            <a:schemeClr val="lt1"/>
+          </a:fontRef>
+        </p:style>
+        <p:txBody>
+          <a:bodyPr rtlCol="0" anchor="ctr"/>
+          <a:lstStyle/>
+          <a:p>
+            <a:pPr algn="ctr"/>
+            <a:endParaRPr lang="zh-CN" altLang="en-US">
+              <a:solidFill>
+                <a:prstClr val="white"/>
+              </a:solidFill>
+            </a:endParaRPr>
+          </a:p>
+        </p:txBody>
+      </p:sp>
+      <p:sp>
+        <p:nvSpPr>
+          <p:cNvPr id="138" name="椭圆 137"/>
+          <p:cNvSpPr/>
+          <p:nvPr/>
+        </p:nvSpPr>
+        <p:spPr>
+          <a:xfrm>
+            <a:off x="5936144" y="3289074"/>
+            <a:ext cx="84602" cy="81804"/>
+          </a:xfrm>
+          <a:prstGeom prst="ellipse">
+            <a:avLst/>
+          </a:prstGeom>
+          <a:noFill/>
+          <a:ln>
+            <a:noFill/>
+          </a:ln>
+        </p:spPr>
+        <p:style>
+          <a:lnRef idx="2">
+            <a:schemeClr val="accent1">
+              <a:shade val="50000"/>
+            </a:schemeClr>
+          </a:lnRef>
+          <a:fillRef idx="1">
+            <a:schemeClr val="accent1"/>
+          </a:fillRef>
+          <a:effectRef idx="0">
+            <a:schemeClr val="accent1"/>
+          </a:effectRef>
+          <a:fontRef idx="minor">
+            <a:schemeClr val="lt1"/>
+          </a:fontRef>
+        </p:style>
+        <p:txBody>
+          <a:bodyPr rtlCol="0" anchor="ctr"/>
+          <a:lstStyle/>
+          <a:p>
+            <a:pPr algn="ctr"/>
+            <a:endParaRPr lang="zh-CN" altLang="en-US">
+              <a:solidFill>
+                <a:prstClr val="white"/>
+              </a:solidFill>
+            </a:endParaRPr>
+          </a:p>
+        </p:txBody>
+      </p:sp>
+      <p:sp>
+        <p:nvSpPr>
+          <p:cNvPr id="140" name="椭圆 139"/>
+          <p:cNvSpPr/>
+          <p:nvPr/>
+        </p:nvSpPr>
+        <p:spPr>
+          <a:xfrm>
+            <a:off x="6537465" y="3290259"/>
+            <a:ext cx="84602" cy="81804"/>
+          </a:xfrm>
+          <a:prstGeom prst="ellipse">
+            <a:avLst/>
+          </a:prstGeom>
+          <a:noFill/>
+          <a:ln>
+            <a:noFill/>
+          </a:ln>
+        </p:spPr>
+        <p:style>
+          <a:lnRef idx="2">
+            <a:schemeClr val="accent1">
+              <a:shade val="50000"/>
+            </a:schemeClr>
+          </a:lnRef>
+          <a:fillRef idx="1">
+            <a:schemeClr val="accent1"/>
+          </a:fillRef>
+          <a:effectRef idx="0">
+            <a:schemeClr val="accent1"/>
+          </a:effectRef>
+          <a:fontRef idx="minor">
+            <a:schemeClr val="lt1"/>
+          </a:fontRef>
+        </p:style>
+        <p:txBody>
+          <a:bodyPr rtlCol="0" anchor="ctr"/>
+          <a:lstStyle/>
+          <a:p>
+            <a:pPr algn="ctr"/>
+            <a:endParaRPr lang="zh-CN" altLang="en-US">
+              <a:solidFill>
+                <a:prstClr val="white"/>
+              </a:solidFill>
+            </a:endParaRPr>
+          </a:p>
+        </p:txBody>
+      </p:sp>
+      <p:sp>
+        <p:nvSpPr>
+          <p:cNvPr id="141" name="椭圆 140"/>
+          <p:cNvSpPr/>
+          <p:nvPr/>
+        </p:nvSpPr>
+        <p:spPr>
+          <a:xfrm>
+            <a:off x="7270151" y="3285472"/>
+            <a:ext cx="84602" cy="81804"/>
+          </a:xfrm>
+          <a:prstGeom prst="ellipse">
+            <a:avLst/>
+          </a:prstGeom>
+          <a:noFill/>
+          <a:ln>
+            <a:noFill/>
+          </a:ln>
+        </p:spPr>
+        <p:style>
+          <a:lnRef idx="2">
+            <a:schemeClr val="accent1">
+              <a:shade val="50000"/>
+            </a:schemeClr>
+          </a:lnRef>
+          <a:fillRef idx="1">
+            <a:schemeClr val="accent1"/>
+          </a:fillRef>
+          <a:effectRef idx="0">
+            <a:schemeClr val="accent1"/>
+          </a:effectRef>
+          <a:fontRef idx="minor">
+            <a:schemeClr val="lt1"/>
+          </a:fontRef>
+        </p:style>
+        <p:txBody>
+          <a:bodyPr rtlCol="0" anchor="ctr"/>
+          <a:lstStyle/>
+          <a:p>
+            <a:pPr algn="ctr"/>
+            <a:endParaRPr lang="zh-CN" altLang="en-US">
+              <a:solidFill>
+                <a:prstClr val="white"/>
+              </a:solidFill>
+            </a:endParaRPr>
+          </a:p>
+        </p:txBody>
+      </p:sp>
+      <p:sp>
+        <p:nvSpPr>
+          <p:cNvPr id="143" name="椭圆 142"/>
+          <p:cNvSpPr/>
+          <p:nvPr/>
+        </p:nvSpPr>
+        <p:spPr>
+          <a:xfrm>
+            <a:off x="7893596" y="3291092"/>
+            <a:ext cx="84602" cy="81804"/>
+          </a:xfrm>
+          <a:prstGeom prst="ellipse">
+            <a:avLst/>
+          </a:prstGeom>
+          <a:noFill/>
+          <a:ln>
+            <a:noFill/>
+          </a:ln>
+        </p:spPr>
+        <p:style>
+          <a:lnRef idx="2">
+            <a:schemeClr val="accent1">
+              <a:shade val="50000"/>
+            </a:schemeClr>
+          </a:lnRef>
+          <a:fillRef idx="1">
+            <a:schemeClr val="accent1"/>
+          </a:fillRef>
+          <a:effectRef idx="0">
+            <a:schemeClr val="accent1"/>
+          </a:effectRef>
+          <a:fontRef idx="minor">
+            <a:schemeClr val="lt1"/>
+          </a:fontRef>
+        </p:style>
+        <p:txBody>
+          <a:bodyPr rtlCol="0" anchor="ctr"/>
+          <a:lstStyle/>
+          <a:p>
+            <a:pPr algn="ctr"/>
+            <a:endParaRPr lang="zh-CN" altLang="en-US">
+              <a:solidFill>
+                <a:prstClr val="white"/>
+              </a:solidFill>
+            </a:endParaRPr>
+          </a:p>
+        </p:txBody>
+      </p:sp>
+      <p:sp>
+        <p:nvSpPr>
+          <p:cNvPr id="147" name="圆角矩形 146"/>
+          <p:cNvSpPr/>
+          <p:nvPr/>
+        </p:nvSpPr>
+        <p:spPr>
+          <a:xfrm>
+            <a:off x="7150267" y="3163868"/>
+            <a:ext cx="711053" cy="730669"/>
+          </a:xfrm>
+          <a:prstGeom prst="roundRect">
+            <a:avLst/>
+          </a:prstGeom>
+          <a:solidFill>
+            <a:srgbClr val="3399FF">
+              <a:alpha val="40000"/>
+            </a:srgbClr>
+          </a:solidFill>
+          <a:ln w="6350">
+            <a:solidFill>
+              <a:schemeClr val="bg1">
+                <a:lumMod val="75000"/>
+              </a:schemeClr>
+            </a:solidFill>
+            <a:prstDash val="solid"/>
+          </a:ln>
+        </p:spPr>
+        <p:style>
+          <a:lnRef idx="2">
+            <a:schemeClr val="accent1">
+              <a:shade val="50000"/>
+            </a:schemeClr>
+          </a:lnRef>
+          <a:fillRef idx="1">
+            <a:schemeClr val="accent1"/>
+          </a:fillRef>
+          <a:effectRef idx="0">
+            <a:schemeClr val="accent1"/>
+          </a:effectRef>
+          <a:fontRef idx="minor">
+            <a:schemeClr val="lt1"/>
+          </a:fontRef>
+        </p:style>
+        <p:txBody>
+          <a:bodyPr lIns="0" tIns="0" rIns="0" bIns="0" rtlCol="0" anchor="ctr"/>
+          <a:lstStyle/>
+          <a:p>
+            <a:pPr algn="ctr"/>
+            <a:endParaRPr lang="zh-CN" altLang="en-US" sz="900">
+              <a:solidFill>
+                <a:prstClr val="white"/>
+              </a:solidFill>
+              <a:latin typeface="微软雅黑" panose="020B0503020204020204" pitchFamily="34" charset="-122"/>
+              <a:ea typeface="微软雅黑" panose="020B0503020204020204" pitchFamily="34" charset="-122"/>
+            </a:endParaRPr>
+          </a:p>
+        </p:txBody>
+      </p:sp>
+      <p:grpSp>
+        <p:nvGrpSpPr>
+          <p:cNvPr id="149" name="组合 148"/>
+          <p:cNvGrpSpPr/>
+          <p:nvPr/>
+        </p:nvGrpSpPr>
+        <p:grpSpPr>
+          <a:xfrm>
+            <a:off x="7219251" y="3273849"/>
+            <a:ext cx="600178" cy="577432"/>
+            <a:chOff x="7125788" y="3398824"/>
+            <a:chExt cx="600178" cy="577432"/>
+          </a:xfrm>
+        </p:grpSpPr>
+        <p:sp>
+          <p:nvSpPr>
+            <p:cNvPr id="150" name="圆角矩形 149"/>
+            <p:cNvSpPr/>
+            <p:nvPr/>
+          </p:nvSpPr>
+          <p:spPr>
+            <a:xfrm>
+              <a:off x="7133161" y="3398824"/>
+              <a:ext cx="568398" cy="288000"/>
+            </a:xfrm>
+            <a:prstGeom prst="roundRect">
+              <a:avLst/>
+            </a:prstGeom>
+            <a:solidFill>
+              <a:srgbClr val="FF6600">
+                <a:alpha val="40000"/>
+              </a:srgbClr>
+            </a:solidFill>
+            <a:ln w="6350">
+              <a:solidFill>
+                <a:schemeClr val="tx1">
+                  <a:lumMod val="50000"/>
+                  <a:lumOff val="50000"/>
+                </a:schemeClr>
+              </a:solidFill>
+              <a:prstDash val="dash"/>
+            </a:ln>
+          </p:spPr>
+          <p:style>
+            <a:lnRef idx="2">
+              <a:schemeClr val="accent1">
+                <a:shade val="50000"/>
+              </a:schemeClr>
+            </a:lnRef>
+            <a:fillRef idx="1">
+              <a:schemeClr val="accent1"/>
+            </a:fillRef>
+            <a:effectRef idx="0">
+              <a:schemeClr val="accent1"/>
+            </a:effectRef>
+            <a:fontRef idx="minor">
+              <a:schemeClr val="lt1"/>
+            </a:fontRef>
+          </p:style>
+          <p:txBody>
+            <a:bodyPr rtlCol="0" anchor="ctr"/>
+            <a:lstStyle/>
+            <a:p>
+              <a:pPr algn="ctr"/>
+              <a:endParaRPr lang="zh-CN" altLang="en-US">
+                <a:solidFill>
+                  <a:prstClr val="white"/>
+                </a:solidFill>
+                <a:latin typeface="微软雅黑" panose="020B0503020204020204" pitchFamily="34" charset="-122"/>
+                <a:ea typeface="微软雅黑" panose="020B0503020204020204" pitchFamily="34" charset="-122"/>
+              </a:endParaRPr>
+            </a:p>
+          </p:txBody>
+        </p:sp>
+        <p:sp>
+          <p:nvSpPr>
+            <p:cNvPr id="151" name="矩形 150"/>
+            <p:cNvSpPr/>
+            <p:nvPr/>
+          </p:nvSpPr>
+          <p:spPr>
+            <a:xfrm>
+              <a:off x="7209809" y="3451147"/>
+              <a:ext cx="180000" cy="180000"/>
+            </a:xfrm>
+            <a:prstGeom prst="rect">
+              <a:avLst/>
+            </a:prstGeom>
+            <a:solidFill>
+              <a:srgbClr val="FFC000"/>
+            </a:solidFill>
+            <a:ln w="6350">
+              <a:solidFill>
+                <a:schemeClr val="bg1">
+                  <a:lumMod val="50000"/>
+                </a:schemeClr>
+              </a:solidFill>
+            </a:ln>
+          </p:spPr>
+          <p:style>
+            <a:lnRef idx="2">
+              <a:schemeClr val="accent1">
+                <a:shade val="50000"/>
+              </a:schemeClr>
+            </a:lnRef>
+            <a:fillRef idx="1">
+              <a:schemeClr val="accent1"/>
+            </a:fillRef>
+            <a:effectRef idx="0">
+              <a:schemeClr val="accent1"/>
+            </a:effectRef>
+            <a:fontRef idx="minor">
+              <a:schemeClr val="lt1"/>
+            </a:fontRef>
+          </p:style>
+          <p:txBody>
+            <a:bodyPr rtlCol="0" anchor="ctr"/>
+            <a:lstStyle/>
+            <a:p>
+              <a:pPr algn="ctr"/>
+              <a:endParaRPr lang="zh-CN" altLang="en-US">
+                <a:solidFill>
+                  <a:prstClr val="white"/>
+                </a:solidFill>
+                <a:latin typeface="微软雅黑" panose="020B0503020204020204" pitchFamily="34" charset="-122"/>
+                <a:ea typeface="微软雅黑" panose="020B0503020204020204" pitchFamily="34" charset="-122"/>
+              </a:endParaRPr>
+            </a:p>
+          </p:txBody>
+        </p:sp>
+        <p:sp>
+          <p:nvSpPr>
+            <p:cNvPr id="152" name="矩形 151"/>
+            <p:cNvSpPr/>
+            <p:nvPr/>
+          </p:nvSpPr>
+          <p:spPr>
+            <a:xfrm>
+              <a:off x="7456743" y="3451147"/>
+              <a:ext cx="180000" cy="180000"/>
+            </a:xfrm>
+            <a:prstGeom prst="rect">
+              <a:avLst/>
+            </a:prstGeom>
+            <a:solidFill>
+              <a:srgbClr val="FFC000"/>
+            </a:solidFill>
+            <a:ln w="6350">
+              <a:solidFill>
+                <a:schemeClr val="bg1">
+                  <a:lumMod val="50000"/>
+                </a:schemeClr>
+              </a:solidFill>
+            </a:ln>
+          </p:spPr>
+          <p:style>
+            <a:lnRef idx="2">
+              <a:schemeClr val="accent1">
+                <a:shade val="50000"/>
+              </a:schemeClr>
+            </a:lnRef>
+            <a:fillRef idx="1">
+              <a:schemeClr val="accent1"/>
+            </a:fillRef>
+            <a:effectRef idx="0">
+              <a:schemeClr val="accent1"/>
+            </a:effectRef>
+            <a:fontRef idx="minor">
+              <a:schemeClr val="lt1"/>
+            </a:fontRef>
+          </p:style>
+          <p:txBody>
+            <a:bodyPr rtlCol="0" anchor="ctr"/>
+            <a:lstStyle/>
+            <a:p>
+              <a:pPr algn="ctr"/>
+              <a:endParaRPr lang="zh-CN" altLang="en-US">
+                <a:solidFill>
+                  <a:prstClr val="white"/>
+                </a:solidFill>
+                <a:latin typeface="微软雅黑" panose="020B0503020204020204" pitchFamily="34" charset="-122"/>
+                <a:ea typeface="微软雅黑" panose="020B0503020204020204" pitchFamily="34" charset="-122"/>
+              </a:endParaRPr>
+            </a:p>
+          </p:txBody>
+        </p:sp>
+        <p:sp>
+          <p:nvSpPr>
+            <p:cNvPr id="153" name="矩形 152"/>
+            <p:cNvSpPr/>
+            <p:nvPr/>
+          </p:nvSpPr>
+          <p:spPr>
+            <a:xfrm>
+              <a:off x="7125788" y="3730035"/>
+              <a:ext cx="600178" cy="246221"/>
+            </a:xfrm>
+            <a:prstGeom prst="rect">
+              <a:avLst/>
+            </a:prstGeom>
+          </p:spPr>
+          <p:txBody>
+            <a:bodyPr wrap="square" lIns="36000" tIns="0" rIns="36000" bIns="0">
+              <a:spAutoFit/>
+            </a:bodyPr>
+            <a:lstStyle/>
+            <a:p>
+              <a:pPr algn="ctr"/>
+              <a:r>
+                <a:rPr lang="zh-CN" altLang="en-US" sz="800" dirty="0">
+                  <a:solidFill>
+                    <a:prstClr val="black"/>
+                  </a:solidFill>
+                  <a:latin typeface="微软雅黑" panose="020B0503020204020204" pitchFamily="34" charset="-122"/>
+                  <a:ea typeface="微软雅黑" panose="020B0503020204020204" pitchFamily="34" charset="-122"/>
+                </a:rPr>
+                <a:t>商品</a:t>
+              </a:r>
+              <a:r>
+                <a:rPr lang="zh-CN" altLang="en-US" sz="800" dirty="0" smtClean="0">
+                  <a:solidFill>
+                    <a:prstClr val="black"/>
+                  </a:solidFill>
+                  <a:latin typeface="微软雅黑" panose="020B0503020204020204" pitchFamily="34" charset="-122"/>
+                  <a:ea typeface="微软雅黑" panose="020B0503020204020204" pitchFamily="34" charset="-122"/>
+                </a:rPr>
+                <a:t>服务</a:t>
+              </a:r>
+              <a:r>
+                <a:rPr lang="en-US" altLang="zh-CN" sz="800" dirty="0" smtClean="0">
+                  <a:solidFill>
+                    <a:prstClr val="black"/>
+                  </a:solidFill>
+                  <a:latin typeface="微软雅黑" panose="020B0503020204020204" pitchFamily="34" charset="-122"/>
+                  <a:ea typeface="微软雅黑" panose="020B0503020204020204" pitchFamily="34" charset="-122"/>
+                </a:rPr>
+                <a:t>:8012</a:t>
+              </a:r>
+            </a:p>
+          </p:txBody>
+        </p:sp>
+      </p:grpSp>
+      <p:sp>
+        <p:nvSpPr>
+          <p:cNvPr id="154" name="矩形 153"/>
+          <p:cNvSpPr/>
+          <p:nvPr/>
+        </p:nvSpPr>
+        <p:spPr>
+          <a:xfrm>
+            <a:off x="5486709" y="1131590"/>
+            <a:ext cx="2205219" cy="184666"/>
+          </a:xfrm>
+          <a:prstGeom prst="rect">
+            <a:avLst/>
+          </a:prstGeom>
+        </p:spPr>
+        <p:txBody>
+          <a:bodyPr wrap="square" lIns="36000" tIns="0" rIns="36000" bIns="0">
+            <a:spAutoFit/>
+          </a:bodyPr>
+          <a:lstStyle/>
+          <a:p>
+            <a:pPr algn="ctr"/>
+            <a:r>
+              <a:rPr lang="zh-CN" altLang="en-US" sz="1200" b="1" dirty="0">
+                <a:solidFill>
+                  <a:prstClr val="black"/>
+                </a:solidFill>
+                <a:latin typeface="微软雅黑" panose="020B0503020204020204" pitchFamily="34" charset="-122"/>
+                <a:ea typeface="微软雅黑" panose="020B0503020204020204" pitchFamily="34" charset="-122"/>
+              </a:rPr>
+              <a:t>正式</a:t>
+            </a:r>
+            <a:r>
+              <a:rPr lang="zh-CN" altLang="en-US" sz="1200" b="1" dirty="0" smtClean="0">
+                <a:solidFill>
+                  <a:prstClr val="black"/>
+                </a:solidFill>
+                <a:latin typeface="微软雅黑" panose="020B0503020204020204" pitchFamily="34" charset="-122"/>
+                <a:ea typeface="微软雅黑" panose="020B0503020204020204" pitchFamily="34" charset="-122"/>
+              </a:rPr>
+              <a:t>环境</a:t>
+            </a:r>
+            <a:r>
+              <a:rPr lang="zh-CN" altLang="en-US" sz="1000" b="1" dirty="0" smtClean="0">
+                <a:solidFill>
+                  <a:prstClr val="black"/>
+                </a:solidFill>
+                <a:latin typeface="微软雅黑" panose="020B0503020204020204" pitchFamily="34" charset="-122"/>
+                <a:ea typeface="微软雅黑" panose="020B0503020204020204" pitchFamily="34" charset="-122"/>
+              </a:rPr>
+              <a:t> </a:t>
+            </a:r>
+            <a:r>
+              <a:rPr lang="en-US" altLang="zh-CN" sz="1000" dirty="0" smtClean="0">
+                <a:solidFill>
+                  <a:srgbClr val="FF0000"/>
+                </a:solidFill>
+              </a:rPr>
+              <a:t>106.12.146.173</a:t>
+            </a:r>
+            <a:endParaRPr lang="en-US" altLang="zh-CN" sz="1000" b="1" dirty="0" smtClean="0">
+              <a:solidFill>
+                <a:srgbClr val="FF0000"/>
+              </a:solidFill>
+              <a:latin typeface="微软雅黑" panose="020B0503020204020204" pitchFamily="34" charset="-122"/>
+              <a:ea typeface="微软雅黑" panose="020B0503020204020204" pitchFamily="34" charset="-122"/>
+            </a:endParaRPr>
+          </a:p>
+        </p:txBody>
+      </p:sp>
+      <p:sp>
+        <p:nvSpPr>
+          <p:cNvPr id="155" name="圆角矩形 154"/>
+          <p:cNvSpPr/>
+          <p:nvPr/>
+        </p:nvSpPr>
+        <p:spPr>
+          <a:xfrm>
+            <a:off x="4749910" y="4563473"/>
+            <a:ext cx="3384376" cy="600565"/>
+          </a:xfrm>
+          <a:prstGeom prst="roundRect">
+            <a:avLst>
+              <a:gd name="adj" fmla="val 4409"/>
+            </a:avLst>
+          </a:prstGeom>
+          <a:solidFill>
+            <a:srgbClr val="0000FF">
+              <a:alpha val="15000"/>
+            </a:srgbClr>
+          </a:solidFill>
+          <a:ln w="6350">
+            <a:solidFill>
+              <a:schemeClr val="bg1">
+                <a:lumMod val="75000"/>
+              </a:schemeClr>
+            </a:solidFill>
+            <a:prstDash val="solid"/>
+          </a:ln>
+        </p:spPr>
+        <p:style>
+          <a:lnRef idx="2">
+            <a:schemeClr val="accent1">
+              <a:shade val="50000"/>
+            </a:schemeClr>
+          </a:lnRef>
+          <a:fillRef idx="1">
+            <a:schemeClr val="accent1"/>
+          </a:fillRef>
+          <a:effectRef idx="0">
+            <a:schemeClr val="accent1"/>
+          </a:effectRef>
+          <a:fontRef idx="minor">
+            <a:schemeClr val="lt1"/>
+          </a:fontRef>
+        </p:style>
+        <p:txBody>
+          <a:bodyPr lIns="0" tIns="0" rIns="0" bIns="0" rtlCol="0" anchor="t"/>
+          <a:lstStyle/>
+          <a:p>
+            <a:pPr algn="ctr"/>
+            <a:endParaRPr lang="zh-CN" altLang="en-US" sz="1000" b="1" dirty="0">
+              <a:solidFill>
+                <a:prstClr val="black"/>
+              </a:solidFill>
+              <a:latin typeface="微软雅黑" panose="020B0503020204020204" pitchFamily="34" charset="-122"/>
+              <a:ea typeface="微软雅黑" panose="020B0503020204020204" pitchFamily="34" charset="-122"/>
+            </a:endParaRPr>
+          </a:p>
+        </p:txBody>
+      </p:sp>
+      <p:sp>
+        <p:nvSpPr>
+          <p:cNvPr id="156" name="矩形 155"/>
+          <p:cNvSpPr/>
+          <p:nvPr/>
+        </p:nvSpPr>
+        <p:spPr>
+          <a:xfrm>
+            <a:off x="4644008" y="4844012"/>
+            <a:ext cx="706224" cy="153888"/>
+          </a:xfrm>
+          <a:prstGeom prst="rect">
+            <a:avLst/>
+          </a:prstGeom>
+        </p:spPr>
+        <p:txBody>
+          <a:bodyPr wrap="square" lIns="36000" tIns="0" rIns="36000" bIns="0">
+            <a:spAutoFit/>
+          </a:bodyPr>
+          <a:lstStyle/>
+          <a:p>
+            <a:pPr algn="ctr"/>
+            <a:r>
+              <a:rPr lang="en-US" altLang="zh-CN" sz="1000" b="1" dirty="0" err="1" smtClean="0">
+                <a:solidFill>
+                  <a:prstClr val="black"/>
+                </a:solidFill>
+                <a:latin typeface="微软雅黑" panose="020B0503020204020204" pitchFamily="34" charset="-122"/>
+                <a:ea typeface="微软雅黑" panose="020B0503020204020204" pitchFamily="34" charset="-122"/>
+              </a:rPr>
+              <a:t>MysQL</a:t>
+            </a:r>
+            <a:endParaRPr lang="en-US" altLang="zh-CN" sz="1000" b="1" dirty="0" smtClean="0">
+              <a:solidFill>
+                <a:prstClr val="black"/>
+              </a:solidFill>
+              <a:latin typeface="微软雅黑" panose="020B0503020204020204" pitchFamily="34" charset="-122"/>
+              <a:ea typeface="微软雅黑" panose="020B0503020204020204" pitchFamily="34" charset="-122"/>
+            </a:endParaRPr>
+          </a:p>
+        </p:txBody>
+      </p:sp>
+      <p:sp>
+        <p:nvSpPr>
+          <p:cNvPr id="157" name="圆柱形 156"/>
+          <p:cNvSpPr/>
+          <p:nvPr/>
+        </p:nvSpPr>
+        <p:spPr>
+          <a:xfrm>
+            <a:off x="6335262" y="4819565"/>
+            <a:ext cx="568398" cy="265400"/>
+          </a:xfrm>
+          <a:prstGeom prst="can">
+            <a:avLst/>
+          </a:prstGeom>
+          <a:solidFill>
+            <a:srgbClr val="3399FF"/>
+          </a:solidFill>
+          <a:ln w="6350">
+            <a:solidFill>
+              <a:schemeClr val="bg1"/>
+            </a:solidFill>
+          </a:ln>
+        </p:spPr>
+        <p:style>
+          <a:lnRef idx="2">
+            <a:schemeClr val="accent1">
+              <a:shade val="50000"/>
+            </a:schemeClr>
+          </a:lnRef>
+          <a:fillRef idx="1">
+            <a:schemeClr val="accent1"/>
+          </a:fillRef>
+          <a:effectRef idx="0">
+            <a:schemeClr val="accent1"/>
+          </a:effectRef>
+          <a:fontRef idx="minor">
+            <a:schemeClr val="lt1"/>
+          </a:fontRef>
+        </p:style>
+        <p:txBody>
+          <a:bodyPr lIns="0" tIns="0" rIns="0" bIns="0" rtlCol="0" anchor="ctr"/>
+          <a:lstStyle/>
+          <a:p>
+            <a:pPr algn="ctr"/>
+            <a:endParaRPr lang="zh-CN" altLang="en-US" sz="800" b="1">
+              <a:solidFill>
+                <a:prstClr val="white"/>
+              </a:solidFill>
+              <a:latin typeface="微软雅黑" panose="020B0503020204020204" pitchFamily="34" charset="-122"/>
+              <a:ea typeface="微软雅黑" panose="020B0503020204020204" pitchFamily="34" charset="-122"/>
+            </a:endParaRPr>
+          </a:p>
+        </p:txBody>
+      </p:sp>
+      <p:sp>
+        <p:nvSpPr>
+          <p:cNvPr id="158" name="矩形 157"/>
+          <p:cNvSpPr/>
+          <p:nvPr/>
+        </p:nvSpPr>
+        <p:spPr>
+          <a:xfrm>
+            <a:off x="5491828" y="1335883"/>
+            <a:ext cx="2205219" cy="153888"/>
+          </a:xfrm>
+          <a:prstGeom prst="rect">
+            <a:avLst/>
+          </a:prstGeom>
+        </p:spPr>
+        <p:txBody>
+          <a:bodyPr wrap="square" lIns="36000" tIns="0" rIns="36000" bIns="0">
+            <a:spAutoFit/>
+          </a:bodyPr>
+          <a:lstStyle/>
+          <a:p>
+            <a:pPr algn="ctr"/>
+            <a:r>
+              <a:rPr lang="en-US" altLang="zh-CN" sz="1000" dirty="0" smtClean="0">
+                <a:solidFill>
+                  <a:srgbClr val="FF0000"/>
+                </a:solidFill>
+                <a:latin typeface="+mj-lt"/>
+                <a:ea typeface="微软雅黑" panose="020B0503020204020204" pitchFamily="34" charset="-122"/>
+              </a:rPr>
+              <a:t>https://usershop.rrs.com</a:t>
+            </a:r>
+            <a:endParaRPr lang="en-US" altLang="zh-CN" sz="1000" dirty="0" smtClean="0">
+              <a:solidFill>
+                <a:srgbClr val="FF0000"/>
+              </a:solidFill>
+              <a:latin typeface="+mj-lt"/>
+              <a:ea typeface="微软雅黑" panose="020B0503020204020204" pitchFamily="34" charset="-122"/>
+            </a:endParaRPr>
+          </a:p>
+        </p:txBody>
+      </p:sp>
+      <p:sp>
+        <p:nvSpPr>
+          <p:cNvPr id="159" name="矩形 158"/>
+          <p:cNvSpPr/>
+          <p:nvPr/>
+        </p:nvSpPr>
+        <p:spPr>
+          <a:xfrm>
+            <a:off x="5295901" y="4600011"/>
+            <a:ext cx="2659966" cy="153888"/>
+          </a:xfrm>
+          <a:prstGeom prst="rect">
+            <a:avLst/>
+          </a:prstGeom>
+        </p:spPr>
+        <p:txBody>
+          <a:bodyPr wrap="square" lIns="36000" tIns="0" rIns="36000" bIns="0">
+            <a:spAutoFit/>
+          </a:bodyPr>
+          <a:lstStyle/>
+          <a:p>
+            <a:pPr algn="ctr"/>
+            <a:r>
+              <a:rPr lang="en-US" altLang="zh-CN" sz="1000" dirty="0">
+                <a:solidFill>
+                  <a:srgbClr val="FF0000"/>
+                </a:solidFill>
+                <a:latin typeface="+mj-lt"/>
+                <a:ea typeface="微软雅黑" panose="020B0503020204020204" pitchFamily="34" charset="-122"/>
+              </a:rPr>
+              <a:t>mysql57.rdsmc5w10i828ml.rds.bj.baidubce.com</a:t>
+            </a:r>
+          </a:p>
+        </p:txBody>
+      </p:sp>
+    </p:spTree>
+    <p:extLst>
+      <p:ext uri="{BB962C8B-B14F-4D97-AF65-F5344CB8AC3E}">
+        <p14:creationId xmlns:p14="http://schemas.microsoft.com/office/powerpoint/2010/main" val="1706049689"/>
+      </p:ext>
+    </p:extLst>
+  </p:cSld>
+  <p:clrMapOvr>
+    <a:masterClrMapping/>
+  </p:clrMapOvr>
+  <p:timing>
+    <p:tnLst>
+      <p:par>
+        <p:cTn id="1" dur="indefinite" restart="never" nodeType="tmRoot"/>
+      </p:par>
+    </p:tnLst>
+  </p:timing>
+</p:sld>
+</file>
+
+<file path=ppt/slides/slide5.xml><?xml version="1.0" encoding="utf-8"?>
+<p:sld xmlns:a="http://schemas.openxmlformats.org/drawingml/2006/main" xmlns:r="http://schemas.openxmlformats.org/officeDocument/2006/relationships" xmlns:p="http://schemas.openxmlformats.org/presentationml/2006/main">
+  <p:cSld>
+    <p:spTree>
+      <p:nvGrpSpPr>
+        <p:cNvPr id="1" name=""/>
+        <p:cNvGrpSpPr/>
+        <p:nvPr/>
+      </p:nvGrpSpPr>
+      <p:grpSpPr>
+        <a:xfrm>
+          <a:off x="0" y="0"/>
+          <a:ext cx="0" cy="0"/>
+          <a:chOff x="0" y="0"/>
+          <a:chExt cx="0" cy="0"/>
+        </a:xfrm>
+      </p:grpSpPr>
+      <p:sp>
+        <p:nvSpPr>
+          <p:cNvPr id="186" name="圆角矩形 185"/>
+          <p:cNvSpPr/>
+          <p:nvPr/>
+        </p:nvSpPr>
+        <p:spPr>
+          <a:xfrm>
+            <a:off x="2195736" y="1779662"/>
+            <a:ext cx="4281632" cy="1297120"/>
+          </a:xfrm>
+          <a:prstGeom prst="roundRect">
+            <a:avLst>
+              <a:gd name="adj" fmla="val 4409"/>
+            </a:avLst>
+          </a:prstGeom>
+          <a:solidFill>
+            <a:srgbClr val="FFC000">
+              <a:alpha val="35000"/>
+            </a:srgbClr>
+          </a:solidFill>
+          <a:ln w="6350">
+            <a:solidFill>
+              <a:schemeClr val="bg1">
+                <a:lumMod val="75000"/>
+              </a:schemeClr>
+            </a:solidFill>
+            <a:prstDash val="solid"/>
+          </a:ln>
+        </p:spPr>
+        <p:style>
+          <a:lnRef idx="2">
+            <a:schemeClr val="accent1">
+              <a:shade val="50000"/>
+            </a:schemeClr>
+          </a:lnRef>
+          <a:fillRef idx="1">
+            <a:schemeClr val="accent1"/>
+          </a:fillRef>
+          <a:effectRef idx="0">
+            <a:schemeClr val="accent1"/>
+          </a:effectRef>
+          <a:fontRef idx="minor">
+            <a:schemeClr val="lt1"/>
+          </a:fontRef>
+        </p:style>
+        <p:txBody>
+          <a:bodyPr lIns="0" tIns="0" rIns="0" bIns="0" rtlCol="0" anchor="t"/>
+          <a:lstStyle/>
+          <a:p>
+            <a:pPr algn="ctr"/>
+            <a:endParaRPr lang="zh-CN" altLang="en-US" sz="1000" b="1" dirty="0">
+              <a:solidFill>
+                <a:prstClr val="black"/>
+              </a:solidFill>
+              <a:latin typeface="微软雅黑" panose="020B0503020204020204" pitchFamily="34" charset="-122"/>
+              <a:ea typeface="微软雅黑" panose="020B0503020204020204" pitchFamily="34" charset="-122"/>
+            </a:endParaRPr>
+          </a:p>
+        </p:txBody>
+      </p:sp>
+      <p:sp>
+        <p:nvSpPr>
+          <p:cNvPr id="267" name="矩形 266"/>
+          <p:cNvSpPr/>
+          <p:nvPr/>
+        </p:nvSpPr>
+        <p:spPr>
+          <a:xfrm>
+            <a:off x="2576564" y="1870696"/>
+            <a:ext cx="2781843" cy="582454"/>
+          </a:xfrm>
+          <a:prstGeom prst="rect">
+            <a:avLst/>
+          </a:prstGeom>
+          <a:solidFill>
+            <a:srgbClr val="75FFB3">
+              <a:alpha val="50000"/>
+            </a:srgbClr>
+          </a:solidFill>
+          <a:ln w="6350">
+            <a:solidFill>
+              <a:schemeClr val="tx1">
+                <a:lumMod val="50000"/>
+                <a:lumOff val="50000"/>
+              </a:schemeClr>
+            </a:solidFill>
+            <a:prstDash val="dash"/>
+          </a:ln>
+        </p:spPr>
+        <p:style>
+          <a:lnRef idx="2">
+            <a:schemeClr val="accent1">
+              <a:shade val="50000"/>
+            </a:schemeClr>
+          </a:lnRef>
+          <a:fillRef idx="1">
+            <a:schemeClr val="accent1"/>
+          </a:fillRef>
+          <a:effectRef idx="0">
+            <a:schemeClr val="accent1"/>
+          </a:effectRef>
+          <a:fontRef idx="minor">
+            <a:schemeClr val="lt1"/>
+          </a:fontRef>
+        </p:style>
+        <p:txBody>
+          <a:bodyPr rtlCol="0" anchor="ctr"/>
+          <a:lstStyle/>
+          <a:p>
+            <a:pPr algn="ctr"/>
+            <a:endParaRPr lang="zh-CN" altLang="en-US">
+              <a:solidFill>
+                <a:prstClr val="white"/>
+              </a:solidFill>
+            </a:endParaRPr>
+          </a:p>
+        </p:txBody>
+      </p:sp>
+      <p:sp>
+        <p:nvSpPr>
+          <p:cNvPr id="157" name="矩形 156"/>
+          <p:cNvSpPr/>
+          <p:nvPr/>
+        </p:nvSpPr>
+        <p:spPr>
+          <a:xfrm>
+            <a:off x="3549480" y="1286468"/>
+            <a:ext cx="855051" cy="298928"/>
+          </a:xfrm>
+          <a:prstGeom prst="rect">
+            <a:avLst/>
+          </a:prstGeom>
+        </p:spPr>
+        <p:style>
+          <a:lnRef idx="1">
+            <a:schemeClr val="accent4"/>
+          </a:lnRef>
+          <a:fillRef idx="3">
+            <a:schemeClr val="accent4"/>
+          </a:fillRef>
+          <a:effectRef idx="2">
+            <a:schemeClr val="accent4"/>
+          </a:effectRef>
+          <a:fontRef idx="minor">
+            <a:schemeClr val="lt1"/>
+          </a:fontRef>
+        </p:style>
+        <p:txBody>
+          <a:bodyPr rtlCol="0" anchor="ctr"/>
+          <a:lstStyle/>
+          <a:p>
+            <a:pPr algn="ctr"/>
+            <a:r>
+              <a:rPr lang="zh-CN" altLang="en-US" sz="800" b="1" dirty="0">
+                <a:solidFill>
+                  <a:prstClr val="white"/>
+                </a:solidFill>
+                <a:latin typeface="微软雅黑" panose="020B0503020204020204" pitchFamily="34" charset="-122"/>
+                <a:ea typeface="微软雅黑" panose="020B0503020204020204" pitchFamily="34" charset="-122"/>
+              </a:rPr>
+              <a:t>客户端浏览器</a:t>
+            </a:r>
+          </a:p>
+        </p:txBody>
+      </p:sp>
+      <p:cxnSp>
+        <p:nvCxnSpPr>
+          <p:cNvPr id="9" name="直接箭头连接符 8"/>
+          <p:cNvCxnSpPr>
+            <a:stCxn id="157" idx="2"/>
+            <a:endCxn id="239" idx="0"/>
+          </p:cNvCxnSpPr>
+          <p:nvPr/>
+        </p:nvCxnSpPr>
+        <p:spPr>
+          <a:xfrm rot="5400000">
+            <a:off x="3360614" y="1360432"/>
+            <a:ext cx="391428" cy="841356"/>
+          </a:xfrm>
+          <a:prstGeom prst="bentConnector3">
+            <a:avLst>
+              <a:gd name="adj1" fmla="val 27044"/>
+            </a:avLst>
+          </a:prstGeom>
+          <a:ln w="6350">
+            <a:solidFill>
+              <a:srgbClr val="FF8181"/>
+            </a:solidFill>
+            <a:headEnd type="none" w="med" len="med"/>
+            <a:tailEnd type="arrow" w="med" len="med"/>
+          </a:ln>
+        </p:spPr>
+        <p:style>
+          <a:lnRef idx="1">
+            <a:schemeClr val="accent1"/>
+          </a:lnRef>
+          <a:fillRef idx="0">
+            <a:schemeClr val="accent1"/>
+          </a:fillRef>
+          <a:effectRef idx="0">
+            <a:schemeClr val="accent1"/>
+          </a:effectRef>
+          <a:fontRef idx="minor">
+            <a:schemeClr val="tx1"/>
+          </a:fontRef>
+        </p:style>
+      </p:cxnSp>
+      <p:cxnSp>
+        <p:nvCxnSpPr>
+          <p:cNvPr id="331" name="直接箭头连接符 8"/>
+          <p:cNvCxnSpPr>
+            <a:stCxn id="157" idx="2"/>
+            <a:endCxn id="240" idx="0"/>
+          </p:cNvCxnSpPr>
+          <p:nvPr/>
+        </p:nvCxnSpPr>
+        <p:spPr>
+          <a:xfrm rot="16200000" flipH="1">
+            <a:off x="4234697" y="1327705"/>
+            <a:ext cx="391428" cy="906810"/>
+          </a:xfrm>
+          <a:prstGeom prst="bentConnector3">
+            <a:avLst>
+              <a:gd name="adj1" fmla="val 27044"/>
+            </a:avLst>
+          </a:prstGeom>
+          <a:ln w="6350">
+            <a:solidFill>
+              <a:srgbClr val="FF8181"/>
+            </a:solidFill>
+            <a:headEnd type="none" w="med" len="med"/>
+            <a:tailEnd type="arrow" w="med" len="med"/>
+          </a:ln>
+        </p:spPr>
+        <p:style>
+          <a:lnRef idx="1">
+            <a:schemeClr val="accent1"/>
+          </a:lnRef>
+          <a:fillRef idx="0">
+            <a:schemeClr val="accent1"/>
+          </a:fillRef>
+          <a:effectRef idx="0">
+            <a:schemeClr val="accent1"/>
+          </a:effectRef>
+          <a:fontRef idx="minor">
+            <a:schemeClr val="tx1"/>
+          </a:fontRef>
+        </p:style>
+      </p:cxnSp>
+      <p:sp>
+        <p:nvSpPr>
+          <p:cNvPr id="332" name="矩形 331"/>
+          <p:cNvSpPr/>
+          <p:nvPr/>
+        </p:nvSpPr>
+        <p:spPr>
+          <a:xfrm>
+            <a:off x="2491943" y="2647403"/>
+            <a:ext cx="706224" cy="153888"/>
+          </a:xfrm>
+          <a:prstGeom prst="rect">
+            <a:avLst/>
+          </a:prstGeom>
+        </p:spPr>
+        <p:txBody>
+          <a:bodyPr wrap="square" lIns="36000" tIns="0" rIns="36000" bIns="0">
+            <a:spAutoFit/>
+          </a:bodyPr>
+          <a:lstStyle/>
+          <a:p>
+            <a:pPr algn="ctr"/>
+            <a:r>
+              <a:rPr lang="en-US" altLang="zh-CN" sz="1000" b="1" dirty="0" err="1" smtClean="0">
+                <a:solidFill>
+                  <a:prstClr val="black"/>
+                </a:solidFill>
+                <a:latin typeface="微软雅黑" panose="020B0503020204020204" pitchFamily="34" charset="-122"/>
+                <a:ea typeface="微软雅黑" panose="020B0503020204020204" pitchFamily="34" charset="-122"/>
+              </a:rPr>
+              <a:t>Nginx</a:t>
+            </a:r>
+            <a:endParaRPr lang="en-US" altLang="zh-CN" sz="1000" b="1" dirty="0" smtClean="0">
+              <a:solidFill>
+                <a:prstClr val="black"/>
+              </a:solidFill>
+              <a:latin typeface="微软雅黑" panose="020B0503020204020204" pitchFamily="34" charset="-122"/>
+              <a:ea typeface="微软雅黑" panose="020B0503020204020204" pitchFamily="34" charset="-122"/>
+            </a:endParaRPr>
+          </a:p>
+        </p:txBody>
+      </p:sp>
+      <p:sp>
+        <p:nvSpPr>
+          <p:cNvPr id="389" name="椭圆 388"/>
+          <p:cNvSpPr/>
+          <p:nvPr/>
+        </p:nvSpPr>
+        <p:spPr>
+          <a:xfrm>
+            <a:off x="3919888" y="1347289"/>
+            <a:ext cx="144016" cy="144016"/>
+          </a:xfrm>
+          <a:prstGeom prst="ellipse">
+            <a:avLst/>
+          </a:prstGeom>
+          <a:noFill/>
+          <a:ln>
+            <a:noFill/>
+          </a:ln>
+        </p:spPr>
+        <p:style>
+          <a:lnRef idx="2">
+            <a:schemeClr val="accent1">
+              <a:shade val="50000"/>
+            </a:schemeClr>
+          </a:lnRef>
+          <a:fillRef idx="1">
+            <a:schemeClr val="accent1"/>
+          </a:fillRef>
+          <a:effectRef idx="0">
+            <a:schemeClr val="accent1"/>
+          </a:effectRef>
+          <a:fontRef idx="minor">
+            <a:schemeClr val="lt1"/>
+          </a:fontRef>
+        </p:style>
+        <p:txBody>
+          <a:bodyPr rtlCol="0" anchor="ctr"/>
+          <a:lstStyle/>
+          <a:p>
+            <a:pPr algn="ctr"/>
+            <a:endParaRPr lang="zh-CN" altLang="en-US">
+              <a:solidFill>
+                <a:prstClr val="white"/>
+              </a:solidFill>
+            </a:endParaRPr>
+          </a:p>
+        </p:txBody>
+      </p:sp>
+      <p:sp>
+        <p:nvSpPr>
+          <p:cNvPr id="88" name="圆角矩形 87"/>
+          <p:cNvSpPr/>
+          <p:nvPr/>
+        </p:nvSpPr>
+        <p:spPr>
+          <a:xfrm>
+            <a:off x="3558858" y="2641925"/>
+            <a:ext cx="689468" cy="329646"/>
+          </a:xfrm>
+          <a:prstGeom prst="roundRect">
+            <a:avLst>
+              <a:gd name="adj" fmla="val 7771"/>
+            </a:avLst>
+          </a:prstGeom>
+          <a:solidFill>
+            <a:schemeClr val="tx1">
+              <a:lumMod val="65000"/>
+              <a:lumOff val="35000"/>
+            </a:schemeClr>
+          </a:solidFill>
+          <a:ln w="6350">
+            <a:solidFill>
+              <a:schemeClr val="bg1"/>
+            </a:solidFill>
+          </a:ln>
+        </p:spPr>
+        <p:style>
+          <a:lnRef idx="2">
+            <a:schemeClr val="accent1">
+              <a:shade val="50000"/>
+            </a:schemeClr>
+          </a:lnRef>
+          <a:fillRef idx="1">
+            <a:schemeClr val="accent1"/>
+          </a:fillRef>
+          <a:effectRef idx="0">
+            <a:schemeClr val="accent1"/>
+          </a:effectRef>
+          <a:fontRef idx="minor">
+            <a:schemeClr val="lt1"/>
+          </a:fontRef>
+        </p:style>
+        <p:txBody>
+          <a:bodyPr lIns="0" tIns="0" rIns="0" bIns="0" rtlCol="0" anchor="ctr"/>
+          <a:lstStyle/>
+          <a:p>
+            <a:pPr algn="ctr"/>
+            <a:r>
+              <a:rPr lang="en-US" altLang="zh-CN" sz="800" b="1" dirty="0" err="1">
+                <a:solidFill>
+                  <a:prstClr val="white"/>
+                </a:solidFill>
+                <a:latin typeface="微软雅黑" panose="020B0503020204020204" pitchFamily="34" charset="-122"/>
+                <a:ea typeface="微软雅黑" panose="020B0503020204020204" pitchFamily="34" charset="-122"/>
+              </a:rPr>
+              <a:t>ReactJS</a:t>
+            </a:r>
+            <a:endParaRPr lang="en-US" altLang="zh-CN" sz="800" b="1" dirty="0">
+              <a:solidFill>
+                <a:prstClr val="white"/>
+              </a:solidFill>
+              <a:latin typeface="微软雅黑" panose="020B0503020204020204" pitchFamily="34" charset="-122"/>
+              <a:ea typeface="微软雅黑" panose="020B0503020204020204" pitchFamily="34" charset="-122"/>
+            </a:endParaRPr>
+          </a:p>
+          <a:p>
+            <a:pPr algn="ctr"/>
+            <a:r>
+              <a:rPr lang="en-US" altLang="zh-CN" sz="800" b="1" dirty="0">
+                <a:solidFill>
+                  <a:prstClr val="white"/>
+                </a:solidFill>
+                <a:latin typeface="微软雅黑" panose="020B0503020204020204" pitchFamily="34" charset="-122"/>
+                <a:ea typeface="微软雅黑" panose="020B0503020204020204" pitchFamily="34" charset="-122"/>
+              </a:rPr>
+              <a:t>API </a:t>
+            </a:r>
+            <a:r>
+              <a:rPr lang="zh-CN" altLang="en-US" sz="800" b="1" dirty="0">
+                <a:solidFill>
+                  <a:prstClr val="white"/>
+                </a:solidFill>
+                <a:latin typeface="微软雅黑" panose="020B0503020204020204" pitchFamily="34" charset="-122"/>
+                <a:ea typeface="微软雅黑" panose="020B0503020204020204" pitchFamily="34" charset="-122"/>
+              </a:rPr>
+              <a:t>代理</a:t>
+            </a:r>
+            <a:endParaRPr lang="en-US" altLang="zh-CN" sz="800" b="1" dirty="0">
+              <a:solidFill>
+                <a:prstClr val="white"/>
+              </a:solidFill>
+              <a:latin typeface="微软雅黑" panose="020B0503020204020204" pitchFamily="34" charset="-122"/>
+              <a:ea typeface="微软雅黑" panose="020B0503020204020204" pitchFamily="34" charset="-122"/>
+            </a:endParaRPr>
+          </a:p>
+        </p:txBody>
+      </p:sp>
+      <p:sp>
+        <p:nvSpPr>
+          <p:cNvPr id="89" name="圆角矩形 88"/>
+          <p:cNvSpPr/>
+          <p:nvPr/>
+        </p:nvSpPr>
+        <p:spPr>
+          <a:xfrm>
+            <a:off x="1469975" y="3637959"/>
+            <a:ext cx="2034824" cy="462541"/>
+          </a:xfrm>
+          <a:prstGeom prst="roundRect">
+            <a:avLst/>
+          </a:prstGeom>
+          <a:solidFill>
+            <a:srgbClr val="3399FF">
+              <a:alpha val="40000"/>
+            </a:srgbClr>
+          </a:solidFill>
+          <a:ln w="6350">
+            <a:solidFill>
+              <a:schemeClr val="bg1">
+                <a:lumMod val="75000"/>
+              </a:schemeClr>
+            </a:solidFill>
+            <a:prstDash val="solid"/>
+          </a:ln>
+        </p:spPr>
+        <p:style>
+          <a:lnRef idx="2">
+            <a:schemeClr val="accent1">
+              <a:shade val="50000"/>
+            </a:schemeClr>
+          </a:lnRef>
+          <a:fillRef idx="1">
+            <a:schemeClr val="accent1"/>
+          </a:fillRef>
+          <a:effectRef idx="0">
+            <a:schemeClr val="accent1"/>
+          </a:effectRef>
+          <a:fontRef idx="minor">
+            <a:schemeClr val="lt1"/>
+          </a:fontRef>
+        </p:style>
+        <p:txBody>
+          <a:bodyPr lIns="0" tIns="0" rIns="0" bIns="0" rtlCol="0" anchor="ctr"/>
+          <a:lstStyle/>
+          <a:p>
+            <a:pPr algn="ctr"/>
+            <a:endParaRPr lang="zh-CN" altLang="en-US" sz="900">
+              <a:solidFill>
+                <a:prstClr val="white"/>
+              </a:solidFill>
+              <a:latin typeface="微软雅黑" panose="020B0503020204020204" pitchFamily="34" charset="-122"/>
+              <a:ea typeface="微软雅黑" panose="020B0503020204020204" pitchFamily="34" charset="-122"/>
+            </a:endParaRPr>
+          </a:p>
+        </p:txBody>
+      </p:sp>
+      <p:sp>
+        <p:nvSpPr>
+          <p:cNvPr id="91" name="圆角矩形 90"/>
+          <p:cNvSpPr/>
+          <p:nvPr/>
+        </p:nvSpPr>
+        <p:spPr>
+          <a:xfrm>
+            <a:off x="1553006" y="3768744"/>
+            <a:ext cx="568398" cy="288000"/>
+          </a:xfrm>
+          <a:prstGeom prst="roundRect">
+            <a:avLst/>
+          </a:prstGeom>
+          <a:solidFill>
+            <a:srgbClr val="FF6600">
+              <a:alpha val="40000"/>
+            </a:srgbClr>
+          </a:solidFill>
+          <a:ln w="6350">
+            <a:solidFill>
+              <a:schemeClr val="tx1">
+                <a:lumMod val="50000"/>
+                <a:lumOff val="50000"/>
+              </a:schemeClr>
+            </a:solidFill>
+            <a:prstDash val="dash"/>
+          </a:ln>
+        </p:spPr>
+        <p:style>
+          <a:lnRef idx="2">
+            <a:schemeClr val="accent1">
+              <a:shade val="50000"/>
+            </a:schemeClr>
+          </a:lnRef>
+          <a:fillRef idx="1">
+            <a:schemeClr val="accent1"/>
+          </a:fillRef>
+          <a:effectRef idx="0">
+            <a:schemeClr val="accent1"/>
+          </a:effectRef>
+          <a:fontRef idx="minor">
+            <a:schemeClr val="lt1"/>
+          </a:fontRef>
+        </p:style>
+        <p:txBody>
+          <a:bodyPr rtlCol="0" anchor="ctr"/>
+          <a:lstStyle/>
+          <a:p>
+            <a:pPr algn="ctr"/>
+            <a:endParaRPr lang="zh-CN" altLang="en-US">
+              <a:solidFill>
+                <a:prstClr val="white"/>
+              </a:solidFill>
+              <a:latin typeface="微软雅黑" panose="020B0503020204020204" pitchFamily="34" charset="-122"/>
+              <a:ea typeface="微软雅黑" panose="020B0503020204020204" pitchFamily="34" charset="-122"/>
+            </a:endParaRPr>
+          </a:p>
+        </p:txBody>
+      </p:sp>
+      <p:sp>
+        <p:nvSpPr>
+          <p:cNvPr id="92" name="矩形 91"/>
+          <p:cNvSpPr/>
+          <p:nvPr/>
+        </p:nvSpPr>
+        <p:spPr>
+          <a:xfrm>
+            <a:off x="1629654" y="3821067"/>
+            <a:ext cx="180000" cy="180000"/>
+          </a:xfrm>
+          <a:prstGeom prst="rect">
+            <a:avLst/>
+          </a:prstGeom>
+          <a:solidFill>
+            <a:srgbClr val="FFC000"/>
+          </a:solidFill>
+          <a:ln w="6350">
+            <a:solidFill>
+              <a:schemeClr val="bg1">
+                <a:lumMod val="50000"/>
+              </a:schemeClr>
+            </a:solidFill>
+          </a:ln>
+        </p:spPr>
+        <p:style>
+          <a:lnRef idx="2">
+            <a:schemeClr val="accent1">
+              <a:shade val="50000"/>
+            </a:schemeClr>
+          </a:lnRef>
+          <a:fillRef idx="1">
+            <a:schemeClr val="accent1"/>
+          </a:fillRef>
+          <a:effectRef idx="0">
+            <a:schemeClr val="accent1"/>
+          </a:effectRef>
+          <a:fontRef idx="minor">
+            <a:schemeClr val="lt1"/>
+          </a:fontRef>
+        </p:style>
+        <p:txBody>
+          <a:bodyPr rtlCol="0" anchor="ctr"/>
+          <a:lstStyle/>
+          <a:p>
+            <a:pPr algn="ctr"/>
+            <a:endParaRPr lang="zh-CN" altLang="en-US">
+              <a:solidFill>
+                <a:prstClr val="white"/>
+              </a:solidFill>
+              <a:latin typeface="微软雅黑" panose="020B0503020204020204" pitchFamily="34" charset="-122"/>
+              <a:ea typeface="微软雅黑" panose="020B0503020204020204" pitchFamily="34" charset="-122"/>
+            </a:endParaRPr>
+          </a:p>
+        </p:txBody>
+      </p:sp>
+      <p:sp>
+        <p:nvSpPr>
+          <p:cNvPr id="93" name="矩形 92"/>
+          <p:cNvSpPr/>
+          <p:nvPr/>
+        </p:nvSpPr>
+        <p:spPr>
+          <a:xfrm>
+            <a:off x="1876588" y="3821067"/>
+            <a:ext cx="180000" cy="180000"/>
+          </a:xfrm>
+          <a:prstGeom prst="rect">
+            <a:avLst/>
+          </a:prstGeom>
+          <a:solidFill>
+            <a:srgbClr val="FFC000"/>
+          </a:solidFill>
+          <a:ln w="6350">
+            <a:solidFill>
+              <a:schemeClr val="bg1">
+                <a:lumMod val="50000"/>
+              </a:schemeClr>
+            </a:solidFill>
+          </a:ln>
+        </p:spPr>
+        <p:style>
+          <a:lnRef idx="2">
+            <a:schemeClr val="accent1">
+              <a:shade val="50000"/>
+            </a:schemeClr>
+          </a:lnRef>
+          <a:fillRef idx="1">
+            <a:schemeClr val="accent1"/>
+          </a:fillRef>
+          <a:effectRef idx="0">
+            <a:schemeClr val="accent1"/>
+          </a:effectRef>
+          <a:fontRef idx="minor">
+            <a:schemeClr val="lt1"/>
+          </a:fontRef>
+        </p:style>
+        <p:txBody>
+          <a:bodyPr rtlCol="0" anchor="ctr"/>
+          <a:lstStyle/>
+          <a:p>
+            <a:pPr algn="ctr"/>
+            <a:endParaRPr lang="zh-CN" altLang="en-US">
+              <a:solidFill>
+                <a:prstClr val="white"/>
+              </a:solidFill>
+              <a:latin typeface="微软雅黑" panose="020B0503020204020204" pitchFamily="34" charset="-122"/>
+              <a:ea typeface="微软雅黑" panose="020B0503020204020204" pitchFamily="34" charset="-122"/>
+            </a:endParaRPr>
+          </a:p>
+        </p:txBody>
+      </p:sp>
+      <p:sp>
+        <p:nvSpPr>
+          <p:cNvPr id="95" name="矩形 94"/>
+          <p:cNvSpPr/>
+          <p:nvPr/>
+        </p:nvSpPr>
+        <p:spPr>
+          <a:xfrm>
+            <a:off x="1829798" y="3475989"/>
+            <a:ext cx="677088" cy="123111"/>
+          </a:xfrm>
+          <a:prstGeom prst="rect">
+            <a:avLst/>
+          </a:prstGeom>
+        </p:spPr>
+        <p:txBody>
+          <a:bodyPr wrap="square" lIns="36000" tIns="0" rIns="36000" bIns="0">
+            <a:spAutoFit/>
+          </a:bodyPr>
+          <a:lstStyle/>
+          <a:p>
+            <a:r>
+              <a:rPr lang="en-US" altLang="zh-CN" sz="800" dirty="0" smtClean="0">
+                <a:solidFill>
+                  <a:prstClr val="white">
+                    <a:lumMod val="50000"/>
+                  </a:prstClr>
+                </a:solidFill>
+                <a:latin typeface="Arial" panose="020B0604020202020204" pitchFamily="34" charset="0"/>
+                <a:ea typeface="Ebrima" panose="02000000000000000000" pitchFamily="2" charset="0"/>
+                <a:cs typeface="Arial" panose="020B0604020202020204" pitchFamily="34" charset="0"/>
+              </a:rPr>
+              <a:t>/</a:t>
+            </a:r>
+            <a:r>
+              <a:rPr lang="en-US" altLang="zh-CN" sz="800" dirty="0" err="1" smtClean="0">
+                <a:solidFill>
+                  <a:prstClr val="white">
+                    <a:lumMod val="50000"/>
+                  </a:prstClr>
+                </a:solidFill>
+                <a:latin typeface="Arial" panose="020B0604020202020204" pitchFamily="34" charset="0"/>
+                <a:ea typeface="Ebrima" panose="02000000000000000000" pitchFamily="2" charset="0"/>
+                <a:cs typeface="Arial" panose="020B0604020202020204" pitchFamily="34" charset="0"/>
+              </a:rPr>
+              <a:t>api</a:t>
+            </a:r>
+            <a:r>
+              <a:rPr lang="en-US" altLang="zh-CN" sz="800" dirty="0" smtClean="0">
+                <a:solidFill>
+                  <a:prstClr val="white">
+                    <a:lumMod val="50000"/>
+                  </a:prstClr>
+                </a:solidFill>
+                <a:latin typeface="Arial" panose="020B0604020202020204" pitchFamily="34" charset="0"/>
+                <a:ea typeface="Ebrima" panose="02000000000000000000" pitchFamily="2" charset="0"/>
+                <a:cs typeface="Arial" panose="020B0604020202020204" pitchFamily="34" charset="0"/>
+              </a:rPr>
+              <a:t>/touch</a:t>
+            </a:r>
+          </a:p>
+        </p:txBody>
+      </p:sp>
+      <p:sp>
+        <p:nvSpPr>
+          <p:cNvPr id="97" name="圆角矩形 96"/>
+          <p:cNvSpPr/>
+          <p:nvPr/>
+        </p:nvSpPr>
+        <p:spPr>
+          <a:xfrm>
+            <a:off x="2198976" y="3768744"/>
+            <a:ext cx="568398" cy="288000"/>
+          </a:xfrm>
+          <a:prstGeom prst="roundRect">
+            <a:avLst/>
+          </a:prstGeom>
+          <a:solidFill>
+            <a:srgbClr val="FF6600">
+              <a:alpha val="40000"/>
+            </a:srgbClr>
+          </a:solidFill>
+          <a:ln w="6350">
+            <a:solidFill>
+              <a:schemeClr val="tx1">
+                <a:lumMod val="50000"/>
+                <a:lumOff val="50000"/>
+              </a:schemeClr>
+            </a:solidFill>
+            <a:prstDash val="dash"/>
+          </a:ln>
+        </p:spPr>
+        <p:style>
+          <a:lnRef idx="2">
+            <a:schemeClr val="accent1">
+              <a:shade val="50000"/>
+            </a:schemeClr>
+          </a:lnRef>
+          <a:fillRef idx="1">
+            <a:schemeClr val="accent1"/>
+          </a:fillRef>
+          <a:effectRef idx="0">
+            <a:schemeClr val="accent1"/>
+          </a:effectRef>
+          <a:fontRef idx="minor">
+            <a:schemeClr val="lt1"/>
+          </a:fontRef>
+        </p:style>
+        <p:txBody>
+          <a:bodyPr rtlCol="0" anchor="ctr"/>
+          <a:lstStyle/>
+          <a:p>
+            <a:pPr algn="ctr"/>
+            <a:endParaRPr lang="zh-CN" altLang="en-US">
+              <a:solidFill>
+                <a:prstClr val="white"/>
+              </a:solidFill>
+              <a:latin typeface="微软雅黑" panose="020B0503020204020204" pitchFamily="34" charset="-122"/>
+              <a:ea typeface="微软雅黑" panose="020B0503020204020204" pitchFamily="34" charset="-122"/>
+            </a:endParaRPr>
+          </a:p>
+        </p:txBody>
+      </p:sp>
+      <p:sp>
+        <p:nvSpPr>
+          <p:cNvPr id="98" name="矩形 97"/>
+          <p:cNvSpPr/>
+          <p:nvPr/>
+        </p:nvSpPr>
+        <p:spPr>
+          <a:xfrm>
+            <a:off x="2275624" y="3821067"/>
+            <a:ext cx="180000" cy="180000"/>
+          </a:xfrm>
+          <a:prstGeom prst="rect">
+            <a:avLst/>
+          </a:prstGeom>
+          <a:solidFill>
+            <a:srgbClr val="FFC000"/>
+          </a:solidFill>
+          <a:ln w="6350">
+            <a:solidFill>
+              <a:schemeClr val="bg1">
+                <a:lumMod val="50000"/>
+              </a:schemeClr>
+            </a:solidFill>
+          </a:ln>
+        </p:spPr>
+        <p:style>
+          <a:lnRef idx="2">
+            <a:schemeClr val="accent1">
+              <a:shade val="50000"/>
+            </a:schemeClr>
+          </a:lnRef>
+          <a:fillRef idx="1">
+            <a:schemeClr val="accent1"/>
+          </a:fillRef>
+          <a:effectRef idx="0">
+            <a:schemeClr val="accent1"/>
+          </a:effectRef>
+          <a:fontRef idx="minor">
+            <a:schemeClr val="lt1"/>
+          </a:fontRef>
+        </p:style>
+        <p:txBody>
+          <a:bodyPr rtlCol="0" anchor="ctr"/>
+          <a:lstStyle/>
+          <a:p>
+            <a:pPr algn="ctr"/>
+            <a:endParaRPr lang="zh-CN" altLang="en-US">
+              <a:solidFill>
+                <a:prstClr val="white"/>
+              </a:solidFill>
+              <a:latin typeface="微软雅黑" panose="020B0503020204020204" pitchFamily="34" charset="-122"/>
+              <a:ea typeface="微软雅黑" panose="020B0503020204020204" pitchFamily="34" charset="-122"/>
+            </a:endParaRPr>
+          </a:p>
+        </p:txBody>
+      </p:sp>
+      <p:sp>
+        <p:nvSpPr>
+          <p:cNvPr id="99" name="矩形 98"/>
+          <p:cNvSpPr/>
+          <p:nvPr/>
+        </p:nvSpPr>
+        <p:spPr>
+          <a:xfrm>
+            <a:off x="2522558" y="3821067"/>
+            <a:ext cx="180000" cy="180000"/>
+          </a:xfrm>
+          <a:prstGeom prst="rect">
+            <a:avLst/>
+          </a:prstGeom>
+          <a:solidFill>
+            <a:srgbClr val="FFC000"/>
+          </a:solidFill>
+          <a:ln w="6350">
+            <a:solidFill>
+              <a:schemeClr val="bg1">
+                <a:lumMod val="50000"/>
+              </a:schemeClr>
+            </a:solidFill>
+          </a:ln>
+        </p:spPr>
+        <p:style>
+          <a:lnRef idx="2">
+            <a:schemeClr val="accent1">
+              <a:shade val="50000"/>
+            </a:schemeClr>
+          </a:lnRef>
+          <a:fillRef idx="1">
+            <a:schemeClr val="accent1"/>
+          </a:fillRef>
+          <a:effectRef idx="0">
+            <a:schemeClr val="accent1"/>
+          </a:effectRef>
+          <a:fontRef idx="minor">
+            <a:schemeClr val="lt1"/>
+          </a:fontRef>
+        </p:style>
+        <p:txBody>
+          <a:bodyPr rtlCol="0" anchor="ctr"/>
+          <a:lstStyle/>
+          <a:p>
+            <a:pPr algn="ctr"/>
+            <a:endParaRPr lang="zh-CN" altLang="en-US">
+              <a:solidFill>
+                <a:prstClr val="white"/>
+              </a:solidFill>
+              <a:latin typeface="微软雅黑" panose="020B0503020204020204" pitchFamily="34" charset="-122"/>
+              <a:ea typeface="微软雅黑" panose="020B0503020204020204" pitchFamily="34" charset="-122"/>
+            </a:endParaRPr>
+          </a:p>
+        </p:txBody>
+      </p:sp>
+      <p:sp>
+        <p:nvSpPr>
+          <p:cNvPr id="101" name="矩形 100"/>
+          <p:cNvSpPr/>
+          <p:nvPr/>
+        </p:nvSpPr>
+        <p:spPr>
+          <a:xfrm>
+            <a:off x="2475388" y="3473701"/>
+            <a:ext cx="710141" cy="123111"/>
+          </a:xfrm>
+          <a:prstGeom prst="rect">
+            <a:avLst/>
+          </a:prstGeom>
+        </p:spPr>
+        <p:txBody>
+          <a:bodyPr wrap="square" lIns="36000" tIns="0" rIns="36000" bIns="0">
+            <a:spAutoFit/>
+          </a:bodyPr>
+          <a:lstStyle/>
+          <a:p>
+            <a:r>
+              <a:rPr lang="en-US" altLang="zh-CN" sz="800" dirty="0" smtClean="0">
+                <a:solidFill>
+                  <a:prstClr val="white">
+                    <a:lumMod val="50000"/>
+                  </a:prstClr>
+                </a:solidFill>
+                <a:latin typeface="Arial" panose="020B0604020202020204" pitchFamily="34" charset="0"/>
+                <a:ea typeface="Ebrima" panose="02000000000000000000" pitchFamily="2" charset="0"/>
+                <a:cs typeface="Arial" panose="020B0604020202020204" pitchFamily="34" charset="0"/>
+              </a:rPr>
+              <a:t>/</a:t>
+            </a:r>
+            <a:r>
+              <a:rPr lang="en-US" altLang="zh-CN" sz="800" dirty="0" err="1" smtClean="0">
+                <a:solidFill>
+                  <a:prstClr val="white">
+                    <a:lumMod val="50000"/>
+                  </a:prstClr>
+                </a:solidFill>
+                <a:latin typeface="Arial" panose="020B0604020202020204" pitchFamily="34" charset="0"/>
+                <a:ea typeface="Ebrima" panose="02000000000000000000" pitchFamily="2" charset="0"/>
+                <a:cs typeface="Arial" panose="020B0604020202020204" pitchFamily="34" charset="0"/>
+              </a:rPr>
+              <a:t>api</a:t>
+            </a:r>
+            <a:r>
+              <a:rPr lang="en-US" altLang="zh-CN" sz="800" dirty="0" smtClean="0">
+                <a:solidFill>
+                  <a:prstClr val="white">
+                    <a:lumMod val="50000"/>
+                  </a:prstClr>
+                </a:solidFill>
+                <a:latin typeface="Arial" panose="020B0604020202020204" pitchFamily="34" charset="0"/>
+                <a:ea typeface="Ebrima" panose="02000000000000000000" pitchFamily="2" charset="0"/>
+                <a:cs typeface="Arial" panose="020B0604020202020204" pitchFamily="34" charset="0"/>
+              </a:rPr>
+              <a:t>/files</a:t>
+            </a:r>
+          </a:p>
+        </p:txBody>
+      </p:sp>
+      <p:sp>
+        <p:nvSpPr>
+          <p:cNvPr id="103" name="圆角矩形 102"/>
+          <p:cNvSpPr/>
+          <p:nvPr/>
+        </p:nvSpPr>
+        <p:spPr>
+          <a:xfrm>
+            <a:off x="2848478" y="3768744"/>
+            <a:ext cx="568398" cy="288000"/>
+          </a:xfrm>
+          <a:prstGeom prst="roundRect">
+            <a:avLst/>
+          </a:prstGeom>
+          <a:solidFill>
+            <a:srgbClr val="FF6600">
+              <a:alpha val="40000"/>
+            </a:srgbClr>
+          </a:solidFill>
+          <a:ln w="6350">
+            <a:solidFill>
+              <a:schemeClr val="tx1">
+                <a:lumMod val="50000"/>
+                <a:lumOff val="50000"/>
+              </a:schemeClr>
+            </a:solidFill>
+            <a:prstDash val="dash"/>
+          </a:ln>
+        </p:spPr>
+        <p:style>
+          <a:lnRef idx="2">
+            <a:schemeClr val="accent1">
+              <a:shade val="50000"/>
+            </a:schemeClr>
+          </a:lnRef>
+          <a:fillRef idx="1">
+            <a:schemeClr val="accent1"/>
+          </a:fillRef>
+          <a:effectRef idx="0">
+            <a:schemeClr val="accent1"/>
+          </a:effectRef>
+          <a:fontRef idx="minor">
+            <a:schemeClr val="lt1"/>
+          </a:fontRef>
+        </p:style>
+        <p:txBody>
+          <a:bodyPr rtlCol="0" anchor="ctr"/>
+          <a:lstStyle/>
+          <a:p>
+            <a:pPr algn="ctr"/>
+            <a:endParaRPr lang="zh-CN" altLang="en-US">
+              <a:solidFill>
+                <a:prstClr val="white"/>
+              </a:solidFill>
+              <a:latin typeface="微软雅黑" panose="020B0503020204020204" pitchFamily="34" charset="-122"/>
+              <a:ea typeface="微软雅黑" panose="020B0503020204020204" pitchFamily="34" charset="-122"/>
+            </a:endParaRPr>
+          </a:p>
+        </p:txBody>
+      </p:sp>
+      <p:sp>
+        <p:nvSpPr>
+          <p:cNvPr id="104" name="矩形 103"/>
+          <p:cNvSpPr/>
+          <p:nvPr/>
+        </p:nvSpPr>
+        <p:spPr>
+          <a:xfrm>
+            <a:off x="2925126" y="3821067"/>
+            <a:ext cx="180000" cy="180000"/>
+          </a:xfrm>
+          <a:prstGeom prst="rect">
+            <a:avLst/>
+          </a:prstGeom>
+          <a:solidFill>
+            <a:srgbClr val="FFC000"/>
+          </a:solidFill>
+          <a:ln w="6350">
+            <a:solidFill>
+              <a:schemeClr val="bg1">
+                <a:lumMod val="50000"/>
+              </a:schemeClr>
+            </a:solidFill>
+          </a:ln>
+        </p:spPr>
+        <p:style>
+          <a:lnRef idx="2">
+            <a:schemeClr val="accent1">
+              <a:shade val="50000"/>
+            </a:schemeClr>
+          </a:lnRef>
+          <a:fillRef idx="1">
+            <a:schemeClr val="accent1"/>
+          </a:fillRef>
+          <a:effectRef idx="0">
+            <a:schemeClr val="accent1"/>
+          </a:effectRef>
+          <a:fontRef idx="minor">
+            <a:schemeClr val="lt1"/>
+          </a:fontRef>
+        </p:style>
+        <p:txBody>
+          <a:bodyPr rtlCol="0" anchor="ctr"/>
+          <a:lstStyle/>
+          <a:p>
+            <a:pPr algn="ctr"/>
+            <a:endParaRPr lang="zh-CN" altLang="en-US">
+              <a:solidFill>
+                <a:prstClr val="white"/>
+              </a:solidFill>
+              <a:latin typeface="微软雅黑" panose="020B0503020204020204" pitchFamily="34" charset="-122"/>
+              <a:ea typeface="微软雅黑" panose="020B0503020204020204" pitchFamily="34" charset="-122"/>
+            </a:endParaRPr>
+          </a:p>
+        </p:txBody>
+      </p:sp>
+      <p:sp>
+        <p:nvSpPr>
+          <p:cNvPr id="105" name="矩形 104"/>
+          <p:cNvSpPr/>
+          <p:nvPr/>
+        </p:nvSpPr>
+        <p:spPr>
+          <a:xfrm>
+            <a:off x="3172060" y="3821067"/>
+            <a:ext cx="180000" cy="180000"/>
+          </a:xfrm>
+          <a:prstGeom prst="rect">
+            <a:avLst/>
+          </a:prstGeom>
+          <a:solidFill>
+            <a:srgbClr val="FFC000"/>
+          </a:solidFill>
+          <a:ln w="6350">
+            <a:solidFill>
+              <a:schemeClr val="bg1">
+                <a:lumMod val="50000"/>
+              </a:schemeClr>
+            </a:solidFill>
+          </a:ln>
+        </p:spPr>
+        <p:style>
+          <a:lnRef idx="2">
+            <a:schemeClr val="accent1">
+              <a:shade val="50000"/>
+            </a:schemeClr>
+          </a:lnRef>
+          <a:fillRef idx="1">
+            <a:schemeClr val="accent1"/>
+          </a:fillRef>
+          <a:effectRef idx="0">
+            <a:schemeClr val="accent1"/>
+          </a:effectRef>
+          <a:fontRef idx="minor">
+            <a:schemeClr val="lt1"/>
+          </a:fontRef>
+        </p:style>
+        <p:txBody>
+          <a:bodyPr rtlCol="0" anchor="ctr"/>
+          <a:lstStyle/>
+          <a:p>
+            <a:pPr algn="ctr"/>
+            <a:endParaRPr lang="zh-CN" altLang="en-US">
+              <a:solidFill>
+                <a:prstClr val="white"/>
+              </a:solidFill>
+              <a:latin typeface="微软雅黑" panose="020B0503020204020204" pitchFamily="34" charset="-122"/>
+              <a:ea typeface="微软雅黑" panose="020B0503020204020204" pitchFamily="34" charset="-122"/>
+            </a:endParaRPr>
+          </a:p>
+        </p:txBody>
+      </p:sp>
+      <p:sp>
+        <p:nvSpPr>
+          <p:cNvPr id="107" name="矩形 106"/>
+          <p:cNvSpPr/>
+          <p:nvPr/>
+        </p:nvSpPr>
+        <p:spPr>
+          <a:xfrm>
+            <a:off x="3140671" y="3473701"/>
+            <a:ext cx="645700" cy="123111"/>
+          </a:xfrm>
+          <a:prstGeom prst="rect">
+            <a:avLst/>
+          </a:prstGeom>
+        </p:spPr>
+        <p:txBody>
+          <a:bodyPr wrap="square" lIns="36000" tIns="0" rIns="36000" bIns="0">
+            <a:spAutoFit/>
+          </a:bodyPr>
+          <a:lstStyle/>
+          <a:p>
+            <a:r>
+              <a:rPr lang="en-US" altLang="zh-CN" sz="800" dirty="0" smtClean="0">
+                <a:solidFill>
+                  <a:prstClr val="white">
+                    <a:lumMod val="50000"/>
+                  </a:prstClr>
+                </a:solidFill>
+                <a:latin typeface="Arial" panose="020B0604020202020204" pitchFamily="34" charset="0"/>
+                <a:ea typeface="Ebrima" panose="02000000000000000000" pitchFamily="2" charset="0"/>
+                <a:cs typeface="Arial" panose="020B0604020202020204" pitchFamily="34" charset="0"/>
+              </a:rPr>
+              <a:t>/</a:t>
+            </a:r>
+            <a:r>
+              <a:rPr lang="en-US" altLang="zh-CN" sz="800" dirty="0" err="1" smtClean="0">
+                <a:solidFill>
+                  <a:prstClr val="white">
+                    <a:lumMod val="50000"/>
+                  </a:prstClr>
+                </a:solidFill>
+                <a:latin typeface="Arial" panose="020B0604020202020204" pitchFamily="34" charset="0"/>
+                <a:ea typeface="Ebrima" panose="02000000000000000000" pitchFamily="2" charset="0"/>
+                <a:cs typeface="Arial" panose="020B0604020202020204" pitchFamily="34" charset="0"/>
+              </a:rPr>
+              <a:t>api</a:t>
+            </a:r>
+            <a:r>
+              <a:rPr lang="en-US" altLang="zh-CN" sz="800" dirty="0" smtClean="0">
+                <a:solidFill>
+                  <a:prstClr val="white">
+                    <a:lumMod val="50000"/>
+                  </a:prstClr>
+                </a:solidFill>
+                <a:latin typeface="Arial" panose="020B0604020202020204" pitchFamily="34" charset="0"/>
+                <a:ea typeface="Ebrima" panose="02000000000000000000" pitchFamily="2" charset="0"/>
+                <a:cs typeface="Arial" panose="020B0604020202020204" pitchFamily="34" charset="0"/>
+              </a:rPr>
+              <a:t>/user</a:t>
+            </a:r>
+          </a:p>
+        </p:txBody>
+      </p:sp>
+      <p:sp>
+        <p:nvSpPr>
+          <p:cNvPr id="109" name="矩形 108"/>
+          <p:cNvSpPr/>
+          <p:nvPr/>
+        </p:nvSpPr>
+        <p:spPr>
+          <a:xfrm>
+            <a:off x="1850758" y="4163119"/>
+            <a:ext cx="1760407" cy="123111"/>
+          </a:xfrm>
+          <a:prstGeom prst="rect">
+            <a:avLst/>
+          </a:prstGeom>
+        </p:spPr>
+        <p:txBody>
+          <a:bodyPr wrap="square" lIns="36000" tIns="0" rIns="36000" bIns="0">
+            <a:spAutoFit/>
+          </a:bodyPr>
+          <a:lstStyle/>
+          <a:p>
+            <a:pPr algn="ctr"/>
+            <a:r>
+              <a:rPr lang="zh-CN" altLang="en-US" sz="800" b="1" dirty="0" smtClean="0">
+                <a:solidFill>
+                  <a:prstClr val="black"/>
+                </a:solidFill>
+                <a:latin typeface="微软雅黑" panose="020B0503020204020204" pitchFamily="34" charset="-122"/>
+                <a:ea typeface="微软雅黑" panose="020B0503020204020204" pitchFamily="34" charset="-122"/>
+              </a:rPr>
+              <a:t>平台服务 </a:t>
+            </a:r>
+            <a:r>
+              <a:rPr lang="en-US" altLang="zh-CN" sz="800" dirty="0" smtClean="0">
+                <a:solidFill>
+                  <a:srgbClr val="FF0000"/>
+                </a:solidFill>
+                <a:latin typeface="Arial" panose="020B0604020202020204" pitchFamily="34" charset="0"/>
+                <a:ea typeface="微软雅黑" panose="020B0503020204020204" pitchFamily="34" charset="-122"/>
+                <a:cs typeface="Arial" panose="020B0604020202020204" pitchFamily="34" charset="0"/>
+              </a:rPr>
+              <a:t>https://app.xxx.com</a:t>
+            </a:r>
+          </a:p>
+        </p:txBody>
+      </p:sp>
+      <p:cxnSp>
+        <p:nvCxnSpPr>
+          <p:cNvPr id="110" name="直接箭头连接符 8"/>
+          <p:cNvCxnSpPr>
+            <a:stCxn id="239" idx="2"/>
+            <a:endCxn id="88" idx="0"/>
+          </p:cNvCxnSpPr>
+          <p:nvPr/>
+        </p:nvCxnSpPr>
+        <p:spPr>
+          <a:xfrm rot="16200000" flipH="1">
+            <a:off x="3291141" y="2029473"/>
+            <a:ext cx="359895" cy="865008"/>
+          </a:xfrm>
+          <a:prstGeom prst="bentConnector3">
+            <a:avLst>
+              <a:gd name="adj1" fmla="val 65169"/>
+            </a:avLst>
+          </a:prstGeom>
+          <a:ln w="6350">
+            <a:solidFill>
+              <a:srgbClr val="FF8181"/>
+            </a:solidFill>
+            <a:headEnd type="none" w="med" len="med"/>
+            <a:tailEnd type="arrow" w="med" len="med"/>
+          </a:ln>
+        </p:spPr>
+        <p:style>
+          <a:lnRef idx="1">
+            <a:schemeClr val="accent1"/>
+          </a:lnRef>
+          <a:fillRef idx="0">
+            <a:schemeClr val="accent1"/>
+          </a:fillRef>
+          <a:effectRef idx="0">
+            <a:schemeClr val="accent1"/>
+          </a:effectRef>
+          <a:fontRef idx="minor">
+            <a:schemeClr val="tx1"/>
+          </a:fontRef>
+        </p:style>
+      </p:cxnSp>
+      <p:cxnSp>
+        <p:nvCxnSpPr>
+          <p:cNvPr id="113" name="直接箭头连接符 8"/>
+          <p:cNvCxnSpPr>
+            <a:stCxn id="240" idx="2"/>
+            <a:endCxn id="88" idx="0"/>
+          </p:cNvCxnSpPr>
+          <p:nvPr/>
+        </p:nvCxnSpPr>
+        <p:spPr>
+          <a:xfrm rot="5400000">
+            <a:off x="4165224" y="2020398"/>
+            <a:ext cx="359895" cy="883158"/>
+          </a:xfrm>
+          <a:prstGeom prst="bentConnector3">
+            <a:avLst>
+              <a:gd name="adj1" fmla="val 65169"/>
+            </a:avLst>
+          </a:prstGeom>
+          <a:ln w="6350">
+            <a:solidFill>
+              <a:srgbClr val="FF8181"/>
+            </a:solidFill>
+            <a:headEnd type="none" w="med" len="med"/>
+            <a:tailEnd type="arrow" w="med" len="med"/>
+          </a:ln>
+        </p:spPr>
+        <p:style>
+          <a:lnRef idx="1">
+            <a:schemeClr val="accent1"/>
+          </a:lnRef>
+          <a:fillRef idx="0">
+            <a:schemeClr val="accent1"/>
+          </a:fillRef>
+          <a:effectRef idx="0">
+            <a:schemeClr val="accent1"/>
+          </a:effectRef>
+          <a:fontRef idx="minor">
+            <a:schemeClr val="tx1"/>
+          </a:fontRef>
+        </p:style>
+      </p:cxnSp>
+      <p:cxnSp>
+        <p:nvCxnSpPr>
+          <p:cNvPr id="118" name="直接箭头连接符 8"/>
+          <p:cNvCxnSpPr>
+            <a:stCxn id="88" idx="2"/>
+            <a:endCxn id="91" idx="0"/>
+          </p:cNvCxnSpPr>
+          <p:nvPr/>
+        </p:nvCxnSpPr>
+        <p:spPr>
+          <a:xfrm rot="5400000">
+            <a:off x="2471813" y="2336964"/>
+            <a:ext cx="797173" cy="2066387"/>
+          </a:xfrm>
+          <a:prstGeom prst="bentConnector3">
+            <a:avLst>
+              <a:gd name="adj1" fmla="val 59260"/>
+            </a:avLst>
+          </a:prstGeom>
+          <a:ln w="6350">
+            <a:solidFill>
+              <a:srgbClr val="FF8181"/>
+            </a:solidFill>
+            <a:headEnd type="none" w="med" len="med"/>
+            <a:tailEnd type="arrow" w="med" len="med"/>
+          </a:ln>
+        </p:spPr>
+        <p:style>
+          <a:lnRef idx="1">
+            <a:schemeClr val="accent1"/>
+          </a:lnRef>
+          <a:fillRef idx="0">
+            <a:schemeClr val="accent1"/>
+          </a:fillRef>
+          <a:effectRef idx="0">
+            <a:schemeClr val="accent1"/>
+          </a:effectRef>
+          <a:fontRef idx="minor">
+            <a:schemeClr val="tx1"/>
+          </a:fontRef>
+        </p:style>
+      </p:cxnSp>
+      <p:cxnSp>
+        <p:nvCxnSpPr>
+          <p:cNvPr id="121" name="直接箭头连接符 8"/>
+          <p:cNvCxnSpPr>
+            <a:stCxn id="88" idx="2"/>
+            <a:endCxn id="97" idx="0"/>
+          </p:cNvCxnSpPr>
+          <p:nvPr/>
+        </p:nvCxnSpPr>
+        <p:spPr>
+          <a:xfrm rot="5400000">
+            <a:off x="2794798" y="2659949"/>
+            <a:ext cx="797173" cy="1420417"/>
+          </a:xfrm>
+          <a:prstGeom prst="bentConnector3">
+            <a:avLst>
+              <a:gd name="adj1" fmla="val 59260"/>
+            </a:avLst>
+          </a:prstGeom>
+          <a:ln w="6350">
+            <a:solidFill>
+              <a:srgbClr val="FF8181"/>
+            </a:solidFill>
+            <a:headEnd type="none" w="med" len="med"/>
+            <a:tailEnd type="arrow" w="med" len="med"/>
+          </a:ln>
+        </p:spPr>
+        <p:style>
+          <a:lnRef idx="1">
+            <a:schemeClr val="accent1"/>
+          </a:lnRef>
+          <a:fillRef idx="0">
+            <a:schemeClr val="accent1"/>
+          </a:fillRef>
+          <a:effectRef idx="0">
+            <a:schemeClr val="accent1"/>
+          </a:effectRef>
+          <a:fontRef idx="minor">
+            <a:schemeClr val="tx1"/>
+          </a:fontRef>
+        </p:style>
+      </p:cxnSp>
+      <p:cxnSp>
+        <p:nvCxnSpPr>
+          <p:cNvPr id="124" name="直接箭头连接符 8"/>
+          <p:cNvCxnSpPr>
+            <a:stCxn id="88" idx="2"/>
+            <a:endCxn id="103" idx="0"/>
+          </p:cNvCxnSpPr>
+          <p:nvPr/>
+        </p:nvCxnSpPr>
+        <p:spPr>
+          <a:xfrm rot="5400000">
+            <a:off x="3119549" y="2984700"/>
+            <a:ext cx="797173" cy="770915"/>
+          </a:xfrm>
+          <a:prstGeom prst="bentConnector3">
+            <a:avLst>
+              <a:gd name="adj1" fmla="val 59260"/>
+            </a:avLst>
+          </a:prstGeom>
+          <a:ln w="6350">
+            <a:solidFill>
+              <a:srgbClr val="FF8181"/>
+            </a:solidFill>
+            <a:headEnd type="none" w="med" len="med"/>
+            <a:tailEnd type="arrow" w="med" len="med"/>
+          </a:ln>
+        </p:spPr>
+        <p:style>
+          <a:lnRef idx="1">
+            <a:schemeClr val="accent1"/>
+          </a:lnRef>
+          <a:fillRef idx="0">
+            <a:schemeClr val="accent1"/>
+          </a:fillRef>
+          <a:effectRef idx="0">
+            <a:schemeClr val="accent1"/>
+          </a:effectRef>
+          <a:fontRef idx="minor">
+            <a:schemeClr val="tx1"/>
+          </a:fontRef>
+        </p:style>
+      </p:cxnSp>
+      <p:sp>
+        <p:nvSpPr>
+          <p:cNvPr id="128" name="圆角矩形 127"/>
+          <p:cNvSpPr/>
+          <p:nvPr/>
+        </p:nvSpPr>
+        <p:spPr>
+          <a:xfrm>
+            <a:off x="5566910" y="2641925"/>
+            <a:ext cx="689468" cy="329646"/>
+          </a:xfrm>
+          <a:prstGeom prst="roundRect">
+            <a:avLst>
+              <a:gd name="adj" fmla="val 7771"/>
+            </a:avLst>
+          </a:prstGeom>
+          <a:solidFill>
+            <a:schemeClr val="tx1">
+              <a:lumMod val="65000"/>
+              <a:lumOff val="35000"/>
+            </a:schemeClr>
+          </a:solidFill>
+          <a:ln w="6350">
+            <a:solidFill>
+              <a:schemeClr val="bg1"/>
+            </a:solidFill>
+          </a:ln>
+        </p:spPr>
+        <p:style>
+          <a:lnRef idx="2">
+            <a:schemeClr val="accent1">
+              <a:shade val="50000"/>
+            </a:schemeClr>
+          </a:lnRef>
+          <a:fillRef idx="1">
+            <a:schemeClr val="accent1"/>
+          </a:fillRef>
+          <a:effectRef idx="0">
+            <a:schemeClr val="accent1"/>
+          </a:effectRef>
+          <a:fontRef idx="minor">
+            <a:schemeClr val="lt1"/>
+          </a:fontRef>
+        </p:style>
+        <p:txBody>
+          <a:bodyPr lIns="0" tIns="0" rIns="0" bIns="0" rtlCol="0" anchor="ctr"/>
+          <a:lstStyle/>
+          <a:p>
+            <a:pPr algn="ctr"/>
+            <a:r>
+              <a:rPr lang="zh-CN" altLang="en-US" sz="800" b="1" dirty="0" smtClean="0">
+                <a:solidFill>
+                  <a:prstClr val="white"/>
+                </a:solidFill>
+                <a:latin typeface="微软雅黑" panose="020B0503020204020204" pitchFamily="34" charset="-122"/>
+                <a:ea typeface="微软雅黑" panose="020B0503020204020204" pitchFamily="34" charset="-122"/>
+              </a:rPr>
+              <a:t>商城服务</a:t>
+            </a:r>
+            <a:endParaRPr lang="en-US" altLang="zh-CN" sz="800" b="1" dirty="0">
+              <a:solidFill>
+                <a:prstClr val="white"/>
+              </a:solidFill>
+              <a:latin typeface="微软雅黑" panose="020B0503020204020204" pitchFamily="34" charset="-122"/>
+              <a:ea typeface="微软雅黑" panose="020B0503020204020204" pitchFamily="34" charset="-122"/>
+            </a:endParaRPr>
+          </a:p>
+          <a:p>
+            <a:pPr algn="ctr"/>
+            <a:r>
+              <a:rPr lang="en-US" altLang="zh-CN" sz="800" b="1" dirty="0">
+                <a:solidFill>
+                  <a:prstClr val="white"/>
+                </a:solidFill>
+                <a:latin typeface="微软雅黑" panose="020B0503020204020204" pitchFamily="34" charset="-122"/>
+                <a:ea typeface="微软雅黑" panose="020B0503020204020204" pitchFamily="34" charset="-122"/>
+              </a:rPr>
+              <a:t>API </a:t>
+            </a:r>
+            <a:r>
+              <a:rPr lang="zh-CN" altLang="en-US" sz="800" b="1" dirty="0">
+                <a:solidFill>
+                  <a:prstClr val="white"/>
+                </a:solidFill>
+                <a:latin typeface="微软雅黑" panose="020B0503020204020204" pitchFamily="34" charset="-122"/>
+                <a:ea typeface="微软雅黑" panose="020B0503020204020204" pitchFamily="34" charset="-122"/>
+              </a:rPr>
+              <a:t>代理</a:t>
+            </a:r>
+            <a:endParaRPr lang="en-US" altLang="zh-CN" sz="800" b="1" dirty="0">
+              <a:solidFill>
+                <a:prstClr val="white"/>
+              </a:solidFill>
+              <a:latin typeface="微软雅黑" panose="020B0503020204020204" pitchFamily="34" charset="-122"/>
+              <a:ea typeface="微软雅黑" panose="020B0503020204020204" pitchFamily="34" charset="-122"/>
+            </a:endParaRPr>
+          </a:p>
+        </p:txBody>
+      </p:sp>
+      <p:sp>
+        <p:nvSpPr>
+          <p:cNvPr id="137" name="圆角矩形 136"/>
+          <p:cNvSpPr/>
+          <p:nvPr/>
+        </p:nvSpPr>
+        <p:spPr>
+          <a:xfrm>
+            <a:off x="3938637" y="3642256"/>
+            <a:ext cx="3171664" cy="730669"/>
+          </a:xfrm>
+          <a:prstGeom prst="roundRect">
+            <a:avLst/>
+          </a:prstGeom>
+          <a:solidFill>
+            <a:srgbClr val="3399FF">
+              <a:alpha val="40000"/>
+            </a:srgbClr>
+          </a:solidFill>
+          <a:ln w="6350">
+            <a:solidFill>
+              <a:schemeClr val="bg1">
+                <a:lumMod val="75000"/>
+              </a:schemeClr>
+            </a:solidFill>
+            <a:prstDash val="solid"/>
+          </a:ln>
+        </p:spPr>
+        <p:style>
+          <a:lnRef idx="2">
+            <a:schemeClr val="accent1">
+              <a:shade val="50000"/>
+            </a:schemeClr>
+          </a:lnRef>
+          <a:fillRef idx="1">
+            <a:schemeClr val="accent1"/>
+          </a:fillRef>
+          <a:effectRef idx="0">
+            <a:schemeClr val="accent1"/>
+          </a:effectRef>
+          <a:fontRef idx="minor">
+            <a:schemeClr val="lt1"/>
+          </a:fontRef>
+        </p:style>
+        <p:txBody>
+          <a:bodyPr lIns="0" tIns="0" rIns="0" bIns="0" rtlCol="0" anchor="ctr"/>
+          <a:lstStyle/>
+          <a:p>
+            <a:pPr algn="ctr"/>
+            <a:endParaRPr lang="zh-CN" altLang="en-US" sz="900">
+              <a:solidFill>
+                <a:prstClr val="white"/>
+              </a:solidFill>
+              <a:latin typeface="微软雅黑" panose="020B0503020204020204" pitchFamily="34" charset="-122"/>
+              <a:ea typeface="微软雅黑" panose="020B0503020204020204" pitchFamily="34" charset="-122"/>
+            </a:endParaRPr>
+          </a:p>
+        </p:txBody>
+      </p:sp>
+      <p:grpSp>
+        <p:nvGrpSpPr>
+          <p:cNvPr id="30" name="组合 29"/>
+          <p:cNvGrpSpPr/>
+          <p:nvPr/>
+        </p:nvGrpSpPr>
+        <p:grpSpPr>
+          <a:xfrm>
+            <a:off x="4084671" y="3752953"/>
+            <a:ext cx="600178" cy="577432"/>
+            <a:chOff x="4497328" y="4398221"/>
+            <a:chExt cx="600178" cy="577432"/>
+          </a:xfrm>
+        </p:grpSpPr>
+        <p:sp>
+          <p:nvSpPr>
+            <p:cNvPr id="138" name="圆角矩形 137"/>
+            <p:cNvSpPr/>
+            <p:nvPr/>
+          </p:nvSpPr>
+          <p:spPr>
+            <a:xfrm>
+              <a:off x="4504701" y="4398221"/>
+              <a:ext cx="568398" cy="288000"/>
+            </a:xfrm>
+            <a:prstGeom prst="roundRect">
+              <a:avLst/>
+            </a:prstGeom>
+            <a:solidFill>
+              <a:srgbClr val="FF6600">
+                <a:alpha val="40000"/>
+              </a:srgbClr>
+            </a:solidFill>
+            <a:ln w="6350">
+              <a:solidFill>
+                <a:schemeClr val="tx1">
+                  <a:lumMod val="50000"/>
+                  <a:lumOff val="50000"/>
+                </a:schemeClr>
+              </a:solidFill>
+              <a:prstDash val="dash"/>
+            </a:ln>
+          </p:spPr>
+          <p:style>
+            <a:lnRef idx="2">
+              <a:schemeClr val="accent1">
+                <a:shade val="50000"/>
+              </a:schemeClr>
+            </a:lnRef>
+            <a:fillRef idx="1">
+              <a:schemeClr val="accent1"/>
+            </a:fillRef>
+            <a:effectRef idx="0">
+              <a:schemeClr val="accent1"/>
+            </a:effectRef>
+            <a:fontRef idx="minor">
+              <a:schemeClr val="lt1"/>
+            </a:fontRef>
+          </p:style>
+          <p:txBody>
+            <a:bodyPr rtlCol="0" anchor="ctr"/>
+            <a:lstStyle/>
+            <a:p>
+              <a:pPr algn="ctr"/>
+              <a:endParaRPr lang="zh-CN" altLang="en-US">
+                <a:solidFill>
+                  <a:prstClr val="white"/>
+                </a:solidFill>
+                <a:latin typeface="微软雅黑" panose="020B0503020204020204" pitchFamily="34" charset="-122"/>
+                <a:ea typeface="微软雅黑" panose="020B0503020204020204" pitchFamily="34" charset="-122"/>
+              </a:endParaRPr>
+            </a:p>
+          </p:txBody>
+        </p:sp>
+        <p:sp>
+          <p:nvSpPr>
+            <p:cNvPr id="139" name="矩形 138"/>
+            <p:cNvSpPr/>
+            <p:nvPr/>
+          </p:nvSpPr>
+          <p:spPr>
+            <a:xfrm>
+              <a:off x="4581349" y="4450544"/>
+              <a:ext cx="180000" cy="180000"/>
+            </a:xfrm>
+            <a:prstGeom prst="rect">
+              <a:avLst/>
+            </a:prstGeom>
+            <a:solidFill>
+              <a:srgbClr val="FFC000"/>
+            </a:solidFill>
+            <a:ln w="6350">
+              <a:solidFill>
+                <a:schemeClr val="bg1">
+                  <a:lumMod val="50000"/>
+                </a:schemeClr>
+              </a:solidFill>
+            </a:ln>
+          </p:spPr>
+          <p:style>
+            <a:lnRef idx="2">
+              <a:schemeClr val="accent1">
+                <a:shade val="50000"/>
+              </a:schemeClr>
+            </a:lnRef>
+            <a:fillRef idx="1">
+              <a:schemeClr val="accent1"/>
+            </a:fillRef>
+            <a:effectRef idx="0">
+              <a:schemeClr val="accent1"/>
+            </a:effectRef>
+            <a:fontRef idx="minor">
+              <a:schemeClr val="lt1"/>
+            </a:fontRef>
+          </p:style>
+          <p:txBody>
+            <a:bodyPr rtlCol="0" anchor="ctr"/>
+            <a:lstStyle/>
+            <a:p>
+              <a:pPr algn="ctr"/>
+              <a:endParaRPr lang="zh-CN" altLang="en-US">
+                <a:solidFill>
+                  <a:prstClr val="white"/>
+                </a:solidFill>
+                <a:latin typeface="微软雅黑" panose="020B0503020204020204" pitchFamily="34" charset="-122"/>
+                <a:ea typeface="微软雅黑" panose="020B0503020204020204" pitchFamily="34" charset="-122"/>
+              </a:endParaRPr>
+            </a:p>
+          </p:txBody>
+        </p:sp>
+        <p:sp>
+          <p:nvSpPr>
+            <p:cNvPr id="140" name="矩形 139"/>
+            <p:cNvSpPr/>
+            <p:nvPr/>
+          </p:nvSpPr>
+          <p:spPr>
+            <a:xfrm>
+              <a:off x="4832617" y="4450544"/>
+              <a:ext cx="180000" cy="180000"/>
+            </a:xfrm>
+            <a:prstGeom prst="rect">
+              <a:avLst/>
+            </a:prstGeom>
+            <a:solidFill>
+              <a:srgbClr val="FFC000"/>
+            </a:solidFill>
+            <a:ln w="6350">
+              <a:solidFill>
+                <a:schemeClr val="bg1">
+                  <a:lumMod val="50000"/>
+                </a:schemeClr>
+              </a:solidFill>
+            </a:ln>
+          </p:spPr>
+          <p:style>
+            <a:lnRef idx="2">
+              <a:schemeClr val="accent1">
+                <a:shade val="50000"/>
+              </a:schemeClr>
+            </a:lnRef>
+            <a:fillRef idx="1">
+              <a:schemeClr val="accent1"/>
+            </a:fillRef>
+            <a:effectRef idx="0">
+              <a:schemeClr val="accent1"/>
+            </a:effectRef>
+            <a:fontRef idx="minor">
+              <a:schemeClr val="lt1"/>
+            </a:fontRef>
+          </p:style>
+          <p:txBody>
+            <a:bodyPr rtlCol="0" anchor="ctr"/>
+            <a:lstStyle/>
+            <a:p>
+              <a:pPr algn="ctr"/>
+              <a:endParaRPr lang="zh-CN" altLang="en-US">
+                <a:solidFill>
+                  <a:prstClr val="white"/>
+                </a:solidFill>
+                <a:latin typeface="微软雅黑" panose="020B0503020204020204" pitchFamily="34" charset="-122"/>
+                <a:ea typeface="微软雅黑" panose="020B0503020204020204" pitchFamily="34" charset="-122"/>
+              </a:endParaRPr>
+            </a:p>
+          </p:txBody>
+        </p:sp>
+        <p:sp>
+          <p:nvSpPr>
+            <p:cNvPr id="141" name="矩形 140"/>
+            <p:cNvSpPr/>
+            <p:nvPr/>
+          </p:nvSpPr>
+          <p:spPr>
+            <a:xfrm>
+              <a:off x="4497328" y="4729432"/>
+              <a:ext cx="600178" cy="246221"/>
+            </a:xfrm>
+            <a:prstGeom prst="rect">
+              <a:avLst/>
+            </a:prstGeom>
+          </p:spPr>
+          <p:txBody>
+            <a:bodyPr wrap="square" lIns="36000" tIns="0" rIns="36000" bIns="0">
+              <a:spAutoFit/>
+            </a:bodyPr>
+            <a:lstStyle/>
+            <a:p>
+              <a:pPr algn="ctr"/>
+              <a:r>
+                <a:rPr lang="zh-CN" altLang="en-US" sz="800" dirty="0">
+                  <a:solidFill>
+                    <a:prstClr val="black"/>
+                  </a:solidFill>
+                  <a:latin typeface="微软雅黑" panose="020B0503020204020204" pitchFamily="34" charset="-122"/>
+                  <a:ea typeface="微软雅黑" panose="020B0503020204020204" pitchFamily="34" charset="-122"/>
+                </a:rPr>
+                <a:t>店铺</a:t>
+              </a:r>
+              <a:r>
+                <a:rPr lang="zh-CN" altLang="en-US" sz="800" dirty="0" smtClean="0">
+                  <a:solidFill>
+                    <a:prstClr val="black"/>
+                  </a:solidFill>
+                  <a:latin typeface="微软雅黑" panose="020B0503020204020204" pitchFamily="34" charset="-122"/>
+                  <a:ea typeface="微软雅黑" panose="020B0503020204020204" pitchFamily="34" charset="-122"/>
+                </a:rPr>
+                <a:t>服务 </a:t>
+              </a:r>
+              <a:r>
+                <a:rPr lang="en-US" altLang="zh-CN" sz="800" dirty="0" smtClean="0">
+                  <a:solidFill>
+                    <a:prstClr val="black"/>
+                  </a:solidFill>
+                  <a:latin typeface="微软雅黑" panose="020B0503020204020204" pitchFamily="34" charset="-122"/>
+                  <a:ea typeface="微软雅黑" panose="020B0503020204020204" pitchFamily="34" charset="-122"/>
+                </a:rPr>
+                <a:t>:8013</a:t>
+              </a:r>
+            </a:p>
+          </p:txBody>
+        </p:sp>
+      </p:grpSp>
+      <p:sp>
+        <p:nvSpPr>
+          <p:cNvPr id="142" name="矩形 141"/>
+          <p:cNvSpPr/>
+          <p:nvPr/>
+        </p:nvSpPr>
+        <p:spPr>
+          <a:xfrm>
+            <a:off x="4545447" y="3228639"/>
+            <a:ext cx="696877" cy="123111"/>
+          </a:xfrm>
+          <a:prstGeom prst="rect">
+            <a:avLst/>
+          </a:prstGeom>
+        </p:spPr>
+        <p:txBody>
+          <a:bodyPr wrap="square" lIns="36000" tIns="0" rIns="36000" bIns="0">
+            <a:spAutoFit/>
+          </a:bodyPr>
+          <a:lstStyle/>
+          <a:p>
+            <a:r>
+              <a:rPr lang="en-US" altLang="zh-CN" sz="800" dirty="0" smtClean="0">
+                <a:solidFill>
+                  <a:prstClr val="white">
+                    <a:lumMod val="50000"/>
+                  </a:prstClr>
+                </a:solidFill>
+                <a:latin typeface="Arial" panose="020B0604020202020204" pitchFamily="34" charset="0"/>
+                <a:ea typeface="微软雅黑" panose="020B0503020204020204" pitchFamily="34" charset="-122"/>
+                <a:cs typeface="Arial" panose="020B0604020202020204" pitchFamily="34" charset="0"/>
+              </a:rPr>
+              <a:t>/pub-</a:t>
+            </a:r>
+            <a:r>
+              <a:rPr lang="en-US" altLang="zh-CN" sz="800" dirty="0" err="1" smtClean="0">
+                <a:solidFill>
+                  <a:prstClr val="white">
+                    <a:lumMod val="50000"/>
+                  </a:prstClr>
+                </a:solidFill>
+                <a:latin typeface="Arial" panose="020B0604020202020204" pitchFamily="34" charset="0"/>
+                <a:ea typeface="微软雅黑" panose="020B0503020204020204" pitchFamily="34" charset="-122"/>
+                <a:cs typeface="Arial" panose="020B0604020202020204" pitchFamily="34" charset="0"/>
+              </a:rPr>
+              <a:t>api</a:t>
+            </a:r>
+            <a:r>
+              <a:rPr lang="en-US" altLang="zh-CN" sz="800" dirty="0" smtClean="0">
+                <a:solidFill>
+                  <a:prstClr val="white">
+                    <a:lumMod val="50000"/>
+                  </a:prstClr>
+                </a:solidFill>
+                <a:latin typeface="Arial" panose="020B0604020202020204" pitchFamily="34" charset="0"/>
+                <a:ea typeface="微软雅黑" panose="020B0503020204020204" pitchFamily="34" charset="-122"/>
+                <a:cs typeface="Arial" panose="020B0604020202020204" pitchFamily="34" charset="0"/>
+              </a:rPr>
+              <a:t>/shop</a:t>
+            </a:r>
+          </a:p>
+        </p:txBody>
+      </p:sp>
+      <p:grpSp>
+        <p:nvGrpSpPr>
+          <p:cNvPr id="143" name="组合 142"/>
+          <p:cNvGrpSpPr/>
+          <p:nvPr/>
+        </p:nvGrpSpPr>
+        <p:grpSpPr>
+          <a:xfrm>
+            <a:off x="4878053" y="3752953"/>
+            <a:ext cx="600178" cy="577432"/>
+            <a:chOff x="5842827" y="3395303"/>
+            <a:chExt cx="600178" cy="577432"/>
+          </a:xfrm>
+        </p:grpSpPr>
+        <p:sp>
+          <p:nvSpPr>
+            <p:cNvPr id="144" name="圆角矩形 143"/>
+            <p:cNvSpPr/>
+            <p:nvPr/>
+          </p:nvSpPr>
+          <p:spPr>
+            <a:xfrm>
+              <a:off x="5850200" y="3395303"/>
+              <a:ext cx="568398" cy="288000"/>
+            </a:xfrm>
+            <a:prstGeom prst="roundRect">
+              <a:avLst/>
+            </a:prstGeom>
+            <a:solidFill>
+              <a:srgbClr val="FF6600">
+                <a:alpha val="40000"/>
+              </a:srgbClr>
+            </a:solidFill>
+            <a:ln w="6350">
+              <a:solidFill>
+                <a:schemeClr val="tx1">
+                  <a:lumMod val="50000"/>
+                  <a:lumOff val="50000"/>
+                </a:schemeClr>
+              </a:solidFill>
+              <a:prstDash val="dash"/>
+            </a:ln>
+          </p:spPr>
+          <p:style>
+            <a:lnRef idx="2">
+              <a:schemeClr val="accent1">
+                <a:shade val="50000"/>
+              </a:schemeClr>
+            </a:lnRef>
+            <a:fillRef idx="1">
+              <a:schemeClr val="accent1"/>
+            </a:fillRef>
+            <a:effectRef idx="0">
+              <a:schemeClr val="accent1"/>
+            </a:effectRef>
+            <a:fontRef idx="minor">
+              <a:schemeClr val="lt1"/>
+            </a:fontRef>
+          </p:style>
+          <p:txBody>
+            <a:bodyPr rtlCol="0" anchor="ctr"/>
+            <a:lstStyle/>
+            <a:p>
+              <a:pPr algn="ctr"/>
+              <a:endParaRPr lang="zh-CN" altLang="en-US">
+                <a:solidFill>
+                  <a:prstClr val="white"/>
+                </a:solidFill>
+                <a:latin typeface="微软雅黑" panose="020B0503020204020204" pitchFamily="34" charset="-122"/>
+                <a:ea typeface="微软雅黑" panose="020B0503020204020204" pitchFamily="34" charset="-122"/>
+              </a:endParaRPr>
+            </a:p>
+          </p:txBody>
+        </p:sp>
+        <p:sp>
+          <p:nvSpPr>
+            <p:cNvPr id="145" name="矩形 144"/>
+            <p:cNvSpPr/>
+            <p:nvPr/>
+          </p:nvSpPr>
+          <p:spPr>
+            <a:xfrm>
+              <a:off x="5926848" y="3447626"/>
+              <a:ext cx="180000" cy="180000"/>
+            </a:xfrm>
+            <a:prstGeom prst="rect">
+              <a:avLst/>
+            </a:prstGeom>
+            <a:solidFill>
+              <a:srgbClr val="FFC000"/>
+            </a:solidFill>
+            <a:ln w="6350">
+              <a:solidFill>
+                <a:schemeClr val="bg1">
+                  <a:lumMod val="50000"/>
+                </a:schemeClr>
+              </a:solidFill>
+            </a:ln>
+          </p:spPr>
+          <p:style>
+            <a:lnRef idx="2">
+              <a:schemeClr val="accent1">
+                <a:shade val="50000"/>
+              </a:schemeClr>
+            </a:lnRef>
+            <a:fillRef idx="1">
+              <a:schemeClr val="accent1"/>
+            </a:fillRef>
+            <a:effectRef idx="0">
+              <a:schemeClr val="accent1"/>
+            </a:effectRef>
+            <a:fontRef idx="minor">
+              <a:schemeClr val="lt1"/>
+            </a:fontRef>
+          </p:style>
+          <p:txBody>
+            <a:bodyPr rtlCol="0" anchor="ctr"/>
+            <a:lstStyle/>
+            <a:p>
+              <a:pPr algn="ctr"/>
+              <a:endParaRPr lang="zh-CN" altLang="en-US">
+                <a:solidFill>
+                  <a:prstClr val="white"/>
+                </a:solidFill>
+                <a:latin typeface="微软雅黑" panose="020B0503020204020204" pitchFamily="34" charset="-122"/>
+                <a:ea typeface="微软雅黑" panose="020B0503020204020204" pitchFamily="34" charset="-122"/>
+              </a:endParaRPr>
+            </a:p>
+          </p:txBody>
+        </p:sp>
+        <p:sp>
+          <p:nvSpPr>
+            <p:cNvPr id="146" name="矩形 145"/>
+            <p:cNvSpPr/>
+            <p:nvPr/>
+          </p:nvSpPr>
+          <p:spPr>
+            <a:xfrm>
+              <a:off x="6178116" y="3447626"/>
+              <a:ext cx="180000" cy="180000"/>
+            </a:xfrm>
+            <a:prstGeom prst="rect">
+              <a:avLst/>
+            </a:prstGeom>
+            <a:solidFill>
+              <a:srgbClr val="FFC000"/>
+            </a:solidFill>
+            <a:ln w="6350">
+              <a:solidFill>
+                <a:schemeClr val="bg1">
+                  <a:lumMod val="50000"/>
+                </a:schemeClr>
+              </a:solidFill>
+            </a:ln>
+          </p:spPr>
+          <p:style>
+            <a:lnRef idx="2">
+              <a:schemeClr val="accent1">
+                <a:shade val="50000"/>
+              </a:schemeClr>
+            </a:lnRef>
+            <a:fillRef idx="1">
+              <a:schemeClr val="accent1"/>
+            </a:fillRef>
+            <a:effectRef idx="0">
+              <a:schemeClr val="accent1"/>
+            </a:effectRef>
+            <a:fontRef idx="minor">
+              <a:schemeClr val="lt1"/>
+            </a:fontRef>
+          </p:style>
+          <p:txBody>
+            <a:bodyPr rtlCol="0" anchor="ctr"/>
+            <a:lstStyle/>
+            <a:p>
+              <a:pPr algn="ctr"/>
+              <a:endParaRPr lang="zh-CN" altLang="en-US">
+                <a:solidFill>
+                  <a:prstClr val="white"/>
+                </a:solidFill>
+                <a:latin typeface="微软雅黑" panose="020B0503020204020204" pitchFamily="34" charset="-122"/>
+                <a:ea typeface="微软雅黑" panose="020B0503020204020204" pitchFamily="34" charset="-122"/>
+              </a:endParaRPr>
+            </a:p>
+          </p:txBody>
+        </p:sp>
+        <p:sp>
+          <p:nvSpPr>
+            <p:cNvPr id="147" name="矩形 146"/>
+            <p:cNvSpPr/>
+            <p:nvPr/>
+          </p:nvSpPr>
+          <p:spPr>
+            <a:xfrm>
+              <a:off x="5842827" y="3726514"/>
+              <a:ext cx="600178" cy="246221"/>
+            </a:xfrm>
+            <a:prstGeom prst="rect">
+              <a:avLst/>
+            </a:prstGeom>
+          </p:spPr>
+          <p:txBody>
+            <a:bodyPr wrap="square" lIns="36000" tIns="0" rIns="36000" bIns="0">
+              <a:spAutoFit/>
+            </a:bodyPr>
+            <a:lstStyle/>
+            <a:p>
+              <a:pPr algn="ctr"/>
+              <a:r>
+                <a:rPr lang="zh-CN" altLang="en-US" sz="800" dirty="0" smtClean="0">
+                  <a:solidFill>
+                    <a:prstClr val="black"/>
+                  </a:solidFill>
+                  <a:latin typeface="微软雅黑" panose="020B0503020204020204" pitchFamily="34" charset="-122"/>
+                  <a:ea typeface="微软雅黑" panose="020B0503020204020204" pitchFamily="34" charset="-122"/>
+                </a:rPr>
+                <a:t>购物车服务</a:t>
+              </a:r>
+              <a:r>
+                <a:rPr lang="en-US" altLang="zh-CN" sz="800" dirty="0" smtClean="0">
+                  <a:solidFill>
+                    <a:prstClr val="black"/>
+                  </a:solidFill>
+                  <a:latin typeface="微软雅黑" panose="020B0503020204020204" pitchFamily="34" charset="-122"/>
+                  <a:ea typeface="微软雅黑" panose="020B0503020204020204" pitchFamily="34" charset="-122"/>
+                </a:rPr>
+                <a:t>:8011</a:t>
+              </a:r>
+            </a:p>
+          </p:txBody>
+        </p:sp>
+      </p:grpSp>
+      <p:sp>
+        <p:nvSpPr>
+          <p:cNvPr id="148" name="矩形 147"/>
+          <p:cNvSpPr/>
+          <p:nvPr/>
+        </p:nvSpPr>
+        <p:spPr>
+          <a:xfrm>
+            <a:off x="5342240" y="3228639"/>
+            <a:ext cx="655489" cy="123111"/>
+          </a:xfrm>
+          <a:prstGeom prst="rect">
+            <a:avLst/>
+          </a:prstGeom>
+        </p:spPr>
+        <p:txBody>
+          <a:bodyPr wrap="square" lIns="36000" tIns="0" rIns="36000" bIns="0">
+            <a:spAutoFit/>
+          </a:bodyPr>
+          <a:lstStyle/>
+          <a:p>
+            <a:r>
+              <a:rPr lang="en-US" altLang="zh-CN" sz="800" dirty="0" smtClean="0">
+                <a:solidFill>
+                  <a:prstClr val="white">
+                    <a:lumMod val="50000"/>
+                  </a:prstClr>
+                </a:solidFill>
+                <a:latin typeface="Arial" panose="020B0604020202020204" pitchFamily="34" charset="0"/>
+                <a:ea typeface="微软雅黑" panose="020B0503020204020204" pitchFamily="34" charset="-122"/>
+                <a:cs typeface="Arial" panose="020B0604020202020204" pitchFamily="34" charset="0"/>
+              </a:rPr>
+              <a:t>/pub-</a:t>
+            </a:r>
+            <a:r>
+              <a:rPr lang="en-US" altLang="zh-CN" sz="800" dirty="0" err="1" smtClean="0">
+                <a:solidFill>
+                  <a:prstClr val="white">
+                    <a:lumMod val="50000"/>
+                  </a:prstClr>
+                </a:solidFill>
+                <a:latin typeface="Arial" panose="020B0604020202020204" pitchFamily="34" charset="0"/>
+                <a:ea typeface="微软雅黑" panose="020B0503020204020204" pitchFamily="34" charset="-122"/>
+                <a:cs typeface="Arial" panose="020B0604020202020204" pitchFamily="34" charset="0"/>
+              </a:rPr>
+              <a:t>api</a:t>
+            </a:r>
+            <a:r>
+              <a:rPr lang="en-US" altLang="zh-CN" sz="800" dirty="0" smtClean="0">
+                <a:solidFill>
+                  <a:prstClr val="white">
+                    <a:lumMod val="50000"/>
+                  </a:prstClr>
+                </a:solidFill>
+                <a:latin typeface="Arial" panose="020B0604020202020204" pitchFamily="34" charset="0"/>
+                <a:ea typeface="微软雅黑" panose="020B0503020204020204" pitchFamily="34" charset="-122"/>
+                <a:cs typeface="Arial" panose="020B0604020202020204" pitchFamily="34" charset="0"/>
+              </a:rPr>
+              <a:t>/cart</a:t>
+            </a:r>
+          </a:p>
+        </p:txBody>
+      </p:sp>
+      <p:grpSp>
+        <p:nvGrpSpPr>
+          <p:cNvPr id="149" name="组合 148"/>
+          <p:cNvGrpSpPr/>
+          <p:nvPr/>
+        </p:nvGrpSpPr>
+        <p:grpSpPr>
+          <a:xfrm>
+            <a:off x="5661002" y="3752953"/>
+            <a:ext cx="600178" cy="577432"/>
+            <a:chOff x="6484955" y="3395303"/>
+            <a:chExt cx="600178" cy="577432"/>
+          </a:xfrm>
+        </p:grpSpPr>
+        <p:sp>
+          <p:nvSpPr>
+            <p:cNvPr id="150" name="圆角矩形 149"/>
+            <p:cNvSpPr/>
+            <p:nvPr/>
+          </p:nvSpPr>
+          <p:spPr>
+            <a:xfrm>
+              <a:off x="6492328" y="3395303"/>
+              <a:ext cx="568398" cy="288000"/>
+            </a:xfrm>
+            <a:prstGeom prst="roundRect">
+              <a:avLst/>
+            </a:prstGeom>
+            <a:solidFill>
+              <a:srgbClr val="FF6600">
+                <a:alpha val="40000"/>
+              </a:srgbClr>
+            </a:solidFill>
+            <a:ln w="6350">
+              <a:solidFill>
+                <a:schemeClr val="tx1">
+                  <a:lumMod val="50000"/>
+                  <a:lumOff val="50000"/>
+                </a:schemeClr>
+              </a:solidFill>
+              <a:prstDash val="dash"/>
+            </a:ln>
+          </p:spPr>
+          <p:style>
+            <a:lnRef idx="2">
+              <a:schemeClr val="accent1">
+                <a:shade val="50000"/>
+              </a:schemeClr>
+            </a:lnRef>
+            <a:fillRef idx="1">
+              <a:schemeClr val="accent1"/>
+            </a:fillRef>
+            <a:effectRef idx="0">
+              <a:schemeClr val="accent1"/>
+            </a:effectRef>
+            <a:fontRef idx="minor">
+              <a:schemeClr val="lt1"/>
+            </a:fontRef>
+          </p:style>
+          <p:txBody>
+            <a:bodyPr rtlCol="0" anchor="ctr"/>
+            <a:lstStyle/>
+            <a:p>
+              <a:pPr algn="ctr"/>
+              <a:endParaRPr lang="zh-CN" altLang="en-US">
+                <a:solidFill>
+                  <a:prstClr val="white"/>
+                </a:solidFill>
+                <a:latin typeface="微软雅黑" panose="020B0503020204020204" pitchFamily="34" charset="-122"/>
+                <a:ea typeface="微软雅黑" panose="020B0503020204020204" pitchFamily="34" charset="-122"/>
+              </a:endParaRPr>
+            </a:p>
+          </p:txBody>
+        </p:sp>
+        <p:sp>
+          <p:nvSpPr>
+            <p:cNvPr id="151" name="矩形 150"/>
+            <p:cNvSpPr/>
+            <p:nvPr/>
+          </p:nvSpPr>
+          <p:spPr>
+            <a:xfrm>
+              <a:off x="6568976" y="3447626"/>
+              <a:ext cx="180000" cy="180000"/>
+            </a:xfrm>
+            <a:prstGeom prst="rect">
+              <a:avLst/>
+            </a:prstGeom>
+            <a:solidFill>
+              <a:srgbClr val="FFC000"/>
+            </a:solidFill>
+            <a:ln w="6350">
+              <a:solidFill>
+                <a:schemeClr val="bg1">
+                  <a:lumMod val="50000"/>
+                </a:schemeClr>
+              </a:solidFill>
+            </a:ln>
+          </p:spPr>
+          <p:style>
+            <a:lnRef idx="2">
+              <a:schemeClr val="accent1">
+                <a:shade val="50000"/>
+              </a:schemeClr>
+            </a:lnRef>
+            <a:fillRef idx="1">
+              <a:schemeClr val="accent1"/>
+            </a:fillRef>
+            <a:effectRef idx="0">
+              <a:schemeClr val="accent1"/>
+            </a:effectRef>
+            <a:fontRef idx="minor">
+              <a:schemeClr val="lt1"/>
+            </a:fontRef>
+          </p:style>
+          <p:txBody>
+            <a:bodyPr rtlCol="0" anchor="ctr"/>
+            <a:lstStyle/>
+            <a:p>
+              <a:pPr algn="ctr"/>
+              <a:endParaRPr lang="zh-CN" altLang="en-US">
+                <a:solidFill>
+                  <a:prstClr val="white"/>
+                </a:solidFill>
+                <a:latin typeface="微软雅黑" panose="020B0503020204020204" pitchFamily="34" charset="-122"/>
+                <a:ea typeface="微软雅黑" panose="020B0503020204020204" pitchFamily="34" charset="-122"/>
+              </a:endParaRPr>
+            </a:p>
+          </p:txBody>
+        </p:sp>
+        <p:sp>
+          <p:nvSpPr>
+            <p:cNvPr id="152" name="矩形 151"/>
+            <p:cNvSpPr/>
+            <p:nvPr/>
+          </p:nvSpPr>
+          <p:spPr>
+            <a:xfrm>
+              <a:off x="6820244" y="3447626"/>
+              <a:ext cx="180000" cy="180000"/>
+            </a:xfrm>
+            <a:prstGeom prst="rect">
+              <a:avLst/>
+            </a:prstGeom>
+            <a:solidFill>
+              <a:srgbClr val="FFC000"/>
+            </a:solidFill>
+            <a:ln w="6350">
+              <a:solidFill>
+                <a:schemeClr val="bg1">
+                  <a:lumMod val="50000"/>
+                </a:schemeClr>
+              </a:solidFill>
+            </a:ln>
+          </p:spPr>
+          <p:style>
+            <a:lnRef idx="2">
+              <a:schemeClr val="accent1">
+                <a:shade val="50000"/>
+              </a:schemeClr>
+            </a:lnRef>
+            <a:fillRef idx="1">
+              <a:schemeClr val="accent1"/>
+            </a:fillRef>
+            <a:effectRef idx="0">
+              <a:schemeClr val="accent1"/>
+            </a:effectRef>
+            <a:fontRef idx="minor">
+              <a:schemeClr val="lt1"/>
+            </a:fontRef>
+          </p:style>
+          <p:txBody>
+            <a:bodyPr rtlCol="0" anchor="ctr"/>
+            <a:lstStyle/>
+            <a:p>
+              <a:pPr algn="ctr"/>
+              <a:endParaRPr lang="zh-CN" altLang="en-US">
+                <a:solidFill>
+                  <a:prstClr val="white"/>
+                </a:solidFill>
+                <a:latin typeface="微软雅黑" panose="020B0503020204020204" pitchFamily="34" charset="-122"/>
+                <a:ea typeface="微软雅黑" panose="020B0503020204020204" pitchFamily="34" charset="-122"/>
+              </a:endParaRPr>
+            </a:p>
+          </p:txBody>
+        </p:sp>
+        <p:sp>
+          <p:nvSpPr>
+            <p:cNvPr id="153" name="矩形 152"/>
+            <p:cNvSpPr/>
+            <p:nvPr/>
+          </p:nvSpPr>
+          <p:spPr>
+            <a:xfrm>
+              <a:off x="6484955" y="3726514"/>
+              <a:ext cx="600178" cy="246221"/>
+            </a:xfrm>
+            <a:prstGeom prst="rect">
+              <a:avLst/>
+            </a:prstGeom>
+          </p:spPr>
+          <p:txBody>
+            <a:bodyPr wrap="square" lIns="36000" tIns="0" rIns="36000" bIns="0">
+              <a:spAutoFit/>
+            </a:bodyPr>
+            <a:lstStyle/>
+            <a:p>
+              <a:pPr algn="ctr"/>
+              <a:r>
+                <a:rPr lang="zh-CN" altLang="en-US" sz="800" dirty="0">
+                  <a:solidFill>
+                    <a:prstClr val="black"/>
+                  </a:solidFill>
+                  <a:latin typeface="微软雅黑" panose="020B0503020204020204" pitchFamily="34" charset="-122"/>
+                  <a:ea typeface="微软雅黑" panose="020B0503020204020204" pitchFamily="34" charset="-122"/>
+                </a:rPr>
+                <a:t>订单</a:t>
+              </a:r>
+              <a:r>
+                <a:rPr lang="zh-CN" altLang="en-US" sz="800" dirty="0" smtClean="0">
+                  <a:solidFill>
+                    <a:prstClr val="black"/>
+                  </a:solidFill>
+                  <a:latin typeface="微软雅黑" panose="020B0503020204020204" pitchFamily="34" charset="-122"/>
+                  <a:ea typeface="微软雅黑" panose="020B0503020204020204" pitchFamily="34" charset="-122"/>
+                </a:rPr>
+                <a:t>服务</a:t>
+              </a:r>
+              <a:r>
+                <a:rPr lang="en-US" altLang="zh-CN" sz="800" dirty="0" smtClean="0">
+                  <a:solidFill>
+                    <a:prstClr val="black"/>
+                  </a:solidFill>
+                  <a:latin typeface="微软雅黑" panose="020B0503020204020204" pitchFamily="34" charset="-122"/>
+                  <a:ea typeface="微软雅黑" panose="020B0503020204020204" pitchFamily="34" charset="-122"/>
+                </a:rPr>
+                <a:t>:8011</a:t>
+              </a:r>
+            </a:p>
+          </p:txBody>
+        </p:sp>
+      </p:grpSp>
+      <p:sp>
+        <p:nvSpPr>
+          <p:cNvPr id="154" name="矩形 153"/>
+          <p:cNvSpPr/>
+          <p:nvPr/>
+        </p:nvSpPr>
+        <p:spPr>
+          <a:xfrm>
+            <a:off x="6128496" y="3228639"/>
+            <a:ext cx="745888" cy="123111"/>
+          </a:xfrm>
+          <a:prstGeom prst="rect">
+            <a:avLst/>
+          </a:prstGeom>
+        </p:spPr>
+        <p:txBody>
+          <a:bodyPr wrap="square" lIns="36000" tIns="0" rIns="36000" bIns="0">
+            <a:spAutoFit/>
+          </a:bodyPr>
+          <a:lstStyle/>
+          <a:p>
+            <a:r>
+              <a:rPr lang="en-US" altLang="zh-CN" sz="800" dirty="0" smtClean="0">
+                <a:solidFill>
+                  <a:prstClr val="white">
+                    <a:lumMod val="50000"/>
+                  </a:prstClr>
+                </a:solidFill>
+                <a:latin typeface="Arial" panose="020B0604020202020204" pitchFamily="34" charset="0"/>
+                <a:ea typeface="微软雅黑" panose="020B0503020204020204" pitchFamily="34" charset="-122"/>
+                <a:cs typeface="Arial" panose="020B0604020202020204" pitchFamily="34" charset="0"/>
+              </a:rPr>
+              <a:t>/pub-</a:t>
+            </a:r>
+            <a:r>
+              <a:rPr lang="en-US" altLang="zh-CN" sz="800" dirty="0" err="1" smtClean="0">
+                <a:solidFill>
+                  <a:prstClr val="white">
+                    <a:lumMod val="50000"/>
+                  </a:prstClr>
+                </a:solidFill>
+                <a:latin typeface="Arial" panose="020B0604020202020204" pitchFamily="34" charset="0"/>
+                <a:ea typeface="微软雅黑" panose="020B0503020204020204" pitchFamily="34" charset="-122"/>
+                <a:cs typeface="Arial" panose="020B0604020202020204" pitchFamily="34" charset="0"/>
+              </a:rPr>
+              <a:t>api</a:t>
+            </a:r>
+            <a:r>
+              <a:rPr lang="en-US" altLang="zh-CN" sz="800" dirty="0" smtClean="0">
+                <a:solidFill>
+                  <a:prstClr val="white">
+                    <a:lumMod val="50000"/>
+                  </a:prstClr>
+                </a:solidFill>
+                <a:latin typeface="Arial" panose="020B0604020202020204" pitchFamily="34" charset="0"/>
+                <a:ea typeface="微软雅黑" panose="020B0503020204020204" pitchFamily="34" charset="-122"/>
+                <a:cs typeface="Arial" panose="020B0604020202020204" pitchFamily="34" charset="0"/>
+              </a:rPr>
+              <a:t>/order</a:t>
+            </a:r>
+          </a:p>
+        </p:txBody>
+      </p:sp>
+      <p:grpSp>
+        <p:nvGrpSpPr>
+          <p:cNvPr id="155" name="组合 154"/>
+          <p:cNvGrpSpPr/>
+          <p:nvPr/>
+        </p:nvGrpSpPr>
+        <p:grpSpPr>
+          <a:xfrm>
+            <a:off x="6431103" y="3756474"/>
+            <a:ext cx="600178" cy="577432"/>
+            <a:chOff x="7125788" y="3398824"/>
+            <a:chExt cx="600178" cy="577432"/>
+          </a:xfrm>
+        </p:grpSpPr>
+        <p:sp>
+          <p:nvSpPr>
+            <p:cNvPr id="156" name="圆角矩形 155"/>
+            <p:cNvSpPr/>
+            <p:nvPr/>
+          </p:nvSpPr>
+          <p:spPr>
+            <a:xfrm>
+              <a:off x="7133161" y="3398824"/>
+              <a:ext cx="568398" cy="288000"/>
+            </a:xfrm>
+            <a:prstGeom prst="roundRect">
+              <a:avLst/>
+            </a:prstGeom>
+            <a:solidFill>
+              <a:srgbClr val="FF6600">
+                <a:alpha val="40000"/>
+              </a:srgbClr>
+            </a:solidFill>
+            <a:ln w="6350">
+              <a:solidFill>
+                <a:schemeClr val="tx1">
+                  <a:lumMod val="50000"/>
+                  <a:lumOff val="50000"/>
+                </a:schemeClr>
+              </a:solidFill>
+              <a:prstDash val="dash"/>
+            </a:ln>
+          </p:spPr>
+          <p:style>
+            <a:lnRef idx="2">
+              <a:schemeClr val="accent1">
+                <a:shade val="50000"/>
+              </a:schemeClr>
+            </a:lnRef>
+            <a:fillRef idx="1">
+              <a:schemeClr val="accent1"/>
+            </a:fillRef>
+            <a:effectRef idx="0">
+              <a:schemeClr val="accent1"/>
+            </a:effectRef>
+            <a:fontRef idx="minor">
+              <a:schemeClr val="lt1"/>
+            </a:fontRef>
+          </p:style>
+          <p:txBody>
+            <a:bodyPr rtlCol="0" anchor="ctr"/>
+            <a:lstStyle/>
+            <a:p>
+              <a:pPr algn="ctr"/>
+              <a:endParaRPr lang="zh-CN" altLang="en-US">
+                <a:solidFill>
+                  <a:prstClr val="white"/>
+                </a:solidFill>
+                <a:latin typeface="微软雅黑" panose="020B0503020204020204" pitchFamily="34" charset="-122"/>
+                <a:ea typeface="微软雅黑" panose="020B0503020204020204" pitchFamily="34" charset="-122"/>
+              </a:endParaRPr>
+            </a:p>
+          </p:txBody>
+        </p:sp>
+        <p:sp>
+          <p:nvSpPr>
+            <p:cNvPr id="158" name="矩形 157"/>
+            <p:cNvSpPr/>
+            <p:nvPr/>
+          </p:nvSpPr>
+          <p:spPr>
+            <a:xfrm>
+              <a:off x="7209809" y="3451147"/>
+              <a:ext cx="180000" cy="180000"/>
+            </a:xfrm>
+            <a:prstGeom prst="rect">
+              <a:avLst/>
+            </a:prstGeom>
+            <a:solidFill>
+              <a:srgbClr val="FFC000"/>
+            </a:solidFill>
+            <a:ln w="6350">
+              <a:solidFill>
+                <a:schemeClr val="bg1">
+                  <a:lumMod val="50000"/>
+                </a:schemeClr>
+              </a:solidFill>
+            </a:ln>
+          </p:spPr>
+          <p:style>
+            <a:lnRef idx="2">
+              <a:schemeClr val="accent1">
+                <a:shade val="50000"/>
+              </a:schemeClr>
+            </a:lnRef>
+            <a:fillRef idx="1">
+              <a:schemeClr val="accent1"/>
+            </a:fillRef>
+            <a:effectRef idx="0">
+              <a:schemeClr val="accent1"/>
+            </a:effectRef>
+            <a:fontRef idx="minor">
+              <a:schemeClr val="lt1"/>
+            </a:fontRef>
+          </p:style>
+          <p:txBody>
+            <a:bodyPr rtlCol="0" anchor="ctr"/>
+            <a:lstStyle/>
+            <a:p>
+              <a:pPr algn="ctr"/>
+              <a:endParaRPr lang="zh-CN" altLang="en-US">
+                <a:solidFill>
+                  <a:prstClr val="white"/>
+                </a:solidFill>
+                <a:latin typeface="微软雅黑" panose="020B0503020204020204" pitchFamily="34" charset="-122"/>
+                <a:ea typeface="微软雅黑" panose="020B0503020204020204" pitchFamily="34" charset="-122"/>
+              </a:endParaRPr>
+            </a:p>
+          </p:txBody>
+        </p:sp>
+        <p:sp>
+          <p:nvSpPr>
+            <p:cNvPr id="159" name="矩形 158"/>
+            <p:cNvSpPr/>
+            <p:nvPr/>
+          </p:nvSpPr>
+          <p:spPr>
+            <a:xfrm>
+              <a:off x="7456743" y="3451147"/>
+              <a:ext cx="180000" cy="180000"/>
+            </a:xfrm>
+            <a:prstGeom prst="rect">
+              <a:avLst/>
+            </a:prstGeom>
+            <a:solidFill>
+              <a:srgbClr val="FFC000"/>
+            </a:solidFill>
+            <a:ln w="6350">
+              <a:solidFill>
+                <a:schemeClr val="bg1">
+                  <a:lumMod val="50000"/>
+                </a:schemeClr>
+              </a:solidFill>
+            </a:ln>
+          </p:spPr>
+          <p:style>
+            <a:lnRef idx="2">
+              <a:schemeClr val="accent1">
+                <a:shade val="50000"/>
+              </a:schemeClr>
+            </a:lnRef>
+            <a:fillRef idx="1">
+              <a:schemeClr val="accent1"/>
+            </a:fillRef>
+            <a:effectRef idx="0">
+              <a:schemeClr val="accent1"/>
+            </a:effectRef>
+            <a:fontRef idx="minor">
+              <a:schemeClr val="lt1"/>
+            </a:fontRef>
+          </p:style>
+          <p:txBody>
+            <a:bodyPr rtlCol="0" anchor="ctr"/>
+            <a:lstStyle/>
+            <a:p>
+              <a:pPr algn="ctr"/>
+              <a:endParaRPr lang="zh-CN" altLang="en-US">
+                <a:solidFill>
+                  <a:prstClr val="white"/>
+                </a:solidFill>
+                <a:latin typeface="微软雅黑" panose="020B0503020204020204" pitchFamily="34" charset="-122"/>
+                <a:ea typeface="微软雅黑" panose="020B0503020204020204" pitchFamily="34" charset="-122"/>
+              </a:endParaRPr>
+            </a:p>
+          </p:txBody>
+        </p:sp>
+        <p:sp>
+          <p:nvSpPr>
+            <p:cNvPr id="160" name="矩形 159"/>
+            <p:cNvSpPr/>
+            <p:nvPr/>
+          </p:nvSpPr>
+          <p:spPr>
+            <a:xfrm>
+              <a:off x="7125788" y="3730035"/>
+              <a:ext cx="600178" cy="246221"/>
+            </a:xfrm>
+            <a:prstGeom prst="rect">
+              <a:avLst/>
+            </a:prstGeom>
+          </p:spPr>
+          <p:txBody>
+            <a:bodyPr wrap="square" lIns="36000" tIns="0" rIns="36000" bIns="0">
+              <a:spAutoFit/>
+            </a:bodyPr>
+            <a:lstStyle/>
+            <a:p>
+              <a:pPr algn="ctr"/>
+              <a:r>
+                <a:rPr lang="zh-CN" altLang="en-US" sz="800" dirty="0">
+                  <a:solidFill>
+                    <a:prstClr val="black"/>
+                  </a:solidFill>
+                  <a:latin typeface="微软雅黑" panose="020B0503020204020204" pitchFamily="34" charset="-122"/>
+                  <a:ea typeface="微软雅黑" panose="020B0503020204020204" pitchFamily="34" charset="-122"/>
+                </a:rPr>
+                <a:t>商品</a:t>
+              </a:r>
+              <a:r>
+                <a:rPr lang="zh-CN" altLang="en-US" sz="800" dirty="0" smtClean="0">
+                  <a:solidFill>
+                    <a:prstClr val="black"/>
+                  </a:solidFill>
+                  <a:latin typeface="微软雅黑" panose="020B0503020204020204" pitchFamily="34" charset="-122"/>
+                  <a:ea typeface="微软雅黑" panose="020B0503020204020204" pitchFamily="34" charset="-122"/>
+                </a:rPr>
+                <a:t>服务</a:t>
+              </a:r>
+              <a:r>
+                <a:rPr lang="en-US" altLang="zh-CN" sz="800" dirty="0" smtClean="0">
+                  <a:solidFill>
+                    <a:prstClr val="black"/>
+                  </a:solidFill>
+                  <a:latin typeface="微软雅黑" panose="020B0503020204020204" pitchFamily="34" charset="-122"/>
+                  <a:ea typeface="微软雅黑" panose="020B0503020204020204" pitchFamily="34" charset="-122"/>
+                </a:rPr>
+                <a:t>:8012</a:t>
+              </a:r>
+            </a:p>
+          </p:txBody>
+        </p:sp>
+      </p:grpSp>
+      <p:sp>
+        <p:nvSpPr>
+          <p:cNvPr id="161" name="矩形 160"/>
+          <p:cNvSpPr/>
+          <p:nvPr/>
+        </p:nvSpPr>
+        <p:spPr>
+          <a:xfrm>
+            <a:off x="6879035" y="3169393"/>
+            <a:ext cx="789978" cy="246221"/>
+          </a:xfrm>
+          <a:prstGeom prst="rect">
+            <a:avLst/>
+          </a:prstGeom>
+        </p:spPr>
+        <p:txBody>
+          <a:bodyPr wrap="square" lIns="36000" tIns="0" rIns="36000" bIns="0">
+            <a:spAutoFit/>
+          </a:bodyPr>
+          <a:lstStyle/>
+          <a:p>
+            <a:r>
+              <a:rPr lang="en-US" altLang="zh-CN" sz="800" dirty="0" smtClean="0">
+                <a:solidFill>
+                  <a:prstClr val="white">
+                    <a:lumMod val="50000"/>
+                  </a:prstClr>
+                </a:solidFill>
+                <a:latin typeface="Arial" panose="020B0604020202020204" pitchFamily="34" charset="0"/>
+                <a:ea typeface="微软雅黑" panose="020B0503020204020204" pitchFamily="34" charset="-122"/>
+                <a:cs typeface="Arial" panose="020B0604020202020204" pitchFamily="34" charset="0"/>
+              </a:rPr>
+              <a:t>/pub-</a:t>
+            </a:r>
+            <a:r>
+              <a:rPr lang="en-US" altLang="zh-CN" sz="800" dirty="0" err="1" smtClean="0">
+                <a:solidFill>
+                  <a:prstClr val="white">
+                    <a:lumMod val="50000"/>
+                  </a:prstClr>
+                </a:solidFill>
+                <a:latin typeface="Arial" panose="020B0604020202020204" pitchFamily="34" charset="0"/>
+                <a:ea typeface="微软雅黑" panose="020B0503020204020204" pitchFamily="34" charset="-122"/>
+                <a:cs typeface="Arial" panose="020B0604020202020204" pitchFamily="34" charset="0"/>
+              </a:rPr>
+              <a:t>api</a:t>
+            </a:r>
+            <a:r>
+              <a:rPr lang="en-US" altLang="zh-CN" sz="800" dirty="0" smtClean="0">
+                <a:solidFill>
+                  <a:prstClr val="white">
+                    <a:lumMod val="50000"/>
+                  </a:prstClr>
+                </a:solidFill>
+                <a:latin typeface="Arial" panose="020B0604020202020204" pitchFamily="34" charset="0"/>
+                <a:ea typeface="微软雅黑" panose="020B0503020204020204" pitchFamily="34" charset="-122"/>
+                <a:cs typeface="Arial" panose="020B0604020202020204" pitchFamily="34" charset="0"/>
+              </a:rPr>
+              <a:t>/item</a:t>
+            </a:r>
+          </a:p>
+          <a:p>
+            <a:r>
+              <a:rPr lang="en-US" altLang="zh-CN" sz="800" dirty="0" smtClean="0">
+                <a:solidFill>
+                  <a:prstClr val="white">
+                    <a:lumMod val="50000"/>
+                  </a:prstClr>
+                </a:solidFill>
+                <a:latin typeface="Arial" panose="020B0604020202020204" pitchFamily="34" charset="0"/>
+                <a:ea typeface="微软雅黑" panose="020B0503020204020204" pitchFamily="34" charset="-122"/>
+                <a:cs typeface="Arial" panose="020B0604020202020204" pitchFamily="34" charset="0"/>
+              </a:rPr>
+              <a:t>/manage/item</a:t>
+            </a:r>
+          </a:p>
+        </p:txBody>
+      </p:sp>
+      <p:sp>
+        <p:nvSpPr>
+          <p:cNvPr id="162" name="矩形 161"/>
+          <p:cNvSpPr/>
+          <p:nvPr/>
+        </p:nvSpPr>
+        <p:spPr>
+          <a:xfrm>
+            <a:off x="5432505" y="4438281"/>
+            <a:ext cx="513614" cy="123111"/>
+          </a:xfrm>
+          <a:prstGeom prst="rect">
+            <a:avLst/>
+          </a:prstGeom>
+        </p:spPr>
+        <p:txBody>
+          <a:bodyPr wrap="square" lIns="36000" tIns="0" rIns="36000" bIns="0">
+            <a:spAutoFit/>
+          </a:bodyPr>
+          <a:lstStyle/>
+          <a:p>
+            <a:pPr algn="ctr"/>
+            <a:r>
+              <a:rPr lang="zh-CN" altLang="en-US" sz="800" b="1" dirty="0" smtClean="0">
+                <a:solidFill>
+                  <a:prstClr val="black"/>
+                </a:solidFill>
+                <a:latin typeface="微软雅黑" panose="020B0503020204020204" pitchFamily="34" charset="-122"/>
+                <a:ea typeface="微软雅黑" panose="020B0503020204020204" pitchFamily="34" charset="-122"/>
+              </a:rPr>
+              <a:t>商城服务</a:t>
+            </a:r>
+            <a:endParaRPr lang="en-US" altLang="zh-CN" sz="800" dirty="0" smtClean="0">
+              <a:solidFill>
+                <a:prstClr val="black"/>
+              </a:solidFill>
+              <a:latin typeface="微软雅黑" panose="020B0503020204020204" pitchFamily="34" charset="-122"/>
+              <a:ea typeface="微软雅黑" panose="020B0503020204020204" pitchFamily="34" charset="-122"/>
+            </a:endParaRPr>
+          </a:p>
+        </p:txBody>
+      </p:sp>
+      <p:sp>
+        <p:nvSpPr>
+          <p:cNvPr id="239" name="流程图: 多文档 238"/>
+          <p:cNvSpPr/>
+          <p:nvPr/>
+        </p:nvSpPr>
+        <p:spPr>
+          <a:xfrm>
+            <a:off x="2736536" y="1976824"/>
+            <a:ext cx="701681" cy="317219"/>
+          </a:xfrm>
+          <a:prstGeom prst="flowChartMultidocument">
+            <a:avLst/>
+          </a:prstGeom>
+          <a:solidFill>
+            <a:srgbClr val="3399FF"/>
+          </a:solidFill>
+          <a:ln w="6350">
+            <a:solidFill>
+              <a:schemeClr val="bg1"/>
+            </a:solidFill>
+          </a:ln>
+        </p:spPr>
+        <p:style>
+          <a:lnRef idx="2">
+            <a:schemeClr val="accent1">
+              <a:shade val="50000"/>
+            </a:schemeClr>
+          </a:lnRef>
+          <a:fillRef idx="1">
+            <a:schemeClr val="accent1"/>
+          </a:fillRef>
+          <a:effectRef idx="0">
+            <a:schemeClr val="accent1"/>
+          </a:effectRef>
+          <a:fontRef idx="minor">
+            <a:schemeClr val="lt1"/>
+          </a:fontRef>
+        </p:style>
+        <p:txBody>
+          <a:bodyPr lIns="0" tIns="0" rIns="0" bIns="0" rtlCol="0" anchor="ctr"/>
+          <a:lstStyle/>
+          <a:p>
+            <a:pPr algn="ctr"/>
+            <a:r>
+              <a:rPr lang="en-US" altLang="zh-CN" sz="800" b="1" dirty="0" smtClean="0">
+                <a:solidFill>
+                  <a:prstClr val="white"/>
+                </a:solidFill>
+                <a:latin typeface="微软雅黑" panose="020B0503020204020204" pitchFamily="34" charset="-122"/>
+                <a:ea typeface="微软雅黑" panose="020B0503020204020204" pitchFamily="34" charset="-122"/>
+              </a:rPr>
+              <a:t>/front</a:t>
+            </a:r>
+            <a:endParaRPr lang="zh-CN" altLang="en-US" sz="800" b="1" dirty="0">
+              <a:solidFill>
+                <a:prstClr val="white"/>
+              </a:solidFill>
+              <a:latin typeface="微软雅黑" panose="020B0503020204020204" pitchFamily="34" charset="-122"/>
+              <a:ea typeface="微软雅黑" panose="020B0503020204020204" pitchFamily="34" charset="-122"/>
+            </a:endParaRPr>
+          </a:p>
+        </p:txBody>
+      </p:sp>
+      <p:sp>
+        <p:nvSpPr>
+          <p:cNvPr id="240" name="流程图: 多文档 239"/>
+          <p:cNvSpPr/>
+          <p:nvPr/>
+        </p:nvSpPr>
+        <p:spPr>
+          <a:xfrm>
+            <a:off x="4484702" y="1976824"/>
+            <a:ext cx="701681" cy="317219"/>
+          </a:xfrm>
+          <a:prstGeom prst="flowChartMultidocument">
+            <a:avLst/>
+          </a:prstGeom>
+          <a:solidFill>
+            <a:srgbClr val="3399FF"/>
+          </a:solidFill>
+          <a:ln w="6350">
+            <a:solidFill>
+              <a:schemeClr val="bg1"/>
+            </a:solidFill>
+          </a:ln>
+        </p:spPr>
+        <p:style>
+          <a:lnRef idx="2">
+            <a:schemeClr val="accent1">
+              <a:shade val="50000"/>
+            </a:schemeClr>
+          </a:lnRef>
+          <a:fillRef idx="1">
+            <a:schemeClr val="accent1"/>
+          </a:fillRef>
+          <a:effectRef idx="0">
+            <a:schemeClr val="accent1"/>
+          </a:effectRef>
+          <a:fontRef idx="minor">
+            <a:schemeClr val="lt1"/>
+          </a:fontRef>
+        </p:style>
+        <p:txBody>
+          <a:bodyPr lIns="0" tIns="0" rIns="0" bIns="0" rtlCol="0" anchor="ctr"/>
+          <a:lstStyle/>
+          <a:p>
+            <a:pPr algn="ctr"/>
+            <a:r>
+              <a:rPr lang="en-US" altLang="zh-CN" sz="800" b="1" dirty="0" smtClean="0">
+                <a:solidFill>
+                  <a:prstClr val="white"/>
+                </a:solidFill>
+                <a:latin typeface="微软雅黑" panose="020B0503020204020204" pitchFamily="34" charset="-122"/>
+                <a:ea typeface="微软雅黑" panose="020B0503020204020204" pitchFamily="34" charset="-122"/>
+              </a:rPr>
+              <a:t>/manager</a:t>
+            </a:r>
+            <a:endParaRPr lang="zh-CN" altLang="en-US" sz="800" b="1" dirty="0">
+              <a:solidFill>
+                <a:prstClr val="white"/>
+              </a:solidFill>
+              <a:latin typeface="微软雅黑" panose="020B0503020204020204" pitchFamily="34" charset="-122"/>
+              <a:ea typeface="微软雅黑" panose="020B0503020204020204" pitchFamily="34" charset="-122"/>
+            </a:endParaRPr>
+          </a:p>
+        </p:txBody>
+      </p:sp>
+      <p:sp>
+        <p:nvSpPr>
+          <p:cNvPr id="241" name="矩形 240"/>
+          <p:cNvSpPr/>
+          <p:nvPr/>
+        </p:nvSpPr>
+        <p:spPr>
+          <a:xfrm>
+            <a:off x="2694111" y="2317044"/>
+            <a:ext cx="701681" cy="123111"/>
+          </a:xfrm>
+          <a:prstGeom prst="rect">
+            <a:avLst/>
+          </a:prstGeom>
+        </p:spPr>
+        <p:txBody>
+          <a:bodyPr wrap="square" lIns="36000" tIns="0" rIns="36000" bIns="0">
+            <a:spAutoFit/>
+          </a:bodyPr>
+          <a:lstStyle/>
+          <a:p>
+            <a:r>
+              <a:rPr lang="zh-CN" altLang="en-US" sz="800" b="1" dirty="0" smtClean="0">
+                <a:solidFill>
+                  <a:prstClr val="black"/>
+                </a:solidFill>
+                <a:latin typeface="微软雅黑" panose="020B0503020204020204" pitchFamily="34" charset="-122"/>
+                <a:ea typeface="微软雅黑" panose="020B0503020204020204" pitchFamily="34" charset="-122"/>
+              </a:rPr>
+              <a:t>用户前台页面</a:t>
+            </a:r>
+            <a:endParaRPr lang="en-US" altLang="zh-CN" sz="800" b="1" dirty="0" smtClean="0">
+              <a:solidFill>
+                <a:prstClr val="black"/>
+              </a:solidFill>
+              <a:latin typeface="微软雅黑" panose="020B0503020204020204" pitchFamily="34" charset="-122"/>
+              <a:ea typeface="微软雅黑" panose="020B0503020204020204" pitchFamily="34" charset="-122"/>
+            </a:endParaRPr>
+          </a:p>
+        </p:txBody>
+      </p:sp>
+      <p:sp>
+        <p:nvSpPr>
+          <p:cNvPr id="87" name="矩形 86"/>
+          <p:cNvSpPr/>
+          <p:nvPr/>
+        </p:nvSpPr>
+        <p:spPr>
+          <a:xfrm>
+            <a:off x="4443600" y="2319831"/>
+            <a:ext cx="701681" cy="123111"/>
+          </a:xfrm>
+          <a:prstGeom prst="rect">
+            <a:avLst/>
+          </a:prstGeom>
+        </p:spPr>
+        <p:txBody>
+          <a:bodyPr wrap="square" lIns="36000" tIns="0" rIns="36000" bIns="0">
+            <a:spAutoFit/>
+          </a:bodyPr>
+          <a:lstStyle/>
+          <a:p>
+            <a:r>
+              <a:rPr lang="zh-CN" altLang="en-US" sz="800" b="1" dirty="0" smtClean="0">
+                <a:solidFill>
+                  <a:prstClr val="black"/>
+                </a:solidFill>
+                <a:latin typeface="微软雅黑" panose="020B0503020204020204" pitchFamily="34" charset="-122"/>
+                <a:ea typeface="微软雅黑" panose="020B0503020204020204" pitchFamily="34" charset="-122"/>
+              </a:rPr>
+              <a:t>店主后台页面</a:t>
+            </a:r>
+            <a:endParaRPr lang="en-US" altLang="zh-CN" sz="800" b="1" dirty="0" smtClean="0">
+              <a:solidFill>
+                <a:prstClr val="black"/>
+              </a:solidFill>
+              <a:latin typeface="微软雅黑" panose="020B0503020204020204" pitchFamily="34" charset="-122"/>
+              <a:ea typeface="微软雅黑" panose="020B0503020204020204" pitchFamily="34" charset="-122"/>
+            </a:endParaRPr>
+          </a:p>
+        </p:txBody>
+      </p:sp>
+      <p:sp>
+        <p:nvSpPr>
+          <p:cNvPr id="202" name="矩形 201"/>
+          <p:cNvSpPr/>
+          <p:nvPr/>
+        </p:nvSpPr>
+        <p:spPr>
+          <a:xfrm>
+            <a:off x="3615799" y="2032569"/>
+            <a:ext cx="583656" cy="276999"/>
+          </a:xfrm>
+          <a:prstGeom prst="rect">
+            <a:avLst/>
+          </a:prstGeom>
+        </p:spPr>
+        <p:txBody>
+          <a:bodyPr wrap="square" lIns="36000" tIns="0" rIns="36000" bIns="0">
+            <a:spAutoFit/>
+          </a:bodyPr>
+          <a:lstStyle/>
+          <a:p>
+            <a:pPr algn="ctr"/>
+            <a:r>
+              <a:rPr lang="en-US" altLang="zh-CN" sz="900" b="1" dirty="0" err="1" smtClean="0">
+                <a:solidFill>
+                  <a:prstClr val="black"/>
+                </a:solidFill>
+                <a:latin typeface="微软雅黑" panose="020B0503020204020204" pitchFamily="34" charset="-122"/>
+                <a:ea typeface="微软雅黑" panose="020B0503020204020204" pitchFamily="34" charset="-122"/>
+              </a:rPr>
+              <a:t>ReactJS</a:t>
+            </a:r>
+            <a:endParaRPr lang="en-US" altLang="zh-CN" sz="900" b="1" dirty="0" smtClean="0">
+              <a:solidFill>
+                <a:prstClr val="black"/>
+              </a:solidFill>
+              <a:latin typeface="微软雅黑" panose="020B0503020204020204" pitchFamily="34" charset="-122"/>
+              <a:ea typeface="微软雅黑" panose="020B0503020204020204" pitchFamily="34" charset="-122"/>
+            </a:endParaRPr>
+          </a:p>
+          <a:p>
+            <a:pPr algn="ctr"/>
+            <a:r>
+              <a:rPr lang="zh-CN" altLang="en-US" sz="900" b="1" dirty="0" smtClean="0">
+                <a:solidFill>
+                  <a:prstClr val="black"/>
+                </a:solidFill>
+                <a:latin typeface="微软雅黑" panose="020B0503020204020204" pitchFamily="34" charset="-122"/>
+                <a:ea typeface="微软雅黑" panose="020B0503020204020204" pitchFamily="34" charset="-122"/>
+              </a:rPr>
+              <a:t>静态资源</a:t>
+            </a:r>
+            <a:endParaRPr lang="en-US" altLang="zh-CN" sz="900" b="1" dirty="0" smtClean="0">
+              <a:solidFill>
+                <a:prstClr val="black"/>
+              </a:solidFill>
+              <a:latin typeface="微软雅黑" panose="020B0503020204020204" pitchFamily="34" charset="-122"/>
+              <a:ea typeface="微软雅黑" panose="020B0503020204020204" pitchFamily="34" charset="-122"/>
+            </a:endParaRPr>
+          </a:p>
+        </p:txBody>
+      </p:sp>
+      <p:sp>
+        <p:nvSpPr>
+          <p:cNvPr id="303" name="椭圆 302"/>
+          <p:cNvSpPr/>
+          <p:nvPr/>
+        </p:nvSpPr>
+        <p:spPr>
+          <a:xfrm>
+            <a:off x="4179849" y="3768744"/>
+            <a:ext cx="84602" cy="81804"/>
+          </a:xfrm>
+          <a:prstGeom prst="ellipse">
+            <a:avLst/>
+          </a:prstGeom>
+          <a:noFill/>
+          <a:ln>
+            <a:noFill/>
+          </a:ln>
+        </p:spPr>
+        <p:style>
+          <a:lnRef idx="2">
+            <a:schemeClr val="accent1">
+              <a:shade val="50000"/>
+            </a:schemeClr>
+          </a:lnRef>
+          <a:fillRef idx="1">
+            <a:schemeClr val="accent1"/>
+          </a:fillRef>
+          <a:effectRef idx="0">
+            <a:schemeClr val="accent1"/>
+          </a:effectRef>
+          <a:fontRef idx="minor">
+            <a:schemeClr val="lt1"/>
+          </a:fontRef>
+        </p:style>
+        <p:txBody>
+          <a:bodyPr rtlCol="0" anchor="ctr"/>
+          <a:lstStyle/>
+          <a:p>
+            <a:pPr algn="ctr"/>
+            <a:endParaRPr lang="zh-CN" altLang="en-US">
+              <a:solidFill>
+                <a:prstClr val="white"/>
+              </a:solidFill>
+            </a:endParaRPr>
+          </a:p>
+        </p:txBody>
+      </p:sp>
+      <p:sp>
+        <p:nvSpPr>
+          <p:cNvPr id="221" name="椭圆 220"/>
+          <p:cNvSpPr/>
+          <p:nvPr/>
+        </p:nvSpPr>
+        <p:spPr>
+          <a:xfrm>
+            <a:off x="4972914" y="3769929"/>
+            <a:ext cx="84602" cy="81804"/>
+          </a:xfrm>
+          <a:prstGeom prst="ellipse">
+            <a:avLst/>
+          </a:prstGeom>
+          <a:noFill/>
+          <a:ln>
+            <a:noFill/>
+          </a:ln>
+        </p:spPr>
+        <p:style>
+          <a:lnRef idx="2">
+            <a:schemeClr val="accent1">
+              <a:shade val="50000"/>
+            </a:schemeClr>
+          </a:lnRef>
+          <a:fillRef idx="1">
+            <a:schemeClr val="accent1"/>
+          </a:fillRef>
+          <a:effectRef idx="0">
+            <a:schemeClr val="accent1"/>
+          </a:effectRef>
+          <a:fontRef idx="minor">
+            <a:schemeClr val="lt1"/>
+          </a:fontRef>
+        </p:style>
+        <p:txBody>
+          <a:bodyPr rtlCol="0" anchor="ctr"/>
+          <a:lstStyle/>
+          <a:p>
+            <a:pPr algn="ctr"/>
+            <a:endParaRPr lang="zh-CN" altLang="en-US">
+              <a:solidFill>
+                <a:prstClr val="white"/>
+              </a:solidFill>
+            </a:endParaRPr>
+          </a:p>
+        </p:txBody>
+      </p:sp>
+      <p:sp>
+        <p:nvSpPr>
+          <p:cNvPr id="222" name="椭圆 221"/>
+          <p:cNvSpPr/>
+          <p:nvPr/>
+        </p:nvSpPr>
+        <p:spPr>
+          <a:xfrm>
+            <a:off x="5757218" y="3765142"/>
+            <a:ext cx="84602" cy="81804"/>
+          </a:xfrm>
+          <a:prstGeom prst="ellipse">
+            <a:avLst/>
+          </a:prstGeom>
+          <a:noFill/>
+          <a:ln>
+            <a:noFill/>
+          </a:ln>
+        </p:spPr>
+        <p:style>
+          <a:lnRef idx="2">
+            <a:schemeClr val="accent1">
+              <a:shade val="50000"/>
+            </a:schemeClr>
+          </a:lnRef>
+          <a:fillRef idx="1">
+            <a:schemeClr val="accent1"/>
+          </a:fillRef>
+          <a:effectRef idx="0">
+            <a:schemeClr val="accent1"/>
+          </a:effectRef>
+          <a:fontRef idx="minor">
+            <a:schemeClr val="lt1"/>
+          </a:fontRef>
+        </p:style>
+        <p:txBody>
+          <a:bodyPr rtlCol="0" anchor="ctr"/>
+          <a:lstStyle/>
+          <a:p>
+            <a:pPr algn="ctr"/>
+            <a:endParaRPr lang="zh-CN" altLang="en-US">
+              <a:solidFill>
+                <a:prstClr val="white"/>
+              </a:solidFill>
+            </a:endParaRPr>
+          </a:p>
+        </p:txBody>
+      </p:sp>
+      <p:sp>
+        <p:nvSpPr>
+          <p:cNvPr id="223" name="椭圆 222"/>
+          <p:cNvSpPr/>
+          <p:nvPr/>
+        </p:nvSpPr>
+        <p:spPr>
+          <a:xfrm>
+            <a:off x="6524107" y="3770762"/>
+            <a:ext cx="84602" cy="81804"/>
+          </a:xfrm>
+          <a:prstGeom prst="ellipse">
+            <a:avLst/>
+          </a:prstGeom>
+          <a:noFill/>
+          <a:ln>
+            <a:noFill/>
+          </a:ln>
+        </p:spPr>
+        <p:style>
+          <a:lnRef idx="2">
+            <a:schemeClr val="accent1">
+              <a:shade val="50000"/>
+            </a:schemeClr>
+          </a:lnRef>
+          <a:fillRef idx="1">
+            <a:schemeClr val="accent1"/>
+          </a:fillRef>
+          <a:effectRef idx="0">
+            <a:schemeClr val="accent1"/>
+          </a:effectRef>
+          <a:fontRef idx="minor">
+            <a:schemeClr val="lt1"/>
+          </a:fontRef>
+        </p:style>
+        <p:txBody>
+          <a:bodyPr rtlCol="0" anchor="ctr"/>
+          <a:lstStyle/>
+          <a:p>
+            <a:pPr algn="ctr"/>
+            <a:endParaRPr lang="zh-CN" altLang="en-US">
+              <a:solidFill>
+                <a:prstClr val="white"/>
+              </a:solidFill>
+            </a:endParaRPr>
+          </a:p>
+        </p:txBody>
+      </p:sp>
+      <p:sp>
+        <p:nvSpPr>
+          <p:cNvPr id="304" name="椭圆 303"/>
+          <p:cNvSpPr/>
+          <p:nvPr/>
+        </p:nvSpPr>
+        <p:spPr>
+          <a:xfrm>
+            <a:off x="4503151" y="3767462"/>
+            <a:ext cx="84602" cy="81804"/>
+          </a:xfrm>
+          <a:prstGeom prst="ellipse">
+            <a:avLst/>
+          </a:prstGeom>
+          <a:noFill/>
+          <a:ln>
+            <a:noFill/>
+          </a:ln>
+        </p:spPr>
+        <p:style>
+          <a:lnRef idx="2">
+            <a:schemeClr val="accent1">
+              <a:shade val="50000"/>
+            </a:schemeClr>
+          </a:lnRef>
+          <a:fillRef idx="1">
+            <a:schemeClr val="accent1"/>
+          </a:fillRef>
+          <a:effectRef idx="0">
+            <a:schemeClr val="accent1"/>
+          </a:effectRef>
+          <a:fontRef idx="minor">
+            <a:schemeClr val="lt1"/>
+          </a:fontRef>
+        </p:style>
+        <p:txBody>
+          <a:bodyPr rtlCol="0" anchor="ctr"/>
+          <a:lstStyle/>
+          <a:p>
+            <a:pPr algn="ctr"/>
+            <a:endParaRPr lang="zh-CN" altLang="en-US">
+              <a:solidFill>
+                <a:prstClr val="white"/>
+              </a:solidFill>
+            </a:endParaRPr>
+          </a:p>
+        </p:txBody>
+      </p:sp>
+      <p:sp>
+        <p:nvSpPr>
+          <p:cNvPr id="305" name="椭圆 304"/>
+          <p:cNvSpPr/>
+          <p:nvPr/>
+        </p:nvSpPr>
+        <p:spPr>
+          <a:xfrm>
+            <a:off x="5296216" y="3768647"/>
+            <a:ext cx="84602" cy="81804"/>
+          </a:xfrm>
+          <a:prstGeom prst="ellipse">
+            <a:avLst/>
+          </a:prstGeom>
+          <a:noFill/>
+          <a:ln>
+            <a:noFill/>
+          </a:ln>
+        </p:spPr>
+        <p:style>
+          <a:lnRef idx="2">
+            <a:schemeClr val="accent1">
+              <a:shade val="50000"/>
+            </a:schemeClr>
+          </a:lnRef>
+          <a:fillRef idx="1">
+            <a:schemeClr val="accent1"/>
+          </a:fillRef>
+          <a:effectRef idx="0">
+            <a:schemeClr val="accent1"/>
+          </a:effectRef>
+          <a:fontRef idx="minor">
+            <a:schemeClr val="lt1"/>
+          </a:fontRef>
+        </p:style>
+        <p:txBody>
+          <a:bodyPr rtlCol="0" anchor="ctr"/>
+          <a:lstStyle/>
+          <a:p>
+            <a:pPr algn="ctr"/>
+            <a:endParaRPr lang="zh-CN" altLang="en-US">
+              <a:solidFill>
+                <a:prstClr val="white"/>
+              </a:solidFill>
+            </a:endParaRPr>
+          </a:p>
+        </p:txBody>
+      </p:sp>
+      <p:sp>
+        <p:nvSpPr>
+          <p:cNvPr id="309" name="椭圆 308"/>
+          <p:cNvSpPr/>
+          <p:nvPr/>
+        </p:nvSpPr>
+        <p:spPr>
+          <a:xfrm>
+            <a:off x="6080520" y="3763860"/>
+            <a:ext cx="84602" cy="81804"/>
+          </a:xfrm>
+          <a:prstGeom prst="ellipse">
+            <a:avLst/>
+          </a:prstGeom>
+          <a:noFill/>
+          <a:ln>
+            <a:noFill/>
+          </a:ln>
+        </p:spPr>
+        <p:style>
+          <a:lnRef idx="2">
+            <a:schemeClr val="accent1">
+              <a:shade val="50000"/>
+            </a:schemeClr>
+          </a:lnRef>
+          <a:fillRef idx="1">
+            <a:schemeClr val="accent1"/>
+          </a:fillRef>
+          <a:effectRef idx="0">
+            <a:schemeClr val="accent1"/>
+          </a:effectRef>
+          <a:fontRef idx="minor">
+            <a:schemeClr val="lt1"/>
+          </a:fontRef>
+        </p:style>
+        <p:txBody>
+          <a:bodyPr rtlCol="0" anchor="ctr"/>
+          <a:lstStyle/>
+          <a:p>
+            <a:pPr algn="ctr"/>
+            <a:endParaRPr lang="zh-CN" altLang="en-US">
+              <a:solidFill>
+                <a:prstClr val="white"/>
+              </a:solidFill>
+            </a:endParaRPr>
+          </a:p>
+        </p:txBody>
+      </p:sp>
+      <p:sp>
+        <p:nvSpPr>
+          <p:cNvPr id="310" name="椭圆 309"/>
+          <p:cNvSpPr/>
+          <p:nvPr/>
+        </p:nvSpPr>
+        <p:spPr>
+          <a:xfrm>
+            <a:off x="6847409" y="3769480"/>
+            <a:ext cx="84602" cy="81804"/>
+          </a:xfrm>
+          <a:prstGeom prst="ellipse">
+            <a:avLst/>
+          </a:prstGeom>
+          <a:noFill/>
+          <a:ln>
+            <a:noFill/>
+          </a:ln>
+        </p:spPr>
+        <p:style>
+          <a:lnRef idx="2">
+            <a:schemeClr val="accent1">
+              <a:shade val="50000"/>
+            </a:schemeClr>
+          </a:lnRef>
+          <a:fillRef idx="1">
+            <a:schemeClr val="accent1"/>
+          </a:fillRef>
+          <a:effectRef idx="0">
+            <a:schemeClr val="accent1"/>
+          </a:effectRef>
+          <a:fontRef idx="minor">
+            <a:schemeClr val="lt1"/>
+          </a:fontRef>
+        </p:style>
+        <p:txBody>
+          <a:bodyPr rtlCol="0" anchor="ctr"/>
+          <a:lstStyle/>
+          <a:p>
+            <a:pPr algn="ctr"/>
+            <a:endParaRPr lang="zh-CN" altLang="en-US">
+              <a:solidFill>
+                <a:prstClr val="white"/>
+              </a:solidFill>
+            </a:endParaRPr>
+          </a:p>
+        </p:txBody>
+      </p:sp>
+      <p:cxnSp>
+        <p:nvCxnSpPr>
+          <p:cNvPr id="311" name="直接箭头连接符 8"/>
+          <p:cNvCxnSpPr>
+            <a:stCxn id="88" idx="2"/>
+            <a:endCxn id="303" idx="0"/>
+          </p:cNvCxnSpPr>
+          <p:nvPr/>
+        </p:nvCxnSpPr>
+        <p:spPr>
+          <a:xfrm rot="16200000" flipH="1">
+            <a:off x="3664285" y="3210878"/>
+            <a:ext cx="797173" cy="318558"/>
+          </a:xfrm>
+          <a:prstGeom prst="bentConnector3">
+            <a:avLst>
+              <a:gd name="adj1" fmla="val 59260"/>
+            </a:avLst>
+          </a:prstGeom>
+          <a:ln w="6350">
+            <a:solidFill>
+              <a:srgbClr val="FF8181"/>
+            </a:solidFill>
+            <a:headEnd type="none" w="med" len="med"/>
+            <a:tailEnd type="arrow" w="med" len="med"/>
+          </a:ln>
+        </p:spPr>
+        <p:style>
+          <a:lnRef idx="1">
+            <a:schemeClr val="accent1"/>
+          </a:lnRef>
+          <a:fillRef idx="0">
+            <a:schemeClr val="accent1"/>
+          </a:fillRef>
+          <a:effectRef idx="0">
+            <a:schemeClr val="accent1"/>
+          </a:effectRef>
+          <a:fontRef idx="minor">
+            <a:schemeClr val="tx1"/>
+          </a:fontRef>
+        </p:style>
+      </p:cxnSp>
+      <p:cxnSp>
+        <p:nvCxnSpPr>
+          <p:cNvPr id="317" name="直接箭头连接符 8"/>
+          <p:cNvCxnSpPr>
+            <a:stCxn id="88" idx="2"/>
+            <a:endCxn id="221" idx="0"/>
+          </p:cNvCxnSpPr>
+          <p:nvPr/>
+        </p:nvCxnSpPr>
+        <p:spPr>
+          <a:xfrm rot="16200000" flipH="1">
+            <a:off x="4060224" y="2814938"/>
+            <a:ext cx="798358" cy="1111623"/>
+          </a:xfrm>
+          <a:prstGeom prst="bentConnector3">
+            <a:avLst>
+              <a:gd name="adj1" fmla="val 58948"/>
+            </a:avLst>
+          </a:prstGeom>
+          <a:ln w="6350">
+            <a:solidFill>
+              <a:srgbClr val="FF8181"/>
+            </a:solidFill>
+            <a:headEnd type="none" w="med" len="med"/>
+            <a:tailEnd type="arrow" w="med" len="med"/>
+          </a:ln>
+        </p:spPr>
+        <p:style>
+          <a:lnRef idx="1">
+            <a:schemeClr val="accent1"/>
+          </a:lnRef>
+          <a:fillRef idx="0">
+            <a:schemeClr val="accent1"/>
+          </a:fillRef>
+          <a:effectRef idx="0">
+            <a:schemeClr val="accent1"/>
+          </a:effectRef>
+          <a:fontRef idx="minor">
+            <a:schemeClr val="tx1"/>
+          </a:fontRef>
+        </p:style>
+      </p:cxnSp>
+      <p:cxnSp>
+        <p:nvCxnSpPr>
+          <p:cNvPr id="320" name="直接箭头连接符 8"/>
+          <p:cNvCxnSpPr>
+            <a:stCxn id="88" idx="2"/>
+            <a:endCxn id="222" idx="0"/>
+          </p:cNvCxnSpPr>
+          <p:nvPr/>
+        </p:nvCxnSpPr>
+        <p:spPr>
+          <a:xfrm rot="16200000" flipH="1">
+            <a:off x="4454770" y="2420392"/>
+            <a:ext cx="793571" cy="1895927"/>
+          </a:xfrm>
+          <a:prstGeom prst="bentConnector3">
+            <a:avLst>
+              <a:gd name="adj1" fmla="val 59302"/>
+            </a:avLst>
+          </a:prstGeom>
+          <a:ln w="6350">
+            <a:solidFill>
+              <a:srgbClr val="FF8181"/>
+            </a:solidFill>
+            <a:headEnd type="none" w="med" len="med"/>
+            <a:tailEnd type="arrow" w="med" len="med"/>
+          </a:ln>
+        </p:spPr>
+        <p:style>
+          <a:lnRef idx="1">
+            <a:schemeClr val="accent1"/>
+          </a:lnRef>
+          <a:fillRef idx="0">
+            <a:schemeClr val="accent1"/>
+          </a:fillRef>
+          <a:effectRef idx="0">
+            <a:schemeClr val="accent1"/>
+          </a:effectRef>
+          <a:fontRef idx="minor">
+            <a:schemeClr val="tx1"/>
+          </a:fontRef>
+        </p:style>
+      </p:cxnSp>
+      <p:cxnSp>
+        <p:nvCxnSpPr>
+          <p:cNvPr id="323" name="直接箭头连接符 8"/>
+          <p:cNvCxnSpPr>
+            <a:stCxn id="88" idx="2"/>
+            <a:endCxn id="223" idx="0"/>
+          </p:cNvCxnSpPr>
+          <p:nvPr/>
+        </p:nvCxnSpPr>
+        <p:spPr>
+          <a:xfrm rot="16200000" flipH="1">
+            <a:off x="4835405" y="2039758"/>
+            <a:ext cx="799191" cy="2662816"/>
+          </a:xfrm>
+          <a:prstGeom prst="bentConnector3">
+            <a:avLst>
+              <a:gd name="adj1" fmla="val 58939"/>
+            </a:avLst>
+          </a:prstGeom>
+          <a:ln w="6350">
+            <a:solidFill>
+              <a:srgbClr val="FF8181"/>
+            </a:solidFill>
+            <a:headEnd type="none" w="med" len="med"/>
+            <a:tailEnd type="arrow" w="med" len="med"/>
+          </a:ln>
+        </p:spPr>
+        <p:style>
+          <a:lnRef idx="1">
+            <a:schemeClr val="accent1"/>
+          </a:lnRef>
+          <a:fillRef idx="0">
+            <a:schemeClr val="accent1"/>
+          </a:fillRef>
+          <a:effectRef idx="0">
+            <a:schemeClr val="accent1"/>
+          </a:effectRef>
+          <a:fontRef idx="minor">
+            <a:schemeClr val="tx1"/>
+          </a:fontRef>
+        </p:style>
+      </p:cxnSp>
+      <p:sp>
+        <p:nvSpPr>
+          <p:cNvPr id="324" name="矩形 323"/>
+          <p:cNvSpPr/>
+          <p:nvPr/>
+        </p:nvSpPr>
+        <p:spPr>
+          <a:xfrm>
+            <a:off x="3995529" y="3481666"/>
+            <a:ext cx="656520" cy="122556"/>
+          </a:xfrm>
+          <a:prstGeom prst="rect">
+            <a:avLst/>
+          </a:prstGeom>
+        </p:spPr>
+        <p:txBody>
+          <a:bodyPr wrap="square" lIns="36000" tIns="0" rIns="36000" bIns="0">
+            <a:spAutoFit/>
+          </a:bodyPr>
+          <a:lstStyle/>
+          <a:p>
+            <a:r>
+              <a:rPr lang="en-US" altLang="zh-CN" sz="800" dirty="0" smtClean="0">
+                <a:solidFill>
+                  <a:prstClr val="white">
+                    <a:lumMod val="50000"/>
+                  </a:prstClr>
+                </a:solidFill>
+                <a:latin typeface="Arial" panose="020B0604020202020204" pitchFamily="34" charset="0"/>
+                <a:ea typeface="微软雅黑" panose="020B0503020204020204" pitchFamily="34" charset="-122"/>
+                <a:cs typeface="Arial" panose="020B0604020202020204" pitchFamily="34" charset="0"/>
+              </a:rPr>
+              <a:t>/</a:t>
+            </a:r>
+            <a:r>
+              <a:rPr lang="en-US" altLang="zh-CN" sz="800" dirty="0" err="1" smtClean="0">
+                <a:solidFill>
+                  <a:prstClr val="white">
+                    <a:lumMod val="50000"/>
+                  </a:prstClr>
+                </a:solidFill>
+                <a:latin typeface="Arial" panose="020B0604020202020204" pitchFamily="34" charset="0"/>
+                <a:ea typeface="微软雅黑" panose="020B0503020204020204" pitchFamily="34" charset="-122"/>
+                <a:cs typeface="Arial" panose="020B0604020202020204" pitchFamily="34" charset="0"/>
+              </a:rPr>
+              <a:t>api</a:t>
+            </a:r>
+            <a:r>
+              <a:rPr lang="en-US" altLang="zh-CN" sz="800" dirty="0" smtClean="0">
+                <a:solidFill>
+                  <a:prstClr val="white">
+                    <a:lumMod val="50000"/>
+                  </a:prstClr>
+                </a:solidFill>
+                <a:latin typeface="Arial" panose="020B0604020202020204" pitchFamily="34" charset="0"/>
+                <a:ea typeface="微软雅黑" panose="020B0503020204020204" pitchFamily="34" charset="-122"/>
+                <a:cs typeface="Arial" panose="020B0604020202020204" pitchFamily="34" charset="0"/>
+              </a:rPr>
+              <a:t>/shop</a:t>
+            </a:r>
+          </a:p>
+        </p:txBody>
+      </p:sp>
+      <p:sp>
+        <p:nvSpPr>
+          <p:cNvPr id="326" name="矩形 325"/>
+          <p:cNvSpPr/>
+          <p:nvPr/>
+        </p:nvSpPr>
+        <p:spPr>
+          <a:xfrm>
+            <a:off x="4793966" y="3481665"/>
+            <a:ext cx="651148" cy="123111"/>
+          </a:xfrm>
+          <a:prstGeom prst="rect">
+            <a:avLst/>
+          </a:prstGeom>
+        </p:spPr>
+        <p:txBody>
+          <a:bodyPr wrap="square" lIns="36000" tIns="0" rIns="36000" bIns="0">
+            <a:spAutoFit/>
+          </a:bodyPr>
+          <a:lstStyle/>
+          <a:p>
+            <a:r>
+              <a:rPr lang="en-US" altLang="zh-CN" sz="800" dirty="0" smtClean="0">
+                <a:solidFill>
+                  <a:prstClr val="white">
+                    <a:lumMod val="50000"/>
+                  </a:prstClr>
+                </a:solidFill>
+                <a:latin typeface="Arial" panose="020B0604020202020204" pitchFamily="34" charset="0"/>
+                <a:ea typeface="微软雅黑" panose="020B0503020204020204" pitchFamily="34" charset="-122"/>
+                <a:cs typeface="Arial" panose="020B0604020202020204" pitchFamily="34" charset="0"/>
+              </a:rPr>
+              <a:t>/</a:t>
+            </a:r>
+            <a:r>
+              <a:rPr lang="en-US" altLang="zh-CN" sz="800" dirty="0" err="1" smtClean="0">
+                <a:solidFill>
+                  <a:prstClr val="white">
+                    <a:lumMod val="50000"/>
+                  </a:prstClr>
+                </a:solidFill>
+                <a:latin typeface="Arial" panose="020B0604020202020204" pitchFamily="34" charset="0"/>
+                <a:ea typeface="微软雅黑" panose="020B0503020204020204" pitchFamily="34" charset="-122"/>
+                <a:cs typeface="Arial" panose="020B0604020202020204" pitchFamily="34" charset="0"/>
+              </a:rPr>
+              <a:t>api</a:t>
+            </a:r>
+            <a:r>
+              <a:rPr lang="en-US" altLang="zh-CN" sz="800" dirty="0" smtClean="0">
+                <a:solidFill>
+                  <a:prstClr val="white">
+                    <a:lumMod val="50000"/>
+                  </a:prstClr>
+                </a:solidFill>
+                <a:latin typeface="Arial" panose="020B0604020202020204" pitchFamily="34" charset="0"/>
+                <a:ea typeface="微软雅黑" panose="020B0503020204020204" pitchFamily="34" charset="-122"/>
+                <a:cs typeface="Arial" panose="020B0604020202020204" pitchFamily="34" charset="0"/>
+              </a:rPr>
+              <a:t>/cart</a:t>
+            </a:r>
+          </a:p>
+        </p:txBody>
+      </p:sp>
+      <p:sp>
+        <p:nvSpPr>
+          <p:cNvPr id="327" name="矩形 326"/>
+          <p:cNvSpPr/>
+          <p:nvPr/>
+        </p:nvSpPr>
+        <p:spPr>
+          <a:xfrm>
+            <a:off x="5577634" y="3481665"/>
+            <a:ext cx="728217" cy="123111"/>
+          </a:xfrm>
+          <a:prstGeom prst="rect">
+            <a:avLst/>
+          </a:prstGeom>
+        </p:spPr>
+        <p:txBody>
+          <a:bodyPr wrap="square" lIns="36000" tIns="0" rIns="36000" bIns="0">
+            <a:spAutoFit/>
+          </a:bodyPr>
+          <a:lstStyle/>
+          <a:p>
+            <a:r>
+              <a:rPr lang="en-US" altLang="zh-CN" sz="800" dirty="0" smtClean="0">
+                <a:solidFill>
+                  <a:prstClr val="white">
+                    <a:lumMod val="50000"/>
+                  </a:prstClr>
+                </a:solidFill>
+                <a:latin typeface="Arial" panose="020B0604020202020204" pitchFamily="34" charset="0"/>
+                <a:ea typeface="微软雅黑" panose="020B0503020204020204" pitchFamily="34" charset="-122"/>
+                <a:cs typeface="Arial" panose="020B0604020202020204" pitchFamily="34" charset="0"/>
+              </a:rPr>
+              <a:t>/</a:t>
+            </a:r>
+            <a:r>
+              <a:rPr lang="en-US" altLang="zh-CN" sz="800" dirty="0" err="1" smtClean="0">
+                <a:solidFill>
+                  <a:prstClr val="white">
+                    <a:lumMod val="50000"/>
+                  </a:prstClr>
+                </a:solidFill>
+                <a:latin typeface="Arial" panose="020B0604020202020204" pitchFamily="34" charset="0"/>
+                <a:ea typeface="微软雅黑" panose="020B0503020204020204" pitchFamily="34" charset="-122"/>
+                <a:cs typeface="Arial" panose="020B0604020202020204" pitchFamily="34" charset="0"/>
+              </a:rPr>
+              <a:t>api</a:t>
+            </a:r>
+            <a:r>
+              <a:rPr lang="en-US" altLang="zh-CN" sz="800" dirty="0" smtClean="0">
+                <a:solidFill>
+                  <a:prstClr val="white">
+                    <a:lumMod val="50000"/>
+                  </a:prstClr>
+                </a:solidFill>
+                <a:latin typeface="Arial" panose="020B0604020202020204" pitchFamily="34" charset="0"/>
+                <a:ea typeface="微软雅黑" panose="020B0503020204020204" pitchFamily="34" charset="-122"/>
+                <a:cs typeface="Arial" panose="020B0604020202020204" pitchFamily="34" charset="0"/>
+              </a:rPr>
+              <a:t>/order</a:t>
+            </a:r>
+          </a:p>
+        </p:txBody>
+      </p:sp>
+      <p:sp>
+        <p:nvSpPr>
+          <p:cNvPr id="328" name="矩形 327"/>
+          <p:cNvSpPr/>
+          <p:nvPr/>
+        </p:nvSpPr>
+        <p:spPr>
+          <a:xfrm>
+            <a:off x="6339515" y="3485187"/>
+            <a:ext cx="672918" cy="123111"/>
+          </a:xfrm>
+          <a:prstGeom prst="rect">
+            <a:avLst/>
+          </a:prstGeom>
+        </p:spPr>
+        <p:txBody>
+          <a:bodyPr wrap="square" lIns="36000" tIns="0" rIns="36000" bIns="0">
+            <a:spAutoFit/>
+          </a:bodyPr>
+          <a:lstStyle/>
+          <a:p>
+            <a:r>
+              <a:rPr lang="en-US" altLang="zh-CN" sz="800" dirty="0" smtClean="0">
+                <a:solidFill>
+                  <a:prstClr val="white">
+                    <a:lumMod val="50000"/>
+                  </a:prstClr>
+                </a:solidFill>
+                <a:latin typeface="Arial" panose="020B0604020202020204" pitchFamily="34" charset="0"/>
+                <a:ea typeface="微软雅黑" panose="020B0503020204020204" pitchFamily="34" charset="-122"/>
+                <a:cs typeface="Arial" panose="020B0604020202020204" pitchFamily="34" charset="0"/>
+              </a:rPr>
+              <a:t>/</a:t>
+            </a:r>
+            <a:r>
+              <a:rPr lang="en-US" altLang="zh-CN" sz="800" dirty="0" err="1" smtClean="0">
+                <a:solidFill>
+                  <a:prstClr val="white">
+                    <a:lumMod val="50000"/>
+                  </a:prstClr>
+                </a:solidFill>
+                <a:latin typeface="Arial" panose="020B0604020202020204" pitchFamily="34" charset="0"/>
+                <a:ea typeface="微软雅黑" panose="020B0503020204020204" pitchFamily="34" charset="-122"/>
+                <a:cs typeface="Arial" panose="020B0604020202020204" pitchFamily="34" charset="0"/>
+              </a:rPr>
+              <a:t>api</a:t>
+            </a:r>
+            <a:r>
+              <a:rPr lang="en-US" altLang="zh-CN" sz="800" dirty="0" smtClean="0">
+                <a:solidFill>
+                  <a:prstClr val="white">
+                    <a:lumMod val="50000"/>
+                  </a:prstClr>
+                </a:solidFill>
+                <a:latin typeface="Arial" panose="020B0604020202020204" pitchFamily="34" charset="0"/>
+                <a:ea typeface="微软雅黑" panose="020B0503020204020204" pitchFamily="34" charset="-122"/>
+                <a:cs typeface="Arial" panose="020B0604020202020204" pitchFamily="34" charset="0"/>
+              </a:rPr>
+              <a:t>/item</a:t>
+            </a:r>
+          </a:p>
+        </p:txBody>
+      </p:sp>
+      <p:sp>
+        <p:nvSpPr>
+          <p:cNvPr id="329" name="矩形 328"/>
+          <p:cNvSpPr/>
+          <p:nvPr/>
+        </p:nvSpPr>
+        <p:spPr>
+          <a:xfrm>
+            <a:off x="5485038" y="1286008"/>
+            <a:ext cx="855051" cy="298928"/>
+          </a:xfrm>
+          <a:prstGeom prst="rect">
+            <a:avLst/>
+          </a:prstGeom>
+        </p:spPr>
+        <p:style>
+          <a:lnRef idx="1">
+            <a:schemeClr val="accent4"/>
+          </a:lnRef>
+          <a:fillRef idx="3">
+            <a:schemeClr val="accent4"/>
+          </a:fillRef>
+          <a:effectRef idx="2">
+            <a:schemeClr val="accent4"/>
+          </a:effectRef>
+          <a:fontRef idx="minor">
+            <a:schemeClr val="lt1"/>
+          </a:fontRef>
+        </p:style>
+        <p:txBody>
+          <a:bodyPr rtlCol="0" anchor="ctr"/>
+          <a:lstStyle/>
+          <a:p>
+            <a:pPr algn="ctr"/>
+            <a:r>
+              <a:rPr lang="en-US" altLang="zh-CN" sz="800" b="1" dirty="0" smtClean="0">
+                <a:solidFill>
+                  <a:prstClr val="white"/>
+                </a:solidFill>
+                <a:latin typeface="微软雅黑" panose="020B0503020204020204" pitchFamily="34" charset="-122"/>
+                <a:ea typeface="微软雅黑" panose="020B0503020204020204" pitchFamily="34" charset="-122"/>
+              </a:rPr>
+              <a:t>Swagger</a:t>
+            </a:r>
+            <a:endParaRPr lang="zh-CN" altLang="en-US" sz="800" b="1" dirty="0">
+              <a:solidFill>
+                <a:prstClr val="white"/>
+              </a:solidFill>
+              <a:latin typeface="微软雅黑" panose="020B0503020204020204" pitchFamily="34" charset="-122"/>
+              <a:ea typeface="微软雅黑" panose="020B0503020204020204" pitchFamily="34" charset="-122"/>
+            </a:endParaRPr>
+          </a:p>
+        </p:txBody>
+      </p:sp>
+      <p:cxnSp>
+        <p:nvCxnSpPr>
+          <p:cNvPr id="330" name="直接箭头连接符 8"/>
+          <p:cNvCxnSpPr>
+            <a:stCxn id="329" idx="2"/>
+            <a:endCxn id="128" idx="0"/>
+          </p:cNvCxnSpPr>
+          <p:nvPr/>
+        </p:nvCxnSpPr>
+        <p:spPr>
+          <a:xfrm rot="5400000">
+            <a:off x="5383610" y="2112970"/>
+            <a:ext cx="1056989" cy="920"/>
+          </a:xfrm>
+          <a:prstGeom prst="bentConnector3">
+            <a:avLst>
+              <a:gd name="adj1" fmla="val 50000"/>
+            </a:avLst>
+          </a:prstGeom>
+          <a:ln w="6350">
+            <a:solidFill>
+              <a:srgbClr val="0066FF"/>
+            </a:solidFill>
+            <a:headEnd type="none" w="med" len="med"/>
+            <a:tailEnd type="arrow" w="med" len="med"/>
+          </a:ln>
+        </p:spPr>
+        <p:style>
+          <a:lnRef idx="1">
+            <a:schemeClr val="accent1"/>
+          </a:lnRef>
+          <a:fillRef idx="0">
+            <a:schemeClr val="accent1"/>
+          </a:fillRef>
+          <a:effectRef idx="0">
+            <a:schemeClr val="accent1"/>
+          </a:effectRef>
+          <a:fontRef idx="minor">
+            <a:schemeClr val="tx1"/>
+          </a:fontRef>
+        </p:style>
+      </p:cxnSp>
+      <p:cxnSp>
+        <p:nvCxnSpPr>
+          <p:cNvPr id="339" name="直接箭头连接符 8"/>
+          <p:cNvCxnSpPr>
+            <a:stCxn id="128" idx="2"/>
+            <a:endCxn id="304" idx="0"/>
+          </p:cNvCxnSpPr>
+          <p:nvPr/>
+        </p:nvCxnSpPr>
+        <p:spPr>
+          <a:xfrm rot="5400000">
+            <a:off x="4830603" y="2686420"/>
+            <a:ext cx="795891" cy="1366192"/>
+          </a:xfrm>
+          <a:prstGeom prst="bentConnector3">
+            <a:avLst>
+              <a:gd name="adj1" fmla="val 22499"/>
+            </a:avLst>
+          </a:prstGeom>
+          <a:ln w="6350">
+            <a:solidFill>
+              <a:srgbClr val="0066FF"/>
+            </a:solidFill>
+            <a:headEnd type="none" w="med" len="med"/>
+            <a:tailEnd type="arrow" w="med" len="med"/>
+          </a:ln>
+        </p:spPr>
+        <p:style>
+          <a:lnRef idx="1">
+            <a:schemeClr val="accent1"/>
+          </a:lnRef>
+          <a:fillRef idx="0">
+            <a:schemeClr val="accent1"/>
+          </a:fillRef>
+          <a:effectRef idx="0">
+            <a:schemeClr val="accent1"/>
+          </a:effectRef>
+          <a:fontRef idx="minor">
+            <a:schemeClr val="tx1"/>
+          </a:fontRef>
+        </p:style>
+      </p:cxnSp>
+      <p:cxnSp>
+        <p:nvCxnSpPr>
+          <p:cNvPr id="340" name="直接箭头连接符 8"/>
+          <p:cNvCxnSpPr>
+            <a:stCxn id="128" idx="2"/>
+            <a:endCxn id="305" idx="0"/>
+          </p:cNvCxnSpPr>
+          <p:nvPr/>
+        </p:nvCxnSpPr>
+        <p:spPr>
+          <a:xfrm rot="5400000">
+            <a:off x="5226543" y="3083546"/>
+            <a:ext cx="797076" cy="573127"/>
+          </a:xfrm>
+          <a:prstGeom prst="bentConnector3">
+            <a:avLst>
+              <a:gd name="adj1" fmla="val 22372"/>
+            </a:avLst>
+          </a:prstGeom>
+          <a:ln w="6350">
+            <a:solidFill>
+              <a:srgbClr val="0066FF"/>
+            </a:solidFill>
+            <a:headEnd type="none" w="med" len="med"/>
+            <a:tailEnd type="arrow" w="med" len="med"/>
+          </a:ln>
+        </p:spPr>
+        <p:style>
+          <a:lnRef idx="1">
+            <a:schemeClr val="accent1"/>
+          </a:lnRef>
+          <a:fillRef idx="0">
+            <a:schemeClr val="accent1"/>
+          </a:fillRef>
+          <a:effectRef idx="0">
+            <a:schemeClr val="accent1"/>
+          </a:effectRef>
+          <a:fontRef idx="minor">
+            <a:schemeClr val="tx1"/>
+          </a:fontRef>
+        </p:style>
+      </p:cxnSp>
+      <p:cxnSp>
+        <p:nvCxnSpPr>
+          <p:cNvPr id="342" name="直接箭头连接符 8"/>
+          <p:cNvCxnSpPr>
+            <a:stCxn id="128" idx="2"/>
+            <a:endCxn id="309" idx="0"/>
+          </p:cNvCxnSpPr>
+          <p:nvPr/>
+        </p:nvCxnSpPr>
+        <p:spPr>
+          <a:xfrm rot="16200000" flipH="1">
+            <a:off x="5621088" y="3262126"/>
+            <a:ext cx="792289" cy="211177"/>
+          </a:xfrm>
+          <a:prstGeom prst="bentConnector3">
+            <a:avLst>
+              <a:gd name="adj1" fmla="val 22638"/>
+            </a:avLst>
+          </a:prstGeom>
+          <a:ln w="6350">
+            <a:solidFill>
+              <a:srgbClr val="0066FF"/>
+            </a:solidFill>
+            <a:headEnd type="none" w="med" len="med"/>
+            <a:tailEnd type="arrow" w="med" len="med"/>
+          </a:ln>
+        </p:spPr>
+        <p:style>
+          <a:lnRef idx="1">
+            <a:schemeClr val="accent1"/>
+          </a:lnRef>
+          <a:fillRef idx="0">
+            <a:schemeClr val="accent1"/>
+          </a:fillRef>
+          <a:effectRef idx="0">
+            <a:schemeClr val="accent1"/>
+          </a:effectRef>
+          <a:fontRef idx="minor">
+            <a:schemeClr val="tx1"/>
+          </a:fontRef>
+        </p:style>
+      </p:cxnSp>
+      <p:cxnSp>
+        <p:nvCxnSpPr>
+          <p:cNvPr id="343" name="直接箭头连接符 8"/>
+          <p:cNvCxnSpPr>
+            <a:stCxn id="128" idx="2"/>
+            <a:endCxn id="310" idx="0"/>
+          </p:cNvCxnSpPr>
+          <p:nvPr/>
+        </p:nvCxnSpPr>
+        <p:spPr>
+          <a:xfrm rot="16200000" flipH="1">
+            <a:off x="6001723" y="2881492"/>
+            <a:ext cx="797909" cy="978066"/>
+          </a:xfrm>
+          <a:prstGeom prst="bentConnector3">
+            <a:avLst>
+              <a:gd name="adj1" fmla="val 22404"/>
+            </a:avLst>
+          </a:prstGeom>
+          <a:ln w="6350">
+            <a:solidFill>
+              <a:srgbClr val="0066FF"/>
+            </a:solidFill>
+            <a:headEnd type="none" w="med" len="med"/>
+            <a:tailEnd type="arrow" w="med" len="med"/>
+          </a:ln>
+        </p:spPr>
+        <p:style>
+          <a:lnRef idx="1">
+            <a:schemeClr val="accent1"/>
+          </a:lnRef>
+          <a:fillRef idx="0">
+            <a:schemeClr val="accent1"/>
+          </a:fillRef>
+          <a:effectRef idx="0">
+            <a:schemeClr val="accent1"/>
+          </a:effectRef>
+          <a:fontRef idx="minor">
+            <a:schemeClr val="tx1"/>
+          </a:fontRef>
+        </p:style>
+      </p:cxnSp>
+      <p:sp>
+        <p:nvSpPr>
+          <p:cNvPr id="360" name="矩形 359"/>
+          <p:cNvSpPr/>
+          <p:nvPr/>
+        </p:nvSpPr>
+        <p:spPr>
+          <a:xfrm>
+            <a:off x="2190055" y="2836178"/>
+            <a:ext cx="1377809" cy="123111"/>
+          </a:xfrm>
+          <a:prstGeom prst="rect">
+            <a:avLst/>
+          </a:prstGeom>
+        </p:spPr>
+        <p:txBody>
+          <a:bodyPr wrap="square" lIns="36000" tIns="0" rIns="36000" bIns="0">
+            <a:spAutoFit/>
+          </a:bodyPr>
+          <a:lstStyle/>
+          <a:p>
+            <a:pPr algn="ctr"/>
+            <a:r>
+              <a:rPr lang="en-US" altLang="zh-CN" sz="800" dirty="0" smtClean="0">
+                <a:solidFill>
+                  <a:srgbClr val="FF0000"/>
+                </a:solidFill>
+                <a:latin typeface="Arial" panose="020B0604020202020204" pitchFamily="34" charset="0"/>
+                <a:ea typeface="微软雅黑" panose="020B0503020204020204" pitchFamily="34" charset="-122"/>
+                <a:cs typeface="Arial" panose="020B0604020202020204" pitchFamily="34" charset="0"/>
+              </a:rPr>
+              <a:t>https://mshoptest.xxx.com</a:t>
+            </a:r>
+          </a:p>
+        </p:txBody>
+      </p:sp>
+      <p:cxnSp>
+        <p:nvCxnSpPr>
+          <p:cNvPr id="371" name="直接箭头连接符 8"/>
+          <p:cNvCxnSpPr>
+            <a:stCxn id="89" idx="2"/>
+            <a:endCxn id="128" idx="3"/>
+          </p:cNvCxnSpPr>
+          <p:nvPr/>
+        </p:nvCxnSpPr>
+        <p:spPr>
+          <a:xfrm rot="5400000" flipH="1" flipV="1">
+            <a:off x="3725006" y="1569128"/>
+            <a:ext cx="1293752" cy="3768991"/>
+          </a:xfrm>
+          <a:prstGeom prst="bentConnector4">
+            <a:avLst>
+              <a:gd name="adj1" fmla="val -38285"/>
+              <a:gd name="adj2" fmla="val 137065"/>
+            </a:avLst>
+          </a:prstGeom>
+          <a:ln w="6350">
+            <a:solidFill>
+              <a:srgbClr val="00B050">
+                <a:alpha val="80000"/>
+              </a:srgbClr>
+            </a:solidFill>
+            <a:headEnd type="none" w="med" len="med"/>
+            <a:tailEnd type="arrow" w="med" len="med"/>
+          </a:ln>
+        </p:spPr>
+        <p:style>
+          <a:lnRef idx="1">
+            <a:schemeClr val="accent1"/>
+          </a:lnRef>
+          <a:fillRef idx="0">
+            <a:schemeClr val="accent1"/>
+          </a:fillRef>
+          <a:effectRef idx="0">
+            <a:schemeClr val="accent1"/>
+          </a:effectRef>
+          <a:fontRef idx="minor">
+            <a:schemeClr val="tx1"/>
+          </a:fontRef>
+        </p:style>
+      </p:cxnSp>
+      <p:sp>
+        <p:nvSpPr>
+          <p:cNvPr id="376" name="矩形 375"/>
+          <p:cNvSpPr/>
+          <p:nvPr/>
+        </p:nvSpPr>
+        <p:spPr>
+          <a:xfrm>
+            <a:off x="3224366" y="4635400"/>
+            <a:ext cx="584325" cy="123111"/>
+          </a:xfrm>
+          <a:prstGeom prst="rect">
+            <a:avLst/>
+          </a:prstGeom>
+        </p:spPr>
+        <p:txBody>
+          <a:bodyPr wrap="square" lIns="36000" tIns="0" rIns="36000" bIns="0">
+            <a:spAutoFit/>
+          </a:bodyPr>
+          <a:lstStyle/>
+          <a:p>
+            <a:pPr algn="ctr"/>
+            <a:r>
+              <a:rPr lang="zh-CN" altLang="en-US" sz="800" dirty="0" smtClean="0">
+                <a:solidFill>
+                  <a:prstClr val="black"/>
+                </a:solidFill>
+                <a:latin typeface="微软雅黑" panose="020B0503020204020204" pitchFamily="34" charset="-122"/>
+                <a:ea typeface="微软雅黑" panose="020B0503020204020204" pitchFamily="34" charset="-122"/>
+              </a:rPr>
+              <a:t>服务间调用</a:t>
+            </a:r>
+            <a:endParaRPr lang="en-US" altLang="zh-CN" sz="800" dirty="0" smtClean="0">
+              <a:solidFill>
+                <a:prstClr val="black"/>
+              </a:solidFill>
+              <a:latin typeface="微软雅黑" panose="020B0503020204020204" pitchFamily="34" charset="-122"/>
+              <a:ea typeface="微软雅黑" panose="020B0503020204020204" pitchFamily="34" charset="-122"/>
+            </a:endParaRPr>
+          </a:p>
+        </p:txBody>
+      </p:sp>
+      <p:sp>
+        <p:nvSpPr>
+          <p:cNvPr id="86" name="TextBox 1"/>
+          <p:cNvSpPr txBox="1"/>
+          <p:nvPr/>
+        </p:nvSpPr>
+        <p:spPr>
+          <a:xfrm>
+            <a:off x="179512" y="118456"/>
+            <a:ext cx="3580689" cy="461665"/>
+          </a:xfrm>
+          <a:prstGeom prst="rect">
+            <a:avLst/>
+          </a:prstGeom>
+        </p:spPr>
+        <p:txBody>
+          <a:bodyPr wrap="square">
+            <a:spAutoFit/>
+          </a:bodyPr>
+          <a:lstStyle>
+            <a:defPPr>
+              <a:defRPr lang="zh-CN"/>
+            </a:defPPr>
+            <a:lvl1pPr>
+              <a:defRPr sz="800">
+                <a:latin typeface="微软雅黑" panose="020B0503020204020204" pitchFamily="34" charset="-122"/>
+                <a:ea typeface="微软雅黑" panose="020B0503020204020204" pitchFamily="34" charset="-122"/>
+              </a:defRPr>
+            </a:lvl1pPr>
+          </a:lstStyle>
+          <a:p>
+            <a:pPr fontAlgn="ctr"/>
+            <a:r>
+              <a:rPr lang="zh-CN" altLang="en-US" sz="2400" b="1" dirty="0" smtClean="0"/>
+              <a:t>部署架构</a:t>
+            </a:r>
+            <a:endParaRPr lang="en-US" sz="1200" b="1" dirty="0"/>
+          </a:p>
+        </p:txBody>
+      </p:sp>
+    </p:spTree>
+    <p:extLst>
+      <p:ext uri="{BB962C8B-B14F-4D97-AF65-F5344CB8AC3E}">
+        <p14:creationId xmlns:p14="http://schemas.microsoft.com/office/powerpoint/2010/main" val="2587974435"/>
       </p:ext>
     </p:extLst>
   </p:cSld>

--- a/design-resource.pptx
+++ b/design-resource.pptx
@@ -17178,12 +17178,12 @@
               <a:t> </a:t>
             </a:r>
             <a:r>
-              <a:rPr lang="en-US" altLang="zh-CN" sz="1000" dirty="0">
+              <a:rPr lang="en-US" altLang="zh-CN" sz="1000" dirty="0" smtClean="0">
                 <a:solidFill>
                   <a:srgbClr val="FF0000"/>
                 </a:solidFill>
               </a:rPr>
-              <a:t>182.61.39.60</a:t>
+              <a:t>182.xx.xx.xx</a:t>
             </a:r>
             <a:r>
               <a:rPr lang="en-US" altLang="zh-CN" sz="1000" b="1" dirty="0" smtClean="0">
@@ -17388,8 +17388,25 @@
                 <a:latin typeface="+mj-lt"/>
                 <a:ea typeface="微软雅黑" panose="020B0503020204020204" pitchFamily="34" charset="-122"/>
               </a:rPr>
-              <a:t>https://usershoptest.rrs.com</a:t>
-            </a:r>
+              <a:t>https://</a:t>
+            </a:r>
+            <a:r>
+              <a:rPr lang="en-US" altLang="zh-CN" sz="1000" dirty="0" smtClean="0">
+                <a:solidFill>
+                  <a:srgbClr val="FF0000"/>
+                </a:solidFill>
+                <a:latin typeface="+mj-lt"/>
+                <a:ea typeface="微软雅黑" panose="020B0503020204020204" pitchFamily="34" charset="-122"/>
+              </a:rPr>
+              <a:t>usershoptest.xxx.com</a:t>
+            </a:r>
+            <a:endParaRPr lang="en-US" altLang="zh-CN" sz="1000" dirty="0">
+              <a:solidFill>
+                <a:srgbClr val="FF0000"/>
+              </a:solidFill>
+              <a:latin typeface="+mj-lt"/>
+              <a:ea typeface="微软雅黑" panose="020B0503020204020204" pitchFamily="34" charset="-122"/>
+            </a:endParaRPr>
           </a:p>
         </p:txBody>
       </p:sp>
@@ -19690,25 +19707,15 @@
                 <a:latin typeface="微软雅黑" panose="020B0503020204020204" pitchFamily="34" charset="-122"/>
                 <a:ea typeface="微软雅黑" panose="020B0503020204020204" pitchFamily="34" charset="-122"/>
               </a:rPr>
-              <a:t>环境</a:t>
-            </a:r>
-            <a:r>
-              <a:rPr lang="zh-CN" altLang="en-US" sz="1000" b="1" dirty="0" smtClean="0">
-                <a:solidFill>
-                  <a:prstClr val="black"/>
-                </a:solidFill>
-                <a:latin typeface="微软雅黑" panose="020B0503020204020204" pitchFamily="34" charset="-122"/>
-                <a:ea typeface="微软雅黑" panose="020B0503020204020204" pitchFamily="34" charset="-122"/>
-              </a:rPr>
-              <a:t> </a:t>
-            </a:r>
-            <a:r>
-              <a:rPr lang="en-US" altLang="zh-CN" sz="1000" dirty="0" smtClean="0">
+              <a:t>环境 </a:t>
+            </a:r>
+            <a:r>
+              <a:rPr lang="en-US" altLang="zh-CN" sz="1000" smtClean="0">
                 <a:solidFill>
                   <a:srgbClr val="FF0000"/>
                 </a:solidFill>
               </a:rPr>
-              <a:t>106.12.146.173</a:t>
+              <a:t>106.xx.xxx.xxx</a:t>
             </a:r>
             <a:endParaRPr lang="en-US" altLang="zh-CN" sz="1000" b="1" dirty="0" smtClean="0">
               <a:solidFill>
@@ -19831,7 +19838,7 @@
         </p:nvSpPr>
         <p:spPr>
           <a:xfrm>
-            <a:off x="6335262" y="4819565"/>
+            <a:off x="6335262" y="4731990"/>
             <a:ext cx="568398" cy="265400"/>
           </a:xfrm>
           <a:prstGeom prst="can">
@@ -19907,7 +19914,7 @@
                 <a:latin typeface="+mj-lt"/>
                 <a:ea typeface="微软雅黑" panose="020B0503020204020204" pitchFamily="34" charset="-122"/>
               </a:rPr>
-              <a:t>https://usershop.rrs.com</a:t>
+              <a:t>https://usershop.xxx.com</a:t>
             </a:r>
             <a:endParaRPr lang="en-US" altLang="zh-CN" sz="1000" dirty="0" smtClean="0">
               <a:solidFill>
@@ -19916,41 +19923,6 @@
               <a:latin typeface="+mj-lt"/>
               <a:ea typeface="微软雅黑" panose="020B0503020204020204" pitchFamily="34" charset="-122"/>
             </a:endParaRPr>
-          </a:p>
-        </p:txBody>
-      </p:sp>
-      <p:sp>
-        <p:nvSpPr>
-          <p:cNvPr id="159" name="矩形 158"/>
-          <p:cNvSpPr/>
-          <p:nvPr/>
-        </p:nvSpPr>
-        <p:spPr>
-          <a:xfrm>
-            <a:off x="5295901" y="4600011"/>
-            <a:ext cx="2659966" cy="153888"/>
-          </a:xfrm>
-          <a:prstGeom prst="rect">
-            <a:avLst/>
-          </a:prstGeom>
-        </p:spPr>
-        <p:txBody>
-          <a:bodyPr wrap="square" lIns="36000" tIns="0" rIns="36000" bIns="0">
-            <a:spAutoFit/>
-          </a:bodyPr>
-          <a:lstStyle/>
-          <a:p>
-            <a:pPr algn="ctr"/>
-            <a:r>
-              <a:rPr lang="en-US" altLang="zh-CN" sz="1000" dirty="0">
-                <a:solidFill>
-                  <a:srgbClr val="FF0000"/>
-                </a:solidFill>
-                <a:latin typeface="+mj-lt"/>
-                <a:ea typeface="微软雅黑" panose="020B0503020204020204" pitchFamily="34" charset="-122"/>
-              </a:rPr>
-              <a:t>mysql57.rdsmc5w10i828ml.rds.bj.baidubce.com</a:t>
-            </a:r>
           </a:p>
         </p:txBody>
       </p:sp>

--- a/design-resource.pptx
+++ b/design-resource.pptx
@@ -5,15 +5,16 @@
     <p:sldMasterId id="2147483648" r:id="rId1"/>
   </p:sldMasterIdLst>
   <p:notesMasterIdLst>
-    <p:notesMasterId r:id="rId8"/>
+    <p:notesMasterId r:id="rId9"/>
   </p:notesMasterIdLst>
   <p:sldIdLst>
     <p:sldId id="470" r:id="rId2"/>
-    <p:sldId id="475" r:id="rId3"/>
-    <p:sldId id="473" r:id="rId4"/>
-    <p:sldId id="474" r:id="rId5"/>
-    <p:sldId id="471" r:id="rId6"/>
-    <p:sldId id="472" r:id="rId7"/>
+    <p:sldId id="476" r:id="rId3"/>
+    <p:sldId id="475" r:id="rId4"/>
+    <p:sldId id="473" r:id="rId5"/>
+    <p:sldId id="474" r:id="rId6"/>
+    <p:sldId id="471" r:id="rId7"/>
+    <p:sldId id="472" r:id="rId8"/>
   </p:sldIdLst>
   <p:sldSz cx="9144000" cy="5143500" type="screen16x9"/>
   <p:notesSz cx="6858000" cy="9144000"/>
@@ -762,7 +763,7 @@
     </p:spTree>
     <p:extLst>
       <p:ext uri="{BB962C8B-B14F-4D97-AF65-F5344CB8AC3E}">
-        <p14:creationId xmlns:p14="http://schemas.microsoft.com/office/powerpoint/2010/main" val="3402247889"/>
+        <p14:creationId xmlns:p14="http://schemas.microsoft.com/office/powerpoint/2010/main" val="253196138"/>
       </p:ext>
     </p:extLst>
   </p:cSld>
@@ -849,7 +850,7 @@
     </p:spTree>
     <p:extLst>
       <p:ext uri="{BB962C8B-B14F-4D97-AF65-F5344CB8AC3E}">
-        <p14:creationId xmlns:p14="http://schemas.microsoft.com/office/powerpoint/2010/main" val="2785027934"/>
+        <p14:creationId xmlns:p14="http://schemas.microsoft.com/office/powerpoint/2010/main" val="3402247889"/>
       </p:ext>
     </p:extLst>
   </p:cSld>
@@ -925,26 +926,18 @@
           <a:lstStyle/>
           <a:p>
             <a:fld id="{92923D5F-5682-A04B-9F73-DDB0662CB578}" type="slidenum">
-              <a:rPr kumimoji="1" lang="zh-CN" altLang="en-US">
-                <a:solidFill>
-                  <a:prstClr val="black"/>
-                </a:solidFill>
-              </a:rPr>
+              <a:rPr kumimoji="1" lang="zh-CN" altLang="en-US" smtClean="0"/>
               <a:pPr/>
               <a:t>4</a:t>
             </a:fld>
-            <a:endParaRPr kumimoji="1" lang="zh-CN" altLang="en-US">
-              <a:solidFill>
-                <a:prstClr val="black"/>
-              </a:solidFill>
-            </a:endParaRPr>
+            <a:endParaRPr kumimoji="1" lang="zh-CN" altLang="en-US"/>
           </a:p>
         </p:txBody>
       </p:sp>
     </p:spTree>
     <p:extLst>
       <p:ext uri="{BB962C8B-B14F-4D97-AF65-F5344CB8AC3E}">
-        <p14:creationId xmlns:p14="http://schemas.microsoft.com/office/powerpoint/2010/main" val="1944246008"/>
+        <p14:creationId xmlns:p14="http://schemas.microsoft.com/office/powerpoint/2010/main" val="2785027934"/>
       </p:ext>
     </p:extLst>
   </p:cSld>
@@ -1020,18 +1013,26 @@
           <a:lstStyle/>
           <a:p>
             <a:fld id="{92923D5F-5682-A04B-9F73-DDB0662CB578}" type="slidenum">
-              <a:rPr kumimoji="1" lang="zh-CN" altLang="en-US" smtClean="0"/>
+              <a:rPr kumimoji="1" lang="zh-CN" altLang="en-US">
+                <a:solidFill>
+                  <a:prstClr val="black"/>
+                </a:solidFill>
+              </a:rPr>
               <a:pPr/>
               <a:t>5</a:t>
             </a:fld>
-            <a:endParaRPr kumimoji="1" lang="zh-CN" altLang="en-US"/>
+            <a:endParaRPr kumimoji="1" lang="zh-CN" altLang="en-US">
+              <a:solidFill>
+                <a:prstClr val="black"/>
+              </a:solidFill>
+            </a:endParaRPr>
           </a:p>
         </p:txBody>
       </p:sp>
     </p:spTree>
     <p:extLst>
       <p:ext uri="{BB962C8B-B14F-4D97-AF65-F5344CB8AC3E}">
-        <p14:creationId xmlns:p14="http://schemas.microsoft.com/office/powerpoint/2010/main" val="1063469473"/>
+        <p14:creationId xmlns:p14="http://schemas.microsoft.com/office/powerpoint/2010/main" val="1944246008"/>
       </p:ext>
     </p:extLst>
   </p:cSld>
@@ -1110,6 +1111,93 @@
               <a:rPr kumimoji="1" lang="zh-CN" altLang="en-US" smtClean="0"/>
               <a:pPr/>
               <a:t>6</a:t>
+            </a:fld>
+            <a:endParaRPr kumimoji="1" lang="zh-CN" altLang="en-US"/>
+          </a:p>
+        </p:txBody>
+      </p:sp>
+    </p:spTree>
+    <p:extLst>
+      <p:ext uri="{BB962C8B-B14F-4D97-AF65-F5344CB8AC3E}">
+        <p14:creationId xmlns:p14="http://schemas.microsoft.com/office/powerpoint/2010/main" val="1063469473"/>
+      </p:ext>
+    </p:extLst>
+  </p:cSld>
+  <p:clrMapOvr>
+    <a:masterClrMapping/>
+  </p:clrMapOvr>
+</p:notes>
+</file>
+
+<file path=ppt/notesSlides/notesSlide7.xml><?xml version="1.0" encoding="utf-8"?>
+<p:notes xmlns:a="http://schemas.openxmlformats.org/drawingml/2006/main" xmlns:r="http://schemas.openxmlformats.org/officeDocument/2006/relationships" xmlns:p="http://schemas.openxmlformats.org/presentationml/2006/main">
+  <p:cSld>
+    <p:spTree>
+      <p:nvGrpSpPr>
+        <p:cNvPr id="1" name=""/>
+        <p:cNvGrpSpPr/>
+        <p:nvPr/>
+      </p:nvGrpSpPr>
+      <p:grpSpPr>
+        <a:xfrm>
+          <a:off x="0" y="0"/>
+          <a:ext cx="0" cy="0"/>
+          <a:chOff x="0" y="0"/>
+          <a:chExt cx="0" cy="0"/>
+        </a:xfrm>
+      </p:grpSpPr>
+      <p:sp>
+        <p:nvSpPr>
+          <p:cNvPr id="2" name="幻灯片图像占位符 1"/>
+          <p:cNvSpPr>
+            <a:spLocks noGrp="1" noRot="1" noChangeAspect="1"/>
+          </p:cNvSpPr>
+          <p:nvPr>
+            <p:ph type="sldImg"/>
+          </p:nvPr>
+        </p:nvSpPr>
+        <p:spPr/>
+      </p:sp>
+      <p:sp>
+        <p:nvSpPr>
+          <p:cNvPr id="3" name="备注占位符 2"/>
+          <p:cNvSpPr>
+            <a:spLocks noGrp="1"/>
+          </p:cNvSpPr>
+          <p:nvPr>
+            <p:ph type="body" idx="1"/>
+          </p:nvPr>
+        </p:nvSpPr>
+        <p:spPr/>
+        <p:txBody>
+          <a:bodyPr>
+            <a:normAutofit/>
+          </a:bodyPr>
+          <a:lstStyle/>
+          <a:p>
+            <a:endParaRPr lang="zh-CN" altLang="en-US" dirty="0"/>
+          </a:p>
+        </p:txBody>
+      </p:sp>
+      <p:sp>
+        <p:nvSpPr>
+          <p:cNvPr id="4" name="灯片编号占位符 3"/>
+          <p:cNvSpPr>
+            <a:spLocks noGrp="1"/>
+          </p:cNvSpPr>
+          <p:nvPr>
+            <p:ph type="sldNum" sz="quarter" idx="10"/>
+          </p:nvPr>
+        </p:nvSpPr>
+        <p:spPr/>
+        <p:txBody>
+          <a:bodyPr/>
+          <a:lstStyle/>
+          <a:p>
+            <a:fld id="{92923D5F-5682-A04B-9F73-DDB0662CB578}" type="slidenum">
+              <a:rPr kumimoji="1" lang="zh-CN" altLang="en-US" smtClean="0"/>
+              <a:pPr/>
+              <a:t>7</a:t>
             </a:fld>
             <a:endParaRPr kumimoji="1" lang="zh-CN" altLang="en-US"/>
           </a:p>
@@ -7662,6 +7750,4283 @@
       </p:grpSpPr>
       <p:sp>
         <p:nvSpPr>
+          <p:cNvPr id="301" name="圆角矩形 300"/>
+          <p:cNvSpPr/>
+          <p:nvPr/>
+        </p:nvSpPr>
+        <p:spPr>
+          <a:xfrm>
+            <a:off x="5191172" y="4377561"/>
+            <a:ext cx="1987818" cy="714469"/>
+          </a:xfrm>
+          <a:prstGeom prst="roundRect">
+            <a:avLst>
+              <a:gd name="adj" fmla="val 10336"/>
+            </a:avLst>
+          </a:prstGeom>
+          <a:solidFill>
+            <a:schemeClr val="bg1">
+              <a:lumMod val="95000"/>
+            </a:schemeClr>
+          </a:solidFill>
+          <a:ln w="6350">
+            <a:solidFill>
+              <a:schemeClr val="bg1">
+                <a:lumMod val="65000"/>
+              </a:schemeClr>
+            </a:solidFill>
+          </a:ln>
+        </p:spPr>
+        <p:style>
+          <a:lnRef idx="2">
+            <a:schemeClr val="accent1">
+              <a:shade val="50000"/>
+            </a:schemeClr>
+          </a:lnRef>
+          <a:fillRef idx="1">
+            <a:schemeClr val="accent1"/>
+          </a:fillRef>
+          <a:effectRef idx="0">
+            <a:schemeClr val="accent1"/>
+          </a:effectRef>
+          <a:fontRef idx="minor">
+            <a:schemeClr val="lt1"/>
+          </a:fontRef>
+        </p:style>
+        <p:txBody>
+          <a:bodyPr rtlCol="0" anchor="ctr"/>
+          <a:lstStyle/>
+          <a:p>
+            <a:pPr algn="ctr"/>
+            <a:endParaRPr lang="zh-CN" altLang="en-US"/>
+          </a:p>
+        </p:txBody>
+      </p:sp>
+      <p:sp>
+        <p:nvSpPr>
+          <p:cNvPr id="303" name="矩形 302"/>
+          <p:cNvSpPr/>
+          <p:nvPr/>
+        </p:nvSpPr>
+        <p:spPr>
+          <a:xfrm>
+            <a:off x="5191172" y="4627073"/>
+            <a:ext cx="491349" cy="215444"/>
+          </a:xfrm>
+          <a:prstGeom prst="rect">
+            <a:avLst/>
+          </a:prstGeom>
+        </p:spPr>
+        <p:txBody>
+          <a:bodyPr wrap="square" lIns="36000" tIns="0" rIns="36000" bIns="0">
+            <a:spAutoFit/>
+          </a:bodyPr>
+          <a:lstStyle/>
+          <a:p>
+            <a:pPr algn="ctr"/>
+            <a:r>
+              <a:rPr lang="zh-CN" altLang="en-US" sz="1400" b="1" dirty="0">
+                <a:latin typeface="微软雅黑" panose="020B0503020204020204" pitchFamily="34" charset="-122"/>
+                <a:ea typeface="微软雅黑" panose="020B0503020204020204" pitchFamily="34" charset="-122"/>
+              </a:rPr>
+              <a:t>商家</a:t>
+            </a:r>
+            <a:endParaRPr lang="en-US" altLang="zh-CN" sz="1400" b="1" dirty="0" smtClean="0">
+              <a:latin typeface="微软雅黑" panose="020B0503020204020204" pitchFamily="34" charset="-122"/>
+              <a:ea typeface="微软雅黑" panose="020B0503020204020204" pitchFamily="34" charset="-122"/>
+            </a:endParaRPr>
+          </a:p>
+        </p:txBody>
+      </p:sp>
+      <p:sp>
+        <p:nvSpPr>
+          <p:cNvPr id="264" name="圆角矩形 263"/>
+          <p:cNvSpPr/>
+          <p:nvPr/>
+        </p:nvSpPr>
+        <p:spPr>
+          <a:xfrm>
+            <a:off x="5196474" y="3514917"/>
+            <a:ext cx="2039822" cy="635146"/>
+          </a:xfrm>
+          <a:prstGeom prst="roundRect">
+            <a:avLst>
+              <a:gd name="adj" fmla="val 10336"/>
+            </a:avLst>
+          </a:prstGeom>
+          <a:solidFill>
+            <a:schemeClr val="bg1">
+              <a:lumMod val="95000"/>
+            </a:schemeClr>
+          </a:solidFill>
+          <a:ln w="6350">
+            <a:solidFill>
+              <a:schemeClr val="bg1">
+                <a:lumMod val="65000"/>
+              </a:schemeClr>
+            </a:solidFill>
+          </a:ln>
+        </p:spPr>
+        <p:style>
+          <a:lnRef idx="2">
+            <a:schemeClr val="accent1">
+              <a:shade val="50000"/>
+            </a:schemeClr>
+          </a:lnRef>
+          <a:fillRef idx="1">
+            <a:schemeClr val="accent1"/>
+          </a:fillRef>
+          <a:effectRef idx="0">
+            <a:schemeClr val="accent1"/>
+          </a:effectRef>
+          <a:fontRef idx="minor">
+            <a:schemeClr val="lt1"/>
+          </a:fontRef>
+        </p:style>
+        <p:txBody>
+          <a:bodyPr rtlCol="0" anchor="ctr"/>
+          <a:lstStyle/>
+          <a:p>
+            <a:pPr algn="ctr"/>
+            <a:endParaRPr lang="zh-CN" altLang="en-US"/>
+          </a:p>
+        </p:txBody>
+      </p:sp>
+      <p:sp>
+        <p:nvSpPr>
+          <p:cNvPr id="20" name="圆角矩形 19"/>
+          <p:cNvSpPr/>
+          <p:nvPr/>
+        </p:nvSpPr>
+        <p:spPr>
+          <a:xfrm>
+            <a:off x="768282" y="2499743"/>
+            <a:ext cx="6468013" cy="808782"/>
+          </a:xfrm>
+          <a:prstGeom prst="roundRect">
+            <a:avLst>
+              <a:gd name="adj" fmla="val 10336"/>
+            </a:avLst>
+          </a:prstGeom>
+          <a:solidFill>
+            <a:schemeClr val="bg1">
+              <a:lumMod val="95000"/>
+            </a:schemeClr>
+          </a:solidFill>
+          <a:ln w="6350">
+            <a:solidFill>
+              <a:schemeClr val="bg1">
+                <a:lumMod val="65000"/>
+              </a:schemeClr>
+            </a:solidFill>
+          </a:ln>
+        </p:spPr>
+        <p:style>
+          <a:lnRef idx="2">
+            <a:schemeClr val="accent1">
+              <a:shade val="50000"/>
+            </a:schemeClr>
+          </a:lnRef>
+          <a:fillRef idx="1">
+            <a:schemeClr val="accent1"/>
+          </a:fillRef>
+          <a:effectRef idx="0">
+            <a:schemeClr val="accent1"/>
+          </a:effectRef>
+          <a:fontRef idx="minor">
+            <a:schemeClr val="lt1"/>
+          </a:fontRef>
+        </p:style>
+        <p:txBody>
+          <a:bodyPr rtlCol="0" anchor="ctr"/>
+          <a:lstStyle/>
+          <a:p>
+            <a:pPr algn="ctr"/>
+            <a:endParaRPr lang="zh-CN" altLang="en-US"/>
+          </a:p>
+        </p:txBody>
+      </p:sp>
+      <p:sp>
+        <p:nvSpPr>
+          <p:cNvPr id="70" name="圆角矩形 69"/>
+          <p:cNvSpPr/>
+          <p:nvPr/>
+        </p:nvSpPr>
+        <p:spPr>
+          <a:xfrm>
+            <a:off x="1239365" y="2633651"/>
+            <a:ext cx="1475474" cy="571294"/>
+          </a:xfrm>
+          <a:prstGeom prst="roundRect">
+            <a:avLst>
+              <a:gd name="adj" fmla="val 5453"/>
+            </a:avLst>
+          </a:prstGeom>
+          <a:solidFill>
+            <a:srgbClr val="FFC000">
+              <a:alpha val="50000"/>
+            </a:srgbClr>
+          </a:solidFill>
+          <a:ln w="6350">
+            <a:noFill/>
+            <a:prstDash val="solid"/>
+          </a:ln>
+        </p:spPr>
+        <p:style>
+          <a:lnRef idx="2">
+            <a:schemeClr val="accent1">
+              <a:shade val="50000"/>
+            </a:schemeClr>
+          </a:lnRef>
+          <a:fillRef idx="1">
+            <a:schemeClr val="accent1"/>
+          </a:fillRef>
+          <a:effectRef idx="0">
+            <a:schemeClr val="accent1"/>
+          </a:effectRef>
+          <a:fontRef idx="minor">
+            <a:schemeClr val="lt1"/>
+          </a:fontRef>
+        </p:style>
+        <p:txBody>
+          <a:bodyPr lIns="0" tIns="0" rIns="0" bIns="0" rtlCol="0" anchor="t"/>
+          <a:lstStyle/>
+          <a:p>
+            <a:pPr algn="ctr"/>
+            <a:endParaRPr lang="zh-CN" altLang="en-US" sz="1000" b="1" dirty="0">
+              <a:solidFill>
+                <a:prstClr val="black"/>
+              </a:solidFill>
+              <a:latin typeface="微软雅黑" panose="020B0503020204020204" pitchFamily="34" charset="-122"/>
+              <a:ea typeface="微软雅黑" panose="020B0503020204020204" pitchFamily="34" charset="-122"/>
+            </a:endParaRPr>
+          </a:p>
+        </p:txBody>
+      </p:sp>
+      <p:sp>
+        <p:nvSpPr>
+          <p:cNvPr id="2" name="TextBox 1"/>
+          <p:cNvSpPr txBox="1"/>
+          <p:nvPr/>
+        </p:nvSpPr>
+        <p:spPr>
+          <a:xfrm>
+            <a:off x="199222" y="108536"/>
+            <a:ext cx="2716594" cy="461665"/>
+          </a:xfrm>
+          <a:prstGeom prst="rect">
+            <a:avLst/>
+          </a:prstGeom>
+        </p:spPr>
+        <p:txBody>
+          <a:bodyPr wrap="square">
+            <a:spAutoFit/>
+          </a:bodyPr>
+          <a:lstStyle>
+            <a:defPPr>
+              <a:defRPr lang="zh-CN"/>
+            </a:defPPr>
+            <a:lvl1pPr>
+              <a:defRPr sz="800">
+                <a:latin typeface="微软雅黑" panose="020B0503020204020204" pitchFamily="34" charset="-122"/>
+                <a:ea typeface="微软雅黑" panose="020B0503020204020204" pitchFamily="34" charset="-122"/>
+              </a:defRPr>
+            </a:lvl1pPr>
+          </a:lstStyle>
+          <a:p>
+            <a:r>
+              <a:rPr lang="zh-CN" altLang="en-US" sz="2400" b="1" dirty="0" smtClean="0"/>
+              <a:t>业务模式行业对标</a:t>
+            </a:r>
+            <a:endParaRPr lang="en-US" sz="2400" b="1" dirty="0"/>
+          </a:p>
+        </p:txBody>
+      </p:sp>
+      <p:sp>
+        <p:nvSpPr>
+          <p:cNvPr id="53" name="圆角矩形 52"/>
+          <p:cNvSpPr/>
+          <p:nvPr/>
+        </p:nvSpPr>
+        <p:spPr>
+          <a:xfrm>
+            <a:off x="1333468" y="2715976"/>
+            <a:ext cx="1296144" cy="307607"/>
+          </a:xfrm>
+          <a:prstGeom prst="roundRect">
+            <a:avLst>
+              <a:gd name="adj" fmla="val 10738"/>
+            </a:avLst>
+          </a:prstGeom>
+          <a:noFill/>
+          <a:ln w="6350">
+            <a:solidFill>
+              <a:schemeClr val="tx1">
+                <a:lumMod val="75000"/>
+                <a:lumOff val="25000"/>
+              </a:schemeClr>
+            </a:solidFill>
+            <a:prstDash val="dash"/>
+          </a:ln>
+        </p:spPr>
+        <p:style>
+          <a:lnRef idx="2">
+            <a:schemeClr val="accent1">
+              <a:shade val="50000"/>
+            </a:schemeClr>
+          </a:lnRef>
+          <a:fillRef idx="1">
+            <a:schemeClr val="accent1"/>
+          </a:fillRef>
+          <a:effectRef idx="0">
+            <a:schemeClr val="accent1"/>
+          </a:effectRef>
+          <a:fontRef idx="minor">
+            <a:schemeClr val="lt1"/>
+          </a:fontRef>
+        </p:style>
+        <p:txBody>
+          <a:bodyPr rtlCol="0" anchor="ctr"/>
+          <a:lstStyle/>
+          <a:p>
+            <a:pPr algn="ctr"/>
+            <a:endParaRPr lang="zh-CN" altLang="en-US"/>
+          </a:p>
+        </p:txBody>
+      </p:sp>
+      <p:sp>
+        <p:nvSpPr>
+          <p:cNvPr id="57" name="椭圆 56"/>
+          <p:cNvSpPr/>
+          <p:nvPr/>
+        </p:nvSpPr>
+        <p:spPr>
+          <a:xfrm>
+            <a:off x="1425347" y="2772001"/>
+            <a:ext cx="249619" cy="164702"/>
+          </a:xfrm>
+          <a:prstGeom prst="ellipse">
+            <a:avLst/>
+          </a:prstGeom>
+          <a:ln/>
+        </p:spPr>
+        <p:style>
+          <a:lnRef idx="1">
+            <a:schemeClr val="accent3"/>
+          </a:lnRef>
+          <a:fillRef idx="3">
+            <a:schemeClr val="accent3"/>
+          </a:fillRef>
+          <a:effectRef idx="2">
+            <a:schemeClr val="accent3"/>
+          </a:effectRef>
+          <a:fontRef idx="minor">
+            <a:schemeClr val="lt1"/>
+          </a:fontRef>
+        </p:style>
+        <p:txBody>
+          <a:bodyPr lIns="0" tIns="0" rIns="0" bIns="0" rtlCol="0" anchor="ctr"/>
+          <a:lstStyle/>
+          <a:p>
+            <a:pPr algn="ctr"/>
+            <a:endParaRPr lang="zh-CN" altLang="en-US" sz="1000" b="1" dirty="0">
+              <a:solidFill>
+                <a:schemeClr val="bg1"/>
+              </a:solidFill>
+              <a:latin typeface="微软雅黑" panose="020B0503020204020204" pitchFamily="34" charset="-122"/>
+              <a:ea typeface="微软雅黑" panose="020B0503020204020204" pitchFamily="34" charset="-122"/>
+            </a:endParaRPr>
+          </a:p>
+        </p:txBody>
+      </p:sp>
+      <p:sp>
+        <p:nvSpPr>
+          <p:cNvPr id="61" name="椭圆 60"/>
+          <p:cNvSpPr/>
+          <p:nvPr/>
+        </p:nvSpPr>
+        <p:spPr>
+          <a:xfrm>
+            <a:off x="1713981" y="2767566"/>
+            <a:ext cx="249619" cy="164702"/>
+          </a:xfrm>
+          <a:prstGeom prst="ellipse">
+            <a:avLst/>
+          </a:prstGeom>
+          <a:ln/>
+        </p:spPr>
+        <p:style>
+          <a:lnRef idx="1">
+            <a:schemeClr val="accent3"/>
+          </a:lnRef>
+          <a:fillRef idx="3">
+            <a:schemeClr val="accent3"/>
+          </a:fillRef>
+          <a:effectRef idx="2">
+            <a:schemeClr val="accent3"/>
+          </a:effectRef>
+          <a:fontRef idx="minor">
+            <a:schemeClr val="lt1"/>
+          </a:fontRef>
+        </p:style>
+        <p:txBody>
+          <a:bodyPr lIns="0" tIns="0" rIns="0" bIns="0" rtlCol="0" anchor="ctr"/>
+          <a:lstStyle/>
+          <a:p>
+            <a:pPr algn="ctr"/>
+            <a:endParaRPr lang="zh-CN" altLang="en-US" sz="1000" b="1" dirty="0">
+              <a:solidFill>
+                <a:schemeClr val="bg1"/>
+              </a:solidFill>
+              <a:latin typeface="微软雅黑" panose="020B0503020204020204" pitchFamily="34" charset="-122"/>
+              <a:ea typeface="微软雅黑" panose="020B0503020204020204" pitchFamily="34" charset="-122"/>
+            </a:endParaRPr>
+          </a:p>
+        </p:txBody>
+      </p:sp>
+      <p:sp>
+        <p:nvSpPr>
+          <p:cNvPr id="65" name="椭圆 64"/>
+          <p:cNvSpPr/>
+          <p:nvPr/>
+        </p:nvSpPr>
+        <p:spPr>
+          <a:xfrm>
+            <a:off x="2009930" y="2767566"/>
+            <a:ext cx="249619" cy="164702"/>
+          </a:xfrm>
+          <a:prstGeom prst="ellipse">
+            <a:avLst/>
+          </a:prstGeom>
+          <a:ln/>
+        </p:spPr>
+        <p:style>
+          <a:lnRef idx="1">
+            <a:schemeClr val="accent3"/>
+          </a:lnRef>
+          <a:fillRef idx="3">
+            <a:schemeClr val="accent3"/>
+          </a:fillRef>
+          <a:effectRef idx="2">
+            <a:schemeClr val="accent3"/>
+          </a:effectRef>
+          <a:fontRef idx="minor">
+            <a:schemeClr val="lt1"/>
+          </a:fontRef>
+        </p:style>
+        <p:txBody>
+          <a:bodyPr lIns="0" tIns="0" rIns="0" bIns="0" rtlCol="0" anchor="ctr"/>
+          <a:lstStyle/>
+          <a:p>
+            <a:pPr algn="ctr"/>
+            <a:endParaRPr lang="zh-CN" altLang="en-US" sz="1000" b="1" dirty="0">
+              <a:solidFill>
+                <a:schemeClr val="bg1"/>
+              </a:solidFill>
+              <a:latin typeface="微软雅黑" panose="020B0503020204020204" pitchFamily="34" charset="-122"/>
+              <a:ea typeface="微软雅黑" panose="020B0503020204020204" pitchFamily="34" charset="-122"/>
+            </a:endParaRPr>
+          </a:p>
+        </p:txBody>
+      </p:sp>
+      <p:sp>
+        <p:nvSpPr>
+          <p:cNvPr id="69" name="椭圆 68"/>
+          <p:cNvSpPr/>
+          <p:nvPr/>
+        </p:nvSpPr>
+        <p:spPr>
+          <a:xfrm>
+            <a:off x="2307779" y="2767566"/>
+            <a:ext cx="249619" cy="164702"/>
+          </a:xfrm>
+          <a:prstGeom prst="ellipse">
+            <a:avLst/>
+          </a:prstGeom>
+          <a:ln/>
+        </p:spPr>
+        <p:style>
+          <a:lnRef idx="1">
+            <a:schemeClr val="accent3"/>
+          </a:lnRef>
+          <a:fillRef idx="3">
+            <a:schemeClr val="accent3"/>
+          </a:fillRef>
+          <a:effectRef idx="2">
+            <a:schemeClr val="accent3"/>
+          </a:effectRef>
+          <a:fontRef idx="minor">
+            <a:schemeClr val="lt1"/>
+          </a:fontRef>
+        </p:style>
+        <p:txBody>
+          <a:bodyPr lIns="0" tIns="0" rIns="0" bIns="0" rtlCol="0" anchor="ctr"/>
+          <a:lstStyle/>
+          <a:p>
+            <a:pPr algn="ctr"/>
+            <a:endParaRPr lang="zh-CN" altLang="en-US" sz="1000" b="1" dirty="0">
+              <a:solidFill>
+                <a:schemeClr val="bg1"/>
+              </a:solidFill>
+              <a:latin typeface="微软雅黑" panose="020B0503020204020204" pitchFamily="34" charset="-122"/>
+              <a:ea typeface="微软雅黑" panose="020B0503020204020204" pitchFamily="34" charset="-122"/>
+            </a:endParaRPr>
+          </a:p>
+        </p:txBody>
+      </p:sp>
+      <p:sp>
+        <p:nvSpPr>
+          <p:cNvPr id="71" name="矩形 70"/>
+          <p:cNvSpPr/>
+          <p:nvPr/>
+        </p:nvSpPr>
+        <p:spPr>
+          <a:xfrm>
+            <a:off x="1531180" y="733181"/>
+            <a:ext cx="957499" cy="215444"/>
+          </a:xfrm>
+          <a:prstGeom prst="rect">
+            <a:avLst/>
+          </a:prstGeom>
+        </p:spPr>
+        <p:txBody>
+          <a:bodyPr wrap="square" lIns="36000" tIns="0" rIns="36000" bIns="0">
+            <a:spAutoFit/>
+          </a:bodyPr>
+          <a:lstStyle/>
+          <a:p>
+            <a:pPr algn="ctr"/>
+            <a:r>
+              <a:rPr lang="zh-CN" altLang="en-US" sz="1400" b="1" dirty="0" smtClean="0">
+                <a:latin typeface="微软雅黑" panose="020B0503020204020204" pitchFamily="34" charset="-122"/>
+                <a:ea typeface="微软雅黑" panose="020B0503020204020204" pitchFamily="34" charset="-122"/>
+              </a:rPr>
+              <a:t>天猫模式</a:t>
+            </a:r>
+            <a:endParaRPr lang="en-US" altLang="zh-CN" sz="1400" b="1" dirty="0" smtClean="0">
+              <a:latin typeface="微软雅黑" panose="020B0503020204020204" pitchFamily="34" charset="-122"/>
+              <a:ea typeface="微软雅黑" panose="020B0503020204020204" pitchFamily="34" charset="-122"/>
+            </a:endParaRPr>
+          </a:p>
+        </p:txBody>
+      </p:sp>
+      <p:sp>
+        <p:nvSpPr>
+          <p:cNvPr id="72" name="矩形 71"/>
+          <p:cNvSpPr/>
+          <p:nvPr/>
+        </p:nvSpPr>
+        <p:spPr>
+          <a:xfrm>
+            <a:off x="1358895" y="3007029"/>
+            <a:ext cx="1256640" cy="230832"/>
+          </a:xfrm>
+          <a:prstGeom prst="rect">
+            <a:avLst/>
+          </a:prstGeom>
+        </p:spPr>
+        <p:txBody>
+          <a:bodyPr wrap="square">
+            <a:spAutoFit/>
+          </a:bodyPr>
+          <a:lstStyle/>
+          <a:p>
+            <a:pPr algn="ctr"/>
+            <a:r>
+              <a:rPr lang="zh-CN" altLang="en-US" sz="900" dirty="0">
+                <a:latin typeface="微软雅黑" panose="020B0503020204020204" pitchFamily="34" charset="-122"/>
+                <a:ea typeface="微软雅黑" panose="020B0503020204020204" pitchFamily="34" charset="-122"/>
+              </a:rPr>
+              <a:t>品牌</a:t>
+            </a:r>
+            <a:r>
+              <a:rPr lang="zh-CN" altLang="en-US" sz="900" dirty="0" smtClean="0">
+                <a:latin typeface="微软雅黑" panose="020B0503020204020204" pitchFamily="34" charset="-122"/>
+                <a:ea typeface="微软雅黑" panose="020B0503020204020204" pitchFamily="34" charset="-122"/>
+              </a:rPr>
+              <a:t>店</a:t>
+            </a:r>
+            <a:r>
+              <a:rPr lang="en-US" altLang="zh-CN" sz="900" dirty="0" smtClean="0">
+                <a:latin typeface="微软雅黑" panose="020B0503020204020204" pitchFamily="34" charset="-122"/>
+                <a:ea typeface="微软雅黑" panose="020B0503020204020204" pitchFamily="34" charset="-122"/>
+              </a:rPr>
+              <a:t>/</a:t>
+            </a:r>
+            <a:r>
+              <a:rPr lang="zh-CN" altLang="en-US" sz="900" dirty="0" smtClean="0">
+                <a:latin typeface="微软雅黑" panose="020B0503020204020204" pitchFamily="34" charset="-122"/>
+                <a:ea typeface="微软雅黑" panose="020B0503020204020204" pitchFamily="34" charset="-122"/>
+              </a:rPr>
+              <a:t>商家直营店</a:t>
+            </a:r>
+            <a:endParaRPr lang="zh-CN" altLang="en-US" sz="900" dirty="0">
+              <a:latin typeface="微软雅黑" panose="020B0503020204020204" pitchFamily="34" charset="-122"/>
+              <a:ea typeface="微软雅黑" panose="020B0503020204020204" pitchFamily="34" charset="-122"/>
+            </a:endParaRPr>
+          </a:p>
+        </p:txBody>
+      </p:sp>
+      <p:pic>
+        <p:nvPicPr>
+          <p:cNvPr id="73" name="图片 72"/>
+          <p:cNvPicPr>
+            <a:picLocks noChangeAspect="1"/>
+          </p:cNvPicPr>
+          <p:nvPr/>
+        </p:nvPicPr>
+        <p:blipFill>
+          <a:blip r:embed="rId3" cstate="print">
+            <a:extLst>
+              <a:ext uri="{28A0092B-C50C-407E-A947-70E740481C1C}">
+                <a14:useLocalDpi xmlns:a14="http://schemas.microsoft.com/office/drawing/2010/main" val="0"/>
+              </a:ext>
+            </a:extLst>
+          </a:blip>
+          <a:stretch>
+            <a:fillRect/>
+          </a:stretch>
+        </p:blipFill>
+        <p:spPr>
+          <a:xfrm>
+            <a:off x="1707648" y="967945"/>
+            <a:ext cx="542408" cy="504056"/>
+          </a:xfrm>
+          <a:prstGeom prst="rect">
+            <a:avLst/>
+          </a:prstGeom>
+        </p:spPr>
+      </p:pic>
+      <p:sp>
+        <p:nvSpPr>
+          <p:cNvPr id="96" name="矩形 95"/>
+          <p:cNvSpPr/>
+          <p:nvPr/>
+        </p:nvSpPr>
+        <p:spPr>
+          <a:xfrm>
+            <a:off x="3603985" y="733181"/>
+            <a:ext cx="957499" cy="215444"/>
+          </a:xfrm>
+          <a:prstGeom prst="rect">
+            <a:avLst/>
+          </a:prstGeom>
+        </p:spPr>
+        <p:txBody>
+          <a:bodyPr wrap="square" lIns="36000" tIns="0" rIns="36000" bIns="0">
+            <a:spAutoFit/>
+          </a:bodyPr>
+          <a:lstStyle/>
+          <a:p>
+            <a:pPr algn="ctr"/>
+            <a:r>
+              <a:rPr lang="zh-CN" altLang="en-US" sz="1400" b="1" dirty="0">
+                <a:latin typeface="微软雅黑" panose="020B0503020204020204" pitchFamily="34" charset="-122"/>
+                <a:ea typeface="微软雅黑" panose="020B0503020204020204" pitchFamily="34" charset="-122"/>
+              </a:rPr>
+              <a:t>京东</a:t>
+            </a:r>
+            <a:r>
+              <a:rPr lang="zh-CN" altLang="en-US" sz="1400" b="1" dirty="0" smtClean="0">
+                <a:latin typeface="微软雅黑" panose="020B0503020204020204" pitchFamily="34" charset="-122"/>
+                <a:ea typeface="微软雅黑" panose="020B0503020204020204" pitchFamily="34" charset="-122"/>
+              </a:rPr>
+              <a:t>模式</a:t>
+            </a:r>
+            <a:endParaRPr lang="en-US" altLang="zh-CN" sz="1400" b="1" dirty="0" smtClean="0">
+              <a:latin typeface="微软雅黑" panose="020B0503020204020204" pitchFamily="34" charset="-122"/>
+              <a:ea typeface="微软雅黑" panose="020B0503020204020204" pitchFamily="34" charset="-122"/>
+            </a:endParaRPr>
+          </a:p>
+        </p:txBody>
+      </p:sp>
+      <p:pic>
+        <p:nvPicPr>
+          <p:cNvPr id="98" name="图片 97"/>
+          <p:cNvPicPr>
+            <a:picLocks noChangeAspect="1"/>
+          </p:cNvPicPr>
+          <p:nvPr/>
+        </p:nvPicPr>
+        <p:blipFill>
+          <a:blip r:embed="rId3" cstate="print">
+            <a:extLst>
+              <a:ext uri="{28A0092B-C50C-407E-A947-70E740481C1C}">
+                <a14:useLocalDpi xmlns:a14="http://schemas.microsoft.com/office/drawing/2010/main" val="0"/>
+              </a:ext>
+            </a:extLst>
+          </a:blip>
+          <a:stretch>
+            <a:fillRect/>
+          </a:stretch>
+        </p:blipFill>
+        <p:spPr>
+          <a:xfrm>
+            <a:off x="3813773" y="948937"/>
+            <a:ext cx="542408" cy="504056"/>
+          </a:xfrm>
+          <a:prstGeom prst="rect">
+            <a:avLst/>
+          </a:prstGeom>
+        </p:spPr>
+      </p:pic>
+      <p:sp>
+        <p:nvSpPr>
+          <p:cNvPr id="104" name="圆角矩形 103"/>
+          <p:cNvSpPr/>
+          <p:nvPr/>
+        </p:nvSpPr>
+        <p:spPr>
+          <a:xfrm>
+            <a:off x="5544798" y="2614643"/>
+            <a:ext cx="1475474" cy="571294"/>
+          </a:xfrm>
+          <a:prstGeom prst="roundRect">
+            <a:avLst>
+              <a:gd name="adj" fmla="val 5453"/>
+            </a:avLst>
+          </a:prstGeom>
+          <a:solidFill>
+            <a:srgbClr val="FFC000">
+              <a:alpha val="50000"/>
+            </a:srgbClr>
+          </a:solidFill>
+          <a:ln w="6350">
+            <a:noFill/>
+            <a:prstDash val="solid"/>
+          </a:ln>
+        </p:spPr>
+        <p:style>
+          <a:lnRef idx="2">
+            <a:schemeClr val="accent1">
+              <a:shade val="50000"/>
+            </a:schemeClr>
+          </a:lnRef>
+          <a:fillRef idx="1">
+            <a:schemeClr val="accent1"/>
+          </a:fillRef>
+          <a:effectRef idx="0">
+            <a:schemeClr val="accent1"/>
+          </a:effectRef>
+          <a:fontRef idx="minor">
+            <a:schemeClr val="lt1"/>
+          </a:fontRef>
+        </p:style>
+        <p:txBody>
+          <a:bodyPr lIns="0" tIns="0" rIns="0" bIns="0" rtlCol="0" anchor="t"/>
+          <a:lstStyle/>
+          <a:p>
+            <a:pPr algn="ctr"/>
+            <a:endParaRPr lang="zh-CN" altLang="en-US" sz="1000" b="1" dirty="0">
+              <a:solidFill>
+                <a:prstClr val="black"/>
+              </a:solidFill>
+              <a:latin typeface="微软雅黑" panose="020B0503020204020204" pitchFamily="34" charset="-122"/>
+              <a:ea typeface="微软雅黑" panose="020B0503020204020204" pitchFamily="34" charset="-122"/>
+            </a:endParaRPr>
+          </a:p>
+        </p:txBody>
+      </p:sp>
+      <p:sp>
+        <p:nvSpPr>
+          <p:cNvPr id="105" name="圆角矩形 104"/>
+          <p:cNvSpPr/>
+          <p:nvPr/>
+        </p:nvSpPr>
+        <p:spPr>
+          <a:xfrm>
+            <a:off x="5638901" y="2696968"/>
+            <a:ext cx="1296144" cy="307607"/>
+          </a:xfrm>
+          <a:prstGeom prst="roundRect">
+            <a:avLst>
+              <a:gd name="adj" fmla="val 10738"/>
+            </a:avLst>
+          </a:prstGeom>
+          <a:noFill/>
+          <a:ln w="6350">
+            <a:solidFill>
+              <a:schemeClr val="tx1">
+                <a:lumMod val="75000"/>
+                <a:lumOff val="25000"/>
+              </a:schemeClr>
+            </a:solidFill>
+            <a:prstDash val="dash"/>
+          </a:ln>
+        </p:spPr>
+        <p:style>
+          <a:lnRef idx="2">
+            <a:schemeClr val="accent1">
+              <a:shade val="50000"/>
+            </a:schemeClr>
+          </a:lnRef>
+          <a:fillRef idx="1">
+            <a:schemeClr val="accent1"/>
+          </a:fillRef>
+          <a:effectRef idx="0">
+            <a:schemeClr val="accent1"/>
+          </a:effectRef>
+          <a:fontRef idx="minor">
+            <a:schemeClr val="lt1"/>
+          </a:fontRef>
+        </p:style>
+        <p:txBody>
+          <a:bodyPr rtlCol="0" anchor="ctr"/>
+          <a:lstStyle/>
+          <a:p>
+            <a:pPr algn="ctr"/>
+            <a:endParaRPr lang="zh-CN" altLang="en-US"/>
+          </a:p>
+        </p:txBody>
+      </p:sp>
+      <p:sp>
+        <p:nvSpPr>
+          <p:cNvPr id="109" name="椭圆 108"/>
+          <p:cNvSpPr/>
+          <p:nvPr/>
+        </p:nvSpPr>
+        <p:spPr>
+          <a:xfrm>
+            <a:off x="5730780" y="2752993"/>
+            <a:ext cx="249619" cy="164702"/>
+          </a:xfrm>
+          <a:prstGeom prst="ellipse">
+            <a:avLst/>
+          </a:prstGeom>
+          <a:ln/>
+        </p:spPr>
+        <p:style>
+          <a:lnRef idx="1">
+            <a:schemeClr val="accent3"/>
+          </a:lnRef>
+          <a:fillRef idx="3">
+            <a:schemeClr val="accent3"/>
+          </a:fillRef>
+          <a:effectRef idx="2">
+            <a:schemeClr val="accent3"/>
+          </a:effectRef>
+          <a:fontRef idx="minor">
+            <a:schemeClr val="lt1"/>
+          </a:fontRef>
+        </p:style>
+        <p:txBody>
+          <a:bodyPr lIns="0" tIns="0" rIns="0" bIns="0" rtlCol="0" anchor="ctr"/>
+          <a:lstStyle/>
+          <a:p>
+            <a:pPr algn="ctr"/>
+            <a:endParaRPr lang="zh-CN" altLang="en-US" sz="1000" b="1" dirty="0">
+              <a:solidFill>
+                <a:schemeClr val="bg1"/>
+              </a:solidFill>
+              <a:latin typeface="微软雅黑" panose="020B0503020204020204" pitchFamily="34" charset="-122"/>
+              <a:ea typeface="微软雅黑" panose="020B0503020204020204" pitchFamily="34" charset="-122"/>
+            </a:endParaRPr>
+          </a:p>
+        </p:txBody>
+      </p:sp>
+      <p:sp>
+        <p:nvSpPr>
+          <p:cNvPr id="113" name="椭圆 112"/>
+          <p:cNvSpPr/>
+          <p:nvPr/>
+        </p:nvSpPr>
+        <p:spPr>
+          <a:xfrm>
+            <a:off x="6026729" y="2748558"/>
+            <a:ext cx="249619" cy="164702"/>
+          </a:xfrm>
+          <a:prstGeom prst="ellipse">
+            <a:avLst/>
+          </a:prstGeom>
+          <a:ln/>
+        </p:spPr>
+        <p:style>
+          <a:lnRef idx="1">
+            <a:schemeClr val="accent3"/>
+          </a:lnRef>
+          <a:fillRef idx="3">
+            <a:schemeClr val="accent3"/>
+          </a:fillRef>
+          <a:effectRef idx="2">
+            <a:schemeClr val="accent3"/>
+          </a:effectRef>
+          <a:fontRef idx="minor">
+            <a:schemeClr val="lt1"/>
+          </a:fontRef>
+        </p:style>
+        <p:txBody>
+          <a:bodyPr lIns="0" tIns="0" rIns="0" bIns="0" rtlCol="0" anchor="ctr"/>
+          <a:lstStyle/>
+          <a:p>
+            <a:pPr algn="ctr"/>
+            <a:endParaRPr lang="zh-CN" altLang="en-US" sz="1000" b="1" dirty="0">
+              <a:solidFill>
+                <a:schemeClr val="bg1"/>
+              </a:solidFill>
+              <a:latin typeface="微软雅黑" panose="020B0503020204020204" pitchFamily="34" charset="-122"/>
+              <a:ea typeface="微软雅黑" panose="020B0503020204020204" pitchFamily="34" charset="-122"/>
+            </a:endParaRPr>
+          </a:p>
+        </p:txBody>
+      </p:sp>
+      <p:sp>
+        <p:nvSpPr>
+          <p:cNvPr id="117" name="椭圆 116"/>
+          <p:cNvSpPr/>
+          <p:nvPr/>
+        </p:nvSpPr>
+        <p:spPr>
+          <a:xfrm>
+            <a:off x="6315363" y="2748558"/>
+            <a:ext cx="249619" cy="164702"/>
+          </a:xfrm>
+          <a:prstGeom prst="ellipse">
+            <a:avLst/>
+          </a:prstGeom>
+          <a:ln/>
+        </p:spPr>
+        <p:style>
+          <a:lnRef idx="1">
+            <a:schemeClr val="accent3"/>
+          </a:lnRef>
+          <a:fillRef idx="3">
+            <a:schemeClr val="accent3"/>
+          </a:fillRef>
+          <a:effectRef idx="2">
+            <a:schemeClr val="accent3"/>
+          </a:effectRef>
+          <a:fontRef idx="minor">
+            <a:schemeClr val="lt1"/>
+          </a:fontRef>
+        </p:style>
+        <p:txBody>
+          <a:bodyPr lIns="0" tIns="0" rIns="0" bIns="0" rtlCol="0" anchor="ctr"/>
+          <a:lstStyle/>
+          <a:p>
+            <a:pPr algn="ctr"/>
+            <a:endParaRPr lang="zh-CN" altLang="en-US" sz="1000" b="1" dirty="0">
+              <a:solidFill>
+                <a:schemeClr val="bg1"/>
+              </a:solidFill>
+              <a:latin typeface="微软雅黑" panose="020B0503020204020204" pitchFamily="34" charset="-122"/>
+              <a:ea typeface="微软雅黑" panose="020B0503020204020204" pitchFamily="34" charset="-122"/>
+            </a:endParaRPr>
+          </a:p>
+        </p:txBody>
+      </p:sp>
+      <p:sp>
+        <p:nvSpPr>
+          <p:cNvPr id="121" name="椭圆 120"/>
+          <p:cNvSpPr/>
+          <p:nvPr/>
+        </p:nvSpPr>
+        <p:spPr>
+          <a:xfrm>
+            <a:off x="6613212" y="2748558"/>
+            <a:ext cx="249619" cy="164702"/>
+          </a:xfrm>
+          <a:prstGeom prst="ellipse">
+            <a:avLst/>
+          </a:prstGeom>
+          <a:ln/>
+        </p:spPr>
+        <p:style>
+          <a:lnRef idx="1">
+            <a:schemeClr val="accent3"/>
+          </a:lnRef>
+          <a:fillRef idx="3">
+            <a:schemeClr val="accent3"/>
+          </a:fillRef>
+          <a:effectRef idx="2">
+            <a:schemeClr val="accent3"/>
+          </a:effectRef>
+          <a:fontRef idx="minor">
+            <a:schemeClr val="lt1"/>
+          </a:fontRef>
+        </p:style>
+        <p:txBody>
+          <a:bodyPr lIns="0" tIns="0" rIns="0" bIns="0" rtlCol="0" anchor="ctr"/>
+          <a:lstStyle/>
+          <a:p>
+            <a:pPr algn="ctr"/>
+            <a:endParaRPr lang="zh-CN" altLang="en-US" sz="1000" b="1" dirty="0">
+              <a:solidFill>
+                <a:schemeClr val="bg1"/>
+              </a:solidFill>
+              <a:latin typeface="微软雅黑" panose="020B0503020204020204" pitchFamily="34" charset="-122"/>
+              <a:ea typeface="微软雅黑" panose="020B0503020204020204" pitchFamily="34" charset="-122"/>
+            </a:endParaRPr>
+          </a:p>
+        </p:txBody>
+      </p:sp>
+      <p:sp>
+        <p:nvSpPr>
+          <p:cNvPr id="122" name="矩形 121"/>
+          <p:cNvSpPr/>
+          <p:nvPr/>
+        </p:nvSpPr>
+        <p:spPr>
+          <a:xfrm>
+            <a:off x="5683389" y="714173"/>
+            <a:ext cx="1183659" cy="215444"/>
+          </a:xfrm>
+          <a:prstGeom prst="rect">
+            <a:avLst/>
+          </a:prstGeom>
+        </p:spPr>
+        <p:txBody>
+          <a:bodyPr wrap="square" lIns="36000" tIns="0" rIns="36000" bIns="0">
+            <a:spAutoFit/>
+          </a:bodyPr>
+          <a:lstStyle/>
+          <a:p>
+            <a:pPr algn="ctr"/>
+            <a:r>
+              <a:rPr lang="zh-CN" altLang="en-US" sz="1400" b="1" dirty="0">
+                <a:latin typeface="微软雅黑" panose="020B0503020204020204" pitchFamily="34" charset="-122"/>
+                <a:ea typeface="微软雅黑" panose="020B0503020204020204" pitchFamily="34" charset="-122"/>
+              </a:rPr>
+              <a:t>淘</a:t>
+            </a:r>
+            <a:r>
+              <a:rPr lang="zh-CN" altLang="en-US" sz="1400" b="1" dirty="0" smtClean="0">
+                <a:latin typeface="微软雅黑" panose="020B0503020204020204" pitchFamily="34" charset="-122"/>
+                <a:ea typeface="微软雅黑" panose="020B0503020204020204" pitchFamily="34" charset="-122"/>
+              </a:rPr>
+              <a:t>宝分销</a:t>
+            </a:r>
+            <a:r>
+              <a:rPr lang="zh-CN" altLang="en-US" sz="1400" b="1" dirty="0" smtClean="0">
+                <a:latin typeface="微软雅黑" panose="020B0503020204020204" pitchFamily="34" charset="-122"/>
+                <a:ea typeface="微软雅黑" panose="020B0503020204020204" pitchFamily="34" charset="-122"/>
+              </a:rPr>
+              <a:t>模式</a:t>
+            </a:r>
+            <a:endParaRPr lang="en-US" altLang="zh-CN" sz="1400" b="1" dirty="0" smtClean="0">
+              <a:latin typeface="微软雅黑" panose="020B0503020204020204" pitchFamily="34" charset="-122"/>
+              <a:ea typeface="微软雅黑" panose="020B0503020204020204" pitchFamily="34" charset="-122"/>
+            </a:endParaRPr>
+          </a:p>
+        </p:txBody>
+      </p:sp>
+      <p:sp>
+        <p:nvSpPr>
+          <p:cNvPr id="123" name="矩形 122"/>
+          <p:cNvSpPr/>
+          <p:nvPr/>
+        </p:nvSpPr>
+        <p:spPr>
+          <a:xfrm>
+            <a:off x="5664328" y="2988021"/>
+            <a:ext cx="1256640" cy="230832"/>
+          </a:xfrm>
+          <a:prstGeom prst="rect">
+            <a:avLst/>
+          </a:prstGeom>
+        </p:spPr>
+        <p:txBody>
+          <a:bodyPr wrap="square">
+            <a:spAutoFit/>
+          </a:bodyPr>
+          <a:lstStyle/>
+          <a:p>
+            <a:pPr algn="ctr"/>
+            <a:r>
+              <a:rPr lang="zh-CN" altLang="en-US" sz="900" dirty="0">
+                <a:latin typeface="微软雅黑" panose="020B0503020204020204" pitchFamily="34" charset="-122"/>
+                <a:ea typeface="微软雅黑" panose="020B0503020204020204" pitchFamily="34" charset="-122"/>
+              </a:rPr>
+              <a:t>淘</a:t>
+            </a:r>
+            <a:r>
+              <a:rPr lang="zh-CN" altLang="en-US" sz="900" dirty="0" smtClean="0">
+                <a:latin typeface="微软雅黑" panose="020B0503020204020204" pitchFamily="34" charset="-122"/>
+                <a:ea typeface="微软雅黑" panose="020B0503020204020204" pitchFamily="34" charset="-122"/>
+              </a:rPr>
+              <a:t>宝分销</a:t>
+            </a:r>
+            <a:r>
+              <a:rPr lang="zh-CN" altLang="en-US" sz="900" dirty="0" smtClean="0">
+                <a:latin typeface="微软雅黑" panose="020B0503020204020204" pitchFamily="34" charset="-122"/>
+                <a:ea typeface="微软雅黑" panose="020B0503020204020204" pitchFamily="34" charset="-122"/>
+              </a:rPr>
+              <a:t>店</a:t>
+            </a:r>
+            <a:endParaRPr lang="zh-CN" altLang="en-US" sz="900" dirty="0">
+              <a:latin typeface="微软雅黑" panose="020B0503020204020204" pitchFamily="34" charset="-122"/>
+              <a:ea typeface="微软雅黑" panose="020B0503020204020204" pitchFamily="34" charset="-122"/>
+            </a:endParaRPr>
+          </a:p>
+        </p:txBody>
+      </p:sp>
+      <p:pic>
+        <p:nvPicPr>
+          <p:cNvPr id="124" name="图片 123"/>
+          <p:cNvPicPr>
+            <a:picLocks noChangeAspect="1"/>
+          </p:cNvPicPr>
+          <p:nvPr/>
+        </p:nvPicPr>
+        <p:blipFill>
+          <a:blip r:embed="rId3" cstate="print">
+            <a:extLst>
+              <a:ext uri="{28A0092B-C50C-407E-A947-70E740481C1C}">
+                <a14:useLocalDpi xmlns:a14="http://schemas.microsoft.com/office/drawing/2010/main" val="0"/>
+              </a:ext>
+            </a:extLst>
+          </a:blip>
+          <a:stretch>
+            <a:fillRect/>
+          </a:stretch>
+        </p:blipFill>
+        <p:spPr>
+          <a:xfrm>
+            <a:off x="6013081" y="948937"/>
+            <a:ext cx="542408" cy="504056"/>
+          </a:xfrm>
+          <a:prstGeom prst="rect">
+            <a:avLst/>
+          </a:prstGeom>
+        </p:spPr>
+      </p:pic>
+      <p:sp>
+        <p:nvSpPr>
+          <p:cNvPr id="130" name="圆角矩形 129"/>
+          <p:cNvSpPr/>
+          <p:nvPr/>
+        </p:nvSpPr>
+        <p:spPr>
+          <a:xfrm>
+            <a:off x="5664328" y="4477289"/>
+            <a:ext cx="1279355" cy="535419"/>
+          </a:xfrm>
+          <a:prstGeom prst="roundRect">
+            <a:avLst>
+              <a:gd name="adj" fmla="val 3866"/>
+            </a:avLst>
+          </a:prstGeom>
+          <a:solidFill>
+            <a:srgbClr val="FFC000">
+              <a:alpha val="10000"/>
+            </a:srgbClr>
+          </a:solidFill>
+          <a:ln w="6350">
+            <a:solidFill>
+              <a:schemeClr val="bg1">
+                <a:lumMod val="75000"/>
+              </a:schemeClr>
+            </a:solidFill>
+            <a:prstDash val="solid"/>
+          </a:ln>
+        </p:spPr>
+        <p:style>
+          <a:lnRef idx="2">
+            <a:schemeClr val="accent1">
+              <a:shade val="50000"/>
+            </a:schemeClr>
+          </a:lnRef>
+          <a:fillRef idx="1">
+            <a:schemeClr val="accent1"/>
+          </a:fillRef>
+          <a:effectRef idx="0">
+            <a:schemeClr val="accent1"/>
+          </a:effectRef>
+          <a:fontRef idx="minor">
+            <a:schemeClr val="lt1"/>
+          </a:fontRef>
+        </p:style>
+        <p:txBody>
+          <a:bodyPr lIns="0" tIns="0" rIns="0" bIns="0" rtlCol="0" anchor="t"/>
+          <a:lstStyle/>
+          <a:p>
+            <a:pPr algn="ctr"/>
+            <a:endParaRPr lang="zh-CN" altLang="en-US" sz="1000" b="1">
+              <a:solidFill>
+                <a:prstClr val="black"/>
+              </a:solidFill>
+              <a:latin typeface="微软雅黑" panose="020B0503020204020204" pitchFamily="34" charset="-122"/>
+              <a:ea typeface="微软雅黑" panose="020B0503020204020204" pitchFamily="34" charset="-122"/>
+            </a:endParaRPr>
+          </a:p>
+        </p:txBody>
+      </p:sp>
+      <p:sp>
+        <p:nvSpPr>
+          <p:cNvPr id="131" name="矩形 130"/>
+          <p:cNvSpPr/>
+          <p:nvPr/>
+        </p:nvSpPr>
+        <p:spPr>
+          <a:xfrm>
+            <a:off x="5730780" y="4570836"/>
+            <a:ext cx="324322" cy="216024"/>
+          </a:xfrm>
+          <a:prstGeom prst="rect">
+            <a:avLst/>
+          </a:prstGeom>
+          <a:solidFill>
+            <a:srgbClr val="FFC000">
+              <a:alpha val="35000"/>
+            </a:srgbClr>
+          </a:solidFill>
+          <a:ln w="6350">
+            <a:solidFill>
+              <a:srgbClr val="FF0000"/>
+            </a:solidFill>
+            <a:prstDash val="dash"/>
+          </a:ln>
+        </p:spPr>
+        <p:style>
+          <a:lnRef idx="2">
+            <a:schemeClr val="accent1">
+              <a:shade val="50000"/>
+            </a:schemeClr>
+          </a:lnRef>
+          <a:fillRef idx="1">
+            <a:schemeClr val="accent1"/>
+          </a:fillRef>
+          <a:effectRef idx="0">
+            <a:schemeClr val="accent1"/>
+          </a:effectRef>
+          <a:fontRef idx="minor">
+            <a:schemeClr val="lt1"/>
+          </a:fontRef>
+        </p:style>
+        <p:txBody>
+          <a:bodyPr rtlCol="0" anchor="ctr"/>
+          <a:lstStyle/>
+          <a:p>
+            <a:pPr algn="ctr"/>
+            <a:endParaRPr lang="zh-CN" altLang="en-US" sz="900" dirty="0">
+              <a:solidFill>
+                <a:schemeClr val="tx1"/>
+              </a:solidFill>
+              <a:latin typeface="微软雅黑" panose="020B0503020204020204" pitchFamily="34" charset="-122"/>
+              <a:ea typeface="微软雅黑" panose="020B0503020204020204" pitchFamily="34" charset="-122"/>
+            </a:endParaRPr>
+          </a:p>
+        </p:txBody>
+      </p:sp>
+      <p:sp>
+        <p:nvSpPr>
+          <p:cNvPr id="132" name="矩形 131"/>
+          <p:cNvSpPr/>
+          <p:nvPr/>
+        </p:nvSpPr>
+        <p:spPr>
+          <a:xfrm>
+            <a:off x="6140563" y="4574618"/>
+            <a:ext cx="324322" cy="216024"/>
+          </a:xfrm>
+          <a:prstGeom prst="rect">
+            <a:avLst/>
+          </a:prstGeom>
+          <a:solidFill>
+            <a:srgbClr val="FFC000">
+              <a:alpha val="35000"/>
+            </a:srgbClr>
+          </a:solidFill>
+          <a:ln w="6350">
+            <a:solidFill>
+              <a:srgbClr val="FF0000"/>
+            </a:solidFill>
+            <a:prstDash val="dash"/>
+          </a:ln>
+        </p:spPr>
+        <p:style>
+          <a:lnRef idx="2">
+            <a:schemeClr val="accent1">
+              <a:shade val="50000"/>
+            </a:schemeClr>
+          </a:lnRef>
+          <a:fillRef idx="1">
+            <a:schemeClr val="accent1"/>
+          </a:fillRef>
+          <a:effectRef idx="0">
+            <a:schemeClr val="accent1"/>
+          </a:effectRef>
+          <a:fontRef idx="minor">
+            <a:schemeClr val="lt1"/>
+          </a:fontRef>
+        </p:style>
+        <p:txBody>
+          <a:bodyPr rtlCol="0" anchor="ctr"/>
+          <a:lstStyle/>
+          <a:p>
+            <a:pPr algn="ctr"/>
+            <a:endParaRPr lang="zh-CN" altLang="en-US" sz="900" dirty="0">
+              <a:solidFill>
+                <a:schemeClr val="tx1"/>
+              </a:solidFill>
+              <a:latin typeface="微软雅黑" panose="020B0503020204020204" pitchFamily="34" charset="-122"/>
+              <a:ea typeface="微软雅黑" panose="020B0503020204020204" pitchFamily="34" charset="-122"/>
+            </a:endParaRPr>
+          </a:p>
+        </p:txBody>
+      </p:sp>
+      <p:sp>
+        <p:nvSpPr>
+          <p:cNvPr id="133" name="矩形 132"/>
+          <p:cNvSpPr/>
+          <p:nvPr/>
+        </p:nvSpPr>
+        <p:spPr>
+          <a:xfrm>
+            <a:off x="6538509" y="4574618"/>
+            <a:ext cx="324322" cy="216024"/>
+          </a:xfrm>
+          <a:prstGeom prst="rect">
+            <a:avLst/>
+          </a:prstGeom>
+          <a:solidFill>
+            <a:srgbClr val="FFC000">
+              <a:alpha val="35000"/>
+            </a:srgbClr>
+          </a:solidFill>
+          <a:ln w="6350">
+            <a:solidFill>
+              <a:srgbClr val="FF0000"/>
+            </a:solidFill>
+            <a:prstDash val="dash"/>
+          </a:ln>
+        </p:spPr>
+        <p:style>
+          <a:lnRef idx="2">
+            <a:schemeClr val="accent1">
+              <a:shade val="50000"/>
+            </a:schemeClr>
+          </a:lnRef>
+          <a:fillRef idx="1">
+            <a:schemeClr val="accent1"/>
+          </a:fillRef>
+          <a:effectRef idx="0">
+            <a:schemeClr val="accent1"/>
+          </a:effectRef>
+          <a:fontRef idx="minor">
+            <a:schemeClr val="lt1"/>
+          </a:fontRef>
+        </p:style>
+        <p:txBody>
+          <a:bodyPr rtlCol="0" anchor="ctr"/>
+          <a:lstStyle/>
+          <a:p>
+            <a:pPr algn="ctr"/>
+            <a:endParaRPr lang="zh-CN" altLang="en-US" sz="900" dirty="0">
+              <a:solidFill>
+                <a:schemeClr val="tx1"/>
+              </a:solidFill>
+              <a:latin typeface="微软雅黑" panose="020B0503020204020204" pitchFamily="34" charset="-122"/>
+              <a:ea typeface="微软雅黑" panose="020B0503020204020204" pitchFamily="34" charset="-122"/>
+            </a:endParaRPr>
+          </a:p>
+        </p:txBody>
+      </p:sp>
+      <p:sp>
+        <p:nvSpPr>
+          <p:cNvPr id="137" name="矩形 136"/>
+          <p:cNvSpPr/>
+          <p:nvPr/>
+        </p:nvSpPr>
+        <p:spPr>
+          <a:xfrm>
+            <a:off x="5687043" y="4789191"/>
+            <a:ext cx="1256640" cy="230832"/>
+          </a:xfrm>
+          <a:prstGeom prst="rect">
+            <a:avLst/>
+          </a:prstGeom>
+        </p:spPr>
+        <p:txBody>
+          <a:bodyPr wrap="square">
+            <a:spAutoFit/>
+          </a:bodyPr>
+          <a:lstStyle/>
+          <a:p>
+            <a:pPr algn="ctr"/>
+            <a:r>
+              <a:rPr lang="zh-CN" altLang="en-US" sz="900" dirty="0">
+                <a:latin typeface="微软雅黑" panose="020B0503020204020204" pitchFamily="34" charset="-122"/>
+                <a:ea typeface="微软雅黑" panose="020B0503020204020204" pitchFamily="34" charset="-122"/>
+              </a:rPr>
+              <a:t>品牌</a:t>
+            </a:r>
+            <a:r>
+              <a:rPr lang="zh-CN" altLang="en-US" sz="900" dirty="0" smtClean="0">
+                <a:latin typeface="微软雅黑" panose="020B0503020204020204" pitchFamily="34" charset="-122"/>
+                <a:ea typeface="微软雅黑" panose="020B0503020204020204" pitchFamily="34" charset="-122"/>
+              </a:rPr>
+              <a:t>商</a:t>
+            </a:r>
+            <a:r>
+              <a:rPr lang="en-US" altLang="zh-CN" sz="900" dirty="0" smtClean="0">
+                <a:latin typeface="微软雅黑" panose="020B0503020204020204" pitchFamily="34" charset="-122"/>
+                <a:ea typeface="微软雅黑" panose="020B0503020204020204" pitchFamily="34" charset="-122"/>
+              </a:rPr>
+              <a:t>/</a:t>
+            </a:r>
+            <a:r>
+              <a:rPr lang="zh-CN" altLang="en-US" sz="900" dirty="0" smtClean="0">
+                <a:latin typeface="微软雅黑" panose="020B0503020204020204" pitchFamily="34" charset="-122"/>
+                <a:ea typeface="微软雅黑" panose="020B0503020204020204" pitchFamily="34" charset="-122"/>
+              </a:rPr>
+              <a:t>供货商</a:t>
+            </a:r>
+            <a:endParaRPr lang="zh-CN" altLang="en-US" sz="900" dirty="0">
+              <a:latin typeface="微软雅黑" panose="020B0503020204020204" pitchFamily="34" charset="-122"/>
+              <a:ea typeface="微软雅黑" panose="020B0503020204020204" pitchFamily="34" charset="-122"/>
+            </a:endParaRPr>
+          </a:p>
+        </p:txBody>
+      </p:sp>
+      <p:sp>
+        <p:nvSpPr>
+          <p:cNvPr id="149" name="矩形 148"/>
+          <p:cNvSpPr/>
+          <p:nvPr/>
+        </p:nvSpPr>
+        <p:spPr>
+          <a:xfrm>
+            <a:off x="768283" y="2800643"/>
+            <a:ext cx="491349" cy="215444"/>
+          </a:xfrm>
+          <a:prstGeom prst="rect">
+            <a:avLst/>
+          </a:prstGeom>
+        </p:spPr>
+        <p:txBody>
+          <a:bodyPr wrap="square" lIns="36000" tIns="0" rIns="36000" bIns="0">
+            <a:spAutoFit/>
+          </a:bodyPr>
+          <a:lstStyle/>
+          <a:p>
+            <a:pPr algn="ctr"/>
+            <a:r>
+              <a:rPr lang="zh-CN" altLang="en-US" sz="1400" b="1" dirty="0" smtClean="0">
+                <a:latin typeface="微软雅黑" panose="020B0503020204020204" pitchFamily="34" charset="-122"/>
+                <a:ea typeface="微软雅黑" panose="020B0503020204020204" pitchFamily="34" charset="-122"/>
+              </a:rPr>
+              <a:t>店铺</a:t>
+            </a:r>
+            <a:endParaRPr lang="en-US" altLang="zh-CN" sz="1400" b="1" dirty="0" smtClean="0">
+              <a:latin typeface="微软雅黑" panose="020B0503020204020204" pitchFamily="34" charset="-122"/>
+              <a:ea typeface="微软雅黑" panose="020B0503020204020204" pitchFamily="34" charset="-122"/>
+            </a:endParaRPr>
+          </a:p>
+        </p:txBody>
+      </p:sp>
+      <p:sp>
+        <p:nvSpPr>
+          <p:cNvPr id="151" name="圆角矩形 150"/>
+          <p:cNvSpPr/>
+          <p:nvPr/>
+        </p:nvSpPr>
+        <p:spPr>
+          <a:xfrm>
+            <a:off x="768282" y="1601064"/>
+            <a:ext cx="6468013" cy="768527"/>
+          </a:xfrm>
+          <a:prstGeom prst="roundRect">
+            <a:avLst>
+              <a:gd name="adj" fmla="val 10336"/>
+            </a:avLst>
+          </a:prstGeom>
+          <a:solidFill>
+            <a:schemeClr val="bg1">
+              <a:lumMod val="95000"/>
+            </a:schemeClr>
+          </a:solidFill>
+          <a:ln w="6350">
+            <a:solidFill>
+              <a:schemeClr val="bg1">
+                <a:lumMod val="65000"/>
+              </a:schemeClr>
+            </a:solidFill>
+          </a:ln>
+        </p:spPr>
+        <p:style>
+          <a:lnRef idx="2">
+            <a:schemeClr val="accent1">
+              <a:shade val="50000"/>
+            </a:schemeClr>
+          </a:lnRef>
+          <a:fillRef idx="1">
+            <a:schemeClr val="accent1"/>
+          </a:fillRef>
+          <a:effectRef idx="0">
+            <a:schemeClr val="accent1"/>
+          </a:effectRef>
+          <a:fontRef idx="minor">
+            <a:schemeClr val="lt1"/>
+          </a:fontRef>
+        </p:style>
+        <p:txBody>
+          <a:bodyPr rtlCol="0" anchor="ctr"/>
+          <a:lstStyle/>
+          <a:p>
+            <a:pPr algn="ctr"/>
+            <a:endParaRPr lang="zh-CN" altLang="en-US"/>
+          </a:p>
+        </p:txBody>
+      </p:sp>
+      <p:sp>
+        <p:nvSpPr>
+          <p:cNvPr id="152" name="矩形 151"/>
+          <p:cNvSpPr/>
+          <p:nvPr/>
+        </p:nvSpPr>
+        <p:spPr>
+          <a:xfrm>
+            <a:off x="768283" y="1830306"/>
+            <a:ext cx="491349" cy="215444"/>
+          </a:xfrm>
+          <a:prstGeom prst="rect">
+            <a:avLst/>
+          </a:prstGeom>
+        </p:spPr>
+        <p:txBody>
+          <a:bodyPr wrap="square" lIns="36000" tIns="0" rIns="36000" bIns="0">
+            <a:spAutoFit/>
+          </a:bodyPr>
+          <a:lstStyle/>
+          <a:p>
+            <a:pPr algn="ctr"/>
+            <a:r>
+              <a:rPr lang="zh-CN" altLang="en-US" sz="1400" b="1" dirty="0">
+                <a:latin typeface="微软雅黑" panose="020B0503020204020204" pitchFamily="34" charset="-122"/>
+                <a:ea typeface="微软雅黑" panose="020B0503020204020204" pitchFamily="34" charset="-122"/>
+              </a:rPr>
+              <a:t>产品</a:t>
+            </a:r>
+            <a:endParaRPr lang="en-US" altLang="zh-CN" sz="1400" b="1" dirty="0" smtClean="0">
+              <a:latin typeface="微软雅黑" panose="020B0503020204020204" pitchFamily="34" charset="-122"/>
+              <a:ea typeface="微软雅黑" panose="020B0503020204020204" pitchFamily="34" charset="-122"/>
+            </a:endParaRPr>
+          </a:p>
+        </p:txBody>
+      </p:sp>
+      <p:sp>
+        <p:nvSpPr>
+          <p:cNvPr id="153" name="圆角矩形 152"/>
+          <p:cNvSpPr/>
+          <p:nvPr/>
+        </p:nvSpPr>
+        <p:spPr>
+          <a:xfrm>
+            <a:off x="1241469" y="1817025"/>
+            <a:ext cx="1475474" cy="481324"/>
+          </a:xfrm>
+          <a:prstGeom prst="roundRect">
+            <a:avLst>
+              <a:gd name="adj" fmla="val 5453"/>
+            </a:avLst>
+          </a:prstGeom>
+          <a:solidFill>
+            <a:schemeClr val="accent6">
+              <a:lumMod val="40000"/>
+              <a:lumOff val="60000"/>
+            </a:schemeClr>
+          </a:solidFill>
+          <a:ln>
+            <a:noFill/>
+          </a:ln>
+        </p:spPr>
+        <p:style>
+          <a:lnRef idx="2">
+            <a:schemeClr val="accent1">
+              <a:shade val="50000"/>
+            </a:schemeClr>
+          </a:lnRef>
+          <a:fillRef idx="1">
+            <a:schemeClr val="accent1"/>
+          </a:fillRef>
+          <a:effectRef idx="0">
+            <a:schemeClr val="accent1"/>
+          </a:effectRef>
+          <a:fontRef idx="minor">
+            <a:schemeClr val="lt1"/>
+          </a:fontRef>
+        </p:style>
+        <p:txBody>
+          <a:bodyPr rtlCol="0" anchor="ctr"/>
+          <a:lstStyle/>
+          <a:p>
+            <a:pPr algn="ctr"/>
+            <a:endParaRPr lang="zh-CN" altLang="en-US" dirty="0"/>
+          </a:p>
+        </p:txBody>
+      </p:sp>
+      <p:sp>
+        <p:nvSpPr>
+          <p:cNvPr id="150" name="圆柱形 149"/>
+          <p:cNvSpPr/>
+          <p:nvPr/>
+        </p:nvSpPr>
+        <p:spPr>
+          <a:xfrm>
+            <a:off x="1425347" y="1948652"/>
+            <a:ext cx="252000" cy="176421"/>
+          </a:xfrm>
+          <a:prstGeom prst="can">
+            <a:avLst/>
+          </a:prstGeom>
+          <a:ln w="12700"/>
+        </p:spPr>
+        <p:style>
+          <a:lnRef idx="3">
+            <a:schemeClr val="lt1"/>
+          </a:lnRef>
+          <a:fillRef idx="1">
+            <a:schemeClr val="accent6"/>
+          </a:fillRef>
+          <a:effectRef idx="1">
+            <a:schemeClr val="accent6"/>
+          </a:effectRef>
+          <a:fontRef idx="minor">
+            <a:schemeClr val="lt1"/>
+          </a:fontRef>
+        </p:style>
+        <p:txBody>
+          <a:bodyPr rtlCol="0" anchor="ctr"/>
+          <a:lstStyle/>
+          <a:p>
+            <a:pPr algn="ctr"/>
+            <a:endParaRPr lang="zh-CN" altLang="en-US" sz="900" b="1" dirty="0">
+              <a:latin typeface="微软雅黑" panose="020B0503020204020204" pitchFamily="34" charset="-122"/>
+              <a:ea typeface="微软雅黑" panose="020B0503020204020204" pitchFamily="34" charset="-122"/>
+            </a:endParaRPr>
+          </a:p>
+        </p:txBody>
+      </p:sp>
+      <p:sp>
+        <p:nvSpPr>
+          <p:cNvPr id="160" name="圆柱形 159"/>
+          <p:cNvSpPr/>
+          <p:nvPr/>
+        </p:nvSpPr>
+        <p:spPr>
+          <a:xfrm>
+            <a:off x="1715917" y="1948652"/>
+            <a:ext cx="252000" cy="176421"/>
+          </a:xfrm>
+          <a:prstGeom prst="can">
+            <a:avLst/>
+          </a:prstGeom>
+          <a:ln w="12700"/>
+        </p:spPr>
+        <p:style>
+          <a:lnRef idx="3">
+            <a:schemeClr val="lt1"/>
+          </a:lnRef>
+          <a:fillRef idx="1">
+            <a:schemeClr val="accent6"/>
+          </a:fillRef>
+          <a:effectRef idx="1">
+            <a:schemeClr val="accent6"/>
+          </a:effectRef>
+          <a:fontRef idx="minor">
+            <a:schemeClr val="lt1"/>
+          </a:fontRef>
+        </p:style>
+        <p:txBody>
+          <a:bodyPr rtlCol="0" anchor="ctr"/>
+          <a:lstStyle/>
+          <a:p>
+            <a:pPr algn="ctr"/>
+            <a:endParaRPr lang="zh-CN" altLang="en-US" sz="900" b="1" dirty="0">
+              <a:latin typeface="微软雅黑" panose="020B0503020204020204" pitchFamily="34" charset="-122"/>
+              <a:ea typeface="微软雅黑" panose="020B0503020204020204" pitchFamily="34" charset="-122"/>
+            </a:endParaRPr>
+          </a:p>
+        </p:txBody>
+      </p:sp>
+      <p:sp>
+        <p:nvSpPr>
+          <p:cNvPr id="161" name="圆柱形 160"/>
+          <p:cNvSpPr/>
+          <p:nvPr/>
+        </p:nvSpPr>
+        <p:spPr>
+          <a:xfrm>
+            <a:off x="2007161" y="1948652"/>
+            <a:ext cx="252000" cy="176421"/>
+          </a:xfrm>
+          <a:prstGeom prst="can">
+            <a:avLst/>
+          </a:prstGeom>
+          <a:ln w="12700"/>
+        </p:spPr>
+        <p:style>
+          <a:lnRef idx="3">
+            <a:schemeClr val="lt1"/>
+          </a:lnRef>
+          <a:fillRef idx="1">
+            <a:schemeClr val="accent6"/>
+          </a:fillRef>
+          <a:effectRef idx="1">
+            <a:schemeClr val="accent6"/>
+          </a:effectRef>
+          <a:fontRef idx="minor">
+            <a:schemeClr val="lt1"/>
+          </a:fontRef>
+        </p:style>
+        <p:txBody>
+          <a:bodyPr rtlCol="0" anchor="ctr"/>
+          <a:lstStyle/>
+          <a:p>
+            <a:pPr algn="ctr"/>
+            <a:endParaRPr lang="zh-CN" altLang="en-US" sz="900" b="1" dirty="0">
+              <a:latin typeface="微软雅黑" panose="020B0503020204020204" pitchFamily="34" charset="-122"/>
+              <a:ea typeface="微软雅黑" panose="020B0503020204020204" pitchFamily="34" charset="-122"/>
+            </a:endParaRPr>
+          </a:p>
+        </p:txBody>
+      </p:sp>
+      <p:sp>
+        <p:nvSpPr>
+          <p:cNvPr id="162" name="圆柱形 161"/>
+          <p:cNvSpPr/>
+          <p:nvPr/>
+        </p:nvSpPr>
+        <p:spPr>
+          <a:xfrm>
+            <a:off x="2306271" y="1948652"/>
+            <a:ext cx="252000" cy="176421"/>
+          </a:xfrm>
+          <a:prstGeom prst="can">
+            <a:avLst/>
+          </a:prstGeom>
+          <a:ln w="12700"/>
+        </p:spPr>
+        <p:style>
+          <a:lnRef idx="3">
+            <a:schemeClr val="lt1"/>
+          </a:lnRef>
+          <a:fillRef idx="1">
+            <a:schemeClr val="accent6"/>
+          </a:fillRef>
+          <a:effectRef idx="1">
+            <a:schemeClr val="accent6"/>
+          </a:effectRef>
+          <a:fontRef idx="minor">
+            <a:schemeClr val="lt1"/>
+          </a:fontRef>
+        </p:style>
+        <p:txBody>
+          <a:bodyPr rtlCol="0" anchor="ctr"/>
+          <a:lstStyle/>
+          <a:p>
+            <a:pPr algn="ctr"/>
+            <a:endParaRPr lang="zh-CN" altLang="en-US" sz="900" b="1" dirty="0">
+              <a:latin typeface="微软雅黑" panose="020B0503020204020204" pitchFamily="34" charset="-122"/>
+              <a:ea typeface="微软雅黑" panose="020B0503020204020204" pitchFamily="34" charset="-122"/>
+            </a:endParaRPr>
+          </a:p>
+        </p:txBody>
+      </p:sp>
+      <p:cxnSp>
+        <p:nvCxnSpPr>
+          <p:cNvPr id="74" name="直接箭头连接符 9"/>
+          <p:cNvCxnSpPr>
+            <a:stCxn id="73" idx="2"/>
+            <a:endCxn id="150" idx="1"/>
+          </p:cNvCxnSpPr>
+          <p:nvPr/>
+        </p:nvCxnSpPr>
+        <p:spPr>
+          <a:xfrm rot="5400000">
+            <a:off x="1526775" y="1496574"/>
+            <a:ext cx="476651" cy="427505"/>
+          </a:xfrm>
+          <a:prstGeom prst="bentConnector3">
+            <a:avLst>
+              <a:gd name="adj1" fmla="val 50000"/>
+            </a:avLst>
+          </a:prstGeom>
+          <a:ln w="6350">
+            <a:solidFill>
+              <a:srgbClr val="0066FF"/>
+            </a:solidFill>
+            <a:prstDash val="dash"/>
+            <a:tailEnd type="arrow"/>
+          </a:ln>
+        </p:spPr>
+        <p:style>
+          <a:lnRef idx="1">
+            <a:schemeClr val="accent1"/>
+          </a:lnRef>
+          <a:fillRef idx="0">
+            <a:schemeClr val="accent1"/>
+          </a:fillRef>
+          <a:effectRef idx="0">
+            <a:schemeClr val="accent1"/>
+          </a:effectRef>
+          <a:fontRef idx="minor">
+            <a:schemeClr val="tx1"/>
+          </a:fontRef>
+        </p:style>
+      </p:cxnSp>
+      <p:cxnSp>
+        <p:nvCxnSpPr>
+          <p:cNvPr id="164" name="直接箭头连接符 9"/>
+          <p:cNvCxnSpPr>
+            <a:stCxn id="150" idx="3"/>
+            <a:endCxn id="57" idx="0"/>
+          </p:cNvCxnSpPr>
+          <p:nvPr/>
+        </p:nvCxnSpPr>
+        <p:spPr>
+          <a:xfrm rot="5400000">
+            <a:off x="1227288" y="2447942"/>
+            <a:ext cx="646928" cy="1190"/>
+          </a:xfrm>
+          <a:prstGeom prst="bentConnector3">
+            <a:avLst>
+              <a:gd name="adj1" fmla="val 50000"/>
+            </a:avLst>
+          </a:prstGeom>
+          <a:ln w="6350">
+            <a:solidFill>
+              <a:srgbClr val="0066FF"/>
+            </a:solidFill>
+            <a:prstDash val="dash"/>
+            <a:tailEnd type="arrow"/>
+          </a:ln>
+        </p:spPr>
+        <p:style>
+          <a:lnRef idx="1">
+            <a:schemeClr val="accent1"/>
+          </a:lnRef>
+          <a:fillRef idx="0">
+            <a:schemeClr val="accent1"/>
+          </a:fillRef>
+          <a:effectRef idx="0">
+            <a:schemeClr val="accent1"/>
+          </a:effectRef>
+          <a:fontRef idx="minor">
+            <a:schemeClr val="tx1"/>
+          </a:fontRef>
+        </p:style>
+      </p:cxnSp>
+      <p:cxnSp>
+        <p:nvCxnSpPr>
+          <p:cNvPr id="167" name="直接箭头连接符 9"/>
+          <p:cNvCxnSpPr>
+            <a:stCxn id="160" idx="3"/>
+            <a:endCxn id="61" idx="0"/>
+          </p:cNvCxnSpPr>
+          <p:nvPr/>
+        </p:nvCxnSpPr>
+        <p:spPr>
+          <a:xfrm rot="5400000">
+            <a:off x="1519108" y="2444756"/>
+            <a:ext cx="642493" cy="3126"/>
+          </a:xfrm>
+          <a:prstGeom prst="bentConnector3">
+            <a:avLst>
+              <a:gd name="adj1" fmla="val 50000"/>
+            </a:avLst>
+          </a:prstGeom>
+          <a:ln w="6350">
+            <a:solidFill>
+              <a:srgbClr val="0066FF"/>
+            </a:solidFill>
+            <a:prstDash val="dash"/>
+            <a:tailEnd type="arrow"/>
+          </a:ln>
+        </p:spPr>
+        <p:style>
+          <a:lnRef idx="1">
+            <a:schemeClr val="accent1"/>
+          </a:lnRef>
+          <a:fillRef idx="0">
+            <a:schemeClr val="accent1"/>
+          </a:fillRef>
+          <a:effectRef idx="0">
+            <a:schemeClr val="accent1"/>
+          </a:effectRef>
+          <a:fontRef idx="minor">
+            <a:schemeClr val="tx1"/>
+          </a:fontRef>
+        </p:style>
+      </p:cxnSp>
+      <p:cxnSp>
+        <p:nvCxnSpPr>
+          <p:cNvPr id="170" name="直接箭头连接符 9"/>
+          <p:cNvCxnSpPr>
+            <a:stCxn id="161" idx="3"/>
+            <a:endCxn id="65" idx="0"/>
+          </p:cNvCxnSpPr>
+          <p:nvPr/>
+        </p:nvCxnSpPr>
+        <p:spPr>
+          <a:xfrm rot="16200000" flipH="1">
+            <a:off x="1812704" y="2445529"/>
+            <a:ext cx="642493" cy="1579"/>
+          </a:xfrm>
+          <a:prstGeom prst="bentConnector3">
+            <a:avLst>
+              <a:gd name="adj1" fmla="val 50000"/>
+            </a:avLst>
+          </a:prstGeom>
+          <a:ln w="6350">
+            <a:solidFill>
+              <a:srgbClr val="0066FF"/>
+            </a:solidFill>
+            <a:prstDash val="dash"/>
+            <a:tailEnd type="arrow"/>
+          </a:ln>
+        </p:spPr>
+        <p:style>
+          <a:lnRef idx="1">
+            <a:schemeClr val="accent1"/>
+          </a:lnRef>
+          <a:fillRef idx="0">
+            <a:schemeClr val="accent1"/>
+          </a:fillRef>
+          <a:effectRef idx="0">
+            <a:schemeClr val="accent1"/>
+          </a:effectRef>
+          <a:fontRef idx="minor">
+            <a:schemeClr val="tx1"/>
+          </a:fontRef>
+        </p:style>
+      </p:cxnSp>
+      <p:cxnSp>
+        <p:nvCxnSpPr>
+          <p:cNvPr id="173" name="直接箭头连接符 9"/>
+          <p:cNvCxnSpPr>
+            <a:stCxn id="162" idx="3"/>
+            <a:endCxn id="69" idx="0"/>
+          </p:cNvCxnSpPr>
+          <p:nvPr/>
+        </p:nvCxnSpPr>
+        <p:spPr>
+          <a:xfrm rot="16200000" flipH="1">
+            <a:off x="2111184" y="2446160"/>
+            <a:ext cx="642493" cy="318"/>
+          </a:xfrm>
+          <a:prstGeom prst="bentConnector3">
+            <a:avLst>
+              <a:gd name="adj1" fmla="val 50000"/>
+            </a:avLst>
+          </a:prstGeom>
+          <a:ln w="6350">
+            <a:solidFill>
+              <a:srgbClr val="0066FF"/>
+            </a:solidFill>
+            <a:prstDash val="dash"/>
+            <a:tailEnd type="arrow"/>
+          </a:ln>
+        </p:spPr>
+        <p:style>
+          <a:lnRef idx="1">
+            <a:schemeClr val="accent1"/>
+          </a:lnRef>
+          <a:fillRef idx="0">
+            <a:schemeClr val="accent1"/>
+          </a:fillRef>
+          <a:effectRef idx="0">
+            <a:schemeClr val="accent1"/>
+          </a:effectRef>
+          <a:fontRef idx="minor">
+            <a:schemeClr val="tx1"/>
+          </a:fontRef>
+        </p:style>
+      </p:cxnSp>
+      <p:cxnSp>
+        <p:nvCxnSpPr>
+          <p:cNvPr id="176" name="直接箭头连接符 9"/>
+          <p:cNvCxnSpPr>
+            <a:stCxn id="73" idx="2"/>
+            <a:endCxn id="160" idx="1"/>
+          </p:cNvCxnSpPr>
+          <p:nvPr/>
+        </p:nvCxnSpPr>
+        <p:spPr>
+          <a:xfrm rot="5400000">
+            <a:off x="1672060" y="1641859"/>
+            <a:ext cx="476651" cy="136935"/>
+          </a:xfrm>
+          <a:prstGeom prst="bentConnector3">
+            <a:avLst>
+              <a:gd name="adj1" fmla="val 50000"/>
+            </a:avLst>
+          </a:prstGeom>
+          <a:ln w="6350">
+            <a:solidFill>
+              <a:srgbClr val="0066FF"/>
+            </a:solidFill>
+            <a:prstDash val="dash"/>
+            <a:tailEnd type="arrow"/>
+          </a:ln>
+        </p:spPr>
+        <p:style>
+          <a:lnRef idx="1">
+            <a:schemeClr val="accent1"/>
+          </a:lnRef>
+          <a:fillRef idx="0">
+            <a:schemeClr val="accent1"/>
+          </a:fillRef>
+          <a:effectRef idx="0">
+            <a:schemeClr val="accent1"/>
+          </a:effectRef>
+          <a:fontRef idx="minor">
+            <a:schemeClr val="tx1"/>
+          </a:fontRef>
+        </p:style>
+      </p:cxnSp>
+      <p:cxnSp>
+        <p:nvCxnSpPr>
+          <p:cNvPr id="179" name="直接箭头连接符 9"/>
+          <p:cNvCxnSpPr>
+            <a:stCxn id="73" idx="2"/>
+            <a:endCxn id="161" idx="1"/>
+          </p:cNvCxnSpPr>
+          <p:nvPr/>
+        </p:nvCxnSpPr>
+        <p:spPr>
+          <a:xfrm rot="16200000" flipH="1">
+            <a:off x="1817681" y="1633171"/>
+            <a:ext cx="476651" cy="154309"/>
+          </a:xfrm>
+          <a:prstGeom prst="bentConnector3">
+            <a:avLst>
+              <a:gd name="adj1" fmla="val 50000"/>
+            </a:avLst>
+          </a:prstGeom>
+          <a:ln w="6350">
+            <a:solidFill>
+              <a:srgbClr val="0066FF"/>
+            </a:solidFill>
+            <a:prstDash val="dash"/>
+            <a:tailEnd type="arrow"/>
+          </a:ln>
+        </p:spPr>
+        <p:style>
+          <a:lnRef idx="1">
+            <a:schemeClr val="accent1"/>
+          </a:lnRef>
+          <a:fillRef idx="0">
+            <a:schemeClr val="accent1"/>
+          </a:fillRef>
+          <a:effectRef idx="0">
+            <a:schemeClr val="accent1"/>
+          </a:effectRef>
+          <a:fontRef idx="minor">
+            <a:schemeClr val="tx1"/>
+          </a:fontRef>
+        </p:style>
+      </p:cxnSp>
+      <p:cxnSp>
+        <p:nvCxnSpPr>
+          <p:cNvPr id="182" name="直接箭头连接符 9"/>
+          <p:cNvCxnSpPr>
+            <a:stCxn id="73" idx="2"/>
+            <a:endCxn id="162" idx="1"/>
+          </p:cNvCxnSpPr>
+          <p:nvPr/>
+        </p:nvCxnSpPr>
+        <p:spPr>
+          <a:xfrm rot="16200000" flipH="1">
+            <a:off x="1967236" y="1483616"/>
+            <a:ext cx="476651" cy="453419"/>
+          </a:xfrm>
+          <a:prstGeom prst="bentConnector3">
+            <a:avLst>
+              <a:gd name="adj1" fmla="val 50000"/>
+            </a:avLst>
+          </a:prstGeom>
+          <a:ln w="6350">
+            <a:solidFill>
+              <a:srgbClr val="0066FF"/>
+            </a:solidFill>
+            <a:prstDash val="dash"/>
+            <a:tailEnd type="arrow"/>
+          </a:ln>
+        </p:spPr>
+        <p:style>
+          <a:lnRef idx="1">
+            <a:schemeClr val="accent1"/>
+          </a:lnRef>
+          <a:fillRef idx="0">
+            <a:schemeClr val="accent1"/>
+          </a:fillRef>
+          <a:effectRef idx="0">
+            <a:schemeClr val="accent1"/>
+          </a:effectRef>
+          <a:fontRef idx="minor">
+            <a:schemeClr val="tx1"/>
+          </a:fontRef>
+        </p:style>
+      </p:cxnSp>
+      <p:sp>
+        <p:nvSpPr>
+          <p:cNvPr id="185" name="圆角矩形 184"/>
+          <p:cNvSpPr/>
+          <p:nvPr/>
+        </p:nvSpPr>
+        <p:spPr>
+          <a:xfrm>
+            <a:off x="3044653" y="2631371"/>
+            <a:ext cx="2101307" cy="571294"/>
+          </a:xfrm>
+          <a:prstGeom prst="roundRect">
+            <a:avLst>
+              <a:gd name="adj" fmla="val 5453"/>
+            </a:avLst>
+          </a:prstGeom>
+          <a:solidFill>
+            <a:srgbClr val="FFC000">
+              <a:alpha val="50000"/>
+            </a:srgbClr>
+          </a:solidFill>
+          <a:ln w="6350">
+            <a:noFill/>
+            <a:prstDash val="solid"/>
+          </a:ln>
+        </p:spPr>
+        <p:style>
+          <a:lnRef idx="2">
+            <a:schemeClr val="accent1">
+              <a:shade val="50000"/>
+            </a:schemeClr>
+          </a:lnRef>
+          <a:fillRef idx="1">
+            <a:schemeClr val="accent1"/>
+          </a:fillRef>
+          <a:effectRef idx="0">
+            <a:schemeClr val="accent1"/>
+          </a:effectRef>
+          <a:fontRef idx="minor">
+            <a:schemeClr val="lt1"/>
+          </a:fontRef>
+        </p:style>
+        <p:txBody>
+          <a:bodyPr lIns="0" tIns="0" rIns="0" bIns="0" rtlCol="0" anchor="t"/>
+          <a:lstStyle/>
+          <a:p>
+            <a:pPr algn="ctr"/>
+            <a:endParaRPr lang="zh-CN" altLang="en-US" sz="1000" b="1" dirty="0">
+              <a:solidFill>
+                <a:prstClr val="black"/>
+              </a:solidFill>
+              <a:latin typeface="微软雅黑" panose="020B0503020204020204" pitchFamily="34" charset="-122"/>
+              <a:ea typeface="微软雅黑" panose="020B0503020204020204" pitchFamily="34" charset="-122"/>
+            </a:endParaRPr>
+          </a:p>
+        </p:txBody>
+      </p:sp>
+      <p:sp>
+        <p:nvSpPr>
+          <p:cNvPr id="186" name="圆角矩形 185"/>
+          <p:cNvSpPr/>
+          <p:nvPr/>
+        </p:nvSpPr>
+        <p:spPr>
+          <a:xfrm>
+            <a:off x="3764589" y="2713696"/>
+            <a:ext cx="1296144" cy="307607"/>
+          </a:xfrm>
+          <a:prstGeom prst="roundRect">
+            <a:avLst>
+              <a:gd name="adj" fmla="val 10738"/>
+            </a:avLst>
+          </a:prstGeom>
+          <a:noFill/>
+          <a:ln w="6350">
+            <a:solidFill>
+              <a:schemeClr val="tx1">
+                <a:lumMod val="75000"/>
+                <a:lumOff val="25000"/>
+              </a:schemeClr>
+            </a:solidFill>
+            <a:prstDash val="dash"/>
+          </a:ln>
+        </p:spPr>
+        <p:style>
+          <a:lnRef idx="2">
+            <a:schemeClr val="accent1">
+              <a:shade val="50000"/>
+            </a:schemeClr>
+          </a:lnRef>
+          <a:fillRef idx="1">
+            <a:schemeClr val="accent1"/>
+          </a:fillRef>
+          <a:effectRef idx="0">
+            <a:schemeClr val="accent1"/>
+          </a:effectRef>
+          <a:fontRef idx="minor">
+            <a:schemeClr val="lt1"/>
+          </a:fontRef>
+        </p:style>
+        <p:txBody>
+          <a:bodyPr rtlCol="0" anchor="ctr"/>
+          <a:lstStyle/>
+          <a:p>
+            <a:pPr algn="ctr"/>
+            <a:endParaRPr lang="zh-CN" altLang="en-US"/>
+          </a:p>
+        </p:txBody>
+      </p:sp>
+      <p:sp>
+        <p:nvSpPr>
+          <p:cNvPr id="187" name="椭圆 186"/>
+          <p:cNvSpPr/>
+          <p:nvPr/>
+        </p:nvSpPr>
+        <p:spPr>
+          <a:xfrm>
+            <a:off x="3856468" y="2769721"/>
+            <a:ext cx="249619" cy="164702"/>
+          </a:xfrm>
+          <a:prstGeom prst="ellipse">
+            <a:avLst/>
+          </a:prstGeom>
+          <a:ln/>
+        </p:spPr>
+        <p:style>
+          <a:lnRef idx="1">
+            <a:schemeClr val="accent3"/>
+          </a:lnRef>
+          <a:fillRef idx="3">
+            <a:schemeClr val="accent3"/>
+          </a:fillRef>
+          <a:effectRef idx="2">
+            <a:schemeClr val="accent3"/>
+          </a:effectRef>
+          <a:fontRef idx="minor">
+            <a:schemeClr val="lt1"/>
+          </a:fontRef>
+        </p:style>
+        <p:txBody>
+          <a:bodyPr lIns="0" tIns="0" rIns="0" bIns="0" rtlCol="0" anchor="ctr"/>
+          <a:lstStyle/>
+          <a:p>
+            <a:pPr algn="ctr"/>
+            <a:endParaRPr lang="zh-CN" altLang="en-US" sz="1000" b="1" dirty="0">
+              <a:solidFill>
+                <a:schemeClr val="bg1"/>
+              </a:solidFill>
+              <a:latin typeface="微软雅黑" panose="020B0503020204020204" pitchFamily="34" charset="-122"/>
+              <a:ea typeface="微软雅黑" panose="020B0503020204020204" pitchFamily="34" charset="-122"/>
+            </a:endParaRPr>
+          </a:p>
+        </p:txBody>
+      </p:sp>
+      <p:sp>
+        <p:nvSpPr>
+          <p:cNvPr id="188" name="椭圆 187"/>
+          <p:cNvSpPr/>
+          <p:nvPr/>
+        </p:nvSpPr>
+        <p:spPr>
+          <a:xfrm>
+            <a:off x="4145102" y="2765286"/>
+            <a:ext cx="249619" cy="164702"/>
+          </a:xfrm>
+          <a:prstGeom prst="ellipse">
+            <a:avLst/>
+          </a:prstGeom>
+          <a:ln/>
+        </p:spPr>
+        <p:style>
+          <a:lnRef idx="1">
+            <a:schemeClr val="accent3"/>
+          </a:lnRef>
+          <a:fillRef idx="3">
+            <a:schemeClr val="accent3"/>
+          </a:fillRef>
+          <a:effectRef idx="2">
+            <a:schemeClr val="accent3"/>
+          </a:effectRef>
+          <a:fontRef idx="minor">
+            <a:schemeClr val="lt1"/>
+          </a:fontRef>
+        </p:style>
+        <p:txBody>
+          <a:bodyPr lIns="0" tIns="0" rIns="0" bIns="0" rtlCol="0" anchor="ctr"/>
+          <a:lstStyle/>
+          <a:p>
+            <a:pPr algn="ctr"/>
+            <a:endParaRPr lang="zh-CN" altLang="en-US" sz="1000" b="1" dirty="0">
+              <a:solidFill>
+                <a:schemeClr val="bg1"/>
+              </a:solidFill>
+              <a:latin typeface="微软雅黑" panose="020B0503020204020204" pitchFamily="34" charset="-122"/>
+              <a:ea typeface="微软雅黑" panose="020B0503020204020204" pitchFamily="34" charset="-122"/>
+            </a:endParaRPr>
+          </a:p>
+        </p:txBody>
+      </p:sp>
+      <p:sp>
+        <p:nvSpPr>
+          <p:cNvPr id="189" name="椭圆 188"/>
+          <p:cNvSpPr/>
+          <p:nvPr/>
+        </p:nvSpPr>
+        <p:spPr>
+          <a:xfrm>
+            <a:off x="4441051" y="2765286"/>
+            <a:ext cx="249619" cy="164702"/>
+          </a:xfrm>
+          <a:prstGeom prst="ellipse">
+            <a:avLst/>
+          </a:prstGeom>
+          <a:ln/>
+        </p:spPr>
+        <p:style>
+          <a:lnRef idx="1">
+            <a:schemeClr val="accent3"/>
+          </a:lnRef>
+          <a:fillRef idx="3">
+            <a:schemeClr val="accent3"/>
+          </a:fillRef>
+          <a:effectRef idx="2">
+            <a:schemeClr val="accent3"/>
+          </a:effectRef>
+          <a:fontRef idx="minor">
+            <a:schemeClr val="lt1"/>
+          </a:fontRef>
+        </p:style>
+        <p:txBody>
+          <a:bodyPr lIns="0" tIns="0" rIns="0" bIns="0" rtlCol="0" anchor="ctr"/>
+          <a:lstStyle/>
+          <a:p>
+            <a:pPr algn="ctr"/>
+            <a:endParaRPr lang="zh-CN" altLang="en-US" sz="1000" b="1" dirty="0">
+              <a:solidFill>
+                <a:schemeClr val="bg1"/>
+              </a:solidFill>
+              <a:latin typeface="微软雅黑" panose="020B0503020204020204" pitchFamily="34" charset="-122"/>
+              <a:ea typeface="微软雅黑" panose="020B0503020204020204" pitchFamily="34" charset="-122"/>
+            </a:endParaRPr>
+          </a:p>
+        </p:txBody>
+      </p:sp>
+      <p:sp>
+        <p:nvSpPr>
+          <p:cNvPr id="190" name="椭圆 189"/>
+          <p:cNvSpPr/>
+          <p:nvPr/>
+        </p:nvSpPr>
+        <p:spPr>
+          <a:xfrm>
+            <a:off x="4738900" y="2765286"/>
+            <a:ext cx="249619" cy="164702"/>
+          </a:xfrm>
+          <a:prstGeom prst="ellipse">
+            <a:avLst/>
+          </a:prstGeom>
+          <a:ln/>
+        </p:spPr>
+        <p:style>
+          <a:lnRef idx="1">
+            <a:schemeClr val="accent3"/>
+          </a:lnRef>
+          <a:fillRef idx="3">
+            <a:schemeClr val="accent3"/>
+          </a:fillRef>
+          <a:effectRef idx="2">
+            <a:schemeClr val="accent3"/>
+          </a:effectRef>
+          <a:fontRef idx="minor">
+            <a:schemeClr val="lt1"/>
+          </a:fontRef>
+        </p:style>
+        <p:txBody>
+          <a:bodyPr lIns="0" tIns="0" rIns="0" bIns="0" rtlCol="0" anchor="ctr"/>
+          <a:lstStyle/>
+          <a:p>
+            <a:pPr algn="ctr"/>
+            <a:endParaRPr lang="zh-CN" altLang="en-US" sz="1000" b="1" dirty="0">
+              <a:solidFill>
+                <a:schemeClr val="bg1"/>
+              </a:solidFill>
+              <a:latin typeface="微软雅黑" panose="020B0503020204020204" pitchFamily="34" charset="-122"/>
+              <a:ea typeface="微软雅黑" panose="020B0503020204020204" pitchFamily="34" charset="-122"/>
+            </a:endParaRPr>
+          </a:p>
+        </p:txBody>
+      </p:sp>
+      <p:sp>
+        <p:nvSpPr>
+          <p:cNvPr id="191" name="矩形 190"/>
+          <p:cNvSpPr/>
+          <p:nvPr/>
+        </p:nvSpPr>
+        <p:spPr>
+          <a:xfrm>
+            <a:off x="3790016" y="3004749"/>
+            <a:ext cx="1256640" cy="230832"/>
+          </a:xfrm>
+          <a:prstGeom prst="rect">
+            <a:avLst/>
+          </a:prstGeom>
+        </p:spPr>
+        <p:txBody>
+          <a:bodyPr wrap="square">
+            <a:spAutoFit/>
+          </a:bodyPr>
+          <a:lstStyle/>
+          <a:p>
+            <a:pPr algn="ctr"/>
+            <a:r>
+              <a:rPr lang="zh-CN" altLang="en-US" sz="900" dirty="0">
+                <a:latin typeface="微软雅黑" panose="020B0503020204020204" pitchFamily="34" charset="-122"/>
+                <a:ea typeface="微软雅黑" panose="020B0503020204020204" pitchFamily="34" charset="-122"/>
+              </a:rPr>
+              <a:t>品牌</a:t>
+            </a:r>
+            <a:r>
+              <a:rPr lang="zh-CN" altLang="en-US" sz="900" dirty="0" smtClean="0">
+                <a:latin typeface="微软雅黑" panose="020B0503020204020204" pitchFamily="34" charset="-122"/>
+                <a:ea typeface="微软雅黑" panose="020B0503020204020204" pitchFamily="34" charset="-122"/>
+              </a:rPr>
+              <a:t>店</a:t>
+            </a:r>
+            <a:r>
+              <a:rPr lang="en-US" altLang="zh-CN" sz="900" dirty="0" smtClean="0">
+                <a:latin typeface="微软雅黑" panose="020B0503020204020204" pitchFamily="34" charset="-122"/>
+                <a:ea typeface="微软雅黑" panose="020B0503020204020204" pitchFamily="34" charset="-122"/>
+              </a:rPr>
+              <a:t>/</a:t>
+            </a:r>
+            <a:r>
+              <a:rPr lang="zh-CN" altLang="en-US" sz="900" dirty="0" smtClean="0">
+                <a:latin typeface="微软雅黑" panose="020B0503020204020204" pitchFamily="34" charset="-122"/>
+                <a:ea typeface="微软雅黑" panose="020B0503020204020204" pitchFamily="34" charset="-122"/>
+              </a:rPr>
+              <a:t>商家直营店</a:t>
+            </a:r>
+            <a:endParaRPr lang="zh-CN" altLang="en-US" sz="900" dirty="0">
+              <a:latin typeface="微软雅黑" panose="020B0503020204020204" pitchFamily="34" charset="-122"/>
+              <a:ea typeface="微软雅黑" panose="020B0503020204020204" pitchFamily="34" charset="-122"/>
+            </a:endParaRPr>
+          </a:p>
+        </p:txBody>
+      </p:sp>
+      <p:sp>
+        <p:nvSpPr>
+          <p:cNvPr id="192" name="圆角矩形 191"/>
+          <p:cNvSpPr/>
+          <p:nvPr/>
+        </p:nvSpPr>
+        <p:spPr>
+          <a:xfrm>
+            <a:off x="3046757" y="1814745"/>
+            <a:ext cx="2101307" cy="481324"/>
+          </a:xfrm>
+          <a:prstGeom prst="roundRect">
+            <a:avLst>
+              <a:gd name="adj" fmla="val 5453"/>
+            </a:avLst>
+          </a:prstGeom>
+          <a:solidFill>
+            <a:schemeClr val="accent6">
+              <a:lumMod val="40000"/>
+              <a:lumOff val="60000"/>
+            </a:schemeClr>
+          </a:solidFill>
+          <a:ln>
+            <a:noFill/>
+          </a:ln>
+        </p:spPr>
+        <p:style>
+          <a:lnRef idx="2">
+            <a:schemeClr val="accent1">
+              <a:shade val="50000"/>
+            </a:schemeClr>
+          </a:lnRef>
+          <a:fillRef idx="1">
+            <a:schemeClr val="accent1"/>
+          </a:fillRef>
+          <a:effectRef idx="0">
+            <a:schemeClr val="accent1"/>
+          </a:effectRef>
+          <a:fontRef idx="minor">
+            <a:schemeClr val="lt1"/>
+          </a:fontRef>
+        </p:style>
+        <p:txBody>
+          <a:bodyPr rtlCol="0" anchor="ctr"/>
+          <a:lstStyle/>
+          <a:p>
+            <a:pPr algn="ctr"/>
+            <a:endParaRPr lang="zh-CN" altLang="en-US" dirty="0"/>
+          </a:p>
+        </p:txBody>
+      </p:sp>
+      <p:sp>
+        <p:nvSpPr>
+          <p:cNvPr id="193" name="圆柱形 192"/>
+          <p:cNvSpPr/>
+          <p:nvPr/>
+        </p:nvSpPr>
+        <p:spPr>
+          <a:xfrm>
+            <a:off x="3856468" y="1946372"/>
+            <a:ext cx="252000" cy="176421"/>
+          </a:xfrm>
+          <a:prstGeom prst="can">
+            <a:avLst/>
+          </a:prstGeom>
+          <a:ln w="12700"/>
+        </p:spPr>
+        <p:style>
+          <a:lnRef idx="3">
+            <a:schemeClr val="lt1"/>
+          </a:lnRef>
+          <a:fillRef idx="1">
+            <a:schemeClr val="accent6"/>
+          </a:fillRef>
+          <a:effectRef idx="1">
+            <a:schemeClr val="accent6"/>
+          </a:effectRef>
+          <a:fontRef idx="minor">
+            <a:schemeClr val="lt1"/>
+          </a:fontRef>
+        </p:style>
+        <p:txBody>
+          <a:bodyPr rtlCol="0" anchor="ctr"/>
+          <a:lstStyle/>
+          <a:p>
+            <a:pPr algn="ctr"/>
+            <a:endParaRPr lang="zh-CN" altLang="en-US" sz="900" b="1" dirty="0">
+              <a:latin typeface="微软雅黑" panose="020B0503020204020204" pitchFamily="34" charset="-122"/>
+              <a:ea typeface="微软雅黑" panose="020B0503020204020204" pitchFamily="34" charset="-122"/>
+            </a:endParaRPr>
+          </a:p>
+        </p:txBody>
+      </p:sp>
+      <p:sp>
+        <p:nvSpPr>
+          <p:cNvPr id="194" name="圆柱形 193"/>
+          <p:cNvSpPr/>
+          <p:nvPr/>
+        </p:nvSpPr>
+        <p:spPr>
+          <a:xfrm>
+            <a:off x="4147038" y="1946372"/>
+            <a:ext cx="252000" cy="176421"/>
+          </a:xfrm>
+          <a:prstGeom prst="can">
+            <a:avLst/>
+          </a:prstGeom>
+          <a:ln w="12700"/>
+        </p:spPr>
+        <p:style>
+          <a:lnRef idx="3">
+            <a:schemeClr val="lt1"/>
+          </a:lnRef>
+          <a:fillRef idx="1">
+            <a:schemeClr val="accent6"/>
+          </a:fillRef>
+          <a:effectRef idx="1">
+            <a:schemeClr val="accent6"/>
+          </a:effectRef>
+          <a:fontRef idx="minor">
+            <a:schemeClr val="lt1"/>
+          </a:fontRef>
+        </p:style>
+        <p:txBody>
+          <a:bodyPr rtlCol="0" anchor="ctr"/>
+          <a:lstStyle/>
+          <a:p>
+            <a:pPr algn="ctr"/>
+            <a:endParaRPr lang="zh-CN" altLang="en-US" sz="900" b="1" dirty="0">
+              <a:latin typeface="微软雅黑" panose="020B0503020204020204" pitchFamily="34" charset="-122"/>
+              <a:ea typeface="微软雅黑" panose="020B0503020204020204" pitchFamily="34" charset="-122"/>
+            </a:endParaRPr>
+          </a:p>
+        </p:txBody>
+      </p:sp>
+      <p:sp>
+        <p:nvSpPr>
+          <p:cNvPr id="195" name="圆柱形 194"/>
+          <p:cNvSpPr/>
+          <p:nvPr/>
+        </p:nvSpPr>
+        <p:spPr>
+          <a:xfrm>
+            <a:off x="4438282" y="1946372"/>
+            <a:ext cx="252000" cy="176421"/>
+          </a:xfrm>
+          <a:prstGeom prst="can">
+            <a:avLst/>
+          </a:prstGeom>
+          <a:ln w="12700"/>
+        </p:spPr>
+        <p:style>
+          <a:lnRef idx="3">
+            <a:schemeClr val="lt1"/>
+          </a:lnRef>
+          <a:fillRef idx="1">
+            <a:schemeClr val="accent6"/>
+          </a:fillRef>
+          <a:effectRef idx="1">
+            <a:schemeClr val="accent6"/>
+          </a:effectRef>
+          <a:fontRef idx="minor">
+            <a:schemeClr val="lt1"/>
+          </a:fontRef>
+        </p:style>
+        <p:txBody>
+          <a:bodyPr rtlCol="0" anchor="ctr"/>
+          <a:lstStyle/>
+          <a:p>
+            <a:pPr algn="ctr"/>
+            <a:endParaRPr lang="zh-CN" altLang="en-US" sz="900" b="1" dirty="0">
+              <a:latin typeface="微软雅黑" panose="020B0503020204020204" pitchFamily="34" charset="-122"/>
+              <a:ea typeface="微软雅黑" panose="020B0503020204020204" pitchFamily="34" charset="-122"/>
+            </a:endParaRPr>
+          </a:p>
+        </p:txBody>
+      </p:sp>
+      <p:sp>
+        <p:nvSpPr>
+          <p:cNvPr id="196" name="圆柱形 195"/>
+          <p:cNvSpPr/>
+          <p:nvPr/>
+        </p:nvSpPr>
+        <p:spPr>
+          <a:xfrm>
+            <a:off x="4737392" y="1946372"/>
+            <a:ext cx="252000" cy="176421"/>
+          </a:xfrm>
+          <a:prstGeom prst="can">
+            <a:avLst/>
+          </a:prstGeom>
+          <a:ln w="12700"/>
+        </p:spPr>
+        <p:style>
+          <a:lnRef idx="3">
+            <a:schemeClr val="lt1"/>
+          </a:lnRef>
+          <a:fillRef idx="1">
+            <a:schemeClr val="accent6"/>
+          </a:fillRef>
+          <a:effectRef idx="1">
+            <a:schemeClr val="accent6"/>
+          </a:effectRef>
+          <a:fontRef idx="minor">
+            <a:schemeClr val="lt1"/>
+          </a:fontRef>
+        </p:style>
+        <p:txBody>
+          <a:bodyPr rtlCol="0" anchor="ctr"/>
+          <a:lstStyle/>
+          <a:p>
+            <a:pPr algn="ctr"/>
+            <a:endParaRPr lang="zh-CN" altLang="en-US" sz="900" b="1" dirty="0">
+              <a:latin typeface="微软雅黑" panose="020B0503020204020204" pitchFamily="34" charset="-122"/>
+              <a:ea typeface="微软雅黑" panose="020B0503020204020204" pitchFamily="34" charset="-122"/>
+            </a:endParaRPr>
+          </a:p>
+        </p:txBody>
+      </p:sp>
+      <p:cxnSp>
+        <p:nvCxnSpPr>
+          <p:cNvPr id="197" name="直接箭头连接符 9"/>
+          <p:cNvCxnSpPr>
+            <a:stCxn id="98" idx="2"/>
+            <a:endCxn id="193" idx="1"/>
+          </p:cNvCxnSpPr>
+          <p:nvPr/>
+        </p:nvCxnSpPr>
+        <p:spPr>
+          <a:xfrm rot="5400000">
+            <a:off x="3787034" y="1648428"/>
+            <a:ext cx="493379" cy="102509"/>
+          </a:xfrm>
+          <a:prstGeom prst="bentConnector3">
+            <a:avLst>
+              <a:gd name="adj1" fmla="val 50965"/>
+            </a:avLst>
+          </a:prstGeom>
+          <a:ln w="6350">
+            <a:solidFill>
+              <a:srgbClr val="0066FF"/>
+            </a:solidFill>
+            <a:prstDash val="dash"/>
+            <a:tailEnd type="arrow"/>
+          </a:ln>
+        </p:spPr>
+        <p:style>
+          <a:lnRef idx="1">
+            <a:schemeClr val="accent1"/>
+          </a:lnRef>
+          <a:fillRef idx="0">
+            <a:schemeClr val="accent1"/>
+          </a:fillRef>
+          <a:effectRef idx="0">
+            <a:schemeClr val="accent1"/>
+          </a:effectRef>
+          <a:fontRef idx="minor">
+            <a:schemeClr val="tx1"/>
+          </a:fontRef>
+        </p:style>
+      </p:cxnSp>
+      <p:cxnSp>
+        <p:nvCxnSpPr>
+          <p:cNvPr id="198" name="直接箭头连接符 9"/>
+          <p:cNvCxnSpPr>
+            <a:stCxn id="193" idx="3"/>
+            <a:endCxn id="187" idx="0"/>
+          </p:cNvCxnSpPr>
+          <p:nvPr/>
+        </p:nvCxnSpPr>
+        <p:spPr>
+          <a:xfrm rot="5400000">
+            <a:off x="3658409" y="2445662"/>
+            <a:ext cx="646928" cy="1190"/>
+          </a:xfrm>
+          <a:prstGeom prst="bentConnector3">
+            <a:avLst>
+              <a:gd name="adj1" fmla="val 50000"/>
+            </a:avLst>
+          </a:prstGeom>
+          <a:ln w="6350">
+            <a:solidFill>
+              <a:srgbClr val="0066FF"/>
+            </a:solidFill>
+            <a:prstDash val="dash"/>
+            <a:tailEnd type="arrow"/>
+          </a:ln>
+        </p:spPr>
+        <p:style>
+          <a:lnRef idx="1">
+            <a:schemeClr val="accent1"/>
+          </a:lnRef>
+          <a:fillRef idx="0">
+            <a:schemeClr val="accent1"/>
+          </a:fillRef>
+          <a:effectRef idx="0">
+            <a:schemeClr val="accent1"/>
+          </a:effectRef>
+          <a:fontRef idx="minor">
+            <a:schemeClr val="tx1"/>
+          </a:fontRef>
+        </p:style>
+      </p:cxnSp>
+      <p:cxnSp>
+        <p:nvCxnSpPr>
+          <p:cNvPr id="199" name="直接箭头连接符 9"/>
+          <p:cNvCxnSpPr>
+            <a:stCxn id="194" idx="3"/>
+            <a:endCxn id="188" idx="0"/>
+          </p:cNvCxnSpPr>
+          <p:nvPr/>
+        </p:nvCxnSpPr>
+        <p:spPr>
+          <a:xfrm rot="5400000">
+            <a:off x="3950229" y="2442476"/>
+            <a:ext cx="642493" cy="3126"/>
+          </a:xfrm>
+          <a:prstGeom prst="bentConnector3">
+            <a:avLst>
+              <a:gd name="adj1" fmla="val 50000"/>
+            </a:avLst>
+          </a:prstGeom>
+          <a:ln w="6350">
+            <a:solidFill>
+              <a:srgbClr val="0066FF"/>
+            </a:solidFill>
+            <a:prstDash val="dash"/>
+            <a:tailEnd type="arrow"/>
+          </a:ln>
+        </p:spPr>
+        <p:style>
+          <a:lnRef idx="1">
+            <a:schemeClr val="accent1"/>
+          </a:lnRef>
+          <a:fillRef idx="0">
+            <a:schemeClr val="accent1"/>
+          </a:fillRef>
+          <a:effectRef idx="0">
+            <a:schemeClr val="accent1"/>
+          </a:effectRef>
+          <a:fontRef idx="minor">
+            <a:schemeClr val="tx1"/>
+          </a:fontRef>
+        </p:style>
+      </p:cxnSp>
+      <p:cxnSp>
+        <p:nvCxnSpPr>
+          <p:cNvPr id="200" name="直接箭头连接符 9"/>
+          <p:cNvCxnSpPr>
+            <a:stCxn id="195" idx="3"/>
+            <a:endCxn id="189" idx="0"/>
+          </p:cNvCxnSpPr>
+          <p:nvPr/>
+        </p:nvCxnSpPr>
+        <p:spPr>
+          <a:xfrm rot="16200000" flipH="1">
+            <a:off x="4243825" y="2443249"/>
+            <a:ext cx="642493" cy="1579"/>
+          </a:xfrm>
+          <a:prstGeom prst="bentConnector3">
+            <a:avLst>
+              <a:gd name="adj1" fmla="val 50000"/>
+            </a:avLst>
+          </a:prstGeom>
+          <a:ln w="6350">
+            <a:solidFill>
+              <a:srgbClr val="0066FF"/>
+            </a:solidFill>
+            <a:prstDash val="dash"/>
+            <a:tailEnd type="arrow"/>
+          </a:ln>
+        </p:spPr>
+        <p:style>
+          <a:lnRef idx="1">
+            <a:schemeClr val="accent1"/>
+          </a:lnRef>
+          <a:fillRef idx="0">
+            <a:schemeClr val="accent1"/>
+          </a:fillRef>
+          <a:effectRef idx="0">
+            <a:schemeClr val="accent1"/>
+          </a:effectRef>
+          <a:fontRef idx="minor">
+            <a:schemeClr val="tx1"/>
+          </a:fontRef>
+        </p:style>
+      </p:cxnSp>
+      <p:cxnSp>
+        <p:nvCxnSpPr>
+          <p:cNvPr id="201" name="直接箭头连接符 9"/>
+          <p:cNvCxnSpPr>
+            <a:stCxn id="196" idx="3"/>
+            <a:endCxn id="190" idx="0"/>
+          </p:cNvCxnSpPr>
+          <p:nvPr/>
+        </p:nvCxnSpPr>
+        <p:spPr>
+          <a:xfrm rot="16200000" flipH="1">
+            <a:off x="4542305" y="2443880"/>
+            <a:ext cx="642493" cy="318"/>
+          </a:xfrm>
+          <a:prstGeom prst="bentConnector3">
+            <a:avLst>
+              <a:gd name="adj1" fmla="val 50000"/>
+            </a:avLst>
+          </a:prstGeom>
+          <a:ln w="6350">
+            <a:solidFill>
+              <a:srgbClr val="0066FF"/>
+            </a:solidFill>
+            <a:prstDash val="dash"/>
+            <a:tailEnd type="arrow"/>
+          </a:ln>
+        </p:spPr>
+        <p:style>
+          <a:lnRef idx="1">
+            <a:schemeClr val="accent1"/>
+          </a:lnRef>
+          <a:fillRef idx="0">
+            <a:schemeClr val="accent1"/>
+          </a:fillRef>
+          <a:effectRef idx="0">
+            <a:schemeClr val="accent1"/>
+          </a:effectRef>
+          <a:fontRef idx="minor">
+            <a:schemeClr val="tx1"/>
+          </a:fontRef>
+        </p:style>
+      </p:cxnSp>
+      <p:cxnSp>
+        <p:nvCxnSpPr>
+          <p:cNvPr id="202" name="直接箭头连接符 9"/>
+          <p:cNvCxnSpPr>
+            <a:stCxn id="98" idx="2"/>
+            <a:endCxn id="194" idx="1"/>
+          </p:cNvCxnSpPr>
+          <p:nvPr/>
+        </p:nvCxnSpPr>
+        <p:spPr>
+          <a:xfrm rot="16200000" flipH="1">
+            <a:off x="3932318" y="1605651"/>
+            <a:ext cx="493379" cy="188061"/>
+          </a:xfrm>
+          <a:prstGeom prst="bentConnector3">
+            <a:avLst>
+              <a:gd name="adj1" fmla="val 50965"/>
+            </a:avLst>
+          </a:prstGeom>
+          <a:ln w="6350">
+            <a:solidFill>
+              <a:srgbClr val="0066FF"/>
+            </a:solidFill>
+            <a:prstDash val="dash"/>
+            <a:tailEnd type="arrow"/>
+          </a:ln>
+        </p:spPr>
+        <p:style>
+          <a:lnRef idx="1">
+            <a:schemeClr val="accent1"/>
+          </a:lnRef>
+          <a:fillRef idx="0">
+            <a:schemeClr val="accent1"/>
+          </a:fillRef>
+          <a:effectRef idx="0">
+            <a:schemeClr val="accent1"/>
+          </a:effectRef>
+          <a:fontRef idx="minor">
+            <a:schemeClr val="tx1"/>
+          </a:fontRef>
+        </p:style>
+      </p:cxnSp>
+      <p:cxnSp>
+        <p:nvCxnSpPr>
+          <p:cNvPr id="203" name="直接箭头连接符 9"/>
+          <p:cNvCxnSpPr>
+            <a:stCxn id="98" idx="2"/>
+            <a:endCxn id="195" idx="1"/>
+          </p:cNvCxnSpPr>
+          <p:nvPr/>
+        </p:nvCxnSpPr>
+        <p:spPr>
+          <a:xfrm rot="16200000" flipH="1">
+            <a:off x="4077940" y="1460029"/>
+            <a:ext cx="493379" cy="479305"/>
+          </a:xfrm>
+          <a:prstGeom prst="bentConnector3">
+            <a:avLst>
+              <a:gd name="adj1" fmla="val 50966"/>
+            </a:avLst>
+          </a:prstGeom>
+          <a:ln w="6350">
+            <a:solidFill>
+              <a:srgbClr val="0066FF"/>
+            </a:solidFill>
+            <a:prstDash val="dash"/>
+            <a:tailEnd type="arrow"/>
+          </a:ln>
+        </p:spPr>
+        <p:style>
+          <a:lnRef idx="1">
+            <a:schemeClr val="accent1"/>
+          </a:lnRef>
+          <a:fillRef idx="0">
+            <a:schemeClr val="accent1"/>
+          </a:fillRef>
+          <a:effectRef idx="0">
+            <a:schemeClr val="accent1"/>
+          </a:effectRef>
+          <a:fontRef idx="minor">
+            <a:schemeClr val="tx1"/>
+          </a:fontRef>
+        </p:style>
+      </p:cxnSp>
+      <p:cxnSp>
+        <p:nvCxnSpPr>
+          <p:cNvPr id="205" name="直接箭头连接符 9"/>
+          <p:cNvCxnSpPr>
+            <a:stCxn id="98" idx="2"/>
+            <a:endCxn id="196" idx="1"/>
+          </p:cNvCxnSpPr>
+          <p:nvPr/>
+        </p:nvCxnSpPr>
+        <p:spPr>
+          <a:xfrm rot="16200000" flipH="1">
+            <a:off x="4227495" y="1310474"/>
+            <a:ext cx="493379" cy="778415"/>
+          </a:xfrm>
+          <a:prstGeom prst="bentConnector3">
+            <a:avLst>
+              <a:gd name="adj1" fmla="val 50965"/>
+            </a:avLst>
+          </a:prstGeom>
+          <a:ln w="6350">
+            <a:solidFill>
+              <a:srgbClr val="0066FF"/>
+            </a:solidFill>
+            <a:prstDash val="dash"/>
+            <a:tailEnd type="arrow"/>
+          </a:ln>
+        </p:spPr>
+        <p:style>
+          <a:lnRef idx="1">
+            <a:schemeClr val="accent1"/>
+          </a:lnRef>
+          <a:fillRef idx="0">
+            <a:schemeClr val="accent1"/>
+          </a:fillRef>
+          <a:effectRef idx="0">
+            <a:schemeClr val="accent1"/>
+          </a:effectRef>
+          <a:fontRef idx="minor">
+            <a:schemeClr val="tx1"/>
+          </a:fontRef>
+        </p:style>
+      </p:cxnSp>
+      <p:sp>
+        <p:nvSpPr>
+          <p:cNvPr id="231" name="椭圆 230"/>
+          <p:cNvSpPr/>
+          <p:nvPr/>
+        </p:nvSpPr>
+        <p:spPr>
+          <a:xfrm>
+            <a:off x="3117915" y="2711818"/>
+            <a:ext cx="576064" cy="296733"/>
+          </a:xfrm>
+          <a:prstGeom prst="ellipse">
+            <a:avLst/>
+          </a:prstGeom>
+          <a:solidFill>
+            <a:srgbClr val="3399FF"/>
+          </a:solidFill>
+          <a:ln w="6350">
+            <a:solidFill>
+              <a:schemeClr val="bg1"/>
+            </a:solidFill>
+          </a:ln>
+        </p:spPr>
+        <p:style>
+          <a:lnRef idx="2">
+            <a:schemeClr val="accent1">
+              <a:shade val="50000"/>
+            </a:schemeClr>
+          </a:lnRef>
+          <a:fillRef idx="1">
+            <a:schemeClr val="accent1"/>
+          </a:fillRef>
+          <a:effectRef idx="0">
+            <a:schemeClr val="accent1"/>
+          </a:effectRef>
+          <a:fontRef idx="minor">
+            <a:schemeClr val="lt1"/>
+          </a:fontRef>
+        </p:style>
+        <p:txBody>
+          <a:bodyPr lIns="0" tIns="0" rIns="0" bIns="0" rtlCol="0" anchor="ctr"/>
+          <a:lstStyle/>
+          <a:p>
+            <a:pPr algn="ctr"/>
+            <a:r>
+              <a:rPr lang="zh-CN" altLang="en-US" sz="800" b="1" dirty="0" smtClean="0">
+                <a:solidFill>
+                  <a:prstClr val="white"/>
+                </a:solidFill>
+                <a:latin typeface="微软雅黑" panose="020B0503020204020204" pitchFamily="34" charset="-122"/>
+                <a:ea typeface="微软雅黑" panose="020B0503020204020204" pitchFamily="34" charset="-122"/>
+              </a:rPr>
+              <a:t>自营店</a:t>
+            </a:r>
+            <a:endParaRPr lang="zh-CN" altLang="en-US" sz="800" b="1" dirty="0">
+              <a:solidFill>
+                <a:prstClr val="white"/>
+              </a:solidFill>
+              <a:latin typeface="微软雅黑" panose="020B0503020204020204" pitchFamily="34" charset="-122"/>
+              <a:ea typeface="微软雅黑" panose="020B0503020204020204" pitchFamily="34" charset="-122"/>
+            </a:endParaRPr>
+          </a:p>
+        </p:txBody>
+      </p:sp>
+      <p:sp>
+        <p:nvSpPr>
+          <p:cNvPr id="207" name="矩形 206"/>
+          <p:cNvSpPr/>
+          <p:nvPr/>
+        </p:nvSpPr>
+        <p:spPr>
+          <a:xfrm>
+            <a:off x="3024399" y="3003586"/>
+            <a:ext cx="780275" cy="230832"/>
+          </a:xfrm>
+          <a:prstGeom prst="rect">
+            <a:avLst/>
+          </a:prstGeom>
+        </p:spPr>
+        <p:txBody>
+          <a:bodyPr wrap="square">
+            <a:spAutoFit/>
+          </a:bodyPr>
+          <a:lstStyle/>
+          <a:p>
+            <a:pPr algn="ctr"/>
+            <a:r>
+              <a:rPr lang="zh-CN" altLang="en-US" sz="900" dirty="0" smtClean="0">
+                <a:latin typeface="微软雅黑" panose="020B0503020204020204" pitchFamily="34" charset="-122"/>
+                <a:ea typeface="微软雅黑" panose="020B0503020204020204" pitchFamily="34" charset="-122"/>
+              </a:rPr>
+              <a:t>平台自营店</a:t>
+            </a:r>
+            <a:endParaRPr lang="zh-CN" altLang="en-US" sz="900" dirty="0">
+              <a:latin typeface="微软雅黑" panose="020B0503020204020204" pitchFamily="34" charset="-122"/>
+              <a:ea typeface="微软雅黑" panose="020B0503020204020204" pitchFamily="34" charset="-122"/>
+            </a:endParaRPr>
+          </a:p>
+        </p:txBody>
+      </p:sp>
+      <p:sp>
+        <p:nvSpPr>
+          <p:cNvPr id="208" name="圆柱形 207"/>
+          <p:cNvSpPr/>
+          <p:nvPr/>
+        </p:nvSpPr>
+        <p:spPr>
+          <a:xfrm>
+            <a:off x="3155138" y="1880931"/>
+            <a:ext cx="500199" cy="258771"/>
+          </a:xfrm>
+          <a:prstGeom prst="can">
+            <a:avLst/>
+          </a:prstGeom>
+          <a:solidFill>
+            <a:srgbClr val="3399FF"/>
+          </a:solidFill>
+          <a:ln w="6350">
+            <a:solidFill>
+              <a:schemeClr val="bg1"/>
+            </a:solidFill>
+          </a:ln>
+        </p:spPr>
+        <p:style>
+          <a:lnRef idx="2">
+            <a:schemeClr val="accent1">
+              <a:shade val="50000"/>
+            </a:schemeClr>
+          </a:lnRef>
+          <a:fillRef idx="1">
+            <a:schemeClr val="accent1"/>
+          </a:fillRef>
+          <a:effectRef idx="0">
+            <a:schemeClr val="accent1"/>
+          </a:effectRef>
+          <a:fontRef idx="minor">
+            <a:schemeClr val="lt1"/>
+          </a:fontRef>
+        </p:style>
+        <p:txBody>
+          <a:bodyPr lIns="0" tIns="0" rIns="0" bIns="0" rtlCol="0" anchor="ctr"/>
+          <a:lstStyle/>
+          <a:p>
+            <a:pPr algn="ctr"/>
+            <a:endParaRPr lang="zh-CN" altLang="en-US" sz="800" b="1" dirty="0">
+              <a:solidFill>
+                <a:prstClr val="white"/>
+              </a:solidFill>
+              <a:latin typeface="微软雅黑" panose="020B0503020204020204" pitchFamily="34" charset="-122"/>
+              <a:ea typeface="微软雅黑" panose="020B0503020204020204" pitchFamily="34" charset="-122"/>
+            </a:endParaRPr>
+          </a:p>
+        </p:txBody>
+      </p:sp>
+      <p:sp>
+        <p:nvSpPr>
+          <p:cNvPr id="209" name="矩形 208"/>
+          <p:cNvSpPr/>
+          <p:nvPr/>
+        </p:nvSpPr>
+        <p:spPr>
+          <a:xfrm>
+            <a:off x="1524033" y="2117580"/>
+            <a:ext cx="944133" cy="230832"/>
+          </a:xfrm>
+          <a:prstGeom prst="rect">
+            <a:avLst/>
+          </a:prstGeom>
+        </p:spPr>
+        <p:txBody>
+          <a:bodyPr wrap="square">
+            <a:spAutoFit/>
+          </a:bodyPr>
+          <a:lstStyle/>
+          <a:p>
+            <a:pPr algn="ctr"/>
+            <a:r>
+              <a:rPr lang="zh-CN" altLang="en-US" sz="900" dirty="0" smtClean="0">
+                <a:latin typeface="微软雅黑" panose="020B0503020204020204" pitchFamily="34" charset="-122"/>
+                <a:ea typeface="微软雅黑" panose="020B0503020204020204" pitchFamily="34" charset="-122"/>
+              </a:rPr>
+              <a:t>商   家  产   品</a:t>
+            </a:r>
+            <a:endParaRPr lang="zh-CN" altLang="en-US" sz="900" dirty="0">
+              <a:latin typeface="微软雅黑" panose="020B0503020204020204" pitchFamily="34" charset="-122"/>
+              <a:ea typeface="微软雅黑" panose="020B0503020204020204" pitchFamily="34" charset="-122"/>
+            </a:endParaRPr>
+          </a:p>
+        </p:txBody>
+      </p:sp>
+      <p:sp>
+        <p:nvSpPr>
+          <p:cNvPr id="210" name="矩形 209"/>
+          <p:cNvSpPr/>
+          <p:nvPr/>
+        </p:nvSpPr>
+        <p:spPr>
+          <a:xfrm>
+            <a:off x="3966215" y="2116827"/>
+            <a:ext cx="944133" cy="230832"/>
+          </a:xfrm>
+          <a:prstGeom prst="rect">
+            <a:avLst/>
+          </a:prstGeom>
+        </p:spPr>
+        <p:txBody>
+          <a:bodyPr wrap="square">
+            <a:spAutoFit/>
+          </a:bodyPr>
+          <a:lstStyle/>
+          <a:p>
+            <a:pPr algn="ctr"/>
+            <a:r>
+              <a:rPr lang="zh-CN" altLang="en-US" sz="900" dirty="0" smtClean="0">
+                <a:latin typeface="微软雅黑" panose="020B0503020204020204" pitchFamily="34" charset="-122"/>
+                <a:ea typeface="微软雅黑" panose="020B0503020204020204" pitchFamily="34" charset="-122"/>
+              </a:rPr>
+              <a:t>商   家  产   品</a:t>
+            </a:r>
+            <a:endParaRPr lang="zh-CN" altLang="en-US" sz="900" dirty="0">
+              <a:latin typeface="微软雅黑" panose="020B0503020204020204" pitchFamily="34" charset="-122"/>
+              <a:ea typeface="微软雅黑" panose="020B0503020204020204" pitchFamily="34" charset="-122"/>
+            </a:endParaRPr>
+          </a:p>
+        </p:txBody>
+      </p:sp>
+      <p:sp>
+        <p:nvSpPr>
+          <p:cNvPr id="211" name="矩形 210"/>
+          <p:cNvSpPr/>
+          <p:nvPr/>
+        </p:nvSpPr>
+        <p:spPr>
+          <a:xfrm>
+            <a:off x="3080635" y="2109512"/>
+            <a:ext cx="644855" cy="230832"/>
+          </a:xfrm>
+          <a:prstGeom prst="rect">
+            <a:avLst/>
+          </a:prstGeom>
+        </p:spPr>
+        <p:txBody>
+          <a:bodyPr wrap="square">
+            <a:spAutoFit/>
+          </a:bodyPr>
+          <a:lstStyle/>
+          <a:p>
+            <a:pPr algn="ctr"/>
+            <a:r>
+              <a:rPr lang="zh-CN" altLang="en-US" sz="900" dirty="0" smtClean="0">
+                <a:latin typeface="微软雅黑" panose="020B0503020204020204" pitchFamily="34" charset="-122"/>
+                <a:ea typeface="微软雅黑" panose="020B0503020204020204" pitchFamily="34" charset="-122"/>
+              </a:rPr>
+              <a:t>自营产品</a:t>
+            </a:r>
+            <a:endParaRPr lang="zh-CN" altLang="en-US" sz="900" dirty="0">
+              <a:latin typeface="微软雅黑" panose="020B0503020204020204" pitchFamily="34" charset="-122"/>
+              <a:ea typeface="微软雅黑" panose="020B0503020204020204" pitchFamily="34" charset="-122"/>
+            </a:endParaRPr>
+          </a:p>
+        </p:txBody>
+      </p:sp>
+      <p:cxnSp>
+        <p:nvCxnSpPr>
+          <p:cNvPr id="212" name="直接箭头连接符 9"/>
+          <p:cNvCxnSpPr>
+            <a:stCxn id="98" idx="2"/>
+            <a:endCxn id="208" idx="1"/>
+          </p:cNvCxnSpPr>
+          <p:nvPr/>
+        </p:nvCxnSpPr>
+        <p:spPr>
+          <a:xfrm rot="5400000">
+            <a:off x="3531139" y="1327093"/>
+            <a:ext cx="427938" cy="679739"/>
+          </a:xfrm>
+          <a:prstGeom prst="bentConnector3">
+            <a:avLst>
+              <a:gd name="adj1" fmla="val 58547"/>
+            </a:avLst>
+          </a:prstGeom>
+          <a:ln w="6350">
+            <a:solidFill>
+              <a:srgbClr val="0066FF"/>
+            </a:solidFill>
+            <a:prstDash val="dash"/>
+            <a:tailEnd type="arrow"/>
+          </a:ln>
+        </p:spPr>
+        <p:style>
+          <a:lnRef idx="1">
+            <a:schemeClr val="accent1"/>
+          </a:lnRef>
+          <a:fillRef idx="0">
+            <a:schemeClr val="accent1"/>
+          </a:fillRef>
+          <a:effectRef idx="0">
+            <a:schemeClr val="accent1"/>
+          </a:effectRef>
+          <a:fontRef idx="minor">
+            <a:schemeClr val="tx1"/>
+          </a:fontRef>
+        </p:style>
+      </p:cxnSp>
+      <p:cxnSp>
+        <p:nvCxnSpPr>
+          <p:cNvPr id="214" name="直接箭头连接符 9"/>
+          <p:cNvCxnSpPr>
+            <a:stCxn id="208" idx="3"/>
+            <a:endCxn id="231" idx="0"/>
+          </p:cNvCxnSpPr>
+          <p:nvPr/>
+        </p:nvCxnSpPr>
+        <p:spPr>
+          <a:xfrm rot="16200000" flipH="1">
+            <a:off x="3119534" y="2425405"/>
+            <a:ext cx="572116" cy="709"/>
+          </a:xfrm>
+          <a:prstGeom prst="bentConnector3">
+            <a:avLst>
+              <a:gd name="adj1" fmla="val 50000"/>
+            </a:avLst>
+          </a:prstGeom>
+          <a:ln w="6350">
+            <a:solidFill>
+              <a:srgbClr val="0066FF"/>
+            </a:solidFill>
+            <a:prstDash val="dash"/>
+            <a:tailEnd type="arrow"/>
+          </a:ln>
+        </p:spPr>
+        <p:style>
+          <a:lnRef idx="1">
+            <a:schemeClr val="accent1"/>
+          </a:lnRef>
+          <a:fillRef idx="0">
+            <a:schemeClr val="accent1"/>
+          </a:fillRef>
+          <a:effectRef idx="0">
+            <a:schemeClr val="accent1"/>
+          </a:effectRef>
+          <a:fontRef idx="minor">
+            <a:schemeClr val="tx1"/>
+          </a:fontRef>
+        </p:style>
+      </p:cxnSp>
+      <p:sp>
+        <p:nvSpPr>
+          <p:cNvPr id="262" name="圆角矩形 261"/>
+          <p:cNvSpPr/>
+          <p:nvPr/>
+        </p:nvSpPr>
+        <p:spPr>
+          <a:xfrm>
+            <a:off x="5664328" y="3602595"/>
+            <a:ext cx="1279355" cy="481324"/>
+          </a:xfrm>
+          <a:prstGeom prst="roundRect">
+            <a:avLst>
+              <a:gd name="adj" fmla="val 5453"/>
+            </a:avLst>
+          </a:prstGeom>
+          <a:solidFill>
+            <a:schemeClr val="accent6">
+              <a:lumMod val="40000"/>
+              <a:lumOff val="60000"/>
+            </a:schemeClr>
+          </a:solidFill>
+          <a:ln>
+            <a:noFill/>
+          </a:ln>
+        </p:spPr>
+        <p:style>
+          <a:lnRef idx="2">
+            <a:schemeClr val="accent1">
+              <a:shade val="50000"/>
+            </a:schemeClr>
+          </a:lnRef>
+          <a:fillRef idx="1">
+            <a:schemeClr val="accent1"/>
+          </a:fillRef>
+          <a:effectRef idx="0">
+            <a:schemeClr val="accent1"/>
+          </a:effectRef>
+          <a:fontRef idx="minor">
+            <a:schemeClr val="lt1"/>
+          </a:fontRef>
+        </p:style>
+        <p:txBody>
+          <a:bodyPr rtlCol="0" anchor="ctr"/>
+          <a:lstStyle/>
+          <a:p>
+            <a:pPr algn="ctr"/>
+            <a:endParaRPr lang="zh-CN" altLang="en-US" dirty="0"/>
+          </a:p>
+        </p:txBody>
+      </p:sp>
+      <p:sp>
+        <p:nvSpPr>
+          <p:cNvPr id="265" name="矩形 264"/>
+          <p:cNvSpPr/>
+          <p:nvPr/>
+        </p:nvSpPr>
+        <p:spPr>
+          <a:xfrm>
+            <a:off x="5191173" y="3753719"/>
+            <a:ext cx="491349" cy="215444"/>
+          </a:xfrm>
+          <a:prstGeom prst="rect">
+            <a:avLst/>
+          </a:prstGeom>
+        </p:spPr>
+        <p:txBody>
+          <a:bodyPr wrap="square" lIns="36000" tIns="0" rIns="36000" bIns="0">
+            <a:spAutoFit/>
+          </a:bodyPr>
+          <a:lstStyle/>
+          <a:p>
+            <a:pPr algn="ctr"/>
+            <a:r>
+              <a:rPr lang="zh-CN" altLang="en-US" sz="1400" b="1" dirty="0">
+                <a:latin typeface="微软雅黑" panose="020B0503020204020204" pitchFamily="34" charset="-122"/>
+                <a:ea typeface="微软雅黑" panose="020B0503020204020204" pitchFamily="34" charset="-122"/>
+              </a:rPr>
+              <a:t>产品</a:t>
+            </a:r>
+            <a:endParaRPr lang="en-US" altLang="zh-CN" sz="1400" b="1" dirty="0" smtClean="0">
+              <a:latin typeface="微软雅黑" panose="020B0503020204020204" pitchFamily="34" charset="-122"/>
+              <a:ea typeface="微软雅黑" panose="020B0503020204020204" pitchFamily="34" charset="-122"/>
+            </a:endParaRPr>
+          </a:p>
+        </p:txBody>
+      </p:sp>
+      <p:sp>
+        <p:nvSpPr>
+          <p:cNvPr id="266" name="圆柱形 265"/>
+          <p:cNvSpPr/>
+          <p:nvPr/>
+        </p:nvSpPr>
+        <p:spPr>
+          <a:xfrm>
+            <a:off x="5893023" y="3670479"/>
+            <a:ext cx="781496" cy="340517"/>
+          </a:xfrm>
+          <a:prstGeom prst="can">
+            <a:avLst/>
+          </a:prstGeom>
+          <a:ln w="12700"/>
+        </p:spPr>
+        <p:style>
+          <a:lnRef idx="3">
+            <a:schemeClr val="lt1"/>
+          </a:lnRef>
+          <a:fillRef idx="1">
+            <a:schemeClr val="accent6"/>
+          </a:fillRef>
+          <a:effectRef idx="1">
+            <a:schemeClr val="accent6"/>
+          </a:effectRef>
+          <a:fontRef idx="minor">
+            <a:schemeClr val="lt1"/>
+          </a:fontRef>
+        </p:style>
+        <p:txBody>
+          <a:bodyPr rtlCol="0" anchor="ctr"/>
+          <a:lstStyle/>
+          <a:p>
+            <a:pPr algn="ctr"/>
+            <a:r>
+              <a:rPr lang="zh-CN" altLang="en-US" sz="900" b="1" dirty="0" smtClean="0">
+                <a:latin typeface="微软雅黑" panose="020B0503020204020204" pitchFamily="34" charset="-122"/>
+                <a:ea typeface="微软雅黑" panose="020B0503020204020204" pitchFamily="34" charset="-122"/>
+              </a:rPr>
+              <a:t>产品中心</a:t>
+            </a:r>
+            <a:endParaRPr lang="zh-CN" altLang="en-US" sz="900" b="1" dirty="0">
+              <a:latin typeface="微软雅黑" panose="020B0503020204020204" pitchFamily="34" charset="-122"/>
+              <a:ea typeface="微软雅黑" panose="020B0503020204020204" pitchFamily="34" charset="-122"/>
+            </a:endParaRPr>
+          </a:p>
+        </p:txBody>
+      </p:sp>
+      <p:cxnSp>
+        <p:nvCxnSpPr>
+          <p:cNvPr id="138" name="直接箭头连接符 9"/>
+          <p:cNvCxnSpPr>
+            <a:stCxn id="109" idx="4"/>
+            <a:endCxn id="266" idx="1"/>
+          </p:cNvCxnSpPr>
+          <p:nvPr/>
+        </p:nvCxnSpPr>
+        <p:spPr>
+          <a:xfrm>
+            <a:off x="5855590" y="2917695"/>
+            <a:ext cx="428181" cy="752784"/>
+          </a:xfrm>
+          <a:prstGeom prst="straightConnector1">
+            <a:avLst/>
+          </a:prstGeom>
+          <a:ln w="6350">
+            <a:solidFill>
+              <a:srgbClr val="0066FF"/>
+            </a:solidFill>
+            <a:prstDash val="dash"/>
+            <a:tailEnd type="arrow"/>
+          </a:ln>
+        </p:spPr>
+        <p:style>
+          <a:lnRef idx="1">
+            <a:schemeClr val="accent1"/>
+          </a:lnRef>
+          <a:fillRef idx="0">
+            <a:schemeClr val="accent1"/>
+          </a:fillRef>
+          <a:effectRef idx="0">
+            <a:schemeClr val="accent1"/>
+          </a:effectRef>
+          <a:fontRef idx="minor">
+            <a:schemeClr val="tx1"/>
+          </a:fontRef>
+        </p:style>
+      </p:cxnSp>
+      <p:cxnSp>
+        <p:nvCxnSpPr>
+          <p:cNvPr id="270" name="直接箭头连接符 9"/>
+          <p:cNvCxnSpPr>
+            <a:stCxn id="113" idx="4"/>
+            <a:endCxn id="266" idx="1"/>
+          </p:cNvCxnSpPr>
+          <p:nvPr/>
+        </p:nvCxnSpPr>
+        <p:spPr>
+          <a:xfrm>
+            <a:off x="6151539" y="2913260"/>
+            <a:ext cx="132232" cy="757219"/>
+          </a:xfrm>
+          <a:prstGeom prst="straightConnector1">
+            <a:avLst/>
+          </a:prstGeom>
+          <a:ln w="6350">
+            <a:solidFill>
+              <a:srgbClr val="0066FF"/>
+            </a:solidFill>
+            <a:prstDash val="dash"/>
+            <a:tailEnd type="arrow"/>
+          </a:ln>
+        </p:spPr>
+        <p:style>
+          <a:lnRef idx="1">
+            <a:schemeClr val="accent1"/>
+          </a:lnRef>
+          <a:fillRef idx="0">
+            <a:schemeClr val="accent1"/>
+          </a:fillRef>
+          <a:effectRef idx="0">
+            <a:schemeClr val="accent1"/>
+          </a:effectRef>
+          <a:fontRef idx="minor">
+            <a:schemeClr val="tx1"/>
+          </a:fontRef>
+        </p:style>
+      </p:cxnSp>
+      <p:cxnSp>
+        <p:nvCxnSpPr>
+          <p:cNvPr id="273" name="直接箭头连接符 9"/>
+          <p:cNvCxnSpPr>
+            <a:stCxn id="117" idx="4"/>
+            <a:endCxn id="266" idx="1"/>
+          </p:cNvCxnSpPr>
+          <p:nvPr/>
+        </p:nvCxnSpPr>
+        <p:spPr>
+          <a:xfrm flipH="1">
+            <a:off x="6283771" y="2913260"/>
+            <a:ext cx="156402" cy="757219"/>
+          </a:xfrm>
+          <a:prstGeom prst="straightConnector1">
+            <a:avLst/>
+          </a:prstGeom>
+          <a:ln w="6350">
+            <a:solidFill>
+              <a:srgbClr val="0066FF"/>
+            </a:solidFill>
+            <a:prstDash val="dash"/>
+            <a:tailEnd type="arrow"/>
+          </a:ln>
+        </p:spPr>
+        <p:style>
+          <a:lnRef idx="1">
+            <a:schemeClr val="accent1"/>
+          </a:lnRef>
+          <a:fillRef idx="0">
+            <a:schemeClr val="accent1"/>
+          </a:fillRef>
+          <a:effectRef idx="0">
+            <a:schemeClr val="accent1"/>
+          </a:effectRef>
+          <a:fontRef idx="minor">
+            <a:schemeClr val="tx1"/>
+          </a:fontRef>
+        </p:style>
+      </p:cxnSp>
+      <p:cxnSp>
+        <p:nvCxnSpPr>
+          <p:cNvPr id="278" name="直接箭头连接符 9"/>
+          <p:cNvCxnSpPr>
+            <a:stCxn id="121" idx="4"/>
+            <a:endCxn id="266" idx="1"/>
+          </p:cNvCxnSpPr>
+          <p:nvPr/>
+        </p:nvCxnSpPr>
+        <p:spPr>
+          <a:xfrm flipH="1">
+            <a:off x="6283771" y="2913260"/>
+            <a:ext cx="454251" cy="757219"/>
+          </a:xfrm>
+          <a:prstGeom prst="straightConnector1">
+            <a:avLst/>
+          </a:prstGeom>
+          <a:ln w="6350">
+            <a:solidFill>
+              <a:srgbClr val="0066FF"/>
+            </a:solidFill>
+            <a:prstDash val="dash"/>
+            <a:tailEnd type="arrow"/>
+          </a:ln>
+        </p:spPr>
+        <p:style>
+          <a:lnRef idx="1">
+            <a:schemeClr val="accent1"/>
+          </a:lnRef>
+          <a:fillRef idx="0">
+            <a:schemeClr val="accent1"/>
+          </a:fillRef>
+          <a:effectRef idx="0">
+            <a:schemeClr val="accent1"/>
+          </a:effectRef>
+          <a:fontRef idx="minor">
+            <a:schemeClr val="tx1"/>
+          </a:fontRef>
+        </p:style>
+      </p:cxnSp>
+      <p:cxnSp>
+        <p:nvCxnSpPr>
+          <p:cNvPr id="288" name="直接箭头连接符 9"/>
+          <p:cNvCxnSpPr>
+            <a:stCxn id="124" idx="2"/>
+            <a:endCxn id="109" idx="0"/>
+          </p:cNvCxnSpPr>
+          <p:nvPr/>
+        </p:nvCxnSpPr>
+        <p:spPr>
+          <a:xfrm rot="5400000">
+            <a:off x="5419938" y="1888646"/>
+            <a:ext cx="1300000" cy="428695"/>
+          </a:xfrm>
+          <a:prstGeom prst="bentConnector3">
+            <a:avLst>
+              <a:gd name="adj1" fmla="val 50000"/>
+            </a:avLst>
+          </a:prstGeom>
+          <a:ln w="6350">
+            <a:solidFill>
+              <a:srgbClr val="0066FF"/>
+            </a:solidFill>
+            <a:prstDash val="dash"/>
+            <a:tailEnd type="arrow"/>
+          </a:ln>
+        </p:spPr>
+        <p:style>
+          <a:lnRef idx="1">
+            <a:schemeClr val="accent1"/>
+          </a:lnRef>
+          <a:fillRef idx="0">
+            <a:schemeClr val="accent1"/>
+          </a:fillRef>
+          <a:effectRef idx="0">
+            <a:schemeClr val="accent1"/>
+          </a:effectRef>
+          <a:fontRef idx="minor">
+            <a:schemeClr val="tx1"/>
+          </a:fontRef>
+        </p:style>
+      </p:cxnSp>
+      <p:cxnSp>
+        <p:nvCxnSpPr>
+          <p:cNvPr id="289" name="直接箭头连接符 9"/>
+          <p:cNvCxnSpPr>
+            <a:stCxn id="124" idx="2"/>
+            <a:endCxn id="113" idx="0"/>
+          </p:cNvCxnSpPr>
+          <p:nvPr/>
+        </p:nvCxnSpPr>
+        <p:spPr>
+          <a:xfrm rot="5400000">
+            <a:off x="5570130" y="2034402"/>
+            <a:ext cx="1295565" cy="132746"/>
+          </a:xfrm>
+          <a:prstGeom prst="bentConnector3">
+            <a:avLst>
+              <a:gd name="adj1" fmla="val 50000"/>
+            </a:avLst>
+          </a:prstGeom>
+          <a:ln w="6350">
+            <a:solidFill>
+              <a:srgbClr val="0066FF"/>
+            </a:solidFill>
+            <a:prstDash val="dash"/>
+            <a:tailEnd type="arrow"/>
+          </a:ln>
+        </p:spPr>
+        <p:style>
+          <a:lnRef idx="1">
+            <a:schemeClr val="accent1"/>
+          </a:lnRef>
+          <a:fillRef idx="0">
+            <a:schemeClr val="accent1"/>
+          </a:fillRef>
+          <a:effectRef idx="0">
+            <a:schemeClr val="accent1"/>
+          </a:effectRef>
+          <a:fontRef idx="minor">
+            <a:schemeClr val="tx1"/>
+          </a:fontRef>
+        </p:style>
+      </p:cxnSp>
+      <p:cxnSp>
+        <p:nvCxnSpPr>
+          <p:cNvPr id="290" name="直接箭头连接符 9"/>
+          <p:cNvCxnSpPr>
+            <a:stCxn id="124" idx="2"/>
+            <a:endCxn id="117" idx="0"/>
+          </p:cNvCxnSpPr>
+          <p:nvPr/>
+        </p:nvCxnSpPr>
+        <p:spPr>
+          <a:xfrm rot="16200000" flipH="1">
+            <a:off x="5714447" y="2022831"/>
+            <a:ext cx="1295565" cy="155888"/>
+          </a:xfrm>
+          <a:prstGeom prst="bentConnector3">
+            <a:avLst>
+              <a:gd name="adj1" fmla="val 50000"/>
+            </a:avLst>
+          </a:prstGeom>
+          <a:ln w="6350">
+            <a:solidFill>
+              <a:srgbClr val="0066FF"/>
+            </a:solidFill>
+            <a:prstDash val="dash"/>
+            <a:tailEnd type="arrow"/>
+          </a:ln>
+        </p:spPr>
+        <p:style>
+          <a:lnRef idx="1">
+            <a:schemeClr val="accent1"/>
+          </a:lnRef>
+          <a:fillRef idx="0">
+            <a:schemeClr val="accent1"/>
+          </a:fillRef>
+          <a:effectRef idx="0">
+            <a:schemeClr val="accent1"/>
+          </a:effectRef>
+          <a:fontRef idx="minor">
+            <a:schemeClr val="tx1"/>
+          </a:fontRef>
+        </p:style>
+      </p:cxnSp>
+      <p:cxnSp>
+        <p:nvCxnSpPr>
+          <p:cNvPr id="294" name="直接箭头连接符 9"/>
+          <p:cNvCxnSpPr>
+            <a:stCxn id="124" idx="2"/>
+            <a:endCxn id="121" idx="0"/>
+          </p:cNvCxnSpPr>
+          <p:nvPr/>
+        </p:nvCxnSpPr>
+        <p:spPr>
+          <a:xfrm rot="16200000" flipH="1">
+            <a:off x="5863371" y="1873906"/>
+            <a:ext cx="1295565" cy="453737"/>
+          </a:xfrm>
+          <a:prstGeom prst="bentConnector3">
+            <a:avLst>
+              <a:gd name="adj1" fmla="val 50000"/>
+            </a:avLst>
+          </a:prstGeom>
+          <a:ln w="6350">
+            <a:solidFill>
+              <a:srgbClr val="0066FF"/>
+            </a:solidFill>
+            <a:prstDash val="dash"/>
+            <a:tailEnd type="arrow"/>
+          </a:ln>
+        </p:spPr>
+        <p:style>
+          <a:lnRef idx="1">
+            <a:schemeClr val="accent1"/>
+          </a:lnRef>
+          <a:fillRef idx="0">
+            <a:schemeClr val="accent1"/>
+          </a:fillRef>
+          <a:effectRef idx="0">
+            <a:schemeClr val="accent1"/>
+          </a:effectRef>
+          <a:fontRef idx="minor">
+            <a:schemeClr val="tx1"/>
+          </a:fontRef>
+        </p:style>
+      </p:cxnSp>
+      <p:cxnSp>
+        <p:nvCxnSpPr>
+          <p:cNvPr id="295" name="直接箭头连接符 9"/>
+          <p:cNvCxnSpPr>
+            <a:stCxn id="266" idx="3"/>
+            <a:endCxn id="131" idx="0"/>
+          </p:cNvCxnSpPr>
+          <p:nvPr/>
+        </p:nvCxnSpPr>
+        <p:spPr>
+          <a:xfrm flipH="1">
+            <a:off x="5892941" y="4010996"/>
+            <a:ext cx="390830" cy="559840"/>
+          </a:xfrm>
+          <a:prstGeom prst="straightConnector1">
+            <a:avLst/>
+          </a:prstGeom>
+          <a:ln w="6350">
+            <a:solidFill>
+              <a:srgbClr val="0066FF"/>
+            </a:solidFill>
+            <a:prstDash val="dash"/>
+            <a:tailEnd type="arrow"/>
+          </a:ln>
+        </p:spPr>
+        <p:style>
+          <a:lnRef idx="1">
+            <a:schemeClr val="accent1"/>
+          </a:lnRef>
+          <a:fillRef idx="0">
+            <a:schemeClr val="accent1"/>
+          </a:fillRef>
+          <a:effectRef idx="0">
+            <a:schemeClr val="accent1"/>
+          </a:effectRef>
+          <a:fontRef idx="minor">
+            <a:schemeClr val="tx1"/>
+          </a:fontRef>
+        </p:style>
+      </p:cxnSp>
+      <p:cxnSp>
+        <p:nvCxnSpPr>
+          <p:cNvPr id="296" name="直接箭头连接符 9"/>
+          <p:cNvCxnSpPr>
+            <a:stCxn id="266" idx="3"/>
+            <a:endCxn id="132" idx="0"/>
+          </p:cNvCxnSpPr>
+          <p:nvPr/>
+        </p:nvCxnSpPr>
+        <p:spPr>
+          <a:xfrm>
+            <a:off x="6283771" y="4010996"/>
+            <a:ext cx="18953" cy="563622"/>
+          </a:xfrm>
+          <a:prstGeom prst="straightConnector1">
+            <a:avLst/>
+          </a:prstGeom>
+          <a:ln w="6350">
+            <a:solidFill>
+              <a:srgbClr val="0066FF"/>
+            </a:solidFill>
+            <a:prstDash val="dash"/>
+            <a:tailEnd type="arrow"/>
+          </a:ln>
+        </p:spPr>
+        <p:style>
+          <a:lnRef idx="1">
+            <a:schemeClr val="accent1"/>
+          </a:lnRef>
+          <a:fillRef idx="0">
+            <a:schemeClr val="accent1"/>
+          </a:fillRef>
+          <a:effectRef idx="0">
+            <a:schemeClr val="accent1"/>
+          </a:effectRef>
+          <a:fontRef idx="minor">
+            <a:schemeClr val="tx1"/>
+          </a:fontRef>
+        </p:style>
+      </p:cxnSp>
+      <p:cxnSp>
+        <p:nvCxnSpPr>
+          <p:cNvPr id="300" name="直接箭头连接符 9"/>
+          <p:cNvCxnSpPr>
+            <a:stCxn id="266" idx="3"/>
+            <a:endCxn id="133" idx="0"/>
+          </p:cNvCxnSpPr>
+          <p:nvPr/>
+        </p:nvCxnSpPr>
+        <p:spPr>
+          <a:xfrm>
+            <a:off x="6283771" y="4010996"/>
+            <a:ext cx="416899" cy="563622"/>
+          </a:xfrm>
+          <a:prstGeom prst="straightConnector1">
+            <a:avLst/>
+          </a:prstGeom>
+          <a:ln w="6350">
+            <a:solidFill>
+              <a:srgbClr val="0066FF"/>
+            </a:solidFill>
+            <a:prstDash val="dash"/>
+            <a:tailEnd type="arrow"/>
+          </a:ln>
+        </p:spPr>
+        <p:style>
+          <a:lnRef idx="1">
+            <a:schemeClr val="accent1"/>
+          </a:lnRef>
+          <a:fillRef idx="0">
+            <a:schemeClr val="accent1"/>
+          </a:fillRef>
+          <a:effectRef idx="0">
+            <a:schemeClr val="accent1"/>
+          </a:effectRef>
+          <a:fontRef idx="minor">
+            <a:schemeClr val="tx1"/>
+          </a:fontRef>
+        </p:style>
+      </p:cxnSp>
+      <p:sp>
+        <p:nvSpPr>
+          <p:cNvPr id="304" name="矩形 303"/>
+          <p:cNvSpPr/>
+          <p:nvPr/>
+        </p:nvSpPr>
+        <p:spPr>
+          <a:xfrm>
+            <a:off x="4043049" y="4028146"/>
+            <a:ext cx="823418" cy="215444"/>
+          </a:xfrm>
+          <a:prstGeom prst="rect">
+            <a:avLst/>
+          </a:prstGeom>
+        </p:spPr>
+        <p:txBody>
+          <a:bodyPr wrap="square" lIns="36000" tIns="0" rIns="36000" bIns="0">
+            <a:spAutoFit/>
+          </a:bodyPr>
+          <a:lstStyle/>
+          <a:p>
+            <a:pPr algn="ctr"/>
+            <a:r>
+              <a:rPr lang="zh-CN" altLang="en-US" sz="1400" b="1" dirty="0" smtClean="0">
+                <a:solidFill>
+                  <a:srgbClr val="FF0000"/>
+                </a:solidFill>
+                <a:latin typeface="微软雅黑" panose="020B0503020204020204" pitchFamily="34" charset="-122"/>
+                <a:ea typeface="微软雅黑" panose="020B0503020204020204" pitchFamily="34" charset="-122"/>
+              </a:rPr>
+              <a:t>创客微店</a:t>
+            </a:r>
+            <a:endParaRPr lang="en-US" altLang="zh-CN" sz="1400" b="1" dirty="0" smtClean="0">
+              <a:solidFill>
+                <a:srgbClr val="FF0000"/>
+              </a:solidFill>
+              <a:latin typeface="微软雅黑" panose="020B0503020204020204" pitchFamily="34" charset="-122"/>
+              <a:ea typeface="微软雅黑" panose="020B0503020204020204" pitchFamily="34" charset="-122"/>
+            </a:endParaRPr>
+          </a:p>
+        </p:txBody>
+      </p:sp>
+      <p:sp>
+        <p:nvSpPr>
+          <p:cNvPr id="305" name="矩形 304"/>
+          <p:cNvSpPr/>
+          <p:nvPr/>
+        </p:nvSpPr>
+        <p:spPr>
+          <a:xfrm>
+            <a:off x="2993069" y="4028146"/>
+            <a:ext cx="823418" cy="215444"/>
+          </a:xfrm>
+          <a:prstGeom prst="rect">
+            <a:avLst/>
+          </a:prstGeom>
+        </p:spPr>
+        <p:txBody>
+          <a:bodyPr wrap="square" lIns="36000" tIns="0" rIns="36000" bIns="0">
+            <a:spAutoFit/>
+          </a:bodyPr>
+          <a:lstStyle/>
+          <a:p>
+            <a:pPr algn="ctr"/>
+            <a:r>
+              <a:rPr lang="zh-CN" altLang="en-US" sz="1400" b="1" dirty="0">
+                <a:solidFill>
+                  <a:srgbClr val="FF9B9B"/>
+                </a:solidFill>
+                <a:latin typeface="微软雅黑" panose="020B0503020204020204" pitchFamily="34" charset="-122"/>
+                <a:ea typeface="微软雅黑" panose="020B0503020204020204" pitchFamily="34" charset="-122"/>
+              </a:rPr>
+              <a:t>平</a:t>
+            </a:r>
+            <a:r>
+              <a:rPr lang="zh-CN" altLang="en-US" sz="1400" b="1" dirty="0" smtClean="0">
+                <a:solidFill>
+                  <a:srgbClr val="FF9B9B"/>
+                </a:solidFill>
+                <a:latin typeface="微软雅黑" panose="020B0503020204020204" pitchFamily="34" charset="-122"/>
+                <a:ea typeface="微软雅黑" panose="020B0503020204020204" pitchFamily="34" charset="-122"/>
+              </a:rPr>
+              <a:t>台商城</a:t>
+            </a:r>
+            <a:endParaRPr lang="en-US" altLang="zh-CN" sz="1400" b="1" dirty="0" smtClean="0">
+              <a:solidFill>
+                <a:srgbClr val="FF9B9B"/>
+              </a:solidFill>
+              <a:latin typeface="微软雅黑" panose="020B0503020204020204" pitchFamily="34" charset="-122"/>
+              <a:ea typeface="微软雅黑" panose="020B0503020204020204" pitchFamily="34" charset="-122"/>
+            </a:endParaRPr>
+          </a:p>
+        </p:txBody>
+      </p:sp>
+      <p:sp>
+        <p:nvSpPr>
+          <p:cNvPr id="307" name="矩形 306"/>
+          <p:cNvSpPr/>
+          <p:nvPr/>
+        </p:nvSpPr>
+        <p:spPr>
+          <a:xfrm>
+            <a:off x="1804472" y="4021154"/>
+            <a:ext cx="1039336" cy="215444"/>
+          </a:xfrm>
+          <a:prstGeom prst="rect">
+            <a:avLst/>
+          </a:prstGeom>
+        </p:spPr>
+        <p:txBody>
+          <a:bodyPr wrap="square" lIns="36000" tIns="0" rIns="36000" bIns="0">
+            <a:spAutoFit/>
+          </a:bodyPr>
+          <a:lstStyle/>
+          <a:p>
+            <a:pPr algn="ctr"/>
+            <a:r>
+              <a:rPr lang="zh-CN" altLang="en-US" sz="1400" b="1" dirty="0" smtClean="0">
+                <a:solidFill>
+                  <a:srgbClr val="FF0000"/>
+                </a:solidFill>
+                <a:latin typeface="微软雅黑" panose="020B0503020204020204" pitchFamily="34" charset="-122"/>
+                <a:ea typeface="微软雅黑" panose="020B0503020204020204" pitchFamily="34" charset="-122"/>
+              </a:rPr>
+              <a:t>商家直营店</a:t>
+            </a:r>
+            <a:endParaRPr lang="en-US" altLang="zh-CN" sz="1400" b="1" dirty="0" smtClean="0">
+              <a:solidFill>
+                <a:srgbClr val="FF0000"/>
+              </a:solidFill>
+              <a:latin typeface="微软雅黑" panose="020B0503020204020204" pitchFamily="34" charset="-122"/>
+              <a:ea typeface="微软雅黑" panose="020B0503020204020204" pitchFamily="34" charset="-122"/>
+            </a:endParaRPr>
+          </a:p>
+        </p:txBody>
+      </p:sp>
+      <p:cxnSp>
+        <p:nvCxnSpPr>
+          <p:cNvPr id="309" name="直接箭头连接符 9"/>
+          <p:cNvCxnSpPr>
+            <a:stCxn id="105" idx="1"/>
+            <a:endCxn id="304" idx="0"/>
+          </p:cNvCxnSpPr>
+          <p:nvPr/>
+        </p:nvCxnSpPr>
+        <p:spPr>
+          <a:xfrm flipH="1">
+            <a:off x="4454758" y="2850772"/>
+            <a:ext cx="1184143" cy="1177374"/>
+          </a:xfrm>
+          <a:prstGeom prst="straightConnector1">
+            <a:avLst/>
+          </a:prstGeom>
+          <a:ln w="12700">
+            <a:solidFill>
+              <a:srgbClr val="FF0000"/>
+            </a:solidFill>
+            <a:prstDash val="dash"/>
+            <a:tailEnd type="arrow"/>
+          </a:ln>
+        </p:spPr>
+        <p:style>
+          <a:lnRef idx="1">
+            <a:schemeClr val="accent1"/>
+          </a:lnRef>
+          <a:fillRef idx="0">
+            <a:schemeClr val="accent1"/>
+          </a:fillRef>
+          <a:effectRef idx="0">
+            <a:schemeClr val="accent1"/>
+          </a:effectRef>
+          <a:fontRef idx="minor">
+            <a:schemeClr val="tx1"/>
+          </a:fontRef>
+        </p:style>
+      </p:cxnSp>
+      <p:cxnSp>
+        <p:nvCxnSpPr>
+          <p:cNvPr id="310" name="直接箭头连接符 9"/>
+          <p:cNvCxnSpPr>
+            <a:stCxn id="231" idx="4"/>
+            <a:endCxn id="305" idx="0"/>
+          </p:cNvCxnSpPr>
+          <p:nvPr/>
+        </p:nvCxnSpPr>
+        <p:spPr>
+          <a:xfrm flipH="1">
+            <a:off x="3404778" y="3008551"/>
+            <a:ext cx="1169" cy="1019595"/>
+          </a:xfrm>
+          <a:prstGeom prst="straightConnector1">
+            <a:avLst/>
+          </a:prstGeom>
+          <a:ln w="12700">
+            <a:solidFill>
+              <a:srgbClr val="FF0000">
+                <a:alpha val="30000"/>
+              </a:srgbClr>
+            </a:solidFill>
+            <a:prstDash val="dash"/>
+            <a:tailEnd type="arrow"/>
+          </a:ln>
+        </p:spPr>
+        <p:style>
+          <a:lnRef idx="1">
+            <a:schemeClr val="accent1"/>
+          </a:lnRef>
+          <a:fillRef idx="0">
+            <a:schemeClr val="accent1"/>
+          </a:fillRef>
+          <a:effectRef idx="0">
+            <a:schemeClr val="accent1"/>
+          </a:effectRef>
+          <a:fontRef idx="minor">
+            <a:schemeClr val="tx1"/>
+          </a:fontRef>
+        </p:style>
+      </p:cxnSp>
+      <p:cxnSp>
+        <p:nvCxnSpPr>
+          <p:cNvPr id="311" name="直接箭头连接符 9"/>
+          <p:cNvCxnSpPr>
+            <a:stCxn id="53" idx="2"/>
+            <a:endCxn id="307" idx="0"/>
+          </p:cNvCxnSpPr>
+          <p:nvPr/>
+        </p:nvCxnSpPr>
+        <p:spPr>
+          <a:xfrm>
+            <a:off x="1981540" y="3023583"/>
+            <a:ext cx="342600" cy="997571"/>
+          </a:xfrm>
+          <a:prstGeom prst="straightConnector1">
+            <a:avLst/>
+          </a:prstGeom>
+          <a:ln w="12700">
+            <a:solidFill>
+              <a:srgbClr val="FF0000"/>
+            </a:solidFill>
+            <a:prstDash val="dash"/>
+            <a:tailEnd type="arrow"/>
+          </a:ln>
+        </p:spPr>
+        <p:style>
+          <a:lnRef idx="1">
+            <a:schemeClr val="accent1"/>
+          </a:lnRef>
+          <a:fillRef idx="0">
+            <a:schemeClr val="accent1"/>
+          </a:fillRef>
+          <a:effectRef idx="0">
+            <a:schemeClr val="accent1"/>
+          </a:effectRef>
+          <a:fontRef idx="minor">
+            <a:schemeClr val="tx1"/>
+          </a:fontRef>
+        </p:style>
+      </p:cxnSp>
+      <p:cxnSp>
+        <p:nvCxnSpPr>
+          <p:cNvPr id="314" name="直接箭头连接符 9"/>
+          <p:cNvCxnSpPr>
+            <a:stCxn id="186" idx="2"/>
+            <a:endCxn id="307" idx="0"/>
+          </p:cNvCxnSpPr>
+          <p:nvPr/>
+        </p:nvCxnSpPr>
+        <p:spPr>
+          <a:xfrm flipH="1">
+            <a:off x="2324140" y="3021303"/>
+            <a:ext cx="2088521" cy="999851"/>
+          </a:xfrm>
+          <a:prstGeom prst="straightConnector1">
+            <a:avLst/>
+          </a:prstGeom>
+          <a:ln w="12700">
+            <a:solidFill>
+              <a:srgbClr val="FF0000"/>
+            </a:solidFill>
+            <a:prstDash val="dash"/>
+            <a:tailEnd type="arrow"/>
+          </a:ln>
+        </p:spPr>
+        <p:style>
+          <a:lnRef idx="1">
+            <a:schemeClr val="accent1"/>
+          </a:lnRef>
+          <a:fillRef idx="0">
+            <a:schemeClr val="accent1"/>
+          </a:fillRef>
+          <a:effectRef idx="0">
+            <a:schemeClr val="accent1"/>
+          </a:effectRef>
+          <a:fontRef idx="minor">
+            <a:schemeClr val="tx1"/>
+          </a:fontRef>
+        </p:style>
+      </p:cxnSp>
+    </p:spTree>
+    <p:extLst>
+      <p:ext uri="{BB962C8B-B14F-4D97-AF65-F5344CB8AC3E}">
+        <p14:creationId xmlns:p14="http://schemas.microsoft.com/office/powerpoint/2010/main" val="3507884363"/>
+      </p:ext>
+    </p:extLst>
+  </p:cSld>
+  <p:clrMapOvr>
+    <a:masterClrMapping/>
+  </p:clrMapOvr>
+  <p:timing>
+    <p:tnLst>
+      <p:par>
+        <p:cTn id="1" dur="indefinite" restart="never" nodeType="tmRoot"/>
+      </p:par>
+    </p:tnLst>
+  </p:timing>
+</p:sld>
+</file>
+
+<file path=ppt/slides/slide3.xml><?xml version="1.0" encoding="utf-8"?>
+<p:sld xmlns:a="http://schemas.openxmlformats.org/drawingml/2006/main" xmlns:r="http://schemas.openxmlformats.org/officeDocument/2006/relationships" xmlns:p="http://schemas.openxmlformats.org/presentationml/2006/main">
+  <p:cSld>
+    <p:spTree>
+      <p:nvGrpSpPr>
+        <p:cNvPr id="1" name=""/>
+        <p:cNvGrpSpPr/>
+        <p:nvPr/>
+      </p:nvGrpSpPr>
+      <p:grpSpPr>
+        <a:xfrm>
+          <a:off x="0" y="0"/>
+          <a:ext cx="0" cy="0"/>
+          <a:chOff x="0" y="0"/>
+          <a:chExt cx="0" cy="0"/>
+        </a:xfrm>
+      </p:grpSpPr>
+      <p:sp>
+        <p:nvSpPr>
           <p:cNvPr id="139" name="圆角矩形 138"/>
           <p:cNvSpPr/>
           <p:nvPr/>
@@ -10675,7 +15040,7 @@
 </p:sld>
 </file>
 
-<file path=ppt/slides/slide3.xml><?xml version="1.0" encoding="utf-8"?>
+<file path=ppt/slides/slide4.xml><?xml version="1.0" encoding="utf-8"?>
 <p:sld xmlns:a="http://schemas.openxmlformats.org/drawingml/2006/main" xmlns:r="http://schemas.openxmlformats.org/officeDocument/2006/relationships" xmlns:p="http://schemas.openxmlformats.org/presentationml/2006/main">
   <p:cSld>
     <p:spTree>
@@ -15724,7 +20089,7 @@
 </p:sld>
 </file>
 
-<file path=ppt/slides/slide4.xml><?xml version="1.0" encoding="utf-8"?>
+<file path=ppt/slides/slide5.xml><?xml version="1.0" encoding="utf-8"?>
 <p:sld xmlns:a="http://schemas.openxmlformats.org/drawingml/2006/main" xmlns:r="http://schemas.openxmlformats.org/officeDocument/2006/relationships" xmlns:p="http://schemas.openxmlformats.org/presentationml/2006/main">
   <p:cSld>
     <p:spTree>
@@ -20164,7 +24529,7 @@
 </p:sld>
 </file>
 
-<file path=ppt/slides/slide5.xml><?xml version="1.0" encoding="utf-8"?>
+<file path=ppt/slides/slide6.xml><?xml version="1.0" encoding="utf-8"?>
 <p:sld xmlns:a="http://schemas.openxmlformats.org/drawingml/2006/main" xmlns:r="http://schemas.openxmlformats.org/officeDocument/2006/relationships" xmlns:p="http://schemas.openxmlformats.org/presentationml/2006/main">
   <p:cSld>
     <p:spTree>
@@ -26332,7 +30697,7 @@
 </p:sld>
 </file>
 
-<file path=ppt/slides/slide6.xml><?xml version="1.0" encoding="utf-8"?>
+<file path=ppt/slides/slide7.xml><?xml version="1.0" encoding="utf-8"?>
 <p:sld xmlns:a="http://schemas.openxmlformats.org/drawingml/2006/main" xmlns:r="http://schemas.openxmlformats.org/officeDocument/2006/relationships" xmlns:p="http://schemas.openxmlformats.org/presentationml/2006/main">
   <p:cSld>
     <p:spTree>

--- a/design-resource.pptx
+++ b/design-resource.pptx
@@ -8102,7 +8102,7 @@
         </p:nvSpPr>
         <p:spPr>
           <a:xfrm>
-            <a:off x="1425347" y="2772001"/>
+            <a:off x="1425347" y="2815891"/>
             <a:ext cx="249619" cy="164702"/>
           </a:xfrm>
           <a:prstGeom prst="ellipse">
@@ -8147,7 +8147,7 @@
         </p:nvSpPr>
         <p:spPr>
           <a:xfrm>
-            <a:off x="1713981" y="2767566"/>
+            <a:off x="1713981" y="2811456"/>
             <a:ext cx="249619" cy="164702"/>
           </a:xfrm>
           <a:prstGeom prst="ellipse">
@@ -8192,7 +8192,7 @@
         </p:nvSpPr>
         <p:spPr>
           <a:xfrm>
-            <a:off x="2009930" y="2767566"/>
+            <a:off x="2009930" y="2811456"/>
             <a:ext cx="249619" cy="164702"/>
           </a:xfrm>
           <a:prstGeom prst="ellipse">
@@ -8237,7 +8237,7 @@
         </p:nvSpPr>
         <p:spPr>
           <a:xfrm>
-            <a:off x="2307779" y="2767566"/>
+            <a:off x="2307779" y="2811456"/>
             <a:ext cx="249619" cy="164702"/>
           </a:xfrm>
           <a:prstGeom prst="ellipse">
@@ -8587,7 +8587,7 @@
         </p:nvSpPr>
         <p:spPr>
           <a:xfrm>
-            <a:off x="5730780" y="2752993"/>
+            <a:off x="5730780" y="2796883"/>
             <a:ext cx="249619" cy="164702"/>
           </a:xfrm>
           <a:prstGeom prst="ellipse">
@@ -8632,7 +8632,7 @@
         </p:nvSpPr>
         <p:spPr>
           <a:xfrm>
-            <a:off x="6026729" y="2748558"/>
+            <a:off x="6026729" y="2792448"/>
             <a:ext cx="249619" cy="164702"/>
           </a:xfrm>
           <a:prstGeom prst="ellipse">
@@ -8677,7 +8677,7 @@
         </p:nvSpPr>
         <p:spPr>
           <a:xfrm>
-            <a:off x="6315363" y="2748558"/>
+            <a:off x="6315363" y="2792448"/>
             <a:ext cx="249619" cy="164702"/>
           </a:xfrm>
           <a:prstGeom prst="ellipse">
@@ -8722,7 +8722,7 @@
         </p:nvSpPr>
         <p:spPr>
           <a:xfrm>
-            <a:off x="6613212" y="2748558"/>
+            <a:off x="6613212" y="2792448"/>
             <a:ext cx="249619" cy="164702"/>
           </a:xfrm>
           <a:prstGeom prst="ellipse">
@@ -9276,7 +9276,7 @@
         </p:nvSpPr>
         <p:spPr>
           <a:xfrm>
-            <a:off x="768283" y="1830306"/>
+            <a:off x="768283" y="1932716"/>
             <a:ext cx="491349" cy="215444"/>
           </a:xfrm>
           <a:prstGeom prst="rect">
@@ -9576,8 +9576,8 @@
         </p:nvCxnSpPr>
         <p:spPr>
           <a:xfrm rot="5400000">
-            <a:off x="1227288" y="2447942"/>
-            <a:ext cx="646928" cy="1190"/>
+            <a:off x="1205343" y="2469887"/>
+            <a:ext cx="690818" cy="1190"/>
           </a:xfrm>
           <a:prstGeom prst="bentConnector3">
             <a:avLst>
@@ -9618,8 +9618,8 @@
         </p:nvCxnSpPr>
         <p:spPr>
           <a:xfrm rot="5400000">
-            <a:off x="1519108" y="2444756"/>
-            <a:ext cx="642493" cy="3126"/>
+            <a:off x="1497163" y="2466701"/>
+            <a:ext cx="686383" cy="3126"/>
           </a:xfrm>
           <a:prstGeom prst="bentConnector3">
             <a:avLst>
@@ -9660,8 +9660,8 @@
         </p:nvCxnSpPr>
         <p:spPr>
           <a:xfrm rot="16200000" flipH="1">
-            <a:off x="1812704" y="2445529"/>
-            <a:ext cx="642493" cy="1579"/>
+            <a:off x="1790759" y="2467474"/>
+            <a:ext cx="686383" cy="1579"/>
           </a:xfrm>
           <a:prstGeom prst="bentConnector3">
             <a:avLst>
@@ -9702,8 +9702,8 @@
         </p:nvCxnSpPr>
         <p:spPr>
           <a:xfrm rot="16200000" flipH="1">
-            <a:off x="2111184" y="2446160"/>
-            <a:ext cx="642493" cy="318"/>
+            <a:off x="2089239" y="2468105"/>
+            <a:ext cx="686383" cy="318"/>
           </a:xfrm>
           <a:prstGeom prst="bentConnector3">
             <a:avLst>
@@ -9976,7 +9976,7 @@
         </p:nvSpPr>
         <p:spPr>
           <a:xfrm>
-            <a:off x="3856468" y="2769721"/>
+            <a:off x="3856468" y="2813611"/>
             <a:ext cx="249619" cy="164702"/>
           </a:xfrm>
           <a:prstGeom prst="ellipse">
@@ -10021,7 +10021,7 @@
         </p:nvSpPr>
         <p:spPr>
           <a:xfrm>
-            <a:off x="4145102" y="2765286"/>
+            <a:off x="4145102" y="2809176"/>
             <a:ext cx="249619" cy="164702"/>
           </a:xfrm>
           <a:prstGeom prst="ellipse">
@@ -10066,7 +10066,7 @@
         </p:nvSpPr>
         <p:spPr>
           <a:xfrm>
-            <a:off x="4441051" y="2765286"/>
+            <a:off x="4441051" y="2809176"/>
             <a:ext cx="249619" cy="164702"/>
           </a:xfrm>
           <a:prstGeom prst="ellipse">
@@ -10111,7 +10111,7 @@
         </p:nvSpPr>
         <p:spPr>
           <a:xfrm>
-            <a:off x="4738900" y="2765286"/>
+            <a:off x="4738900" y="2809176"/>
             <a:ext cx="249619" cy="164702"/>
           </a:xfrm>
           <a:prstGeom prst="ellipse">
@@ -10477,8 +10477,8 @@
         </p:nvCxnSpPr>
         <p:spPr>
           <a:xfrm rot="5400000">
-            <a:off x="3658409" y="2445662"/>
-            <a:ext cx="646928" cy="1190"/>
+            <a:off x="3636464" y="2467607"/>
+            <a:ext cx="690818" cy="1190"/>
           </a:xfrm>
           <a:prstGeom prst="bentConnector3">
             <a:avLst>
@@ -10519,8 +10519,8 @@
         </p:nvCxnSpPr>
         <p:spPr>
           <a:xfrm rot="5400000">
-            <a:off x="3950229" y="2442476"/>
-            <a:ext cx="642493" cy="3126"/>
+            <a:off x="3928284" y="2464421"/>
+            <a:ext cx="686383" cy="3126"/>
           </a:xfrm>
           <a:prstGeom prst="bentConnector3">
             <a:avLst>
@@ -10561,8 +10561,8 @@
         </p:nvCxnSpPr>
         <p:spPr>
           <a:xfrm rot="16200000" flipH="1">
-            <a:off x="4243825" y="2443249"/>
-            <a:ext cx="642493" cy="1579"/>
+            <a:off x="4221880" y="2465194"/>
+            <a:ext cx="686383" cy="1579"/>
           </a:xfrm>
           <a:prstGeom prst="bentConnector3">
             <a:avLst>
@@ -10603,8 +10603,8 @@
         </p:nvCxnSpPr>
         <p:spPr>
           <a:xfrm rot="16200000" flipH="1">
-            <a:off x="4542305" y="2443880"/>
-            <a:ext cx="642493" cy="318"/>
+            <a:off x="4520360" y="2465825"/>
+            <a:ext cx="686383" cy="318"/>
           </a:xfrm>
           <a:prstGeom prst="bentConnector3">
             <a:avLst>
@@ -11165,7 +11165,7 @@
         </p:nvSpPr>
         <p:spPr>
           <a:xfrm>
-            <a:off x="5191173" y="3753719"/>
+            <a:off x="5191173" y="3739089"/>
             <a:ext cx="491349" cy="215444"/>
           </a:xfrm>
           <a:prstGeom prst="rect">
@@ -11253,8 +11253,8 @@
         </p:nvCxnSpPr>
         <p:spPr>
           <a:xfrm>
-            <a:off x="5855590" y="2917695"/>
-            <a:ext cx="428181" cy="752784"/>
+            <a:off x="5855590" y="2961585"/>
+            <a:ext cx="428181" cy="708894"/>
           </a:xfrm>
           <a:prstGeom prst="straightConnector1">
             <a:avLst/>
@@ -11293,8 +11293,8 @@
         </p:nvCxnSpPr>
         <p:spPr>
           <a:xfrm>
-            <a:off x="6151539" y="2913260"/>
-            <a:ext cx="132232" cy="757219"/>
+            <a:off x="6151539" y="2957150"/>
+            <a:ext cx="132232" cy="713329"/>
           </a:xfrm>
           <a:prstGeom prst="straightConnector1">
             <a:avLst/>
@@ -11333,8 +11333,8 @@
         </p:nvCxnSpPr>
         <p:spPr>
           <a:xfrm flipH="1">
-            <a:off x="6283771" y="2913260"/>
-            <a:ext cx="156402" cy="757219"/>
+            <a:off x="6283771" y="2957150"/>
+            <a:ext cx="156402" cy="713329"/>
           </a:xfrm>
           <a:prstGeom prst="straightConnector1">
             <a:avLst/>
@@ -11373,8 +11373,8 @@
         </p:nvCxnSpPr>
         <p:spPr>
           <a:xfrm flipH="1">
-            <a:off x="6283771" y="2913260"/>
-            <a:ext cx="454251" cy="757219"/>
+            <a:off x="6283771" y="2957150"/>
+            <a:ext cx="454251" cy="713329"/>
           </a:xfrm>
           <a:prstGeom prst="straightConnector1">
             <a:avLst/>
@@ -11413,8 +11413,8 @@
         </p:nvCxnSpPr>
         <p:spPr>
           <a:xfrm rot="5400000">
-            <a:off x="5419938" y="1888646"/>
-            <a:ext cx="1300000" cy="428695"/>
+            <a:off x="5397993" y="1910591"/>
+            <a:ext cx="1343890" cy="428695"/>
           </a:xfrm>
           <a:prstGeom prst="bentConnector3">
             <a:avLst>
@@ -11455,8 +11455,8 @@
         </p:nvCxnSpPr>
         <p:spPr>
           <a:xfrm rot="5400000">
-            <a:off x="5570130" y="2034402"/>
-            <a:ext cx="1295565" cy="132746"/>
+            <a:off x="5548185" y="2056347"/>
+            <a:ext cx="1339455" cy="132746"/>
           </a:xfrm>
           <a:prstGeom prst="bentConnector3">
             <a:avLst>
@@ -11497,8 +11497,8 @@
         </p:nvCxnSpPr>
         <p:spPr>
           <a:xfrm rot="16200000" flipH="1">
-            <a:off x="5714447" y="2022831"/>
-            <a:ext cx="1295565" cy="155888"/>
+            <a:off x="5692502" y="2044776"/>
+            <a:ext cx="1339455" cy="155888"/>
           </a:xfrm>
           <a:prstGeom prst="bentConnector3">
             <a:avLst>
@@ -11539,8 +11539,8 @@
         </p:nvCxnSpPr>
         <p:spPr>
           <a:xfrm rot="16200000" flipH="1">
-            <a:off x="5863371" y="1873906"/>
-            <a:ext cx="1295565" cy="453737"/>
+            <a:off x="5841426" y="1895851"/>
+            <a:ext cx="1339455" cy="453737"/>
           </a:xfrm>
           <a:prstGeom prst="bentConnector3">
             <a:avLst>
